--- a/Todoアプリ_谷維案.pptx
+++ b/Todoアプリ_谷維案.pptx
@@ -6,6 +6,11 @@
   </p:sldMasterIdLst>
   <p:sldIdLst>
     <p:sldId id="256" r:id="rId2"/>
+    <p:sldId id="258" r:id="rId3"/>
+    <p:sldId id="259" r:id="rId4"/>
+    <p:sldId id="260" r:id="rId5"/>
+    <p:sldId id="261" r:id="rId6"/>
+    <p:sldId id="257" r:id="rId7"/>
   </p:sldIdLst>
   <p:sldSz cx="12192000" cy="6858000"/>
   <p:notesSz cx="6858000" cy="9144000"/>
@@ -104,6 +109,11 @@
       </a:defRPr>
     </a:lvl9pPr>
   </p:defaultTextStyle>
+  <p:extLst>
+    <p:ext uri="{EFAFB233-063F-42B5-8137-9DF3F51BA10A}">
+      <p15:sldGuideLst xmlns:p15="http://schemas.microsoft.com/office/powerpoint/2012/main"/>
+    </p:ext>
+  </p:extLst>
 </p:presentation>
 </file>
 
@@ -254,7 +264,7 @@
           <a:p>
             <a:fld id="{C31ABA05-A337-4D84-A9B5-16C4340BA0E3}" type="datetimeFigureOut">
               <a:rPr kumimoji="1" lang="ja-JP" altLang="en-US" smtClean="0"/>
-              <a:t>2025/5/7</a:t>
+              <a:t>2025/7/2</a:t>
             </a:fld>
             <a:endParaRPr kumimoji="1" lang="ja-JP" altLang="en-US"/>
           </a:p>
@@ -484,7 +494,7 @@
           <a:p>
             <a:fld id="{C31ABA05-A337-4D84-A9B5-16C4340BA0E3}" type="datetimeFigureOut">
               <a:rPr kumimoji="1" lang="ja-JP" altLang="en-US" smtClean="0"/>
-              <a:t>2025/5/7</a:t>
+              <a:t>2025/7/2</a:t>
             </a:fld>
             <a:endParaRPr kumimoji="1" lang="ja-JP" altLang="en-US"/>
           </a:p>
@@ -724,7 +734,7 @@
           <a:p>
             <a:fld id="{C31ABA05-A337-4D84-A9B5-16C4340BA0E3}" type="datetimeFigureOut">
               <a:rPr kumimoji="1" lang="ja-JP" altLang="en-US" smtClean="0"/>
-              <a:t>2025/5/7</a:t>
+              <a:t>2025/7/2</a:t>
             </a:fld>
             <a:endParaRPr kumimoji="1" lang="ja-JP" altLang="en-US"/>
           </a:p>
@@ -954,7 +964,7 @@
           <a:p>
             <a:fld id="{C31ABA05-A337-4D84-A9B5-16C4340BA0E3}" type="datetimeFigureOut">
               <a:rPr kumimoji="1" lang="ja-JP" altLang="en-US" smtClean="0"/>
-              <a:t>2025/5/7</a:t>
+              <a:t>2025/7/2</a:t>
             </a:fld>
             <a:endParaRPr kumimoji="1" lang="ja-JP" altLang="en-US"/>
           </a:p>
@@ -1229,7 +1239,7 @@
           <a:p>
             <a:fld id="{C31ABA05-A337-4D84-A9B5-16C4340BA0E3}" type="datetimeFigureOut">
               <a:rPr kumimoji="1" lang="ja-JP" altLang="en-US" smtClean="0"/>
-              <a:t>2025/5/7</a:t>
+              <a:t>2025/7/2</a:t>
             </a:fld>
             <a:endParaRPr kumimoji="1" lang="ja-JP" altLang="en-US"/>
           </a:p>
@@ -1558,7 +1568,7 @@
           <a:p>
             <a:fld id="{C31ABA05-A337-4D84-A9B5-16C4340BA0E3}" type="datetimeFigureOut">
               <a:rPr kumimoji="1" lang="ja-JP" altLang="en-US" smtClean="0"/>
-              <a:t>2025/5/7</a:t>
+              <a:t>2025/7/2</a:t>
             </a:fld>
             <a:endParaRPr kumimoji="1" lang="ja-JP" altLang="en-US"/>
           </a:p>
@@ -2034,7 +2044,7 @@
           <a:p>
             <a:fld id="{C31ABA05-A337-4D84-A9B5-16C4340BA0E3}" type="datetimeFigureOut">
               <a:rPr kumimoji="1" lang="ja-JP" altLang="en-US" smtClean="0"/>
-              <a:t>2025/5/7</a:t>
+              <a:t>2025/7/2</a:t>
             </a:fld>
             <a:endParaRPr kumimoji="1" lang="ja-JP" altLang="en-US"/>
           </a:p>
@@ -2175,7 +2185,7 @@
           <a:p>
             <a:fld id="{C31ABA05-A337-4D84-A9B5-16C4340BA0E3}" type="datetimeFigureOut">
               <a:rPr kumimoji="1" lang="ja-JP" altLang="en-US" smtClean="0"/>
-              <a:t>2025/5/7</a:t>
+              <a:t>2025/7/2</a:t>
             </a:fld>
             <a:endParaRPr kumimoji="1" lang="ja-JP" altLang="en-US"/>
           </a:p>
@@ -2288,7 +2298,7 @@
           <a:p>
             <a:fld id="{C31ABA05-A337-4D84-A9B5-16C4340BA0E3}" type="datetimeFigureOut">
               <a:rPr kumimoji="1" lang="ja-JP" altLang="en-US" smtClean="0"/>
-              <a:t>2025/5/7</a:t>
+              <a:t>2025/7/2</a:t>
             </a:fld>
             <a:endParaRPr kumimoji="1" lang="ja-JP" altLang="en-US"/>
           </a:p>
@@ -2631,7 +2641,7 @@
           <a:p>
             <a:fld id="{C31ABA05-A337-4D84-A9B5-16C4340BA0E3}" type="datetimeFigureOut">
               <a:rPr kumimoji="1" lang="ja-JP" altLang="en-US" smtClean="0"/>
-              <a:t>2025/5/7</a:t>
+              <a:t>2025/7/2</a:t>
             </a:fld>
             <a:endParaRPr kumimoji="1" lang="ja-JP" altLang="en-US"/>
           </a:p>
@@ -2919,7 +2929,7 @@
           <a:p>
             <a:fld id="{C31ABA05-A337-4D84-A9B5-16C4340BA0E3}" type="datetimeFigureOut">
               <a:rPr kumimoji="1" lang="ja-JP" altLang="en-US" smtClean="0"/>
-              <a:t>2025/5/7</a:t>
+              <a:t>2025/7/2</a:t>
             </a:fld>
             <a:endParaRPr kumimoji="1" lang="ja-JP" altLang="en-US"/>
           </a:p>
@@ -3192,7 +3202,7 @@
           <a:p>
             <a:fld id="{C31ABA05-A337-4D84-A9B5-16C4340BA0E3}" type="datetimeFigureOut">
               <a:rPr kumimoji="1" lang="ja-JP" altLang="en-US" smtClean="0"/>
-              <a:t>2025/5/7</a:t>
+              <a:t>2025/7/2</a:t>
             </a:fld>
             <a:endParaRPr kumimoji="1" lang="ja-JP" altLang="en-US"/>
           </a:p>
@@ -3664,47 +3674,10 @@
           <a:lstStyle/>
           <a:p>
             <a:r>
-              <a:rPr kumimoji="1" lang="ja-JP" altLang="en-US" dirty="0"/>
-              <a:t>・やることリストを</a:t>
-            </a:r>
-            <a:r>
-              <a:rPr kumimoji="1" lang="en-US" altLang="ja-JP" dirty="0"/>
-              <a:t>DB</a:t>
-            </a:r>
-            <a:r>
-              <a:rPr kumimoji="1" lang="ja-JP" altLang="en-US" dirty="0"/>
-              <a:t>に登録・更新・削除</a:t>
-            </a:r>
-            <a:endParaRPr kumimoji="1" lang="en-US" altLang="ja-JP" dirty="0"/>
-          </a:p>
-          <a:p>
-            <a:r>
               <a:rPr lang="ja-JP" altLang="en-US" dirty="0"/>
-              <a:t>・その他の機能は現在検討中</a:t>
+              <a:t>高度情報工学科　谷維案</a:t>
             </a:r>
             <a:endParaRPr lang="en-US" altLang="ja-JP" dirty="0"/>
-          </a:p>
-          <a:p>
-            <a:r>
-              <a:rPr kumimoji="1" lang="ja-JP" altLang="en-US" dirty="0"/>
-              <a:t>参考</a:t>
-            </a:r>
-            <a:r>
-              <a:rPr kumimoji="1" lang="en-US" altLang="ja-JP" dirty="0"/>
-              <a:t>URL</a:t>
-            </a:r>
-            <a:r>
-              <a:rPr kumimoji="1" lang="ja-JP" altLang="en-US" dirty="0"/>
-              <a:t>：</a:t>
-            </a:r>
-            <a:r>
-              <a:rPr kumimoji="1" lang="en-US" altLang="ja-JP" dirty="0"/>
-              <a:t>https://www.flutter-study.dev/</a:t>
-            </a:r>
-            <a:endParaRPr kumimoji="1" lang="ja-JP" altLang="en-US" dirty="0"/>
-          </a:p>
-          <a:p>
-            <a:endParaRPr kumimoji="1" lang="ja-JP" altLang="en-US" dirty="0"/>
           </a:p>
         </p:txBody>
       </p:sp>
@@ -3712,6 +3685,800 @@
     <p:extLst>
       <p:ext uri="{BB962C8B-B14F-4D97-AF65-F5344CB8AC3E}">
         <p14:creationId xmlns:p14="http://schemas.microsoft.com/office/powerpoint/2010/main" val="1168358860"/>
+      </p:ext>
+    </p:extLst>
+  </p:cSld>
+  <p:clrMapOvr>
+    <a:masterClrMapping/>
+  </p:clrMapOvr>
+</p:sld>
+</file>
+
+<file path=ppt/slides/slide2.xml><?xml version="1.0" encoding="utf-8"?>
+<p:sld xmlns:a="http://schemas.openxmlformats.org/drawingml/2006/main" xmlns:r="http://schemas.openxmlformats.org/officeDocument/2006/relationships" xmlns:p="http://schemas.openxmlformats.org/presentationml/2006/main">
+  <p:cSld>
+    <p:spTree>
+      <p:nvGrpSpPr>
+        <p:cNvPr id="1" name=""/>
+        <p:cNvGrpSpPr/>
+        <p:nvPr/>
+      </p:nvGrpSpPr>
+      <p:grpSpPr>
+        <a:xfrm>
+          <a:off x="0" y="0"/>
+          <a:ext cx="0" cy="0"/>
+          <a:chOff x="0" y="0"/>
+          <a:chExt cx="0" cy="0"/>
+        </a:xfrm>
+      </p:grpSpPr>
+      <p:sp>
+        <p:nvSpPr>
+          <p:cNvPr id="2" name="タイトル 1">
+            <a:extLst>
+              <a:ext uri="{FF2B5EF4-FFF2-40B4-BE49-F238E27FC236}">
+                <a16:creationId xmlns:a16="http://schemas.microsoft.com/office/drawing/2014/main" id="{DD264ACC-2B85-7DAE-C4C9-AC64DAE1C0EC}"/>
+              </a:ext>
+            </a:extLst>
+          </p:cNvPr>
+          <p:cNvSpPr>
+            <a:spLocks noGrp="1"/>
+          </p:cNvSpPr>
+          <p:nvPr>
+            <p:ph type="title"/>
+          </p:nvPr>
+        </p:nvSpPr>
+        <p:spPr/>
+        <p:txBody>
+          <a:bodyPr/>
+          <a:lstStyle/>
+          <a:p>
+            <a:r>
+              <a:rPr kumimoji="1" lang="ja-JP" altLang="en-US" dirty="0"/>
+              <a:t>アプリ概要</a:t>
+            </a:r>
+          </a:p>
+        </p:txBody>
+      </p:sp>
+      <p:sp>
+        <p:nvSpPr>
+          <p:cNvPr id="3" name="コンテンツ プレースホルダー 2">
+            <a:extLst>
+              <a:ext uri="{FF2B5EF4-FFF2-40B4-BE49-F238E27FC236}">
+                <a16:creationId xmlns:a16="http://schemas.microsoft.com/office/drawing/2014/main" id="{1DD9A0B5-A4D3-7B42-B009-808FA8A2DA69}"/>
+              </a:ext>
+            </a:extLst>
+          </p:cNvPr>
+          <p:cNvSpPr>
+            <a:spLocks noGrp="1"/>
+          </p:cNvSpPr>
+          <p:nvPr>
+            <p:ph idx="1"/>
+          </p:nvPr>
+        </p:nvSpPr>
+        <p:spPr/>
+        <p:txBody>
+          <a:bodyPr/>
+          <a:lstStyle/>
+          <a:p>
+            <a:r>
+              <a:rPr kumimoji="1" lang="ja-JP" altLang="en-US" dirty="0"/>
+              <a:t>やることリストにやることを追加</a:t>
+            </a:r>
+            <a:endParaRPr kumimoji="1" lang="en-US" altLang="ja-JP" dirty="0"/>
+          </a:p>
+          <a:p>
+            <a:r>
+              <a:rPr lang="ja-JP" altLang="en-US" dirty="0"/>
+              <a:t>カテゴリーごとに表示</a:t>
+            </a:r>
+            <a:endParaRPr lang="en-US" altLang="ja-JP" dirty="0"/>
+          </a:p>
+          <a:p>
+            <a:r>
+              <a:rPr kumimoji="1" lang="ja-JP" altLang="en-US" dirty="0"/>
+              <a:t>完了</a:t>
+            </a:r>
+            <a:r>
+              <a:rPr kumimoji="1" lang="en-US" altLang="ja-JP" dirty="0"/>
+              <a:t>/</a:t>
+            </a:r>
+            <a:r>
+              <a:rPr kumimoji="1" lang="ja-JP" altLang="en-US" dirty="0"/>
+              <a:t>未完了で表示</a:t>
+            </a:r>
+            <a:endParaRPr kumimoji="1" lang="en-US" altLang="ja-JP" dirty="0"/>
+          </a:p>
+          <a:p>
+            <a:r>
+              <a:rPr lang="ja-JP" altLang="en-US" dirty="0"/>
+              <a:t>ログインしたユーザーが追加したデータのみ参照</a:t>
+            </a:r>
+            <a:endParaRPr kumimoji="1" lang="ja-JP" altLang="en-US" dirty="0"/>
+          </a:p>
+        </p:txBody>
+      </p:sp>
+    </p:spTree>
+    <p:extLst>
+      <p:ext uri="{BB962C8B-B14F-4D97-AF65-F5344CB8AC3E}">
+        <p14:creationId xmlns:p14="http://schemas.microsoft.com/office/powerpoint/2010/main" val="1452124979"/>
+      </p:ext>
+    </p:extLst>
+  </p:cSld>
+  <p:clrMapOvr>
+    <a:masterClrMapping/>
+  </p:clrMapOvr>
+</p:sld>
+</file>
+
+<file path=ppt/slides/slide3.xml><?xml version="1.0" encoding="utf-8"?>
+<p:sld xmlns:a="http://schemas.openxmlformats.org/drawingml/2006/main" xmlns:r="http://schemas.openxmlformats.org/officeDocument/2006/relationships" xmlns:p="http://schemas.openxmlformats.org/presentationml/2006/main">
+  <p:cSld>
+    <p:spTree>
+      <p:nvGrpSpPr>
+        <p:cNvPr id="1" name=""/>
+        <p:cNvGrpSpPr/>
+        <p:nvPr/>
+      </p:nvGrpSpPr>
+      <p:grpSpPr>
+        <a:xfrm>
+          <a:off x="0" y="0"/>
+          <a:ext cx="0" cy="0"/>
+          <a:chOff x="0" y="0"/>
+          <a:chExt cx="0" cy="0"/>
+        </a:xfrm>
+      </p:grpSpPr>
+      <p:sp>
+        <p:nvSpPr>
+          <p:cNvPr id="2" name="タイトル 1">
+            <a:extLst>
+              <a:ext uri="{FF2B5EF4-FFF2-40B4-BE49-F238E27FC236}">
+                <a16:creationId xmlns:a16="http://schemas.microsoft.com/office/drawing/2014/main" id="{3AD53592-0EBC-BE9F-CCBE-509932DBEA36}"/>
+              </a:ext>
+            </a:extLst>
+          </p:cNvPr>
+          <p:cNvSpPr>
+            <a:spLocks noGrp="1"/>
+          </p:cNvSpPr>
+          <p:nvPr>
+            <p:ph type="title"/>
+          </p:nvPr>
+        </p:nvSpPr>
+        <p:spPr/>
+        <p:txBody>
+          <a:bodyPr/>
+          <a:lstStyle/>
+          <a:p>
+            <a:r>
+              <a:rPr kumimoji="1" lang="ja-JP" altLang="en-US" dirty="0"/>
+              <a:t>アプリ制作の背景</a:t>
+            </a:r>
+          </a:p>
+        </p:txBody>
+      </p:sp>
+      <p:sp>
+        <p:nvSpPr>
+          <p:cNvPr id="3" name="コンテンツ プレースホルダー 2">
+            <a:extLst>
+              <a:ext uri="{FF2B5EF4-FFF2-40B4-BE49-F238E27FC236}">
+                <a16:creationId xmlns:a16="http://schemas.microsoft.com/office/drawing/2014/main" id="{27E97101-3732-8695-95AB-2BD1B006E531}"/>
+              </a:ext>
+            </a:extLst>
+          </p:cNvPr>
+          <p:cNvSpPr>
+            <a:spLocks noGrp="1"/>
+          </p:cNvSpPr>
+          <p:nvPr>
+            <p:ph idx="1"/>
+          </p:nvPr>
+        </p:nvSpPr>
+        <p:spPr/>
+        <p:txBody>
+          <a:bodyPr/>
+          <a:lstStyle/>
+          <a:p>
+            <a:r>
+              <a:rPr kumimoji="1" lang="ja-JP" altLang="en-US" dirty="0"/>
+              <a:t>個人で本格的なアプリ開発をあんまりしたことなかった＋</a:t>
+            </a:r>
+            <a:r>
+              <a:rPr kumimoji="1" lang="en-US" altLang="ja-JP" dirty="0"/>
+              <a:t>flutter</a:t>
+            </a:r>
+            <a:r>
+              <a:rPr lang="ja-JP" altLang="en-US" dirty="0"/>
+              <a:t>と</a:t>
+            </a:r>
+            <a:r>
+              <a:rPr lang="en-US" altLang="ja-JP" dirty="0"/>
+              <a:t>dart</a:t>
+            </a:r>
+            <a:r>
+              <a:rPr lang="ja-JP" altLang="en-US" dirty="0"/>
+              <a:t>をよくわかってないので、まずシンプルな</a:t>
+            </a:r>
+            <a:r>
+              <a:rPr lang="en-US" altLang="ja-JP" dirty="0"/>
+              <a:t>Todo</a:t>
+            </a:r>
+            <a:r>
+              <a:rPr lang="ja-JP" altLang="en-US" dirty="0"/>
+              <a:t>アプリを作ろうと思った。</a:t>
+            </a:r>
+            <a:endParaRPr kumimoji="1" lang="ja-JP" altLang="en-US" dirty="0"/>
+          </a:p>
+        </p:txBody>
+      </p:sp>
+    </p:spTree>
+    <p:extLst>
+      <p:ext uri="{BB962C8B-B14F-4D97-AF65-F5344CB8AC3E}">
+        <p14:creationId xmlns:p14="http://schemas.microsoft.com/office/powerpoint/2010/main" val="994092954"/>
+      </p:ext>
+    </p:extLst>
+  </p:cSld>
+  <p:clrMapOvr>
+    <a:masterClrMapping/>
+  </p:clrMapOvr>
+</p:sld>
+</file>
+
+<file path=ppt/slides/slide4.xml><?xml version="1.0" encoding="utf-8"?>
+<p:sld xmlns:a="http://schemas.openxmlformats.org/drawingml/2006/main" xmlns:r="http://schemas.openxmlformats.org/officeDocument/2006/relationships" xmlns:p="http://schemas.openxmlformats.org/presentationml/2006/main">
+  <p:cSld>
+    <p:spTree>
+      <p:nvGrpSpPr>
+        <p:cNvPr id="1" name=""/>
+        <p:cNvGrpSpPr/>
+        <p:nvPr/>
+      </p:nvGrpSpPr>
+      <p:grpSpPr>
+        <a:xfrm>
+          <a:off x="0" y="0"/>
+          <a:ext cx="0" cy="0"/>
+          <a:chOff x="0" y="0"/>
+          <a:chExt cx="0" cy="0"/>
+        </a:xfrm>
+      </p:grpSpPr>
+      <p:sp>
+        <p:nvSpPr>
+          <p:cNvPr id="2" name="タイトル 1">
+            <a:extLst>
+              <a:ext uri="{FF2B5EF4-FFF2-40B4-BE49-F238E27FC236}">
+                <a16:creationId xmlns:a16="http://schemas.microsoft.com/office/drawing/2014/main" id="{377D3DE5-01B9-95AB-39A6-0755F4D99DB0}"/>
+              </a:ext>
+            </a:extLst>
+          </p:cNvPr>
+          <p:cNvSpPr>
+            <a:spLocks noGrp="1"/>
+          </p:cNvSpPr>
+          <p:nvPr>
+            <p:ph type="title"/>
+          </p:nvPr>
+        </p:nvSpPr>
+        <p:spPr/>
+        <p:txBody>
+          <a:bodyPr/>
+          <a:lstStyle/>
+          <a:p>
+            <a:r>
+              <a:rPr kumimoji="1" lang="ja-JP" altLang="en-US" dirty="0"/>
+              <a:t>画面遷移</a:t>
+            </a:r>
+          </a:p>
+        </p:txBody>
+      </p:sp>
+      <p:sp>
+        <p:nvSpPr>
+          <p:cNvPr id="4" name="正方形/長方形 3">
+            <a:extLst>
+              <a:ext uri="{FF2B5EF4-FFF2-40B4-BE49-F238E27FC236}">
+                <a16:creationId xmlns:a16="http://schemas.microsoft.com/office/drawing/2014/main" id="{57AB6593-190D-E563-BC5F-63DFE42DEA2E}"/>
+              </a:ext>
+            </a:extLst>
+          </p:cNvPr>
+          <p:cNvSpPr/>
+          <p:nvPr/>
+        </p:nvSpPr>
+        <p:spPr>
+          <a:xfrm>
+            <a:off x="413657" y="2982686"/>
+            <a:ext cx="2373086" cy="805543"/>
+          </a:xfrm>
+          <a:prstGeom prst="rect">
+            <a:avLst/>
+          </a:prstGeom>
+        </p:spPr>
+        <p:style>
+          <a:lnRef idx="2">
+            <a:schemeClr val="accent1">
+              <a:shade val="15000"/>
+            </a:schemeClr>
+          </a:lnRef>
+          <a:fillRef idx="1">
+            <a:schemeClr val="accent1"/>
+          </a:fillRef>
+          <a:effectRef idx="0">
+            <a:schemeClr val="accent1"/>
+          </a:effectRef>
+          <a:fontRef idx="minor">
+            <a:schemeClr val="lt1"/>
+          </a:fontRef>
+        </p:style>
+        <p:txBody>
+          <a:bodyPr rtlCol="0" anchor="ctr"/>
+          <a:lstStyle/>
+          <a:p>
+            <a:pPr algn="ctr"/>
+            <a:r>
+              <a:rPr kumimoji="1" lang="ja-JP" altLang="en-US" dirty="0"/>
+              <a:t>ログイン画面</a:t>
+            </a:r>
+          </a:p>
+        </p:txBody>
+      </p:sp>
+      <p:cxnSp>
+        <p:nvCxnSpPr>
+          <p:cNvPr id="6" name="直線矢印コネクタ 5">
+            <a:extLst>
+              <a:ext uri="{FF2B5EF4-FFF2-40B4-BE49-F238E27FC236}">
+                <a16:creationId xmlns:a16="http://schemas.microsoft.com/office/drawing/2014/main" id="{D76C77D5-3AB4-39B3-475C-4D44278A3129}"/>
+              </a:ext>
+            </a:extLst>
+          </p:cNvPr>
+          <p:cNvCxnSpPr/>
+          <p:nvPr/>
+        </p:nvCxnSpPr>
+        <p:spPr>
+          <a:xfrm>
+            <a:off x="3113314" y="3429000"/>
+            <a:ext cx="1480457" cy="0"/>
+          </a:xfrm>
+          <a:prstGeom prst="straightConnector1">
+            <a:avLst/>
+          </a:prstGeom>
+          <a:ln>
+            <a:tailEnd type="triangle"/>
+          </a:ln>
+        </p:spPr>
+        <p:style>
+          <a:lnRef idx="2">
+            <a:schemeClr val="accent1"/>
+          </a:lnRef>
+          <a:fillRef idx="0">
+            <a:schemeClr val="accent1"/>
+          </a:fillRef>
+          <a:effectRef idx="1">
+            <a:schemeClr val="accent1"/>
+          </a:effectRef>
+          <a:fontRef idx="minor">
+            <a:schemeClr val="tx1"/>
+          </a:fontRef>
+        </p:style>
+      </p:cxnSp>
+      <p:sp>
+        <p:nvSpPr>
+          <p:cNvPr id="7" name="正方形/長方形 6">
+            <a:extLst>
+              <a:ext uri="{FF2B5EF4-FFF2-40B4-BE49-F238E27FC236}">
+                <a16:creationId xmlns:a16="http://schemas.microsoft.com/office/drawing/2014/main" id="{898F6205-D8C2-AAE9-71F8-C177D4C3DCC5}"/>
+              </a:ext>
+            </a:extLst>
+          </p:cNvPr>
+          <p:cNvSpPr/>
+          <p:nvPr/>
+        </p:nvSpPr>
+        <p:spPr>
+          <a:xfrm>
+            <a:off x="5061857" y="2982686"/>
+            <a:ext cx="2373086" cy="805543"/>
+          </a:xfrm>
+          <a:prstGeom prst="rect">
+            <a:avLst/>
+          </a:prstGeom>
+        </p:spPr>
+        <p:style>
+          <a:lnRef idx="2">
+            <a:schemeClr val="accent1">
+              <a:shade val="15000"/>
+            </a:schemeClr>
+          </a:lnRef>
+          <a:fillRef idx="1">
+            <a:schemeClr val="accent1"/>
+          </a:fillRef>
+          <a:effectRef idx="0">
+            <a:schemeClr val="accent1"/>
+          </a:effectRef>
+          <a:fontRef idx="minor">
+            <a:schemeClr val="lt1"/>
+          </a:fontRef>
+        </p:style>
+        <p:txBody>
+          <a:bodyPr rtlCol="0" anchor="ctr"/>
+          <a:lstStyle/>
+          <a:p>
+            <a:pPr algn="ctr"/>
+            <a:r>
+              <a:rPr kumimoji="1" lang="ja-JP" altLang="en-US" dirty="0"/>
+              <a:t>リスト一覧</a:t>
+            </a:r>
+          </a:p>
+        </p:txBody>
+      </p:sp>
+      <p:sp>
+        <p:nvSpPr>
+          <p:cNvPr id="8" name="正方形/長方形 7">
+            <a:extLst>
+              <a:ext uri="{FF2B5EF4-FFF2-40B4-BE49-F238E27FC236}">
+                <a16:creationId xmlns:a16="http://schemas.microsoft.com/office/drawing/2014/main" id="{A9103DF9-736B-E3CC-3A50-02AAF2F64532}"/>
+              </a:ext>
+            </a:extLst>
+          </p:cNvPr>
+          <p:cNvSpPr/>
+          <p:nvPr/>
+        </p:nvSpPr>
+        <p:spPr>
+          <a:xfrm>
+            <a:off x="9710057" y="2982685"/>
+            <a:ext cx="2373086" cy="805543"/>
+          </a:xfrm>
+          <a:prstGeom prst="rect">
+            <a:avLst/>
+          </a:prstGeom>
+        </p:spPr>
+        <p:style>
+          <a:lnRef idx="2">
+            <a:schemeClr val="accent1">
+              <a:shade val="15000"/>
+            </a:schemeClr>
+          </a:lnRef>
+          <a:fillRef idx="1">
+            <a:schemeClr val="accent1"/>
+          </a:fillRef>
+          <a:effectRef idx="0">
+            <a:schemeClr val="accent1"/>
+          </a:effectRef>
+          <a:fontRef idx="minor">
+            <a:schemeClr val="lt1"/>
+          </a:fontRef>
+        </p:style>
+        <p:txBody>
+          <a:bodyPr rtlCol="0" anchor="ctr"/>
+          <a:lstStyle/>
+          <a:p>
+            <a:pPr algn="ctr"/>
+            <a:r>
+              <a:rPr kumimoji="1" lang="ja-JP" altLang="en-US" dirty="0"/>
+              <a:t>リスト追加</a:t>
+            </a:r>
+          </a:p>
+        </p:txBody>
+      </p:sp>
+      <p:cxnSp>
+        <p:nvCxnSpPr>
+          <p:cNvPr id="9" name="直線矢印コネクタ 8">
+            <a:extLst>
+              <a:ext uri="{FF2B5EF4-FFF2-40B4-BE49-F238E27FC236}">
+                <a16:creationId xmlns:a16="http://schemas.microsoft.com/office/drawing/2014/main" id="{1BEF1109-462B-6530-F433-633697552DD9}"/>
+              </a:ext>
+            </a:extLst>
+          </p:cNvPr>
+          <p:cNvCxnSpPr/>
+          <p:nvPr/>
+        </p:nvCxnSpPr>
+        <p:spPr>
+          <a:xfrm>
+            <a:off x="7870371" y="3429000"/>
+            <a:ext cx="1480457" cy="0"/>
+          </a:xfrm>
+          <a:prstGeom prst="straightConnector1">
+            <a:avLst/>
+          </a:prstGeom>
+          <a:ln>
+            <a:tailEnd type="triangle"/>
+          </a:ln>
+        </p:spPr>
+        <p:style>
+          <a:lnRef idx="2">
+            <a:schemeClr val="accent1"/>
+          </a:lnRef>
+          <a:fillRef idx="0">
+            <a:schemeClr val="accent1"/>
+          </a:fillRef>
+          <a:effectRef idx="1">
+            <a:schemeClr val="accent1"/>
+          </a:effectRef>
+          <a:fontRef idx="minor">
+            <a:schemeClr val="tx1"/>
+          </a:fontRef>
+        </p:style>
+      </p:cxnSp>
+      <p:cxnSp>
+        <p:nvCxnSpPr>
+          <p:cNvPr id="10" name="直線矢印コネクタ 9">
+            <a:extLst>
+              <a:ext uri="{FF2B5EF4-FFF2-40B4-BE49-F238E27FC236}">
+                <a16:creationId xmlns:a16="http://schemas.microsoft.com/office/drawing/2014/main" id="{3AE46B02-9084-5F40-AAAA-B158BEAEC934}"/>
+              </a:ext>
+            </a:extLst>
+          </p:cNvPr>
+          <p:cNvCxnSpPr>
+            <a:cxnSpLocks/>
+          </p:cNvCxnSpPr>
+          <p:nvPr/>
+        </p:nvCxnSpPr>
+        <p:spPr>
+          <a:xfrm flipH="1">
+            <a:off x="7870371" y="3102429"/>
+            <a:ext cx="1480457" cy="0"/>
+          </a:xfrm>
+          <a:prstGeom prst="straightConnector1">
+            <a:avLst/>
+          </a:prstGeom>
+          <a:ln>
+            <a:tailEnd type="triangle"/>
+          </a:ln>
+        </p:spPr>
+        <p:style>
+          <a:lnRef idx="2">
+            <a:schemeClr val="accent1"/>
+          </a:lnRef>
+          <a:fillRef idx="0">
+            <a:schemeClr val="accent1"/>
+          </a:fillRef>
+          <a:effectRef idx="1">
+            <a:schemeClr val="accent1"/>
+          </a:effectRef>
+          <a:fontRef idx="minor">
+            <a:schemeClr val="tx1"/>
+          </a:fontRef>
+        </p:style>
+      </p:cxnSp>
+    </p:spTree>
+    <p:extLst>
+      <p:ext uri="{BB962C8B-B14F-4D97-AF65-F5344CB8AC3E}">
+        <p14:creationId xmlns:p14="http://schemas.microsoft.com/office/powerpoint/2010/main" val="333891006"/>
+      </p:ext>
+    </p:extLst>
+  </p:cSld>
+  <p:clrMapOvr>
+    <a:masterClrMapping/>
+  </p:clrMapOvr>
+</p:sld>
+</file>
+
+<file path=ppt/slides/slide5.xml><?xml version="1.0" encoding="utf-8"?>
+<p:sld xmlns:a="http://schemas.openxmlformats.org/drawingml/2006/main" xmlns:r="http://schemas.openxmlformats.org/officeDocument/2006/relationships" xmlns:p="http://schemas.openxmlformats.org/presentationml/2006/main">
+  <p:cSld>
+    <p:spTree>
+      <p:nvGrpSpPr>
+        <p:cNvPr id="1" name=""/>
+        <p:cNvGrpSpPr/>
+        <p:nvPr/>
+      </p:nvGrpSpPr>
+      <p:grpSpPr>
+        <a:xfrm>
+          <a:off x="0" y="0"/>
+          <a:ext cx="0" cy="0"/>
+          <a:chOff x="0" y="0"/>
+          <a:chExt cx="0" cy="0"/>
+        </a:xfrm>
+      </p:grpSpPr>
+      <p:sp>
+        <p:nvSpPr>
+          <p:cNvPr id="2" name="タイトル 1">
+            <a:extLst>
+              <a:ext uri="{FF2B5EF4-FFF2-40B4-BE49-F238E27FC236}">
+                <a16:creationId xmlns:a16="http://schemas.microsoft.com/office/drawing/2014/main" id="{1AF0A42C-EB88-344B-2399-40F5C1F2741B}"/>
+              </a:ext>
+            </a:extLst>
+          </p:cNvPr>
+          <p:cNvSpPr>
+            <a:spLocks noGrp="1"/>
+          </p:cNvSpPr>
+          <p:nvPr>
+            <p:ph type="title"/>
+          </p:nvPr>
+        </p:nvSpPr>
+        <p:spPr/>
+        <p:txBody>
+          <a:bodyPr/>
+          <a:lstStyle/>
+          <a:p>
+            <a:r>
+              <a:rPr kumimoji="1" lang="ja-JP" altLang="en-US" dirty="0"/>
+              <a:t>感想</a:t>
+            </a:r>
+          </a:p>
+        </p:txBody>
+      </p:sp>
+      <p:sp>
+        <p:nvSpPr>
+          <p:cNvPr id="3" name="コンテンツ プレースホルダー 2">
+            <a:extLst>
+              <a:ext uri="{FF2B5EF4-FFF2-40B4-BE49-F238E27FC236}">
+                <a16:creationId xmlns:a16="http://schemas.microsoft.com/office/drawing/2014/main" id="{8FA4FBBF-9924-E283-5835-F41718F94467}"/>
+              </a:ext>
+            </a:extLst>
+          </p:cNvPr>
+          <p:cNvSpPr>
+            <a:spLocks noGrp="1"/>
+          </p:cNvSpPr>
+          <p:nvPr>
+            <p:ph idx="1"/>
+          </p:nvPr>
+        </p:nvSpPr>
+        <p:spPr/>
+        <p:txBody>
+          <a:bodyPr/>
+          <a:lstStyle/>
+          <a:p>
+            <a:r>
+              <a:rPr kumimoji="1" lang="en-US" altLang="ja-JP" dirty="0"/>
+              <a:t>Flutter</a:t>
+            </a:r>
+            <a:r>
+              <a:rPr kumimoji="1" lang="ja-JP" altLang="en-US" dirty="0"/>
+              <a:t>と</a:t>
+            </a:r>
+            <a:r>
+              <a:rPr kumimoji="1" lang="en-US" altLang="ja-JP" dirty="0"/>
+              <a:t>dart</a:t>
+            </a:r>
+            <a:r>
+              <a:rPr kumimoji="1" lang="ja-JP" altLang="en-US" dirty="0"/>
+              <a:t>よくわからん</a:t>
+            </a:r>
+            <a:endParaRPr kumimoji="1" lang="en-US" altLang="ja-JP" dirty="0"/>
+          </a:p>
+          <a:p>
+            <a:r>
+              <a:rPr lang="en-US" altLang="ja-JP" dirty="0"/>
+              <a:t>Todo</a:t>
+            </a:r>
+            <a:r>
+              <a:rPr lang="ja-JP" altLang="en-US" dirty="0"/>
+              <a:t>アプリでもめちゃくちゃ苦労</a:t>
+            </a:r>
+            <a:endParaRPr lang="en-US" altLang="ja-JP" dirty="0"/>
+          </a:p>
+          <a:p>
+            <a:r>
+              <a:rPr kumimoji="1" lang="ja-JP" altLang="en-US" dirty="0"/>
+              <a:t>デザインのいじり方が複雑に感じた</a:t>
+            </a:r>
+          </a:p>
+        </p:txBody>
+      </p:sp>
+    </p:spTree>
+    <p:extLst>
+      <p:ext uri="{BB962C8B-B14F-4D97-AF65-F5344CB8AC3E}">
+        <p14:creationId xmlns:p14="http://schemas.microsoft.com/office/powerpoint/2010/main" val="194548043"/>
+      </p:ext>
+    </p:extLst>
+  </p:cSld>
+  <p:clrMapOvr>
+    <a:masterClrMapping/>
+  </p:clrMapOvr>
+</p:sld>
+</file>
+
+<file path=ppt/slides/slide6.xml><?xml version="1.0" encoding="utf-8"?>
+<p:sld xmlns:a="http://schemas.openxmlformats.org/drawingml/2006/main" xmlns:r="http://schemas.openxmlformats.org/officeDocument/2006/relationships" xmlns:p="http://schemas.openxmlformats.org/presentationml/2006/main">
+  <p:cSld>
+    <p:spTree>
+      <p:nvGrpSpPr>
+        <p:cNvPr id="1" name=""/>
+        <p:cNvGrpSpPr/>
+        <p:nvPr/>
+      </p:nvGrpSpPr>
+      <p:grpSpPr>
+        <a:xfrm>
+          <a:off x="0" y="0"/>
+          <a:ext cx="0" cy="0"/>
+          <a:chOff x="0" y="0"/>
+          <a:chExt cx="0" cy="0"/>
+        </a:xfrm>
+      </p:grpSpPr>
+      <p:sp>
+        <p:nvSpPr>
+          <p:cNvPr id="2" name="タイトル 1">
+            <a:extLst>
+              <a:ext uri="{FF2B5EF4-FFF2-40B4-BE49-F238E27FC236}">
+                <a16:creationId xmlns:a16="http://schemas.microsoft.com/office/drawing/2014/main" id="{922D08DB-C13A-69AA-23C6-17E02738B904}"/>
+              </a:ext>
+            </a:extLst>
+          </p:cNvPr>
+          <p:cNvSpPr>
+            <a:spLocks noGrp="1"/>
+          </p:cNvSpPr>
+          <p:nvPr>
+            <p:ph type="title"/>
+          </p:nvPr>
+        </p:nvSpPr>
+        <p:spPr/>
+        <p:txBody>
+          <a:bodyPr/>
+          <a:lstStyle/>
+          <a:p>
+            <a:r>
+              <a:rPr kumimoji="1" lang="ja-JP" altLang="en-US" dirty="0"/>
+              <a:t>開発環境</a:t>
+            </a:r>
+            <a:r>
+              <a:rPr kumimoji="1" lang="en-US" altLang="ja-JP" dirty="0"/>
+              <a:t>&amp;</a:t>
+            </a:r>
+            <a:r>
+              <a:rPr kumimoji="1" lang="ja-JP" altLang="en-US" dirty="0"/>
+              <a:t>参考</a:t>
+            </a:r>
+            <a:r>
+              <a:rPr kumimoji="1" lang="en-US" altLang="ja-JP" dirty="0"/>
+              <a:t>URL</a:t>
+            </a:r>
+            <a:endParaRPr kumimoji="1" lang="ja-JP" altLang="en-US" dirty="0"/>
+          </a:p>
+        </p:txBody>
+      </p:sp>
+      <p:sp>
+        <p:nvSpPr>
+          <p:cNvPr id="3" name="コンテンツ プレースホルダー 2">
+            <a:extLst>
+              <a:ext uri="{FF2B5EF4-FFF2-40B4-BE49-F238E27FC236}">
+                <a16:creationId xmlns:a16="http://schemas.microsoft.com/office/drawing/2014/main" id="{2F62E329-1E28-D9C5-4BC2-2EEFE32AC4F1}"/>
+              </a:ext>
+            </a:extLst>
+          </p:cNvPr>
+          <p:cNvSpPr>
+            <a:spLocks noGrp="1"/>
+          </p:cNvSpPr>
+          <p:nvPr>
+            <p:ph idx="1"/>
+          </p:nvPr>
+        </p:nvSpPr>
+        <p:spPr/>
+        <p:txBody>
+          <a:bodyPr/>
+          <a:lstStyle/>
+          <a:p>
+            <a:r>
+              <a:rPr kumimoji="1" lang="en-US" altLang="ja-JP" dirty="0"/>
+              <a:t>Visual studio code 1.101.2</a:t>
+            </a:r>
+          </a:p>
+          <a:p>
+            <a:r>
+              <a:rPr lang="en-US" altLang="ja-JP" dirty="0"/>
+              <a:t>Flutter  3.24.3</a:t>
+            </a:r>
+          </a:p>
+          <a:p>
+            <a:r>
+              <a:rPr lang="en-US" altLang="ja-JP" dirty="0"/>
+              <a:t>Dart 3.8.1</a:t>
+            </a:r>
+          </a:p>
+          <a:p>
+            <a:r>
+              <a:rPr kumimoji="1" lang="en-US" altLang="ja-JP" dirty="0"/>
+              <a:t>Firebase</a:t>
+            </a:r>
+          </a:p>
+          <a:p>
+            <a:r>
+              <a:rPr lang="en-US" altLang="ja-JP" dirty="0"/>
+              <a:t>https://www.flutter-study.dev/</a:t>
+            </a:r>
+            <a:endParaRPr kumimoji="1" lang="en-US" altLang="ja-JP" dirty="0"/>
+          </a:p>
+          <a:p>
+            <a:endParaRPr kumimoji="1" lang="ja-JP" altLang="en-US" dirty="0"/>
+          </a:p>
+        </p:txBody>
+      </p:sp>
+    </p:spTree>
+    <p:extLst>
+      <p:ext uri="{BB962C8B-B14F-4D97-AF65-F5344CB8AC3E}">
+        <p14:creationId xmlns:p14="http://schemas.microsoft.com/office/powerpoint/2010/main" val="1079173105"/>
       </p:ext>
     </p:extLst>
   </p:cSld>

--- a/Todoアプリ_谷維案.pptx
+++ b/Todoアプリ_谷維案.pptx
@@ -115,6 +115,7725 @@
     </p:ext>
   </p:extLst>
 </p:presentation>
+</file>
+
+<file path=ppt/diagrams/colors1.xml><?xml version="1.0" encoding="utf-8"?>
+<dgm:colorsDef xmlns:dgm="http://schemas.openxmlformats.org/drawingml/2006/diagram" xmlns:a="http://schemas.openxmlformats.org/drawingml/2006/main" uniqueId="urn:microsoft.com/office/officeart/2005/8/colors/colorful2">
+  <dgm:title val=""/>
+  <dgm:desc val=""/>
+  <dgm:catLst>
+    <dgm:cat type="colorful" pri="10200"/>
+  </dgm:catLst>
+  <dgm:styleLbl name="node0">
+    <dgm:fillClrLst meth="repeat">
+      <a:schemeClr val="accent1"/>
+    </dgm:fillClrLst>
+    <dgm:linClrLst meth="repeat">
+      <a:schemeClr val="lt1"/>
+    </dgm:linClrLst>
+    <dgm:effectClrLst/>
+    <dgm:txLinClrLst/>
+    <dgm:txFillClrLst/>
+    <dgm:txEffectClrLst/>
+  </dgm:styleLbl>
+  <dgm:styleLbl name="node1">
+    <dgm:fillClrLst>
+      <a:schemeClr val="accent2"/>
+      <a:schemeClr val="accent3"/>
+    </dgm:fillClrLst>
+    <dgm:linClrLst meth="repeat">
+      <a:schemeClr val="lt1"/>
+    </dgm:linClrLst>
+    <dgm:effectClrLst/>
+    <dgm:txLinClrLst/>
+    <dgm:txFillClrLst/>
+    <dgm:txEffectClrLst/>
+  </dgm:styleLbl>
+  <dgm:styleLbl name="alignNode1">
+    <dgm:fillClrLst>
+      <a:schemeClr val="accent2"/>
+      <a:schemeClr val="accent3"/>
+    </dgm:fillClrLst>
+    <dgm:linClrLst>
+      <a:schemeClr val="accent2"/>
+      <a:schemeClr val="accent3"/>
+    </dgm:linClrLst>
+    <dgm:effectClrLst/>
+    <dgm:txLinClrLst/>
+    <dgm:txFillClrLst/>
+    <dgm:txEffectClrLst/>
+  </dgm:styleLbl>
+  <dgm:styleLbl name="lnNode1">
+    <dgm:fillClrLst>
+      <a:schemeClr val="accent2"/>
+      <a:schemeClr val="accent3"/>
+    </dgm:fillClrLst>
+    <dgm:linClrLst meth="repeat">
+      <a:schemeClr val="lt1"/>
+    </dgm:linClrLst>
+    <dgm:effectClrLst/>
+    <dgm:txLinClrLst/>
+    <dgm:txFillClrLst/>
+    <dgm:txEffectClrLst/>
+  </dgm:styleLbl>
+  <dgm:styleLbl name="vennNode1">
+    <dgm:fillClrLst>
+      <a:schemeClr val="accent2">
+        <a:alpha val="50000"/>
+      </a:schemeClr>
+      <a:schemeClr val="accent3">
+        <a:alpha val="50000"/>
+      </a:schemeClr>
+    </dgm:fillClrLst>
+    <dgm:linClrLst meth="repeat">
+      <a:schemeClr val="lt1"/>
+    </dgm:linClrLst>
+    <dgm:effectClrLst/>
+    <dgm:txLinClrLst/>
+    <dgm:txFillClrLst/>
+    <dgm:txEffectClrLst/>
+  </dgm:styleLbl>
+  <dgm:styleLbl name="node2">
+    <dgm:fillClrLst>
+      <a:schemeClr val="accent3"/>
+    </dgm:fillClrLst>
+    <dgm:linClrLst meth="repeat">
+      <a:schemeClr val="lt1"/>
+    </dgm:linClrLst>
+    <dgm:effectClrLst/>
+    <dgm:txLinClrLst/>
+    <dgm:txFillClrLst/>
+    <dgm:txEffectClrLst/>
+  </dgm:styleLbl>
+  <dgm:styleLbl name="node3">
+    <dgm:fillClrLst>
+      <a:schemeClr val="accent4"/>
+    </dgm:fillClrLst>
+    <dgm:linClrLst meth="repeat">
+      <a:schemeClr val="lt1"/>
+    </dgm:linClrLst>
+    <dgm:effectClrLst/>
+    <dgm:txLinClrLst/>
+    <dgm:txFillClrLst/>
+    <dgm:txEffectClrLst/>
+  </dgm:styleLbl>
+  <dgm:styleLbl name="node4">
+    <dgm:fillClrLst>
+      <a:schemeClr val="accent5"/>
+    </dgm:fillClrLst>
+    <dgm:linClrLst meth="repeat">
+      <a:schemeClr val="lt1"/>
+    </dgm:linClrLst>
+    <dgm:effectClrLst/>
+    <dgm:txLinClrLst/>
+    <dgm:txFillClrLst/>
+    <dgm:txEffectClrLst/>
+  </dgm:styleLbl>
+  <dgm:styleLbl name="fgImgPlace1">
+    <dgm:fillClrLst>
+      <a:schemeClr val="accent2">
+        <a:tint val="50000"/>
+      </a:schemeClr>
+      <a:schemeClr val="accent3">
+        <a:tint val="50000"/>
+      </a:schemeClr>
+    </dgm:fillClrLst>
+    <dgm:linClrLst meth="repeat">
+      <a:schemeClr val="lt1"/>
+    </dgm:linClrLst>
+    <dgm:effectClrLst/>
+    <dgm:txLinClrLst/>
+    <dgm:txFillClrLst meth="repeat">
+      <a:schemeClr val="lt1"/>
+    </dgm:txFillClrLst>
+    <dgm:txEffectClrLst/>
+  </dgm:styleLbl>
+  <dgm:styleLbl name="alignImgPlace1">
+    <dgm:fillClrLst>
+      <a:schemeClr val="accent2">
+        <a:tint val="50000"/>
+      </a:schemeClr>
+      <a:schemeClr val="accent3">
+        <a:tint val="20000"/>
+      </a:schemeClr>
+    </dgm:fillClrLst>
+    <dgm:linClrLst meth="repeat">
+      <a:schemeClr val="lt1"/>
+    </dgm:linClrLst>
+    <dgm:effectClrLst/>
+    <dgm:txLinClrLst/>
+    <dgm:txFillClrLst meth="repeat">
+      <a:schemeClr val="lt1"/>
+    </dgm:txFillClrLst>
+    <dgm:txEffectClrLst/>
+  </dgm:styleLbl>
+  <dgm:styleLbl name="bgImgPlace1">
+    <dgm:fillClrLst>
+      <a:schemeClr val="accent2">
+        <a:tint val="50000"/>
+      </a:schemeClr>
+      <a:schemeClr val="accent3">
+        <a:tint val="20000"/>
+      </a:schemeClr>
+    </dgm:fillClrLst>
+    <dgm:linClrLst meth="repeat">
+      <a:schemeClr val="lt1"/>
+    </dgm:linClrLst>
+    <dgm:effectClrLst/>
+    <dgm:txLinClrLst/>
+    <dgm:txFillClrLst meth="repeat">
+      <a:schemeClr val="lt1"/>
+    </dgm:txFillClrLst>
+    <dgm:txEffectClrLst/>
+  </dgm:styleLbl>
+  <dgm:styleLbl name="sibTrans2D1">
+    <dgm:fillClrLst>
+      <a:schemeClr val="accent2"/>
+      <a:schemeClr val="accent3"/>
+    </dgm:fillClrLst>
+    <dgm:linClrLst meth="repeat">
+      <a:schemeClr val="lt1"/>
+    </dgm:linClrLst>
+    <dgm:effectClrLst/>
+    <dgm:txLinClrLst/>
+    <dgm:txFillClrLst/>
+    <dgm:txEffectClrLst/>
+  </dgm:styleLbl>
+  <dgm:styleLbl name="fgSibTrans2D1">
+    <dgm:fillClrLst>
+      <a:schemeClr val="accent2"/>
+      <a:schemeClr val="accent3"/>
+    </dgm:fillClrLst>
+    <dgm:linClrLst meth="repeat">
+      <a:schemeClr val="lt1"/>
+    </dgm:linClrLst>
+    <dgm:effectClrLst/>
+    <dgm:txLinClrLst/>
+    <dgm:txFillClrLst meth="repeat">
+      <a:schemeClr val="lt1"/>
+    </dgm:txFillClrLst>
+    <dgm:txEffectClrLst/>
+  </dgm:styleLbl>
+  <dgm:styleLbl name="bgSibTrans2D1">
+    <dgm:fillClrLst>
+      <a:schemeClr val="accent2"/>
+      <a:schemeClr val="accent3"/>
+    </dgm:fillClrLst>
+    <dgm:linClrLst meth="repeat">
+      <a:schemeClr val="lt1"/>
+    </dgm:linClrLst>
+    <dgm:effectClrLst/>
+    <dgm:txLinClrLst/>
+    <dgm:txFillClrLst meth="repeat">
+      <a:schemeClr val="lt1"/>
+    </dgm:txFillClrLst>
+    <dgm:txEffectClrLst/>
+  </dgm:styleLbl>
+  <dgm:styleLbl name="sibTrans1D1">
+    <dgm:fillClrLst/>
+    <dgm:linClrLst>
+      <a:schemeClr val="accent2"/>
+      <a:schemeClr val="accent3"/>
+    </dgm:linClrLst>
+    <dgm:effectClrLst/>
+    <dgm:txLinClrLst/>
+    <dgm:txFillClrLst meth="repeat">
+      <a:schemeClr val="tx1"/>
+    </dgm:txFillClrLst>
+    <dgm:txEffectClrLst/>
+  </dgm:styleLbl>
+  <dgm:styleLbl name="callout">
+    <dgm:fillClrLst meth="repeat">
+      <a:schemeClr val="accent2"/>
+    </dgm:fillClrLst>
+    <dgm:linClrLst meth="repeat">
+      <a:schemeClr val="accent2">
+        <a:tint val="50000"/>
+      </a:schemeClr>
+    </dgm:linClrLst>
+    <dgm:effectClrLst/>
+    <dgm:txLinClrLst/>
+    <dgm:txFillClrLst meth="repeat">
+      <a:schemeClr val="tx1"/>
+    </dgm:txFillClrLst>
+    <dgm:txEffectClrLst/>
+  </dgm:styleLbl>
+  <dgm:styleLbl name="asst0">
+    <dgm:fillClrLst meth="repeat">
+      <a:schemeClr val="accent2"/>
+    </dgm:fillClrLst>
+    <dgm:linClrLst meth="repeat">
+      <a:schemeClr val="lt1">
+        <a:shade val="80000"/>
+      </a:schemeClr>
+    </dgm:linClrLst>
+    <dgm:effectClrLst/>
+    <dgm:txLinClrLst/>
+    <dgm:txFillClrLst/>
+    <dgm:txEffectClrLst/>
+  </dgm:styleLbl>
+  <dgm:styleLbl name="asst1">
+    <dgm:fillClrLst meth="repeat">
+      <a:schemeClr val="accent3"/>
+    </dgm:fillClrLst>
+    <dgm:linClrLst meth="repeat">
+      <a:schemeClr val="lt1">
+        <a:shade val="80000"/>
+      </a:schemeClr>
+    </dgm:linClrLst>
+    <dgm:effectClrLst/>
+    <dgm:txLinClrLst/>
+    <dgm:txFillClrLst/>
+    <dgm:txEffectClrLst/>
+  </dgm:styleLbl>
+  <dgm:styleLbl name="asst2">
+    <dgm:fillClrLst>
+      <a:schemeClr val="accent4"/>
+    </dgm:fillClrLst>
+    <dgm:linClrLst meth="repeat">
+      <a:schemeClr val="lt1"/>
+    </dgm:linClrLst>
+    <dgm:effectClrLst/>
+    <dgm:txLinClrLst/>
+    <dgm:txFillClrLst/>
+    <dgm:txEffectClrLst/>
+  </dgm:styleLbl>
+  <dgm:styleLbl name="asst3">
+    <dgm:fillClrLst>
+      <a:schemeClr val="accent5"/>
+    </dgm:fillClrLst>
+    <dgm:linClrLst meth="repeat">
+      <a:schemeClr val="lt1"/>
+    </dgm:linClrLst>
+    <dgm:effectClrLst/>
+    <dgm:txLinClrLst/>
+    <dgm:txFillClrLst/>
+    <dgm:txEffectClrLst/>
+  </dgm:styleLbl>
+  <dgm:styleLbl name="asst4">
+    <dgm:fillClrLst>
+      <a:schemeClr val="accent6"/>
+    </dgm:fillClrLst>
+    <dgm:linClrLst meth="repeat">
+      <a:schemeClr val="lt1"/>
+    </dgm:linClrLst>
+    <dgm:effectClrLst/>
+    <dgm:txLinClrLst/>
+    <dgm:txFillClrLst/>
+    <dgm:txEffectClrLst/>
+  </dgm:styleLbl>
+  <dgm:styleLbl name="parChTrans2D1">
+    <dgm:fillClrLst meth="repeat">
+      <a:schemeClr val="accent2"/>
+    </dgm:fillClrLst>
+    <dgm:linClrLst meth="repeat">
+      <a:schemeClr val="lt1"/>
+    </dgm:linClrLst>
+    <dgm:effectClrLst/>
+    <dgm:txLinClrLst/>
+    <dgm:txFillClrLst meth="repeat">
+      <a:schemeClr val="lt1"/>
+    </dgm:txFillClrLst>
+    <dgm:txEffectClrLst/>
+  </dgm:styleLbl>
+  <dgm:styleLbl name="parChTrans2D2">
+    <dgm:fillClrLst meth="repeat">
+      <a:schemeClr val="accent3"/>
+    </dgm:fillClrLst>
+    <dgm:linClrLst meth="repeat">
+      <a:schemeClr val="lt1"/>
+    </dgm:linClrLst>
+    <dgm:effectClrLst/>
+    <dgm:txLinClrLst/>
+    <dgm:txFillClrLst/>
+    <dgm:txEffectClrLst/>
+  </dgm:styleLbl>
+  <dgm:styleLbl name="parChTrans2D3">
+    <dgm:fillClrLst meth="repeat">
+      <a:schemeClr val="accent4"/>
+    </dgm:fillClrLst>
+    <dgm:linClrLst meth="repeat">
+      <a:schemeClr val="lt1"/>
+    </dgm:linClrLst>
+    <dgm:effectClrLst/>
+    <dgm:txLinClrLst/>
+    <dgm:txFillClrLst/>
+    <dgm:txEffectClrLst/>
+  </dgm:styleLbl>
+  <dgm:styleLbl name="parChTrans2D4">
+    <dgm:fillClrLst meth="repeat">
+      <a:schemeClr val="accent5"/>
+    </dgm:fillClrLst>
+    <dgm:linClrLst meth="repeat">
+      <a:schemeClr val="lt1"/>
+    </dgm:linClrLst>
+    <dgm:effectClrLst/>
+    <dgm:txLinClrLst/>
+    <dgm:txFillClrLst meth="repeat">
+      <a:schemeClr val="lt1"/>
+    </dgm:txFillClrLst>
+    <dgm:txEffectClrLst/>
+  </dgm:styleLbl>
+  <dgm:styleLbl name="parChTrans1D1">
+    <dgm:fillClrLst meth="repeat">
+      <a:schemeClr val="accent2"/>
+    </dgm:fillClrLst>
+    <dgm:linClrLst meth="repeat">
+      <a:schemeClr val="accent2"/>
+    </dgm:linClrLst>
+    <dgm:effectClrLst/>
+    <dgm:txLinClrLst/>
+    <dgm:txFillClrLst meth="repeat">
+      <a:schemeClr val="tx1"/>
+    </dgm:txFillClrLst>
+    <dgm:txEffectClrLst/>
+  </dgm:styleLbl>
+  <dgm:styleLbl name="parChTrans1D2">
+    <dgm:fillClrLst meth="repeat">
+      <a:schemeClr val="accent2">
+        <a:tint val="90000"/>
+      </a:schemeClr>
+    </dgm:fillClrLst>
+    <dgm:linClrLst meth="repeat">
+      <a:schemeClr val="accent3"/>
+    </dgm:linClrLst>
+    <dgm:effectClrLst/>
+    <dgm:txLinClrLst/>
+    <dgm:txFillClrLst meth="repeat">
+      <a:schemeClr val="tx1"/>
+    </dgm:txFillClrLst>
+    <dgm:txEffectClrLst/>
+  </dgm:styleLbl>
+  <dgm:styleLbl name="parChTrans1D3">
+    <dgm:fillClrLst meth="repeat">
+      <a:schemeClr val="accent2">
+        <a:tint val="70000"/>
+      </a:schemeClr>
+    </dgm:fillClrLst>
+    <dgm:linClrLst meth="repeat">
+      <a:schemeClr val="accent4"/>
+    </dgm:linClrLst>
+    <dgm:effectClrLst/>
+    <dgm:txLinClrLst/>
+    <dgm:txFillClrLst meth="repeat">
+      <a:schemeClr val="tx1"/>
+    </dgm:txFillClrLst>
+    <dgm:txEffectClrLst/>
+  </dgm:styleLbl>
+  <dgm:styleLbl name="parChTrans1D4">
+    <dgm:fillClrLst meth="repeat">
+      <a:schemeClr val="accent2">
+        <a:tint val="50000"/>
+      </a:schemeClr>
+    </dgm:fillClrLst>
+    <dgm:linClrLst meth="repeat">
+      <a:schemeClr val="accent5"/>
+    </dgm:linClrLst>
+    <dgm:effectClrLst/>
+    <dgm:txLinClrLst/>
+    <dgm:txFillClrLst meth="repeat">
+      <a:schemeClr val="tx1"/>
+    </dgm:txFillClrLst>
+    <dgm:txEffectClrLst/>
+  </dgm:styleLbl>
+  <dgm:styleLbl name="fgAcc1">
+    <dgm:fillClrLst meth="repeat">
+      <a:schemeClr val="lt1">
+        <a:alpha val="90000"/>
+      </a:schemeClr>
+    </dgm:fillClrLst>
+    <dgm:linClrLst>
+      <a:schemeClr val="accent2"/>
+      <a:schemeClr val="accent3"/>
+    </dgm:linClrLst>
+    <dgm:effectClrLst/>
+    <dgm:txLinClrLst/>
+    <dgm:txFillClrLst meth="repeat">
+      <a:schemeClr val="dk1"/>
+    </dgm:txFillClrLst>
+    <dgm:txEffectClrLst/>
+  </dgm:styleLbl>
+  <dgm:styleLbl name="conFgAcc1">
+    <dgm:fillClrLst meth="repeat">
+      <a:schemeClr val="lt1">
+        <a:alpha val="90000"/>
+      </a:schemeClr>
+    </dgm:fillClrLst>
+    <dgm:linClrLst>
+      <a:schemeClr val="accent2"/>
+      <a:schemeClr val="accent3"/>
+    </dgm:linClrLst>
+    <dgm:effectClrLst/>
+    <dgm:txLinClrLst/>
+    <dgm:txFillClrLst meth="repeat">
+      <a:schemeClr val="dk1"/>
+    </dgm:txFillClrLst>
+    <dgm:txEffectClrLst/>
+  </dgm:styleLbl>
+  <dgm:styleLbl name="alignAcc1">
+    <dgm:fillClrLst meth="repeat">
+      <a:schemeClr val="lt1">
+        <a:alpha val="90000"/>
+      </a:schemeClr>
+    </dgm:fillClrLst>
+    <dgm:linClrLst>
+      <a:schemeClr val="accent2"/>
+      <a:schemeClr val="accent3"/>
+    </dgm:linClrLst>
+    <dgm:effectClrLst/>
+    <dgm:txLinClrLst/>
+    <dgm:txFillClrLst meth="repeat">
+      <a:schemeClr val="dk1"/>
+    </dgm:txFillClrLst>
+    <dgm:txEffectClrLst/>
+  </dgm:styleLbl>
+  <dgm:styleLbl name="trAlignAcc1">
+    <dgm:fillClrLst meth="repeat">
+      <a:schemeClr val="lt1">
+        <a:alpha val="40000"/>
+      </a:schemeClr>
+    </dgm:fillClrLst>
+    <dgm:linClrLst meth="repeat">
+      <a:schemeClr val="accent2"/>
+    </dgm:linClrLst>
+    <dgm:effectClrLst/>
+    <dgm:txLinClrLst/>
+    <dgm:txFillClrLst meth="repeat">
+      <a:schemeClr val="dk1"/>
+    </dgm:txFillClrLst>
+    <dgm:txEffectClrLst/>
+  </dgm:styleLbl>
+  <dgm:styleLbl name="bgAcc1">
+    <dgm:fillClrLst meth="repeat">
+      <a:schemeClr val="lt1">
+        <a:alpha val="90000"/>
+      </a:schemeClr>
+    </dgm:fillClrLst>
+    <dgm:linClrLst>
+      <a:schemeClr val="accent2"/>
+      <a:schemeClr val="accent3"/>
+    </dgm:linClrLst>
+    <dgm:effectClrLst/>
+    <dgm:txLinClrLst/>
+    <dgm:txFillClrLst meth="repeat">
+      <a:schemeClr val="dk1"/>
+    </dgm:txFillClrLst>
+    <dgm:txEffectClrLst/>
+  </dgm:styleLbl>
+  <dgm:styleLbl name="solidFgAcc1">
+    <dgm:fillClrLst meth="repeat">
+      <a:schemeClr val="lt1"/>
+    </dgm:fillClrLst>
+    <dgm:linClrLst>
+      <a:schemeClr val="accent2"/>
+      <a:schemeClr val="accent3"/>
+    </dgm:linClrLst>
+    <dgm:effectClrLst/>
+    <dgm:txLinClrLst/>
+    <dgm:txFillClrLst meth="repeat">
+      <a:schemeClr val="dk1"/>
+    </dgm:txFillClrLst>
+    <dgm:txEffectClrLst/>
+  </dgm:styleLbl>
+  <dgm:styleLbl name="solidAlignAcc1">
+    <dgm:fillClrLst meth="repeat">
+      <a:schemeClr val="lt1"/>
+    </dgm:fillClrLst>
+    <dgm:linClrLst>
+      <a:schemeClr val="accent2"/>
+      <a:schemeClr val="accent3"/>
+    </dgm:linClrLst>
+    <dgm:effectClrLst/>
+    <dgm:txLinClrLst/>
+    <dgm:txFillClrLst meth="repeat">
+      <a:schemeClr val="dk1"/>
+    </dgm:txFillClrLst>
+    <dgm:txEffectClrLst/>
+  </dgm:styleLbl>
+  <dgm:styleLbl name="solidBgAcc1">
+    <dgm:fillClrLst meth="repeat">
+      <a:schemeClr val="lt1"/>
+    </dgm:fillClrLst>
+    <dgm:linClrLst>
+      <a:schemeClr val="accent2"/>
+      <a:schemeClr val="accent3"/>
+    </dgm:linClrLst>
+    <dgm:effectClrLst/>
+    <dgm:txLinClrLst/>
+    <dgm:txFillClrLst meth="repeat">
+      <a:schemeClr val="dk1"/>
+    </dgm:txFillClrLst>
+    <dgm:txEffectClrLst/>
+  </dgm:styleLbl>
+  <dgm:styleLbl name="fgAccFollowNode1">
+    <dgm:fillClrLst>
+      <a:schemeClr val="accent2">
+        <a:tint val="40000"/>
+        <a:alpha val="90000"/>
+      </a:schemeClr>
+      <a:schemeClr val="accent3">
+        <a:tint val="40000"/>
+        <a:alpha val="90000"/>
+      </a:schemeClr>
+    </dgm:fillClrLst>
+    <dgm:linClrLst>
+      <a:schemeClr val="accent2">
+        <a:tint val="40000"/>
+        <a:alpha val="90000"/>
+      </a:schemeClr>
+      <a:schemeClr val="accent3">
+        <a:tint val="40000"/>
+        <a:alpha val="90000"/>
+      </a:schemeClr>
+    </dgm:linClrLst>
+    <dgm:effectClrLst/>
+    <dgm:txLinClrLst/>
+    <dgm:txFillClrLst meth="repeat">
+      <a:schemeClr val="dk1"/>
+    </dgm:txFillClrLst>
+    <dgm:txEffectClrLst/>
+  </dgm:styleLbl>
+  <dgm:styleLbl name="alignAccFollowNode1">
+    <dgm:fillClrLst>
+      <a:schemeClr val="accent2">
+        <a:tint val="40000"/>
+        <a:alpha val="90000"/>
+      </a:schemeClr>
+      <a:schemeClr val="accent3">
+        <a:tint val="40000"/>
+        <a:alpha val="90000"/>
+      </a:schemeClr>
+    </dgm:fillClrLst>
+    <dgm:linClrLst>
+      <a:schemeClr val="accent2">
+        <a:tint val="40000"/>
+        <a:alpha val="90000"/>
+      </a:schemeClr>
+      <a:schemeClr val="accent3">
+        <a:tint val="40000"/>
+        <a:alpha val="90000"/>
+      </a:schemeClr>
+    </dgm:linClrLst>
+    <dgm:effectClrLst/>
+    <dgm:txLinClrLst/>
+    <dgm:txFillClrLst meth="repeat">
+      <a:schemeClr val="dk1"/>
+    </dgm:txFillClrLst>
+    <dgm:txEffectClrLst/>
+  </dgm:styleLbl>
+  <dgm:styleLbl name="bgAccFollowNode1">
+    <dgm:fillClrLst>
+      <a:schemeClr val="accent2">
+        <a:tint val="40000"/>
+        <a:alpha val="90000"/>
+      </a:schemeClr>
+      <a:schemeClr val="accent3">
+        <a:tint val="40000"/>
+        <a:alpha val="90000"/>
+      </a:schemeClr>
+    </dgm:fillClrLst>
+    <dgm:linClrLst>
+      <a:schemeClr val="accent2">
+        <a:tint val="40000"/>
+        <a:alpha val="90000"/>
+      </a:schemeClr>
+      <a:schemeClr val="accent3">
+        <a:tint val="40000"/>
+        <a:alpha val="90000"/>
+      </a:schemeClr>
+    </dgm:linClrLst>
+    <dgm:effectClrLst/>
+    <dgm:txLinClrLst/>
+    <dgm:txFillClrLst meth="repeat">
+      <a:schemeClr val="dk1"/>
+    </dgm:txFillClrLst>
+    <dgm:txEffectClrLst/>
+  </dgm:styleLbl>
+  <dgm:styleLbl name="fgAcc0">
+    <dgm:fillClrLst meth="repeat">
+      <a:schemeClr val="lt1">
+        <a:alpha val="90000"/>
+      </a:schemeClr>
+    </dgm:fillClrLst>
+    <dgm:linClrLst>
+      <a:schemeClr val="accent1"/>
+    </dgm:linClrLst>
+    <dgm:effectClrLst/>
+    <dgm:txLinClrLst/>
+    <dgm:txFillClrLst meth="repeat">
+      <a:schemeClr val="dk1"/>
+    </dgm:txFillClrLst>
+    <dgm:txEffectClrLst/>
+  </dgm:styleLbl>
+  <dgm:styleLbl name="fgAcc2">
+    <dgm:fillClrLst meth="repeat">
+      <a:schemeClr val="lt1">
+        <a:alpha val="90000"/>
+      </a:schemeClr>
+    </dgm:fillClrLst>
+    <dgm:linClrLst>
+      <a:schemeClr val="accent3"/>
+    </dgm:linClrLst>
+    <dgm:effectClrLst/>
+    <dgm:txLinClrLst/>
+    <dgm:txFillClrLst meth="repeat">
+      <a:schemeClr val="dk1"/>
+    </dgm:txFillClrLst>
+    <dgm:txEffectClrLst/>
+  </dgm:styleLbl>
+  <dgm:styleLbl name="fgAcc3">
+    <dgm:fillClrLst meth="repeat">
+      <a:schemeClr val="lt1">
+        <a:alpha val="90000"/>
+      </a:schemeClr>
+    </dgm:fillClrLst>
+    <dgm:linClrLst>
+      <a:schemeClr val="accent4"/>
+    </dgm:linClrLst>
+    <dgm:effectClrLst/>
+    <dgm:txLinClrLst/>
+    <dgm:txFillClrLst meth="repeat">
+      <a:schemeClr val="dk1"/>
+    </dgm:txFillClrLst>
+    <dgm:txEffectClrLst/>
+  </dgm:styleLbl>
+  <dgm:styleLbl name="fgAcc4">
+    <dgm:fillClrLst meth="repeat">
+      <a:schemeClr val="lt1">
+        <a:alpha val="90000"/>
+      </a:schemeClr>
+    </dgm:fillClrLst>
+    <dgm:linClrLst>
+      <a:schemeClr val="accent5"/>
+    </dgm:linClrLst>
+    <dgm:effectClrLst/>
+    <dgm:txLinClrLst/>
+    <dgm:txFillClrLst meth="repeat">
+      <a:schemeClr val="dk1"/>
+    </dgm:txFillClrLst>
+    <dgm:txEffectClrLst/>
+  </dgm:styleLbl>
+  <dgm:styleLbl name="bgShp">
+    <dgm:fillClrLst meth="repeat">
+      <a:schemeClr val="accent2">
+        <a:tint val="40000"/>
+      </a:schemeClr>
+    </dgm:fillClrLst>
+    <dgm:linClrLst meth="repeat">
+      <a:schemeClr val="dk1"/>
+    </dgm:linClrLst>
+    <dgm:effectClrLst/>
+    <dgm:txLinClrLst/>
+    <dgm:txFillClrLst meth="repeat">
+      <a:schemeClr val="dk1"/>
+    </dgm:txFillClrLst>
+    <dgm:txEffectClrLst/>
+  </dgm:styleLbl>
+  <dgm:styleLbl name="dkBgShp">
+    <dgm:fillClrLst meth="repeat">
+      <a:schemeClr val="accent2">
+        <a:shade val="90000"/>
+      </a:schemeClr>
+    </dgm:fillClrLst>
+    <dgm:linClrLst meth="repeat">
+      <a:schemeClr val="dk1"/>
+    </dgm:linClrLst>
+    <dgm:effectClrLst/>
+    <dgm:txLinClrLst/>
+    <dgm:txFillClrLst meth="repeat">
+      <a:schemeClr val="lt1"/>
+    </dgm:txFillClrLst>
+    <dgm:txEffectClrLst/>
+  </dgm:styleLbl>
+  <dgm:styleLbl name="trBgShp">
+    <dgm:fillClrLst meth="repeat">
+      <a:schemeClr val="accent2">
+        <a:tint val="50000"/>
+        <a:alpha val="40000"/>
+      </a:schemeClr>
+    </dgm:fillClrLst>
+    <dgm:linClrLst meth="repeat">
+      <a:schemeClr val="accent2"/>
+    </dgm:linClrLst>
+    <dgm:effectClrLst/>
+    <dgm:txLinClrLst/>
+    <dgm:txFillClrLst meth="repeat">
+      <a:schemeClr val="lt1"/>
+    </dgm:txFillClrLst>
+    <dgm:txEffectClrLst/>
+  </dgm:styleLbl>
+  <dgm:styleLbl name="fgShp">
+    <dgm:fillClrLst meth="repeat">
+      <a:schemeClr val="accent2">
+        <a:tint val="40000"/>
+      </a:schemeClr>
+    </dgm:fillClrLst>
+    <dgm:linClrLst meth="repeat">
+      <a:schemeClr val="lt1"/>
+    </dgm:linClrLst>
+    <dgm:effectClrLst/>
+    <dgm:txLinClrLst/>
+    <dgm:txFillClrLst meth="repeat">
+      <a:schemeClr val="dk1"/>
+    </dgm:txFillClrLst>
+    <dgm:txEffectClrLst/>
+  </dgm:styleLbl>
+  <dgm:styleLbl name="revTx">
+    <dgm:fillClrLst meth="repeat">
+      <a:schemeClr val="lt1">
+        <a:alpha val="0"/>
+      </a:schemeClr>
+    </dgm:fillClrLst>
+    <dgm:linClrLst meth="repeat">
+      <a:schemeClr val="dk1">
+        <a:alpha val="0"/>
+      </a:schemeClr>
+    </dgm:linClrLst>
+    <dgm:effectClrLst/>
+    <dgm:txLinClrLst/>
+    <dgm:txFillClrLst meth="repeat">
+      <a:schemeClr val="tx1"/>
+    </dgm:txFillClrLst>
+    <dgm:txEffectClrLst/>
+  </dgm:styleLbl>
+</dgm:colorsDef>
+</file>
+
+<file path=ppt/diagrams/colors2.xml><?xml version="1.0" encoding="utf-8"?>
+<dgm:colorsDef xmlns:dgm="http://schemas.openxmlformats.org/drawingml/2006/diagram" xmlns:a="http://schemas.openxmlformats.org/drawingml/2006/main" uniqueId="urn:microsoft.com/office/officeart/2005/8/colors/colorful5">
+  <dgm:title val=""/>
+  <dgm:desc val=""/>
+  <dgm:catLst>
+    <dgm:cat type="colorful" pri="10500"/>
+  </dgm:catLst>
+  <dgm:styleLbl name="node0">
+    <dgm:fillClrLst meth="repeat">
+      <a:schemeClr val="accent4"/>
+    </dgm:fillClrLst>
+    <dgm:linClrLst meth="repeat">
+      <a:schemeClr val="lt1"/>
+    </dgm:linClrLst>
+    <dgm:effectClrLst/>
+    <dgm:txLinClrLst/>
+    <dgm:txFillClrLst/>
+    <dgm:txEffectClrLst/>
+  </dgm:styleLbl>
+  <dgm:styleLbl name="node1">
+    <dgm:fillClrLst>
+      <a:schemeClr val="accent5"/>
+      <a:schemeClr val="accent6"/>
+    </dgm:fillClrLst>
+    <dgm:linClrLst meth="repeat">
+      <a:schemeClr val="lt1"/>
+    </dgm:linClrLst>
+    <dgm:effectClrLst/>
+    <dgm:txLinClrLst/>
+    <dgm:txFillClrLst/>
+    <dgm:txEffectClrLst/>
+  </dgm:styleLbl>
+  <dgm:styleLbl name="alignNode1">
+    <dgm:fillClrLst>
+      <a:schemeClr val="accent5"/>
+      <a:schemeClr val="accent6"/>
+    </dgm:fillClrLst>
+    <dgm:linClrLst>
+      <a:schemeClr val="accent5"/>
+      <a:schemeClr val="accent6"/>
+    </dgm:linClrLst>
+    <dgm:effectClrLst/>
+    <dgm:txLinClrLst/>
+    <dgm:txFillClrLst/>
+    <dgm:txEffectClrLst/>
+  </dgm:styleLbl>
+  <dgm:styleLbl name="lnNode1">
+    <dgm:fillClrLst>
+      <a:schemeClr val="accent5"/>
+      <a:schemeClr val="accent6"/>
+    </dgm:fillClrLst>
+    <dgm:linClrLst meth="repeat">
+      <a:schemeClr val="lt1"/>
+    </dgm:linClrLst>
+    <dgm:effectClrLst/>
+    <dgm:txLinClrLst/>
+    <dgm:txFillClrLst/>
+    <dgm:txEffectClrLst/>
+  </dgm:styleLbl>
+  <dgm:styleLbl name="vennNode1">
+    <dgm:fillClrLst>
+      <a:schemeClr val="accent5">
+        <a:alpha val="50000"/>
+      </a:schemeClr>
+      <a:schemeClr val="accent6">
+        <a:alpha val="50000"/>
+      </a:schemeClr>
+    </dgm:fillClrLst>
+    <dgm:linClrLst meth="repeat">
+      <a:schemeClr val="lt1"/>
+    </dgm:linClrLst>
+    <dgm:effectClrLst/>
+    <dgm:txLinClrLst/>
+    <dgm:txFillClrLst/>
+    <dgm:txEffectClrLst/>
+  </dgm:styleLbl>
+  <dgm:styleLbl name="node2">
+    <dgm:fillClrLst>
+      <a:schemeClr val="accent6"/>
+    </dgm:fillClrLst>
+    <dgm:linClrLst meth="repeat">
+      <a:schemeClr val="lt1"/>
+    </dgm:linClrLst>
+    <dgm:effectClrLst/>
+    <dgm:txLinClrLst/>
+    <dgm:txFillClrLst/>
+    <dgm:txEffectClrLst/>
+  </dgm:styleLbl>
+  <dgm:styleLbl name="node3">
+    <dgm:fillClrLst>
+      <a:schemeClr val="accent1"/>
+    </dgm:fillClrLst>
+    <dgm:linClrLst meth="repeat">
+      <a:schemeClr val="lt1"/>
+    </dgm:linClrLst>
+    <dgm:effectClrLst/>
+    <dgm:txLinClrLst/>
+    <dgm:txFillClrLst/>
+    <dgm:txEffectClrLst/>
+  </dgm:styleLbl>
+  <dgm:styleLbl name="node4">
+    <dgm:fillClrLst>
+      <a:schemeClr val="accent2"/>
+    </dgm:fillClrLst>
+    <dgm:linClrLst meth="repeat">
+      <a:schemeClr val="lt1"/>
+    </dgm:linClrLst>
+    <dgm:effectClrLst/>
+    <dgm:txLinClrLst/>
+    <dgm:txFillClrLst/>
+    <dgm:txEffectClrLst/>
+  </dgm:styleLbl>
+  <dgm:styleLbl name="fgImgPlace1">
+    <dgm:fillClrLst>
+      <a:schemeClr val="accent5">
+        <a:tint val="50000"/>
+      </a:schemeClr>
+      <a:schemeClr val="accent6">
+        <a:tint val="50000"/>
+      </a:schemeClr>
+    </dgm:fillClrLst>
+    <dgm:linClrLst meth="repeat">
+      <a:schemeClr val="lt1"/>
+    </dgm:linClrLst>
+    <dgm:effectClrLst/>
+    <dgm:txLinClrLst/>
+    <dgm:txFillClrLst meth="repeat">
+      <a:schemeClr val="lt1"/>
+    </dgm:txFillClrLst>
+    <dgm:txEffectClrLst/>
+  </dgm:styleLbl>
+  <dgm:styleLbl name="alignImgPlace1">
+    <dgm:fillClrLst>
+      <a:schemeClr val="accent5">
+        <a:tint val="50000"/>
+      </a:schemeClr>
+      <a:schemeClr val="accent6">
+        <a:tint val="20000"/>
+      </a:schemeClr>
+    </dgm:fillClrLst>
+    <dgm:linClrLst meth="repeat">
+      <a:schemeClr val="lt1"/>
+    </dgm:linClrLst>
+    <dgm:effectClrLst/>
+    <dgm:txLinClrLst/>
+    <dgm:txFillClrLst meth="repeat">
+      <a:schemeClr val="lt1"/>
+    </dgm:txFillClrLst>
+    <dgm:txEffectClrLst/>
+  </dgm:styleLbl>
+  <dgm:styleLbl name="bgImgPlace1">
+    <dgm:fillClrLst>
+      <a:schemeClr val="accent5">
+        <a:tint val="50000"/>
+      </a:schemeClr>
+      <a:schemeClr val="accent6">
+        <a:tint val="20000"/>
+      </a:schemeClr>
+    </dgm:fillClrLst>
+    <dgm:linClrLst meth="repeat">
+      <a:schemeClr val="lt1"/>
+    </dgm:linClrLst>
+    <dgm:effectClrLst/>
+    <dgm:txLinClrLst/>
+    <dgm:txFillClrLst meth="repeat">
+      <a:schemeClr val="lt1"/>
+    </dgm:txFillClrLst>
+    <dgm:txEffectClrLst/>
+  </dgm:styleLbl>
+  <dgm:styleLbl name="sibTrans2D1">
+    <dgm:fillClrLst>
+      <a:schemeClr val="accent5"/>
+      <a:schemeClr val="accent6"/>
+    </dgm:fillClrLst>
+    <dgm:linClrLst meth="repeat">
+      <a:schemeClr val="lt1"/>
+    </dgm:linClrLst>
+    <dgm:effectClrLst/>
+    <dgm:txLinClrLst/>
+    <dgm:txFillClrLst/>
+    <dgm:txEffectClrLst/>
+  </dgm:styleLbl>
+  <dgm:styleLbl name="fgSibTrans2D1">
+    <dgm:fillClrLst>
+      <a:schemeClr val="accent5"/>
+      <a:schemeClr val="accent6"/>
+    </dgm:fillClrLst>
+    <dgm:linClrLst meth="repeat">
+      <a:schemeClr val="lt1"/>
+    </dgm:linClrLst>
+    <dgm:effectClrLst/>
+    <dgm:txLinClrLst/>
+    <dgm:txFillClrLst meth="repeat">
+      <a:schemeClr val="lt1"/>
+    </dgm:txFillClrLst>
+    <dgm:txEffectClrLst/>
+  </dgm:styleLbl>
+  <dgm:styleLbl name="bgSibTrans2D1">
+    <dgm:fillClrLst>
+      <a:schemeClr val="accent5"/>
+      <a:schemeClr val="accent6"/>
+    </dgm:fillClrLst>
+    <dgm:linClrLst meth="repeat">
+      <a:schemeClr val="lt1"/>
+    </dgm:linClrLst>
+    <dgm:effectClrLst/>
+    <dgm:txLinClrLst/>
+    <dgm:txFillClrLst meth="repeat">
+      <a:schemeClr val="lt1"/>
+    </dgm:txFillClrLst>
+    <dgm:txEffectClrLst/>
+  </dgm:styleLbl>
+  <dgm:styleLbl name="sibTrans1D1">
+    <dgm:fillClrLst/>
+    <dgm:linClrLst>
+      <a:schemeClr val="accent5"/>
+      <a:schemeClr val="accent6"/>
+    </dgm:linClrLst>
+    <dgm:effectClrLst/>
+    <dgm:txLinClrLst/>
+    <dgm:txFillClrLst meth="repeat">
+      <a:schemeClr val="tx1"/>
+    </dgm:txFillClrLst>
+    <dgm:txEffectClrLst/>
+  </dgm:styleLbl>
+  <dgm:styleLbl name="callout">
+    <dgm:fillClrLst meth="repeat">
+      <a:schemeClr val="accent5"/>
+    </dgm:fillClrLst>
+    <dgm:linClrLst meth="repeat">
+      <a:schemeClr val="accent5">
+        <a:tint val="50000"/>
+      </a:schemeClr>
+    </dgm:linClrLst>
+    <dgm:effectClrLst/>
+    <dgm:txLinClrLst/>
+    <dgm:txFillClrLst meth="repeat">
+      <a:schemeClr val="tx1"/>
+    </dgm:txFillClrLst>
+    <dgm:txEffectClrLst/>
+  </dgm:styleLbl>
+  <dgm:styleLbl name="asst0">
+    <dgm:fillClrLst meth="repeat">
+      <a:schemeClr val="accent5"/>
+    </dgm:fillClrLst>
+    <dgm:linClrLst meth="repeat">
+      <a:schemeClr val="lt1">
+        <a:shade val="80000"/>
+      </a:schemeClr>
+    </dgm:linClrLst>
+    <dgm:effectClrLst/>
+    <dgm:txLinClrLst/>
+    <dgm:txFillClrLst/>
+    <dgm:txEffectClrLst/>
+  </dgm:styleLbl>
+  <dgm:styleLbl name="asst1">
+    <dgm:fillClrLst meth="repeat">
+      <a:schemeClr val="accent6"/>
+    </dgm:fillClrLst>
+    <dgm:linClrLst meth="repeat">
+      <a:schemeClr val="lt1">
+        <a:shade val="80000"/>
+      </a:schemeClr>
+    </dgm:linClrLst>
+    <dgm:effectClrLst/>
+    <dgm:txLinClrLst/>
+    <dgm:txFillClrLst/>
+    <dgm:txEffectClrLst/>
+  </dgm:styleLbl>
+  <dgm:styleLbl name="asst2">
+    <dgm:fillClrLst>
+      <a:schemeClr val="accent1"/>
+    </dgm:fillClrLst>
+    <dgm:linClrLst meth="repeat">
+      <a:schemeClr val="lt1"/>
+    </dgm:linClrLst>
+    <dgm:effectClrLst/>
+    <dgm:txLinClrLst/>
+    <dgm:txFillClrLst/>
+    <dgm:txEffectClrLst/>
+  </dgm:styleLbl>
+  <dgm:styleLbl name="asst3">
+    <dgm:fillClrLst>
+      <a:schemeClr val="accent2"/>
+    </dgm:fillClrLst>
+    <dgm:linClrLst meth="repeat">
+      <a:schemeClr val="lt1"/>
+    </dgm:linClrLst>
+    <dgm:effectClrLst/>
+    <dgm:txLinClrLst/>
+    <dgm:txFillClrLst/>
+    <dgm:txEffectClrLst/>
+  </dgm:styleLbl>
+  <dgm:styleLbl name="asst4">
+    <dgm:fillClrLst>
+      <a:schemeClr val="accent3"/>
+    </dgm:fillClrLst>
+    <dgm:linClrLst meth="repeat">
+      <a:schemeClr val="lt1"/>
+    </dgm:linClrLst>
+    <dgm:effectClrLst/>
+    <dgm:txLinClrLst/>
+    <dgm:txFillClrLst/>
+    <dgm:txEffectClrLst/>
+  </dgm:styleLbl>
+  <dgm:styleLbl name="parChTrans2D1">
+    <dgm:fillClrLst meth="repeat">
+      <a:schemeClr val="accent5"/>
+    </dgm:fillClrLst>
+    <dgm:linClrLst meth="repeat">
+      <a:schemeClr val="lt1"/>
+    </dgm:linClrLst>
+    <dgm:effectClrLst/>
+    <dgm:txLinClrLst/>
+    <dgm:txFillClrLst meth="repeat">
+      <a:schemeClr val="lt1"/>
+    </dgm:txFillClrLst>
+    <dgm:txEffectClrLst/>
+  </dgm:styleLbl>
+  <dgm:styleLbl name="parChTrans2D2">
+    <dgm:fillClrLst meth="repeat">
+      <a:schemeClr val="accent6"/>
+    </dgm:fillClrLst>
+    <dgm:linClrLst meth="repeat">
+      <a:schemeClr val="lt1"/>
+    </dgm:linClrLst>
+    <dgm:effectClrLst/>
+    <dgm:txLinClrLst/>
+    <dgm:txFillClrLst/>
+    <dgm:txEffectClrLst/>
+  </dgm:styleLbl>
+  <dgm:styleLbl name="parChTrans2D3">
+    <dgm:fillClrLst meth="repeat">
+      <a:schemeClr val="accent6"/>
+    </dgm:fillClrLst>
+    <dgm:linClrLst meth="repeat">
+      <a:schemeClr val="lt1"/>
+    </dgm:linClrLst>
+    <dgm:effectClrLst/>
+    <dgm:txLinClrLst/>
+    <dgm:txFillClrLst/>
+    <dgm:txEffectClrLst/>
+  </dgm:styleLbl>
+  <dgm:styleLbl name="parChTrans2D4">
+    <dgm:fillClrLst meth="repeat">
+      <a:schemeClr val="accent1"/>
+    </dgm:fillClrLst>
+    <dgm:linClrLst meth="repeat">
+      <a:schemeClr val="lt1"/>
+    </dgm:linClrLst>
+    <dgm:effectClrLst/>
+    <dgm:txLinClrLst/>
+    <dgm:txFillClrLst meth="repeat">
+      <a:schemeClr val="lt1"/>
+    </dgm:txFillClrLst>
+    <dgm:txEffectClrLst/>
+  </dgm:styleLbl>
+  <dgm:styleLbl name="parChTrans1D1">
+    <dgm:fillClrLst meth="repeat">
+      <a:schemeClr val="accent5"/>
+    </dgm:fillClrLst>
+    <dgm:linClrLst meth="repeat">
+      <a:schemeClr val="accent5"/>
+    </dgm:linClrLst>
+    <dgm:effectClrLst/>
+    <dgm:txLinClrLst/>
+    <dgm:txFillClrLst meth="repeat">
+      <a:schemeClr val="tx1"/>
+    </dgm:txFillClrLst>
+    <dgm:txEffectClrLst/>
+  </dgm:styleLbl>
+  <dgm:styleLbl name="parChTrans1D2">
+    <dgm:fillClrLst meth="repeat">
+      <a:schemeClr val="accent6">
+        <a:tint val="90000"/>
+      </a:schemeClr>
+    </dgm:fillClrLst>
+    <dgm:linClrLst meth="repeat">
+      <a:schemeClr val="accent6"/>
+    </dgm:linClrLst>
+    <dgm:effectClrLst/>
+    <dgm:txLinClrLst/>
+    <dgm:txFillClrLst meth="repeat">
+      <a:schemeClr val="tx1"/>
+    </dgm:txFillClrLst>
+    <dgm:txEffectClrLst/>
+  </dgm:styleLbl>
+  <dgm:styleLbl name="parChTrans1D3">
+    <dgm:fillClrLst meth="repeat">
+      <a:schemeClr val="accent6">
+        <a:tint val="70000"/>
+      </a:schemeClr>
+    </dgm:fillClrLst>
+    <dgm:linClrLst meth="repeat">
+      <a:schemeClr val="accent1"/>
+    </dgm:linClrLst>
+    <dgm:effectClrLst/>
+    <dgm:txLinClrLst/>
+    <dgm:txFillClrLst meth="repeat">
+      <a:schemeClr val="tx1"/>
+    </dgm:txFillClrLst>
+    <dgm:txEffectClrLst/>
+  </dgm:styleLbl>
+  <dgm:styleLbl name="parChTrans1D4">
+    <dgm:fillClrLst meth="repeat">
+      <a:schemeClr val="accent6">
+        <a:tint val="50000"/>
+      </a:schemeClr>
+    </dgm:fillClrLst>
+    <dgm:linClrLst meth="repeat">
+      <a:schemeClr val="accent2"/>
+    </dgm:linClrLst>
+    <dgm:effectClrLst/>
+    <dgm:txLinClrLst/>
+    <dgm:txFillClrLst meth="repeat">
+      <a:schemeClr val="tx1"/>
+    </dgm:txFillClrLst>
+    <dgm:txEffectClrLst/>
+  </dgm:styleLbl>
+  <dgm:styleLbl name="fgAcc1">
+    <dgm:fillClrLst meth="repeat">
+      <a:schemeClr val="lt1">
+        <a:alpha val="90000"/>
+      </a:schemeClr>
+    </dgm:fillClrLst>
+    <dgm:linClrLst>
+      <a:schemeClr val="accent5"/>
+      <a:schemeClr val="accent6"/>
+    </dgm:linClrLst>
+    <dgm:effectClrLst/>
+    <dgm:txLinClrLst/>
+    <dgm:txFillClrLst meth="repeat">
+      <a:schemeClr val="dk1"/>
+    </dgm:txFillClrLst>
+    <dgm:txEffectClrLst/>
+  </dgm:styleLbl>
+  <dgm:styleLbl name="conFgAcc1">
+    <dgm:fillClrLst meth="repeat">
+      <a:schemeClr val="lt1">
+        <a:alpha val="90000"/>
+      </a:schemeClr>
+    </dgm:fillClrLst>
+    <dgm:linClrLst>
+      <a:schemeClr val="accent5"/>
+      <a:schemeClr val="accent6"/>
+    </dgm:linClrLst>
+    <dgm:effectClrLst/>
+    <dgm:txLinClrLst/>
+    <dgm:txFillClrLst meth="repeat">
+      <a:schemeClr val="dk1"/>
+    </dgm:txFillClrLst>
+    <dgm:txEffectClrLst/>
+  </dgm:styleLbl>
+  <dgm:styleLbl name="alignAcc1">
+    <dgm:fillClrLst meth="repeat">
+      <a:schemeClr val="lt1">
+        <a:alpha val="90000"/>
+      </a:schemeClr>
+    </dgm:fillClrLst>
+    <dgm:linClrLst>
+      <a:schemeClr val="accent5"/>
+      <a:schemeClr val="accent6"/>
+    </dgm:linClrLst>
+    <dgm:effectClrLst/>
+    <dgm:txLinClrLst/>
+    <dgm:txFillClrLst meth="repeat">
+      <a:schemeClr val="dk1"/>
+    </dgm:txFillClrLst>
+    <dgm:txEffectClrLst/>
+  </dgm:styleLbl>
+  <dgm:styleLbl name="trAlignAcc1">
+    <dgm:fillClrLst meth="repeat">
+      <a:schemeClr val="lt1">
+        <a:alpha val="40000"/>
+      </a:schemeClr>
+    </dgm:fillClrLst>
+    <dgm:linClrLst meth="repeat">
+      <a:schemeClr val="accent5"/>
+    </dgm:linClrLst>
+    <dgm:effectClrLst/>
+    <dgm:txLinClrLst/>
+    <dgm:txFillClrLst meth="repeat">
+      <a:schemeClr val="dk1"/>
+    </dgm:txFillClrLst>
+    <dgm:txEffectClrLst/>
+  </dgm:styleLbl>
+  <dgm:styleLbl name="bgAcc1">
+    <dgm:fillClrLst meth="repeat">
+      <a:schemeClr val="lt1">
+        <a:alpha val="90000"/>
+      </a:schemeClr>
+    </dgm:fillClrLst>
+    <dgm:linClrLst>
+      <a:schemeClr val="accent5"/>
+      <a:schemeClr val="accent6"/>
+    </dgm:linClrLst>
+    <dgm:effectClrLst/>
+    <dgm:txLinClrLst/>
+    <dgm:txFillClrLst meth="repeat">
+      <a:schemeClr val="dk1"/>
+    </dgm:txFillClrLst>
+    <dgm:txEffectClrLst/>
+  </dgm:styleLbl>
+  <dgm:styleLbl name="solidFgAcc1">
+    <dgm:fillClrLst meth="repeat">
+      <a:schemeClr val="lt1"/>
+    </dgm:fillClrLst>
+    <dgm:linClrLst>
+      <a:schemeClr val="accent5"/>
+      <a:schemeClr val="accent6"/>
+    </dgm:linClrLst>
+    <dgm:effectClrLst/>
+    <dgm:txLinClrLst/>
+    <dgm:txFillClrLst meth="repeat">
+      <a:schemeClr val="dk1"/>
+    </dgm:txFillClrLst>
+    <dgm:txEffectClrLst/>
+  </dgm:styleLbl>
+  <dgm:styleLbl name="solidAlignAcc1">
+    <dgm:fillClrLst meth="repeat">
+      <a:schemeClr val="lt1"/>
+    </dgm:fillClrLst>
+    <dgm:linClrLst>
+      <a:schemeClr val="accent5"/>
+      <a:schemeClr val="accent6"/>
+    </dgm:linClrLst>
+    <dgm:effectClrLst/>
+    <dgm:txLinClrLst/>
+    <dgm:txFillClrLst meth="repeat">
+      <a:schemeClr val="dk1"/>
+    </dgm:txFillClrLst>
+    <dgm:txEffectClrLst/>
+  </dgm:styleLbl>
+  <dgm:styleLbl name="solidBgAcc1">
+    <dgm:fillClrLst meth="repeat">
+      <a:schemeClr val="lt1"/>
+    </dgm:fillClrLst>
+    <dgm:linClrLst>
+      <a:schemeClr val="accent5"/>
+      <a:schemeClr val="accent6"/>
+    </dgm:linClrLst>
+    <dgm:effectClrLst/>
+    <dgm:txLinClrLst/>
+    <dgm:txFillClrLst meth="repeat">
+      <a:schemeClr val="dk1"/>
+    </dgm:txFillClrLst>
+    <dgm:txEffectClrLst/>
+  </dgm:styleLbl>
+  <dgm:styleLbl name="fgAccFollowNode1">
+    <dgm:fillClrLst>
+      <a:schemeClr val="accent5">
+        <a:tint val="40000"/>
+        <a:alpha val="90000"/>
+      </a:schemeClr>
+      <a:schemeClr val="accent6">
+        <a:tint val="40000"/>
+        <a:alpha val="90000"/>
+      </a:schemeClr>
+    </dgm:fillClrLst>
+    <dgm:linClrLst>
+      <a:schemeClr val="accent5">
+        <a:tint val="40000"/>
+        <a:alpha val="90000"/>
+      </a:schemeClr>
+      <a:schemeClr val="accent5">
+        <a:tint val="40000"/>
+        <a:alpha val="90000"/>
+      </a:schemeClr>
+    </dgm:linClrLst>
+    <dgm:effectClrLst/>
+    <dgm:txLinClrLst/>
+    <dgm:txFillClrLst meth="repeat">
+      <a:schemeClr val="dk1"/>
+    </dgm:txFillClrLst>
+    <dgm:txEffectClrLst/>
+  </dgm:styleLbl>
+  <dgm:styleLbl name="alignAccFollowNode1">
+    <dgm:fillClrLst>
+      <a:schemeClr val="accent5">
+        <a:tint val="40000"/>
+        <a:alpha val="90000"/>
+      </a:schemeClr>
+      <a:schemeClr val="accent6">
+        <a:tint val="40000"/>
+        <a:alpha val="90000"/>
+      </a:schemeClr>
+    </dgm:fillClrLst>
+    <dgm:linClrLst>
+      <a:schemeClr val="accent5">
+        <a:tint val="40000"/>
+        <a:alpha val="90000"/>
+      </a:schemeClr>
+      <a:schemeClr val="accent6">
+        <a:tint val="40000"/>
+        <a:alpha val="90000"/>
+      </a:schemeClr>
+    </dgm:linClrLst>
+    <dgm:effectClrLst/>
+    <dgm:txLinClrLst/>
+    <dgm:txFillClrLst meth="repeat">
+      <a:schemeClr val="dk1"/>
+    </dgm:txFillClrLst>
+    <dgm:txEffectClrLst/>
+  </dgm:styleLbl>
+  <dgm:styleLbl name="bgAccFollowNode1">
+    <dgm:fillClrLst>
+      <a:schemeClr val="accent5">
+        <a:tint val="40000"/>
+        <a:alpha val="90000"/>
+      </a:schemeClr>
+      <a:schemeClr val="accent6">
+        <a:tint val="40000"/>
+        <a:alpha val="90000"/>
+      </a:schemeClr>
+    </dgm:fillClrLst>
+    <dgm:linClrLst>
+      <a:schemeClr val="accent5">
+        <a:tint val="40000"/>
+        <a:alpha val="90000"/>
+      </a:schemeClr>
+      <a:schemeClr val="accent6">
+        <a:tint val="40000"/>
+        <a:alpha val="90000"/>
+      </a:schemeClr>
+    </dgm:linClrLst>
+    <dgm:effectClrLst/>
+    <dgm:txLinClrLst/>
+    <dgm:txFillClrLst meth="repeat">
+      <a:schemeClr val="dk1"/>
+    </dgm:txFillClrLst>
+    <dgm:txEffectClrLst/>
+  </dgm:styleLbl>
+  <dgm:styleLbl name="fgAcc0">
+    <dgm:fillClrLst meth="repeat">
+      <a:schemeClr val="lt1">
+        <a:alpha val="90000"/>
+      </a:schemeClr>
+    </dgm:fillClrLst>
+    <dgm:linClrLst>
+      <a:schemeClr val="accent4"/>
+    </dgm:linClrLst>
+    <dgm:effectClrLst/>
+    <dgm:txLinClrLst/>
+    <dgm:txFillClrLst meth="repeat">
+      <a:schemeClr val="dk1"/>
+    </dgm:txFillClrLst>
+    <dgm:txEffectClrLst/>
+  </dgm:styleLbl>
+  <dgm:styleLbl name="fgAcc2">
+    <dgm:fillClrLst meth="repeat">
+      <a:schemeClr val="lt1">
+        <a:alpha val="90000"/>
+      </a:schemeClr>
+    </dgm:fillClrLst>
+    <dgm:linClrLst>
+      <a:schemeClr val="accent6"/>
+    </dgm:linClrLst>
+    <dgm:effectClrLst/>
+    <dgm:txLinClrLst/>
+    <dgm:txFillClrLst meth="repeat">
+      <a:schemeClr val="dk1"/>
+    </dgm:txFillClrLst>
+    <dgm:txEffectClrLst/>
+  </dgm:styleLbl>
+  <dgm:styleLbl name="fgAcc3">
+    <dgm:fillClrLst meth="repeat">
+      <a:schemeClr val="lt1">
+        <a:alpha val="90000"/>
+      </a:schemeClr>
+    </dgm:fillClrLst>
+    <dgm:linClrLst>
+      <a:schemeClr val="accent1"/>
+    </dgm:linClrLst>
+    <dgm:effectClrLst/>
+    <dgm:txLinClrLst/>
+    <dgm:txFillClrLst meth="repeat">
+      <a:schemeClr val="dk1"/>
+    </dgm:txFillClrLst>
+    <dgm:txEffectClrLst/>
+  </dgm:styleLbl>
+  <dgm:styleLbl name="fgAcc4">
+    <dgm:fillClrLst meth="repeat">
+      <a:schemeClr val="lt1">
+        <a:alpha val="90000"/>
+      </a:schemeClr>
+    </dgm:fillClrLst>
+    <dgm:linClrLst>
+      <a:schemeClr val="accent2"/>
+    </dgm:linClrLst>
+    <dgm:effectClrLst/>
+    <dgm:txLinClrLst/>
+    <dgm:txFillClrLst meth="repeat">
+      <a:schemeClr val="dk1"/>
+    </dgm:txFillClrLst>
+    <dgm:txEffectClrLst/>
+  </dgm:styleLbl>
+  <dgm:styleLbl name="bgShp">
+    <dgm:fillClrLst meth="repeat">
+      <a:schemeClr val="accent5">
+        <a:tint val="40000"/>
+      </a:schemeClr>
+    </dgm:fillClrLst>
+    <dgm:linClrLst meth="repeat">
+      <a:schemeClr val="dk1"/>
+    </dgm:linClrLst>
+    <dgm:effectClrLst/>
+    <dgm:txLinClrLst/>
+    <dgm:txFillClrLst meth="repeat">
+      <a:schemeClr val="dk1"/>
+    </dgm:txFillClrLst>
+    <dgm:txEffectClrLst/>
+  </dgm:styleLbl>
+  <dgm:styleLbl name="dkBgShp">
+    <dgm:fillClrLst meth="repeat">
+      <a:schemeClr val="accent5">
+        <a:shade val="90000"/>
+      </a:schemeClr>
+    </dgm:fillClrLst>
+    <dgm:linClrLst meth="repeat">
+      <a:schemeClr val="dk1"/>
+    </dgm:linClrLst>
+    <dgm:effectClrLst/>
+    <dgm:txLinClrLst/>
+    <dgm:txFillClrLst meth="repeat">
+      <a:schemeClr val="lt1"/>
+    </dgm:txFillClrLst>
+    <dgm:txEffectClrLst/>
+  </dgm:styleLbl>
+  <dgm:styleLbl name="trBgShp">
+    <dgm:fillClrLst meth="repeat">
+      <a:schemeClr val="accent5">
+        <a:tint val="50000"/>
+        <a:alpha val="40000"/>
+      </a:schemeClr>
+    </dgm:fillClrLst>
+    <dgm:linClrLst meth="repeat">
+      <a:schemeClr val="accent5"/>
+    </dgm:linClrLst>
+    <dgm:effectClrLst/>
+    <dgm:txLinClrLst/>
+    <dgm:txFillClrLst meth="repeat">
+      <a:schemeClr val="lt1"/>
+    </dgm:txFillClrLst>
+    <dgm:txEffectClrLst/>
+  </dgm:styleLbl>
+  <dgm:styleLbl name="fgShp">
+    <dgm:fillClrLst meth="repeat">
+      <a:schemeClr val="accent5">
+        <a:tint val="40000"/>
+      </a:schemeClr>
+    </dgm:fillClrLst>
+    <dgm:linClrLst meth="repeat">
+      <a:schemeClr val="lt1"/>
+    </dgm:linClrLst>
+    <dgm:effectClrLst/>
+    <dgm:txLinClrLst/>
+    <dgm:txFillClrLst meth="repeat">
+      <a:schemeClr val="dk1"/>
+    </dgm:txFillClrLst>
+    <dgm:txEffectClrLst/>
+  </dgm:styleLbl>
+  <dgm:styleLbl name="revTx">
+    <dgm:fillClrLst meth="repeat">
+      <a:schemeClr val="lt1">
+        <a:alpha val="0"/>
+      </a:schemeClr>
+    </dgm:fillClrLst>
+    <dgm:linClrLst meth="repeat">
+      <a:schemeClr val="dk1">
+        <a:alpha val="0"/>
+      </a:schemeClr>
+    </dgm:linClrLst>
+    <dgm:effectClrLst/>
+    <dgm:txLinClrLst/>
+    <dgm:txFillClrLst meth="repeat">
+      <a:schemeClr val="tx1"/>
+    </dgm:txFillClrLst>
+    <dgm:txEffectClrLst/>
+  </dgm:styleLbl>
+</dgm:colorsDef>
+</file>
+
+<file path=ppt/diagrams/colors3.xml><?xml version="1.0" encoding="utf-8"?>
+<dgm:colorsDef xmlns:dgm="http://schemas.openxmlformats.org/drawingml/2006/diagram" xmlns:a="http://schemas.openxmlformats.org/drawingml/2006/main" uniqueId="urn:microsoft.com/office/officeart/2005/8/colors/colorful5">
+  <dgm:title val=""/>
+  <dgm:desc val=""/>
+  <dgm:catLst>
+    <dgm:cat type="colorful" pri="10500"/>
+  </dgm:catLst>
+  <dgm:styleLbl name="node0">
+    <dgm:fillClrLst meth="repeat">
+      <a:schemeClr val="accent4"/>
+    </dgm:fillClrLst>
+    <dgm:linClrLst meth="repeat">
+      <a:schemeClr val="lt1"/>
+    </dgm:linClrLst>
+    <dgm:effectClrLst/>
+    <dgm:txLinClrLst/>
+    <dgm:txFillClrLst/>
+    <dgm:txEffectClrLst/>
+  </dgm:styleLbl>
+  <dgm:styleLbl name="node1">
+    <dgm:fillClrLst>
+      <a:schemeClr val="accent5"/>
+      <a:schemeClr val="accent6"/>
+    </dgm:fillClrLst>
+    <dgm:linClrLst meth="repeat">
+      <a:schemeClr val="lt1"/>
+    </dgm:linClrLst>
+    <dgm:effectClrLst/>
+    <dgm:txLinClrLst/>
+    <dgm:txFillClrLst/>
+    <dgm:txEffectClrLst/>
+  </dgm:styleLbl>
+  <dgm:styleLbl name="alignNode1">
+    <dgm:fillClrLst>
+      <a:schemeClr val="accent5"/>
+      <a:schemeClr val="accent6"/>
+    </dgm:fillClrLst>
+    <dgm:linClrLst>
+      <a:schemeClr val="accent5"/>
+      <a:schemeClr val="accent6"/>
+    </dgm:linClrLst>
+    <dgm:effectClrLst/>
+    <dgm:txLinClrLst/>
+    <dgm:txFillClrLst/>
+    <dgm:txEffectClrLst/>
+  </dgm:styleLbl>
+  <dgm:styleLbl name="lnNode1">
+    <dgm:fillClrLst>
+      <a:schemeClr val="accent5"/>
+      <a:schemeClr val="accent6"/>
+    </dgm:fillClrLst>
+    <dgm:linClrLst meth="repeat">
+      <a:schemeClr val="lt1"/>
+    </dgm:linClrLst>
+    <dgm:effectClrLst/>
+    <dgm:txLinClrLst/>
+    <dgm:txFillClrLst/>
+    <dgm:txEffectClrLst/>
+  </dgm:styleLbl>
+  <dgm:styleLbl name="vennNode1">
+    <dgm:fillClrLst>
+      <a:schemeClr val="accent5">
+        <a:alpha val="50000"/>
+      </a:schemeClr>
+      <a:schemeClr val="accent6">
+        <a:alpha val="50000"/>
+      </a:schemeClr>
+    </dgm:fillClrLst>
+    <dgm:linClrLst meth="repeat">
+      <a:schemeClr val="lt1"/>
+    </dgm:linClrLst>
+    <dgm:effectClrLst/>
+    <dgm:txLinClrLst/>
+    <dgm:txFillClrLst/>
+    <dgm:txEffectClrLst/>
+  </dgm:styleLbl>
+  <dgm:styleLbl name="node2">
+    <dgm:fillClrLst>
+      <a:schemeClr val="accent6"/>
+    </dgm:fillClrLst>
+    <dgm:linClrLst meth="repeat">
+      <a:schemeClr val="lt1"/>
+    </dgm:linClrLst>
+    <dgm:effectClrLst/>
+    <dgm:txLinClrLst/>
+    <dgm:txFillClrLst/>
+    <dgm:txEffectClrLst/>
+  </dgm:styleLbl>
+  <dgm:styleLbl name="node3">
+    <dgm:fillClrLst>
+      <a:schemeClr val="accent1"/>
+    </dgm:fillClrLst>
+    <dgm:linClrLst meth="repeat">
+      <a:schemeClr val="lt1"/>
+    </dgm:linClrLst>
+    <dgm:effectClrLst/>
+    <dgm:txLinClrLst/>
+    <dgm:txFillClrLst/>
+    <dgm:txEffectClrLst/>
+  </dgm:styleLbl>
+  <dgm:styleLbl name="node4">
+    <dgm:fillClrLst>
+      <a:schemeClr val="accent2"/>
+    </dgm:fillClrLst>
+    <dgm:linClrLst meth="repeat">
+      <a:schemeClr val="lt1"/>
+    </dgm:linClrLst>
+    <dgm:effectClrLst/>
+    <dgm:txLinClrLst/>
+    <dgm:txFillClrLst/>
+    <dgm:txEffectClrLst/>
+  </dgm:styleLbl>
+  <dgm:styleLbl name="fgImgPlace1">
+    <dgm:fillClrLst>
+      <a:schemeClr val="accent5">
+        <a:tint val="50000"/>
+      </a:schemeClr>
+      <a:schemeClr val="accent6">
+        <a:tint val="50000"/>
+      </a:schemeClr>
+    </dgm:fillClrLst>
+    <dgm:linClrLst meth="repeat">
+      <a:schemeClr val="lt1"/>
+    </dgm:linClrLst>
+    <dgm:effectClrLst/>
+    <dgm:txLinClrLst/>
+    <dgm:txFillClrLst meth="repeat">
+      <a:schemeClr val="lt1"/>
+    </dgm:txFillClrLst>
+    <dgm:txEffectClrLst/>
+  </dgm:styleLbl>
+  <dgm:styleLbl name="alignImgPlace1">
+    <dgm:fillClrLst>
+      <a:schemeClr val="accent5">
+        <a:tint val="50000"/>
+      </a:schemeClr>
+      <a:schemeClr val="accent6">
+        <a:tint val="20000"/>
+      </a:schemeClr>
+    </dgm:fillClrLst>
+    <dgm:linClrLst meth="repeat">
+      <a:schemeClr val="lt1"/>
+    </dgm:linClrLst>
+    <dgm:effectClrLst/>
+    <dgm:txLinClrLst/>
+    <dgm:txFillClrLst meth="repeat">
+      <a:schemeClr val="lt1"/>
+    </dgm:txFillClrLst>
+    <dgm:txEffectClrLst/>
+  </dgm:styleLbl>
+  <dgm:styleLbl name="bgImgPlace1">
+    <dgm:fillClrLst>
+      <a:schemeClr val="accent5">
+        <a:tint val="50000"/>
+      </a:schemeClr>
+      <a:schemeClr val="accent6">
+        <a:tint val="20000"/>
+      </a:schemeClr>
+    </dgm:fillClrLst>
+    <dgm:linClrLst meth="repeat">
+      <a:schemeClr val="lt1"/>
+    </dgm:linClrLst>
+    <dgm:effectClrLst/>
+    <dgm:txLinClrLst/>
+    <dgm:txFillClrLst meth="repeat">
+      <a:schemeClr val="lt1"/>
+    </dgm:txFillClrLst>
+    <dgm:txEffectClrLst/>
+  </dgm:styleLbl>
+  <dgm:styleLbl name="sibTrans2D1">
+    <dgm:fillClrLst>
+      <a:schemeClr val="accent5"/>
+      <a:schemeClr val="accent6"/>
+    </dgm:fillClrLst>
+    <dgm:linClrLst meth="repeat">
+      <a:schemeClr val="lt1"/>
+    </dgm:linClrLst>
+    <dgm:effectClrLst/>
+    <dgm:txLinClrLst/>
+    <dgm:txFillClrLst/>
+    <dgm:txEffectClrLst/>
+  </dgm:styleLbl>
+  <dgm:styleLbl name="fgSibTrans2D1">
+    <dgm:fillClrLst>
+      <a:schemeClr val="accent5"/>
+      <a:schemeClr val="accent6"/>
+    </dgm:fillClrLst>
+    <dgm:linClrLst meth="repeat">
+      <a:schemeClr val="lt1"/>
+    </dgm:linClrLst>
+    <dgm:effectClrLst/>
+    <dgm:txLinClrLst/>
+    <dgm:txFillClrLst meth="repeat">
+      <a:schemeClr val="lt1"/>
+    </dgm:txFillClrLst>
+    <dgm:txEffectClrLst/>
+  </dgm:styleLbl>
+  <dgm:styleLbl name="bgSibTrans2D1">
+    <dgm:fillClrLst>
+      <a:schemeClr val="accent5"/>
+      <a:schemeClr val="accent6"/>
+    </dgm:fillClrLst>
+    <dgm:linClrLst meth="repeat">
+      <a:schemeClr val="lt1"/>
+    </dgm:linClrLst>
+    <dgm:effectClrLst/>
+    <dgm:txLinClrLst/>
+    <dgm:txFillClrLst meth="repeat">
+      <a:schemeClr val="lt1"/>
+    </dgm:txFillClrLst>
+    <dgm:txEffectClrLst/>
+  </dgm:styleLbl>
+  <dgm:styleLbl name="sibTrans1D1">
+    <dgm:fillClrLst/>
+    <dgm:linClrLst>
+      <a:schemeClr val="accent5"/>
+      <a:schemeClr val="accent6"/>
+    </dgm:linClrLst>
+    <dgm:effectClrLst/>
+    <dgm:txLinClrLst/>
+    <dgm:txFillClrLst meth="repeat">
+      <a:schemeClr val="tx1"/>
+    </dgm:txFillClrLst>
+    <dgm:txEffectClrLst/>
+  </dgm:styleLbl>
+  <dgm:styleLbl name="callout">
+    <dgm:fillClrLst meth="repeat">
+      <a:schemeClr val="accent5"/>
+    </dgm:fillClrLst>
+    <dgm:linClrLst meth="repeat">
+      <a:schemeClr val="accent5">
+        <a:tint val="50000"/>
+      </a:schemeClr>
+    </dgm:linClrLst>
+    <dgm:effectClrLst/>
+    <dgm:txLinClrLst/>
+    <dgm:txFillClrLst meth="repeat">
+      <a:schemeClr val="tx1"/>
+    </dgm:txFillClrLst>
+    <dgm:txEffectClrLst/>
+  </dgm:styleLbl>
+  <dgm:styleLbl name="asst0">
+    <dgm:fillClrLst meth="repeat">
+      <a:schemeClr val="accent5"/>
+    </dgm:fillClrLst>
+    <dgm:linClrLst meth="repeat">
+      <a:schemeClr val="lt1">
+        <a:shade val="80000"/>
+      </a:schemeClr>
+    </dgm:linClrLst>
+    <dgm:effectClrLst/>
+    <dgm:txLinClrLst/>
+    <dgm:txFillClrLst/>
+    <dgm:txEffectClrLst/>
+  </dgm:styleLbl>
+  <dgm:styleLbl name="asst1">
+    <dgm:fillClrLst meth="repeat">
+      <a:schemeClr val="accent6"/>
+    </dgm:fillClrLst>
+    <dgm:linClrLst meth="repeat">
+      <a:schemeClr val="lt1">
+        <a:shade val="80000"/>
+      </a:schemeClr>
+    </dgm:linClrLst>
+    <dgm:effectClrLst/>
+    <dgm:txLinClrLst/>
+    <dgm:txFillClrLst/>
+    <dgm:txEffectClrLst/>
+  </dgm:styleLbl>
+  <dgm:styleLbl name="asst2">
+    <dgm:fillClrLst>
+      <a:schemeClr val="accent1"/>
+    </dgm:fillClrLst>
+    <dgm:linClrLst meth="repeat">
+      <a:schemeClr val="lt1"/>
+    </dgm:linClrLst>
+    <dgm:effectClrLst/>
+    <dgm:txLinClrLst/>
+    <dgm:txFillClrLst/>
+    <dgm:txEffectClrLst/>
+  </dgm:styleLbl>
+  <dgm:styleLbl name="asst3">
+    <dgm:fillClrLst>
+      <a:schemeClr val="accent2"/>
+    </dgm:fillClrLst>
+    <dgm:linClrLst meth="repeat">
+      <a:schemeClr val="lt1"/>
+    </dgm:linClrLst>
+    <dgm:effectClrLst/>
+    <dgm:txLinClrLst/>
+    <dgm:txFillClrLst/>
+    <dgm:txEffectClrLst/>
+  </dgm:styleLbl>
+  <dgm:styleLbl name="asst4">
+    <dgm:fillClrLst>
+      <a:schemeClr val="accent3"/>
+    </dgm:fillClrLst>
+    <dgm:linClrLst meth="repeat">
+      <a:schemeClr val="lt1"/>
+    </dgm:linClrLst>
+    <dgm:effectClrLst/>
+    <dgm:txLinClrLst/>
+    <dgm:txFillClrLst/>
+    <dgm:txEffectClrLst/>
+  </dgm:styleLbl>
+  <dgm:styleLbl name="parChTrans2D1">
+    <dgm:fillClrLst meth="repeat">
+      <a:schemeClr val="accent5"/>
+    </dgm:fillClrLst>
+    <dgm:linClrLst meth="repeat">
+      <a:schemeClr val="lt1"/>
+    </dgm:linClrLst>
+    <dgm:effectClrLst/>
+    <dgm:txLinClrLst/>
+    <dgm:txFillClrLst meth="repeat">
+      <a:schemeClr val="lt1"/>
+    </dgm:txFillClrLst>
+    <dgm:txEffectClrLst/>
+  </dgm:styleLbl>
+  <dgm:styleLbl name="parChTrans2D2">
+    <dgm:fillClrLst meth="repeat">
+      <a:schemeClr val="accent6"/>
+    </dgm:fillClrLst>
+    <dgm:linClrLst meth="repeat">
+      <a:schemeClr val="lt1"/>
+    </dgm:linClrLst>
+    <dgm:effectClrLst/>
+    <dgm:txLinClrLst/>
+    <dgm:txFillClrLst/>
+    <dgm:txEffectClrLst/>
+  </dgm:styleLbl>
+  <dgm:styleLbl name="parChTrans2D3">
+    <dgm:fillClrLst meth="repeat">
+      <a:schemeClr val="accent6"/>
+    </dgm:fillClrLst>
+    <dgm:linClrLst meth="repeat">
+      <a:schemeClr val="lt1"/>
+    </dgm:linClrLst>
+    <dgm:effectClrLst/>
+    <dgm:txLinClrLst/>
+    <dgm:txFillClrLst/>
+    <dgm:txEffectClrLst/>
+  </dgm:styleLbl>
+  <dgm:styleLbl name="parChTrans2D4">
+    <dgm:fillClrLst meth="repeat">
+      <a:schemeClr val="accent1"/>
+    </dgm:fillClrLst>
+    <dgm:linClrLst meth="repeat">
+      <a:schemeClr val="lt1"/>
+    </dgm:linClrLst>
+    <dgm:effectClrLst/>
+    <dgm:txLinClrLst/>
+    <dgm:txFillClrLst meth="repeat">
+      <a:schemeClr val="lt1"/>
+    </dgm:txFillClrLst>
+    <dgm:txEffectClrLst/>
+  </dgm:styleLbl>
+  <dgm:styleLbl name="parChTrans1D1">
+    <dgm:fillClrLst meth="repeat">
+      <a:schemeClr val="accent5"/>
+    </dgm:fillClrLst>
+    <dgm:linClrLst meth="repeat">
+      <a:schemeClr val="accent5"/>
+    </dgm:linClrLst>
+    <dgm:effectClrLst/>
+    <dgm:txLinClrLst/>
+    <dgm:txFillClrLst meth="repeat">
+      <a:schemeClr val="tx1"/>
+    </dgm:txFillClrLst>
+    <dgm:txEffectClrLst/>
+  </dgm:styleLbl>
+  <dgm:styleLbl name="parChTrans1D2">
+    <dgm:fillClrLst meth="repeat">
+      <a:schemeClr val="accent6">
+        <a:tint val="90000"/>
+      </a:schemeClr>
+    </dgm:fillClrLst>
+    <dgm:linClrLst meth="repeat">
+      <a:schemeClr val="accent6"/>
+    </dgm:linClrLst>
+    <dgm:effectClrLst/>
+    <dgm:txLinClrLst/>
+    <dgm:txFillClrLst meth="repeat">
+      <a:schemeClr val="tx1"/>
+    </dgm:txFillClrLst>
+    <dgm:txEffectClrLst/>
+  </dgm:styleLbl>
+  <dgm:styleLbl name="parChTrans1D3">
+    <dgm:fillClrLst meth="repeat">
+      <a:schemeClr val="accent6">
+        <a:tint val="70000"/>
+      </a:schemeClr>
+    </dgm:fillClrLst>
+    <dgm:linClrLst meth="repeat">
+      <a:schemeClr val="accent1"/>
+    </dgm:linClrLst>
+    <dgm:effectClrLst/>
+    <dgm:txLinClrLst/>
+    <dgm:txFillClrLst meth="repeat">
+      <a:schemeClr val="tx1"/>
+    </dgm:txFillClrLst>
+    <dgm:txEffectClrLst/>
+  </dgm:styleLbl>
+  <dgm:styleLbl name="parChTrans1D4">
+    <dgm:fillClrLst meth="repeat">
+      <a:schemeClr val="accent6">
+        <a:tint val="50000"/>
+      </a:schemeClr>
+    </dgm:fillClrLst>
+    <dgm:linClrLst meth="repeat">
+      <a:schemeClr val="accent2"/>
+    </dgm:linClrLst>
+    <dgm:effectClrLst/>
+    <dgm:txLinClrLst/>
+    <dgm:txFillClrLst meth="repeat">
+      <a:schemeClr val="tx1"/>
+    </dgm:txFillClrLst>
+    <dgm:txEffectClrLst/>
+  </dgm:styleLbl>
+  <dgm:styleLbl name="fgAcc1">
+    <dgm:fillClrLst meth="repeat">
+      <a:schemeClr val="lt1">
+        <a:alpha val="90000"/>
+      </a:schemeClr>
+    </dgm:fillClrLst>
+    <dgm:linClrLst>
+      <a:schemeClr val="accent5"/>
+      <a:schemeClr val="accent6"/>
+    </dgm:linClrLst>
+    <dgm:effectClrLst/>
+    <dgm:txLinClrLst/>
+    <dgm:txFillClrLst meth="repeat">
+      <a:schemeClr val="dk1"/>
+    </dgm:txFillClrLst>
+    <dgm:txEffectClrLst/>
+  </dgm:styleLbl>
+  <dgm:styleLbl name="conFgAcc1">
+    <dgm:fillClrLst meth="repeat">
+      <a:schemeClr val="lt1">
+        <a:alpha val="90000"/>
+      </a:schemeClr>
+    </dgm:fillClrLst>
+    <dgm:linClrLst>
+      <a:schemeClr val="accent5"/>
+      <a:schemeClr val="accent6"/>
+    </dgm:linClrLst>
+    <dgm:effectClrLst/>
+    <dgm:txLinClrLst/>
+    <dgm:txFillClrLst meth="repeat">
+      <a:schemeClr val="dk1"/>
+    </dgm:txFillClrLst>
+    <dgm:txEffectClrLst/>
+  </dgm:styleLbl>
+  <dgm:styleLbl name="alignAcc1">
+    <dgm:fillClrLst meth="repeat">
+      <a:schemeClr val="lt1">
+        <a:alpha val="90000"/>
+      </a:schemeClr>
+    </dgm:fillClrLst>
+    <dgm:linClrLst>
+      <a:schemeClr val="accent5"/>
+      <a:schemeClr val="accent6"/>
+    </dgm:linClrLst>
+    <dgm:effectClrLst/>
+    <dgm:txLinClrLst/>
+    <dgm:txFillClrLst meth="repeat">
+      <a:schemeClr val="dk1"/>
+    </dgm:txFillClrLst>
+    <dgm:txEffectClrLst/>
+  </dgm:styleLbl>
+  <dgm:styleLbl name="trAlignAcc1">
+    <dgm:fillClrLst meth="repeat">
+      <a:schemeClr val="lt1">
+        <a:alpha val="40000"/>
+      </a:schemeClr>
+    </dgm:fillClrLst>
+    <dgm:linClrLst meth="repeat">
+      <a:schemeClr val="accent5"/>
+    </dgm:linClrLst>
+    <dgm:effectClrLst/>
+    <dgm:txLinClrLst/>
+    <dgm:txFillClrLst meth="repeat">
+      <a:schemeClr val="dk1"/>
+    </dgm:txFillClrLst>
+    <dgm:txEffectClrLst/>
+  </dgm:styleLbl>
+  <dgm:styleLbl name="bgAcc1">
+    <dgm:fillClrLst meth="repeat">
+      <a:schemeClr val="lt1">
+        <a:alpha val="90000"/>
+      </a:schemeClr>
+    </dgm:fillClrLst>
+    <dgm:linClrLst>
+      <a:schemeClr val="accent5"/>
+      <a:schemeClr val="accent6"/>
+    </dgm:linClrLst>
+    <dgm:effectClrLst/>
+    <dgm:txLinClrLst/>
+    <dgm:txFillClrLst meth="repeat">
+      <a:schemeClr val="dk1"/>
+    </dgm:txFillClrLst>
+    <dgm:txEffectClrLst/>
+  </dgm:styleLbl>
+  <dgm:styleLbl name="solidFgAcc1">
+    <dgm:fillClrLst meth="repeat">
+      <a:schemeClr val="lt1"/>
+    </dgm:fillClrLst>
+    <dgm:linClrLst>
+      <a:schemeClr val="accent5"/>
+      <a:schemeClr val="accent6"/>
+    </dgm:linClrLst>
+    <dgm:effectClrLst/>
+    <dgm:txLinClrLst/>
+    <dgm:txFillClrLst meth="repeat">
+      <a:schemeClr val="dk1"/>
+    </dgm:txFillClrLst>
+    <dgm:txEffectClrLst/>
+  </dgm:styleLbl>
+  <dgm:styleLbl name="solidAlignAcc1">
+    <dgm:fillClrLst meth="repeat">
+      <a:schemeClr val="lt1"/>
+    </dgm:fillClrLst>
+    <dgm:linClrLst>
+      <a:schemeClr val="accent5"/>
+      <a:schemeClr val="accent6"/>
+    </dgm:linClrLst>
+    <dgm:effectClrLst/>
+    <dgm:txLinClrLst/>
+    <dgm:txFillClrLst meth="repeat">
+      <a:schemeClr val="dk1"/>
+    </dgm:txFillClrLst>
+    <dgm:txEffectClrLst/>
+  </dgm:styleLbl>
+  <dgm:styleLbl name="solidBgAcc1">
+    <dgm:fillClrLst meth="repeat">
+      <a:schemeClr val="lt1"/>
+    </dgm:fillClrLst>
+    <dgm:linClrLst>
+      <a:schemeClr val="accent5"/>
+      <a:schemeClr val="accent6"/>
+    </dgm:linClrLst>
+    <dgm:effectClrLst/>
+    <dgm:txLinClrLst/>
+    <dgm:txFillClrLst meth="repeat">
+      <a:schemeClr val="dk1"/>
+    </dgm:txFillClrLst>
+    <dgm:txEffectClrLst/>
+  </dgm:styleLbl>
+  <dgm:styleLbl name="fgAccFollowNode1">
+    <dgm:fillClrLst>
+      <a:schemeClr val="accent5">
+        <a:tint val="40000"/>
+        <a:alpha val="90000"/>
+      </a:schemeClr>
+      <a:schemeClr val="accent6">
+        <a:tint val="40000"/>
+        <a:alpha val="90000"/>
+      </a:schemeClr>
+    </dgm:fillClrLst>
+    <dgm:linClrLst>
+      <a:schemeClr val="accent5">
+        <a:tint val="40000"/>
+        <a:alpha val="90000"/>
+      </a:schemeClr>
+      <a:schemeClr val="accent5">
+        <a:tint val="40000"/>
+        <a:alpha val="90000"/>
+      </a:schemeClr>
+    </dgm:linClrLst>
+    <dgm:effectClrLst/>
+    <dgm:txLinClrLst/>
+    <dgm:txFillClrLst meth="repeat">
+      <a:schemeClr val="dk1"/>
+    </dgm:txFillClrLst>
+    <dgm:txEffectClrLst/>
+  </dgm:styleLbl>
+  <dgm:styleLbl name="alignAccFollowNode1">
+    <dgm:fillClrLst>
+      <a:schemeClr val="accent5">
+        <a:tint val="40000"/>
+        <a:alpha val="90000"/>
+      </a:schemeClr>
+      <a:schemeClr val="accent6">
+        <a:tint val="40000"/>
+        <a:alpha val="90000"/>
+      </a:schemeClr>
+    </dgm:fillClrLst>
+    <dgm:linClrLst>
+      <a:schemeClr val="accent5">
+        <a:tint val="40000"/>
+        <a:alpha val="90000"/>
+      </a:schemeClr>
+      <a:schemeClr val="accent6">
+        <a:tint val="40000"/>
+        <a:alpha val="90000"/>
+      </a:schemeClr>
+    </dgm:linClrLst>
+    <dgm:effectClrLst/>
+    <dgm:txLinClrLst/>
+    <dgm:txFillClrLst meth="repeat">
+      <a:schemeClr val="dk1"/>
+    </dgm:txFillClrLst>
+    <dgm:txEffectClrLst/>
+  </dgm:styleLbl>
+  <dgm:styleLbl name="bgAccFollowNode1">
+    <dgm:fillClrLst>
+      <a:schemeClr val="accent5">
+        <a:tint val="40000"/>
+        <a:alpha val="90000"/>
+      </a:schemeClr>
+      <a:schemeClr val="accent6">
+        <a:tint val="40000"/>
+        <a:alpha val="90000"/>
+      </a:schemeClr>
+    </dgm:fillClrLst>
+    <dgm:linClrLst>
+      <a:schemeClr val="accent5">
+        <a:tint val="40000"/>
+        <a:alpha val="90000"/>
+      </a:schemeClr>
+      <a:schemeClr val="accent6">
+        <a:tint val="40000"/>
+        <a:alpha val="90000"/>
+      </a:schemeClr>
+    </dgm:linClrLst>
+    <dgm:effectClrLst/>
+    <dgm:txLinClrLst/>
+    <dgm:txFillClrLst meth="repeat">
+      <a:schemeClr val="dk1"/>
+    </dgm:txFillClrLst>
+    <dgm:txEffectClrLst/>
+  </dgm:styleLbl>
+  <dgm:styleLbl name="fgAcc0">
+    <dgm:fillClrLst meth="repeat">
+      <a:schemeClr val="lt1">
+        <a:alpha val="90000"/>
+      </a:schemeClr>
+    </dgm:fillClrLst>
+    <dgm:linClrLst>
+      <a:schemeClr val="accent4"/>
+    </dgm:linClrLst>
+    <dgm:effectClrLst/>
+    <dgm:txLinClrLst/>
+    <dgm:txFillClrLst meth="repeat">
+      <a:schemeClr val="dk1"/>
+    </dgm:txFillClrLst>
+    <dgm:txEffectClrLst/>
+  </dgm:styleLbl>
+  <dgm:styleLbl name="fgAcc2">
+    <dgm:fillClrLst meth="repeat">
+      <a:schemeClr val="lt1">
+        <a:alpha val="90000"/>
+      </a:schemeClr>
+    </dgm:fillClrLst>
+    <dgm:linClrLst>
+      <a:schemeClr val="accent6"/>
+    </dgm:linClrLst>
+    <dgm:effectClrLst/>
+    <dgm:txLinClrLst/>
+    <dgm:txFillClrLst meth="repeat">
+      <a:schemeClr val="dk1"/>
+    </dgm:txFillClrLst>
+    <dgm:txEffectClrLst/>
+  </dgm:styleLbl>
+  <dgm:styleLbl name="fgAcc3">
+    <dgm:fillClrLst meth="repeat">
+      <a:schemeClr val="lt1">
+        <a:alpha val="90000"/>
+      </a:schemeClr>
+    </dgm:fillClrLst>
+    <dgm:linClrLst>
+      <a:schemeClr val="accent1"/>
+    </dgm:linClrLst>
+    <dgm:effectClrLst/>
+    <dgm:txLinClrLst/>
+    <dgm:txFillClrLst meth="repeat">
+      <a:schemeClr val="dk1"/>
+    </dgm:txFillClrLst>
+    <dgm:txEffectClrLst/>
+  </dgm:styleLbl>
+  <dgm:styleLbl name="fgAcc4">
+    <dgm:fillClrLst meth="repeat">
+      <a:schemeClr val="lt1">
+        <a:alpha val="90000"/>
+      </a:schemeClr>
+    </dgm:fillClrLst>
+    <dgm:linClrLst>
+      <a:schemeClr val="accent2"/>
+    </dgm:linClrLst>
+    <dgm:effectClrLst/>
+    <dgm:txLinClrLst/>
+    <dgm:txFillClrLst meth="repeat">
+      <a:schemeClr val="dk1"/>
+    </dgm:txFillClrLst>
+    <dgm:txEffectClrLst/>
+  </dgm:styleLbl>
+  <dgm:styleLbl name="bgShp">
+    <dgm:fillClrLst meth="repeat">
+      <a:schemeClr val="accent5">
+        <a:tint val="40000"/>
+      </a:schemeClr>
+    </dgm:fillClrLst>
+    <dgm:linClrLst meth="repeat">
+      <a:schemeClr val="dk1"/>
+    </dgm:linClrLst>
+    <dgm:effectClrLst/>
+    <dgm:txLinClrLst/>
+    <dgm:txFillClrLst meth="repeat">
+      <a:schemeClr val="dk1"/>
+    </dgm:txFillClrLst>
+    <dgm:txEffectClrLst/>
+  </dgm:styleLbl>
+  <dgm:styleLbl name="dkBgShp">
+    <dgm:fillClrLst meth="repeat">
+      <a:schemeClr val="accent5">
+        <a:shade val="90000"/>
+      </a:schemeClr>
+    </dgm:fillClrLst>
+    <dgm:linClrLst meth="repeat">
+      <a:schemeClr val="dk1"/>
+    </dgm:linClrLst>
+    <dgm:effectClrLst/>
+    <dgm:txLinClrLst/>
+    <dgm:txFillClrLst meth="repeat">
+      <a:schemeClr val="lt1"/>
+    </dgm:txFillClrLst>
+    <dgm:txEffectClrLst/>
+  </dgm:styleLbl>
+  <dgm:styleLbl name="trBgShp">
+    <dgm:fillClrLst meth="repeat">
+      <a:schemeClr val="accent5">
+        <a:tint val="50000"/>
+        <a:alpha val="40000"/>
+      </a:schemeClr>
+    </dgm:fillClrLst>
+    <dgm:linClrLst meth="repeat">
+      <a:schemeClr val="accent5"/>
+    </dgm:linClrLst>
+    <dgm:effectClrLst/>
+    <dgm:txLinClrLst/>
+    <dgm:txFillClrLst meth="repeat">
+      <a:schemeClr val="lt1"/>
+    </dgm:txFillClrLst>
+    <dgm:txEffectClrLst/>
+  </dgm:styleLbl>
+  <dgm:styleLbl name="fgShp">
+    <dgm:fillClrLst meth="repeat">
+      <a:schemeClr val="accent5">
+        <a:tint val="40000"/>
+      </a:schemeClr>
+    </dgm:fillClrLst>
+    <dgm:linClrLst meth="repeat">
+      <a:schemeClr val="lt1"/>
+    </dgm:linClrLst>
+    <dgm:effectClrLst/>
+    <dgm:txLinClrLst/>
+    <dgm:txFillClrLst meth="repeat">
+      <a:schemeClr val="dk1"/>
+    </dgm:txFillClrLst>
+    <dgm:txEffectClrLst/>
+  </dgm:styleLbl>
+  <dgm:styleLbl name="revTx">
+    <dgm:fillClrLst meth="repeat">
+      <a:schemeClr val="lt1">
+        <a:alpha val="0"/>
+      </a:schemeClr>
+    </dgm:fillClrLst>
+    <dgm:linClrLst meth="repeat">
+      <a:schemeClr val="dk1">
+        <a:alpha val="0"/>
+      </a:schemeClr>
+    </dgm:linClrLst>
+    <dgm:effectClrLst/>
+    <dgm:txLinClrLst/>
+    <dgm:txFillClrLst meth="repeat">
+      <a:schemeClr val="tx1"/>
+    </dgm:txFillClrLst>
+    <dgm:txEffectClrLst/>
+  </dgm:styleLbl>
+</dgm:colorsDef>
+</file>
+
+<file path=ppt/diagrams/data1.xml><?xml version="1.0" encoding="utf-8"?>
+<dgm:dataModel xmlns:dgm="http://schemas.openxmlformats.org/drawingml/2006/diagram" xmlns:a="http://schemas.openxmlformats.org/drawingml/2006/main">
+  <dgm:ptLst>
+    <dgm:pt modelId="{DCB5DC4B-24A6-40C1-A1BD-24CFB48B44F8}" type="doc">
+      <dgm:prSet loTypeId="urn:microsoft.com/office/officeart/2005/8/layout/vList2" loCatId="list" qsTypeId="urn:microsoft.com/office/officeart/2005/8/quickstyle/simple1" qsCatId="simple" csTypeId="urn:microsoft.com/office/officeart/2005/8/colors/colorful2" csCatId="colorful"/>
+      <dgm:spPr/>
+      <dgm:t>
+        <a:bodyPr/>
+        <a:lstStyle/>
+        <a:p>
+          <a:endParaRPr lang="en-US"/>
+        </a:p>
+      </dgm:t>
+    </dgm:pt>
+    <dgm:pt modelId="{57F50FAB-0BDE-4BFF-AFCE-B3AF5D04ECB6}">
+      <dgm:prSet/>
+      <dgm:spPr/>
+      <dgm:t>
+        <a:bodyPr/>
+        <a:lstStyle/>
+        <a:p>
+          <a:r>
+            <a:rPr kumimoji="1" lang="ja-JP"/>
+            <a:t>やることリストにやることを追加</a:t>
+          </a:r>
+          <a:endParaRPr lang="en-US"/>
+        </a:p>
+      </dgm:t>
+    </dgm:pt>
+    <dgm:pt modelId="{B5DF93A1-BAA4-4DE4-B0B6-ACB171465996}" type="parTrans" cxnId="{98E83790-365E-42C2-A701-0AD1D4D3BC14}">
+      <dgm:prSet/>
+      <dgm:spPr/>
+      <dgm:t>
+        <a:bodyPr/>
+        <a:lstStyle/>
+        <a:p>
+          <a:endParaRPr lang="en-US"/>
+        </a:p>
+      </dgm:t>
+    </dgm:pt>
+    <dgm:pt modelId="{0E1C04C7-EF2C-4C83-8A93-E29D614AA8E7}" type="sibTrans" cxnId="{98E83790-365E-42C2-A701-0AD1D4D3BC14}">
+      <dgm:prSet/>
+      <dgm:spPr/>
+      <dgm:t>
+        <a:bodyPr/>
+        <a:lstStyle/>
+        <a:p>
+          <a:endParaRPr lang="en-US"/>
+        </a:p>
+      </dgm:t>
+    </dgm:pt>
+    <dgm:pt modelId="{31F46834-31ED-471E-872C-27467C63A6CC}">
+      <dgm:prSet/>
+      <dgm:spPr/>
+      <dgm:t>
+        <a:bodyPr/>
+        <a:lstStyle/>
+        <a:p>
+          <a:r>
+            <a:rPr kumimoji="1" lang="ja-JP"/>
+            <a:t>カテゴリーごとに表示</a:t>
+          </a:r>
+          <a:endParaRPr lang="en-US"/>
+        </a:p>
+      </dgm:t>
+    </dgm:pt>
+    <dgm:pt modelId="{BA13B736-DFA6-461F-B380-CF2FBC12DB85}" type="parTrans" cxnId="{5670BA17-D43C-4AC4-B511-9AB187AAE7D2}">
+      <dgm:prSet/>
+      <dgm:spPr/>
+      <dgm:t>
+        <a:bodyPr/>
+        <a:lstStyle/>
+        <a:p>
+          <a:endParaRPr lang="en-US"/>
+        </a:p>
+      </dgm:t>
+    </dgm:pt>
+    <dgm:pt modelId="{0A3FF25B-6E18-4168-B575-50D5A0D13164}" type="sibTrans" cxnId="{5670BA17-D43C-4AC4-B511-9AB187AAE7D2}">
+      <dgm:prSet/>
+      <dgm:spPr/>
+      <dgm:t>
+        <a:bodyPr/>
+        <a:lstStyle/>
+        <a:p>
+          <a:endParaRPr lang="en-US"/>
+        </a:p>
+      </dgm:t>
+    </dgm:pt>
+    <dgm:pt modelId="{DA3BC160-0915-440F-A088-EDBF734FCE6A}">
+      <dgm:prSet/>
+      <dgm:spPr/>
+      <dgm:t>
+        <a:bodyPr/>
+        <a:lstStyle/>
+        <a:p>
+          <a:r>
+            <a:rPr kumimoji="1" lang="ja-JP"/>
+            <a:t>完了</a:t>
+          </a:r>
+          <a:r>
+            <a:rPr kumimoji="1" lang="en-US"/>
+            <a:t>/</a:t>
+          </a:r>
+          <a:r>
+            <a:rPr kumimoji="1" lang="ja-JP"/>
+            <a:t>未完了で表示</a:t>
+          </a:r>
+          <a:endParaRPr lang="en-US"/>
+        </a:p>
+      </dgm:t>
+    </dgm:pt>
+    <dgm:pt modelId="{CD77C650-D6A9-483C-B9F4-A0C4A0BD9170}" type="parTrans" cxnId="{D398EEB2-0FB4-418A-9191-2D73A5D6F346}">
+      <dgm:prSet/>
+      <dgm:spPr/>
+      <dgm:t>
+        <a:bodyPr/>
+        <a:lstStyle/>
+        <a:p>
+          <a:endParaRPr lang="en-US"/>
+        </a:p>
+      </dgm:t>
+    </dgm:pt>
+    <dgm:pt modelId="{12658B47-5045-4937-AA59-1643A9B7A90C}" type="sibTrans" cxnId="{D398EEB2-0FB4-418A-9191-2D73A5D6F346}">
+      <dgm:prSet/>
+      <dgm:spPr/>
+      <dgm:t>
+        <a:bodyPr/>
+        <a:lstStyle/>
+        <a:p>
+          <a:endParaRPr lang="en-US"/>
+        </a:p>
+      </dgm:t>
+    </dgm:pt>
+    <dgm:pt modelId="{273BDA8F-B653-4DDB-9673-35B03C1D5BBB}">
+      <dgm:prSet/>
+      <dgm:spPr/>
+      <dgm:t>
+        <a:bodyPr/>
+        <a:lstStyle/>
+        <a:p>
+          <a:r>
+            <a:rPr kumimoji="1" lang="ja-JP"/>
+            <a:t>ログインしたユーザーが追加したデータのみ参照</a:t>
+          </a:r>
+          <a:endParaRPr lang="en-US"/>
+        </a:p>
+      </dgm:t>
+    </dgm:pt>
+    <dgm:pt modelId="{1CB7DBE8-4395-47FE-B687-B5A199099CC5}" type="parTrans" cxnId="{479DFC66-C76E-4126-8051-E0A16E1978C5}">
+      <dgm:prSet/>
+      <dgm:spPr/>
+      <dgm:t>
+        <a:bodyPr/>
+        <a:lstStyle/>
+        <a:p>
+          <a:endParaRPr lang="en-US"/>
+        </a:p>
+      </dgm:t>
+    </dgm:pt>
+    <dgm:pt modelId="{1F624716-7B8A-4157-8BC5-66502018260B}" type="sibTrans" cxnId="{479DFC66-C76E-4126-8051-E0A16E1978C5}">
+      <dgm:prSet/>
+      <dgm:spPr/>
+      <dgm:t>
+        <a:bodyPr/>
+        <a:lstStyle/>
+        <a:p>
+          <a:endParaRPr lang="en-US"/>
+        </a:p>
+      </dgm:t>
+    </dgm:pt>
+    <dgm:pt modelId="{580C695C-C547-4E43-A544-6AF3471F3AD3}" type="pres">
+      <dgm:prSet presAssocID="{DCB5DC4B-24A6-40C1-A1BD-24CFB48B44F8}" presName="linear" presStyleCnt="0">
+        <dgm:presLayoutVars>
+          <dgm:animLvl val="lvl"/>
+          <dgm:resizeHandles val="exact"/>
+        </dgm:presLayoutVars>
+      </dgm:prSet>
+      <dgm:spPr/>
+    </dgm:pt>
+    <dgm:pt modelId="{C1C84466-681F-4836-A79A-CB3596483352}" type="pres">
+      <dgm:prSet presAssocID="{57F50FAB-0BDE-4BFF-AFCE-B3AF5D04ECB6}" presName="parentText" presStyleLbl="node1" presStyleIdx="0" presStyleCnt="4">
+        <dgm:presLayoutVars>
+          <dgm:chMax val="0"/>
+          <dgm:bulletEnabled val="1"/>
+        </dgm:presLayoutVars>
+      </dgm:prSet>
+      <dgm:spPr/>
+    </dgm:pt>
+    <dgm:pt modelId="{AC2BB12B-3E9C-478A-AE8A-FBF006A1EA0E}" type="pres">
+      <dgm:prSet presAssocID="{0E1C04C7-EF2C-4C83-8A93-E29D614AA8E7}" presName="spacer" presStyleCnt="0"/>
+      <dgm:spPr/>
+    </dgm:pt>
+    <dgm:pt modelId="{306AE8B3-8CAD-4627-B72A-96417A7A551B}" type="pres">
+      <dgm:prSet presAssocID="{31F46834-31ED-471E-872C-27467C63A6CC}" presName="parentText" presStyleLbl="node1" presStyleIdx="1" presStyleCnt="4">
+        <dgm:presLayoutVars>
+          <dgm:chMax val="0"/>
+          <dgm:bulletEnabled val="1"/>
+        </dgm:presLayoutVars>
+      </dgm:prSet>
+      <dgm:spPr/>
+    </dgm:pt>
+    <dgm:pt modelId="{85C2C375-10B8-499D-ACE0-1701C292E08A}" type="pres">
+      <dgm:prSet presAssocID="{0A3FF25B-6E18-4168-B575-50D5A0D13164}" presName="spacer" presStyleCnt="0"/>
+      <dgm:spPr/>
+    </dgm:pt>
+    <dgm:pt modelId="{7F77E043-F860-4515-852A-28360619C8E1}" type="pres">
+      <dgm:prSet presAssocID="{DA3BC160-0915-440F-A088-EDBF734FCE6A}" presName="parentText" presStyleLbl="node1" presStyleIdx="2" presStyleCnt="4">
+        <dgm:presLayoutVars>
+          <dgm:chMax val="0"/>
+          <dgm:bulletEnabled val="1"/>
+        </dgm:presLayoutVars>
+      </dgm:prSet>
+      <dgm:spPr/>
+    </dgm:pt>
+    <dgm:pt modelId="{B92BAECD-84FA-428B-BB70-1A27C59E62C7}" type="pres">
+      <dgm:prSet presAssocID="{12658B47-5045-4937-AA59-1643A9B7A90C}" presName="spacer" presStyleCnt="0"/>
+      <dgm:spPr/>
+    </dgm:pt>
+    <dgm:pt modelId="{E22C8364-ED1B-4F5C-9A17-3DC4AF33F486}" type="pres">
+      <dgm:prSet presAssocID="{273BDA8F-B653-4DDB-9673-35B03C1D5BBB}" presName="parentText" presStyleLbl="node1" presStyleIdx="3" presStyleCnt="4">
+        <dgm:presLayoutVars>
+          <dgm:chMax val="0"/>
+          <dgm:bulletEnabled val="1"/>
+        </dgm:presLayoutVars>
+      </dgm:prSet>
+      <dgm:spPr/>
+    </dgm:pt>
+  </dgm:ptLst>
+  <dgm:cxnLst>
+    <dgm:cxn modelId="{7FDBFC04-74C3-4036-9B87-E91A92116E73}" type="presOf" srcId="{DCB5DC4B-24A6-40C1-A1BD-24CFB48B44F8}" destId="{580C695C-C547-4E43-A544-6AF3471F3AD3}" srcOrd="0" destOrd="0" presId="urn:microsoft.com/office/officeart/2005/8/layout/vList2"/>
+    <dgm:cxn modelId="{5670BA17-D43C-4AC4-B511-9AB187AAE7D2}" srcId="{DCB5DC4B-24A6-40C1-A1BD-24CFB48B44F8}" destId="{31F46834-31ED-471E-872C-27467C63A6CC}" srcOrd="1" destOrd="0" parTransId="{BA13B736-DFA6-461F-B380-CF2FBC12DB85}" sibTransId="{0A3FF25B-6E18-4168-B575-50D5A0D13164}"/>
+    <dgm:cxn modelId="{479DFC66-C76E-4126-8051-E0A16E1978C5}" srcId="{DCB5DC4B-24A6-40C1-A1BD-24CFB48B44F8}" destId="{273BDA8F-B653-4DDB-9673-35B03C1D5BBB}" srcOrd="3" destOrd="0" parTransId="{1CB7DBE8-4395-47FE-B687-B5A199099CC5}" sibTransId="{1F624716-7B8A-4157-8BC5-66502018260B}"/>
+    <dgm:cxn modelId="{B392326A-E40C-4F20-9795-6D2AD273DF7D}" type="presOf" srcId="{DA3BC160-0915-440F-A088-EDBF734FCE6A}" destId="{7F77E043-F860-4515-852A-28360619C8E1}" srcOrd="0" destOrd="0" presId="urn:microsoft.com/office/officeart/2005/8/layout/vList2"/>
+    <dgm:cxn modelId="{B84CB57F-305A-427D-BBC4-4BC28FADA5B6}" type="presOf" srcId="{57F50FAB-0BDE-4BFF-AFCE-B3AF5D04ECB6}" destId="{C1C84466-681F-4836-A79A-CB3596483352}" srcOrd="0" destOrd="0" presId="urn:microsoft.com/office/officeart/2005/8/layout/vList2"/>
+    <dgm:cxn modelId="{98E83790-365E-42C2-A701-0AD1D4D3BC14}" srcId="{DCB5DC4B-24A6-40C1-A1BD-24CFB48B44F8}" destId="{57F50FAB-0BDE-4BFF-AFCE-B3AF5D04ECB6}" srcOrd="0" destOrd="0" parTransId="{B5DF93A1-BAA4-4DE4-B0B6-ACB171465996}" sibTransId="{0E1C04C7-EF2C-4C83-8A93-E29D614AA8E7}"/>
+    <dgm:cxn modelId="{ADEBCD90-A8FE-46A7-A730-05E78764223B}" type="presOf" srcId="{273BDA8F-B653-4DDB-9673-35B03C1D5BBB}" destId="{E22C8364-ED1B-4F5C-9A17-3DC4AF33F486}" srcOrd="0" destOrd="0" presId="urn:microsoft.com/office/officeart/2005/8/layout/vList2"/>
+    <dgm:cxn modelId="{D398EEB2-0FB4-418A-9191-2D73A5D6F346}" srcId="{DCB5DC4B-24A6-40C1-A1BD-24CFB48B44F8}" destId="{DA3BC160-0915-440F-A088-EDBF734FCE6A}" srcOrd="2" destOrd="0" parTransId="{CD77C650-D6A9-483C-B9F4-A0C4A0BD9170}" sibTransId="{12658B47-5045-4937-AA59-1643A9B7A90C}"/>
+    <dgm:cxn modelId="{42BEDCDB-30F1-4B74-BA42-7C10ACF5B653}" type="presOf" srcId="{31F46834-31ED-471E-872C-27467C63A6CC}" destId="{306AE8B3-8CAD-4627-B72A-96417A7A551B}" srcOrd="0" destOrd="0" presId="urn:microsoft.com/office/officeart/2005/8/layout/vList2"/>
+    <dgm:cxn modelId="{8293AEE0-A26D-4F70-B47B-2006252F6C7F}" type="presParOf" srcId="{580C695C-C547-4E43-A544-6AF3471F3AD3}" destId="{C1C84466-681F-4836-A79A-CB3596483352}" srcOrd="0" destOrd="0" presId="urn:microsoft.com/office/officeart/2005/8/layout/vList2"/>
+    <dgm:cxn modelId="{E1A82DC1-7799-418E-B84F-4353CD99C1B8}" type="presParOf" srcId="{580C695C-C547-4E43-A544-6AF3471F3AD3}" destId="{AC2BB12B-3E9C-478A-AE8A-FBF006A1EA0E}" srcOrd="1" destOrd="0" presId="urn:microsoft.com/office/officeart/2005/8/layout/vList2"/>
+    <dgm:cxn modelId="{5DE34DAA-5D3A-449F-B0E3-5136F73ABE2A}" type="presParOf" srcId="{580C695C-C547-4E43-A544-6AF3471F3AD3}" destId="{306AE8B3-8CAD-4627-B72A-96417A7A551B}" srcOrd="2" destOrd="0" presId="urn:microsoft.com/office/officeart/2005/8/layout/vList2"/>
+    <dgm:cxn modelId="{3F15DE81-80EC-4EB6-9158-13BBD55DB145}" type="presParOf" srcId="{580C695C-C547-4E43-A544-6AF3471F3AD3}" destId="{85C2C375-10B8-499D-ACE0-1701C292E08A}" srcOrd="3" destOrd="0" presId="urn:microsoft.com/office/officeart/2005/8/layout/vList2"/>
+    <dgm:cxn modelId="{7364F4E9-BB4A-409C-BADF-19BAEB9EDA80}" type="presParOf" srcId="{580C695C-C547-4E43-A544-6AF3471F3AD3}" destId="{7F77E043-F860-4515-852A-28360619C8E1}" srcOrd="4" destOrd="0" presId="urn:microsoft.com/office/officeart/2005/8/layout/vList2"/>
+    <dgm:cxn modelId="{42996B46-1E86-442F-968B-0B8B85B3560E}" type="presParOf" srcId="{580C695C-C547-4E43-A544-6AF3471F3AD3}" destId="{B92BAECD-84FA-428B-BB70-1A27C59E62C7}" srcOrd="5" destOrd="0" presId="urn:microsoft.com/office/officeart/2005/8/layout/vList2"/>
+    <dgm:cxn modelId="{2D87F88A-A3B5-4BA5-BC2F-83000598AA02}" type="presParOf" srcId="{580C695C-C547-4E43-A544-6AF3471F3AD3}" destId="{E22C8364-ED1B-4F5C-9A17-3DC4AF33F486}" srcOrd="6" destOrd="0" presId="urn:microsoft.com/office/officeart/2005/8/layout/vList2"/>
+  </dgm:cxnLst>
+  <dgm:bg/>
+  <dgm:whole/>
+  <dgm:extLst>
+    <a:ext uri="http://schemas.microsoft.com/office/drawing/2008/diagram">
+      <dsp:dataModelExt xmlns:dsp="http://schemas.microsoft.com/office/drawing/2008/diagram" relId="rId6" minVer="http://schemas.openxmlformats.org/drawingml/2006/diagram"/>
+    </a:ext>
+  </dgm:extLst>
+</dgm:dataModel>
+</file>
+
+<file path=ppt/diagrams/data2.xml><?xml version="1.0" encoding="utf-8"?>
+<dgm:dataModel xmlns:dgm="http://schemas.openxmlformats.org/drawingml/2006/diagram" xmlns:a="http://schemas.openxmlformats.org/drawingml/2006/main">
+  <dgm:ptLst>
+    <dgm:pt modelId="{A36D219C-295E-4778-A7CF-F5B4AF3635DA}" type="doc">
+      <dgm:prSet loTypeId="urn:microsoft.com/office/officeart/2005/8/layout/vList2" loCatId="list" qsTypeId="urn:microsoft.com/office/officeart/2005/8/quickstyle/simple1" qsCatId="simple" csTypeId="urn:microsoft.com/office/officeart/2005/8/colors/colorful5" csCatId="colorful"/>
+      <dgm:spPr/>
+      <dgm:t>
+        <a:bodyPr/>
+        <a:lstStyle/>
+        <a:p>
+          <a:endParaRPr lang="en-US"/>
+        </a:p>
+      </dgm:t>
+    </dgm:pt>
+    <dgm:pt modelId="{3984C07B-24BC-4260-BD9B-0B6A8D904E8B}">
+      <dgm:prSet/>
+      <dgm:spPr/>
+      <dgm:t>
+        <a:bodyPr/>
+        <a:lstStyle/>
+        <a:p>
+          <a:r>
+            <a:rPr kumimoji="1" lang="en-US"/>
+            <a:t>Flutter</a:t>
+          </a:r>
+          <a:r>
+            <a:rPr kumimoji="1" lang="ja-JP"/>
+            <a:t>と</a:t>
+          </a:r>
+          <a:r>
+            <a:rPr kumimoji="1" lang="en-US"/>
+            <a:t>dart</a:t>
+          </a:r>
+          <a:r>
+            <a:rPr kumimoji="1" lang="ja-JP"/>
+            <a:t>よくわからん</a:t>
+          </a:r>
+          <a:endParaRPr lang="en-US"/>
+        </a:p>
+      </dgm:t>
+    </dgm:pt>
+    <dgm:pt modelId="{B487474A-A8FE-4CB7-A280-B2D06AA77DF1}" type="parTrans" cxnId="{90C0D38E-40C1-4671-8141-B6308A4DFB4F}">
+      <dgm:prSet/>
+      <dgm:spPr/>
+      <dgm:t>
+        <a:bodyPr/>
+        <a:lstStyle/>
+        <a:p>
+          <a:endParaRPr lang="en-US"/>
+        </a:p>
+      </dgm:t>
+    </dgm:pt>
+    <dgm:pt modelId="{A188AE31-BF2B-4A37-9352-32B88C3CFF8D}" type="sibTrans" cxnId="{90C0D38E-40C1-4671-8141-B6308A4DFB4F}">
+      <dgm:prSet/>
+      <dgm:spPr/>
+      <dgm:t>
+        <a:bodyPr/>
+        <a:lstStyle/>
+        <a:p>
+          <a:endParaRPr lang="en-US"/>
+        </a:p>
+      </dgm:t>
+    </dgm:pt>
+    <dgm:pt modelId="{B6EEBF1E-DC88-41D9-8DA3-98BB6DA761CD}">
+      <dgm:prSet/>
+      <dgm:spPr/>
+      <dgm:t>
+        <a:bodyPr/>
+        <a:lstStyle/>
+        <a:p>
+          <a:r>
+            <a:rPr kumimoji="1" lang="en-US"/>
+            <a:t>Todo</a:t>
+          </a:r>
+          <a:r>
+            <a:rPr kumimoji="1" lang="ja-JP"/>
+            <a:t>アプリでもめちゃくちゃ苦労</a:t>
+          </a:r>
+          <a:endParaRPr lang="en-US"/>
+        </a:p>
+      </dgm:t>
+    </dgm:pt>
+    <dgm:pt modelId="{F439A7D6-E6A5-4A02-9367-9162B88D2B9E}" type="parTrans" cxnId="{5D7DF2E6-2D37-4B48-9E3B-6D3987E8C203}">
+      <dgm:prSet/>
+      <dgm:spPr/>
+      <dgm:t>
+        <a:bodyPr/>
+        <a:lstStyle/>
+        <a:p>
+          <a:endParaRPr lang="en-US"/>
+        </a:p>
+      </dgm:t>
+    </dgm:pt>
+    <dgm:pt modelId="{CBD3DF39-C107-4DE9-9FCE-1C1360D112BC}" type="sibTrans" cxnId="{5D7DF2E6-2D37-4B48-9E3B-6D3987E8C203}">
+      <dgm:prSet/>
+      <dgm:spPr/>
+      <dgm:t>
+        <a:bodyPr/>
+        <a:lstStyle/>
+        <a:p>
+          <a:endParaRPr lang="en-US"/>
+        </a:p>
+      </dgm:t>
+    </dgm:pt>
+    <dgm:pt modelId="{7DAC8DD2-E04F-412F-B66A-8340BAB85678}">
+      <dgm:prSet/>
+      <dgm:spPr/>
+      <dgm:t>
+        <a:bodyPr/>
+        <a:lstStyle/>
+        <a:p>
+          <a:r>
+            <a:rPr kumimoji="1" lang="ja-JP"/>
+            <a:t>デザインのいじり方が複雑に感じた</a:t>
+          </a:r>
+          <a:endParaRPr lang="en-US"/>
+        </a:p>
+      </dgm:t>
+    </dgm:pt>
+    <dgm:pt modelId="{121F94DF-7E2C-46A0-8CBB-680BBBB5C587}" type="parTrans" cxnId="{BC41FBE8-B71D-46A5-A240-4C99200CE328}">
+      <dgm:prSet/>
+      <dgm:spPr/>
+      <dgm:t>
+        <a:bodyPr/>
+        <a:lstStyle/>
+        <a:p>
+          <a:endParaRPr lang="en-US"/>
+        </a:p>
+      </dgm:t>
+    </dgm:pt>
+    <dgm:pt modelId="{24734455-454B-4D9D-BDB5-99DB15348E9D}" type="sibTrans" cxnId="{BC41FBE8-B71D-46A5-A240-4C99200CE328}">
+      <dgm:prSet/>
+      <dgm:spPr/>
+      <dgm:t>
+        <a:bodyPr/>
+        <a:lstStyle/>
+        <a:p>
+          <a:endParaRPr lang="en-US"/>
+        </a:p>
+      </dgm:t>
+    </dgm:pt>
+    <dgm:pt modelId="{D41F3902-1B40-43B3-9618-E3279E84B2AC}" type="pres">
+      <dgm:prSet presAssocID="{A36D219C-295E-4778-A7CF-F5B4AF3635DA}" presName="linear" presStyleCnt="0">
+        <dgm:presLayoutVars>
+          <dgm:animLvl val="lvl"/>
+          <dgm:resizeHandles val="exact"/>
+        </dgm:presLayoutVars>
+      </dgm:prSet>
+      <dgm:spPr/>
+    </dgm:pt>
+    <dgm:pt modelId="{506A8B3A-79FB-4B8B-9EED-AE025C309840}" type="pres">
+      <dgm:prSet presAssocID="{3984C07B-24BC-4260-BD9B-0B6A8D904E8B}" presName="parentText" presStyleLbl="node1" presStyleIdx="0" presStyleCnt="3">
+        <dgm:presLayoutVars>
+          <dgm:chMax val="0"/>
+          <dgm:bulletEnabled val="1"/>
+        </dgm:presLayoutVars>
+      </dgm:prSet>
+      <dgm:spPr/>
+    </dgm:pt>
+    <dgm:pt modelId="{F6DE49EA-678C-4215-A6AF-A48AA45987D4}" type="pres">
+      <dgm:prSet presAssocID="{A188AE31-BF2B-4A37-9352-32B88C3CFF8D}" presName="spacer" presStyleCnt="0"/>
+      <dgm:spPr/>
+    </dgm:pt>
+    <dgm:pt modelId="{EE5BAA60-5066-4542-92B3-4C62A257D989}" type="pres">
+      <dgm:prSet presAssocID="{B6EEBF1E-DC88-41D9-8DA3-98BB6DA761CD}" presName="parentText" presStyleLbl="node1" presStyleIdx="1" presStyleCnt="3">
+        <dgm:presLayoutVars>
+          <dgm:chMax val="0"/>
+          <dgm:bulletEnabled val="1"/>
+        </dgm:presLayoutVars>
+      </dgm:prSet>
+      <dgm:spPr/>
+    </dgm:pt>
+    <dgm:pt modelId="{C355C5AF-B907-4C06-A9BE-96A30A57749E}" type="pres">
+      <dgm:prSet presAssocID="{CBD3DF39-C107-4DE9-9FCE-1C1360D112BC}" presName="spacer" presStyleCnt="0"/>
+      <dgm:spPr/>
+    </dgm:pt>
+    <dgm:pt modelId="{0EA75528-D961-4D19-99F7-834EFA29EF89}" type="pres">
+      <dgm:prSet presAssocID="{7DAC8DD2-E04F-412F-B66A-8340BAB85678}" presName="parentText" presStyleLbl="node1" presStyleIdx="2" presStyleCnt="3">
+        <dgm:presLayoutVars>
+          <dgm:chMax val="0"/>
+          <dgm:bulletEnabled val="1"/>
+        </dgm:presLayoutVars>
+      </dgm:prSet>
+      <dgm:spPr/>
+    </dgm:pt>
+  </dgm:ptLst>
+  <dgm:cxnLst>
+    <dgm:cxn modelId="{9E5CBE81-0AC7-4C38-A1DA-083D30694736}" type="presOf" srcId="{B6EEBF1E-DC88-41D9-8DA3-98BB6DA761CD}" destId="{EE5BAA60-5066-4542-92B3-4C62A257D989}" srcOrd="0" destOrd="0" presId="urn:microsoft.com/office/officeart/2005/8/layout/vList2"/>
+    <dgm:cxn modelId="{90C0D38E-40C1-4671-8141-B6308A4DFB4F}" srcId="{A36D219C-295E-4778-A7CF-F5B4AF3635DA}" destId="{3984C07B-24BC-4260-BD9B-0B6A8D904E8B}" srcOrd="0" destOrd="0" parTransId="{B487474A-A8FE-4CB7-A280-B2D06AA77DF1}" sibTransId="{A188AE31-BF2B-4A37-9352-32B88C3CFF8D}"/>
+    <dgm:cxn modelId="{29CDCCB0-F826-4BD4-9ACE-9029B80207BE}" type="presOf" srcId="{7DAC8DD2-E04F-412F-B66A-8340BAB85678}" destId="{0EA75528-D961-4D19-99F7-834EFA29EF89}" srcOrd="0" destOrd="0" presId="urn:microsoft.com/office/officeart/2005/8/layout/vList2"/>
+    <dgm:cxn modelId="{5D7DF2E6-2D37-4B48-9E3B-6D3987E8C203}" srcId="{A36D219C-295E-4778-A7CF-F5B4AF3635DA}" destId="{B6EEBF1E-DC88-41D9-8DA3-98BB6DA761CD}" srcOrd="1" destOrd="0" parTransId="{F439A7D6-E6A5-4A02-9367-9162B88D2B9E}" sibTransId="{CBD3DF39-C107-4DE9-9FCE-1C1360D112BC}"/>
+    <dgm:cxn modelId="{BC41FBE8-B71D-46A5-A240-4C99200CE328}" srcId="{A36D219C-295E-4778-A7CF-F5B4AF3635DA}" destId="{7DAC8DD2-E04F-412F-B66A-8340BAB85678}" srcOrd="2" destOrd="0" parTransId="{121F94DF-7E2C-46A0-8CBB-680BBBB5C587}" sibTransId="{24734455-454B-4D9D-BDB5-99DB15348E9D}"/>
+    <dgm:cxn modelId="{55760DED-0D4E-4163-B8CD-00D8081105AF}" type="presOf" srcId="{A36D219C-295E-4778-A7CF-F5B4AF3635DA}" destId="{D41F3902-1B40-43B3-9618-E3279E84B2AC}" srcOrd="0" destOrd="0" presId="urn:microsoft.com/office/officeart/2005/8/layout/vList2"/>
+    <dgm:cxn modelId="{6344AFF2-6488-41F3-9344-814A04E14641}" type="presOf" srcId="{3984C07B-24BC-4260-BD9B-0B6A8D904E8B}" destId="{506A8B3A-79FB-4B8B-9EED-AE025C309840}" srcOrd="0" destOrd="0" presId="urn:microsoft.com/office/officeart/2005/8/layout/vList2"/>
+    <dgm:cxn modelId="{B4F38CC6-6E9C-4609-A3D1-9DED2B3B7C94}" type="presParOf" srcId="{D41F3902-1B40-43B3-9618-E3279E84B2AC}" destId="{506A8B3A-79FB-4B8B-9EED-AE025C309840}" srcOrd="0" destOrd="0" presId="urn:microsoft.com/office/officeart/2005/8/layout/vList2"/>
+    <dgm:cxn modelId="{99527DE9-D166-4062-B1A2-5EB37FC4B3FE}" type="presParOf" srcId="{D41F3902-1B40-43B3-9618-E3279E84B2AC}" destId="{F6DE49EA-678C-4215-A6AF-A48AA45987D4}" srcOrd="1" destOrd="0" presId="urn:microsoft.com/office/officeart/2005/8/layout/vList2"/>
+    <dgm:cxn modelId="{98F0BA38-7EA7-4240-83F6-ECE72E68B793}" type="presParOf" srcId="{D41F3902-1B40-43B3-9618-E3279E84B2AC}" destId="{EE5BAA60-5066-4542-92B3-4C62A257D989}" srcOrd="2" destOrd="0" presId="urn:microsoft.com/office/officeart/2005/8/layout/vList2"/>
+    <dgm:cxn modelId="{DBB0EB4C-6E0E-41F3-86A6-8191D768529D}" type="presParOf" srcId="{D41F3902-1B40-43B3-9618-E3279E84B2AC}" destId="{C355C5AF-B907-4C06-A9BE-96A30A57749E}" srcOrd="3" destOrd="0" presId="urn:microsoft.com/office/officeart/2005/8/layout/vList2"/>
+    <dgm:cxn modelId="{95920444-C8E6-4621-9A7F-2AFB49428BE4}" type="presParOf" srcId="{D41F3902-1B40-43B3-9618-E3279E84B2AC}" destId="{0EA75528-D961-4D19-99F7-834EFA29EF89}" srcOrd="4" destOrd="0" presId="urn:microsoft.com/office/officeart/2005/8/layout/vList2"/>
+  </dgm:cxnLst>
+  <dgm:bg/>
+  <dgm:whole/>
+  <dgm:extLst>
+    <a:ext uri="http://schemas.microsoft.com/office/drawing/2008/diagram">
+      <dsp:dataModelExt xmlns:dsp="http://schemas.microsoft.com/office/drawing/2008/diagram" relId="rId6" minVer="http://schemas.openxmlformats.org/drawingml/2006/diagram"/>
+    </a:ext>
+  </dgm:extLst>
+</dgm:dataModel>
+</file>
+
+<file path=ppt/diagrams/data3.xml><?xml version="1.0" encoding="utf-8"?>
+<dgm:dataModel xmlns:dgm="http://schemas.openxmlformats.org/drawingml/2006/diagram" xmlns:a="http://schemas.openxmlformats.org/drawingml/2006/main">
+  <dgm:ptLst>
+    <dgm:pt modelId="{793C96FC-41D4-4C70-BBB1-E7D8D821CE57}" type="doc">
+      <dgm:prSet loTypeId="urn:microsoft.com/office/officeart/2005/8/layout/vList2" loCatId="list" qsTypeId="urn:microsoft.com/office/officeart/2005/8/quickstyle/simple1" qsCatId="simple" csTypeId="urn:microsoft.com/office/officeart/2005/8/colors/colorful5" csCatId="colorful"/>
+      <dgm:spPr/>
+      <dgm:t>
+        <a:bodyPr/>
+        <a:lstStyle/>
+        <a:p>
+          <a:endParaRPr lang="en-US"/>
+        </a:p>
+      </dgm:t>
+    </dgm:pt>
+    <dgm:pt modelId="{0DDAF6AA-4A4E-4C42-98EC-C5E06967F910}">
+      <dgm:prSet/>
+      <dgm:spPr/>
+      <dgm:t>
+        <a:bodyPr/>
+        <a:lstStyle/>
+        <a:p>
+          <a:r>
+            <a:rPr kumimoji="1" lang="en-US"/>
+            <a:t>Visual studio code 1.101.2</a:t>
+          </a:r>
+          <a:endParaRPr lang="en-US"/>
+        </a:p>
+      </dgm:t>
+    </dgm:pt>
+    <dgm:pt modelId="{D41225EE-181F-4078-9BB7-D640CAA02A92}" type="parTrans" cxnId="{9FBDF58B-9C57-4A0E-AE34-66295B5FE02C}">
+      <dgm:prSet/>
+      <dgm:spPr/>
+      <dgm:t>
+        <a:bodyPr/>
+        <a:lstStyle/>
+        <a:p>
+          <a:endParaRPr lang="en-US"/>
+        </a:p>
+      </dgm:t>
+    </dgm:pt>
+    <dgm:pt modelId="{0748CEF7-F1E6-421B-A493-6C4E2802CC95}" type="sibTrans" cxnId="{9FBDF58B-9C57-4A0E-AE34-66295B5FE02C}">
+      <dgm:prSet/>
+      <dgm:spPr/>
+      <dgm:t>
+        <a:bodyPr/>
+        <a:lstStyle/>
+        <a:p>
+          <a:endParaRPr lang="en-US"/>
+        </a:p>
+      </dgm:t>
+    </dgm:pt>
+    <dgm:pt modelId="{B4314E99-F6B8-417B-BBF0-12632C1AB423}">
+      <dgm:prSet/>
+      <dgm:spPr/>
+      <dgm:t>
+        <a:bodyPr/>
+        <a:lstStyle/>
+        <a:p>
+          <a:r>
+            <a:rPr lang="en-US"/>
+            <a:t>Flutter  3.24.3</a:t>
+          </a:r>
+        </a:p>
+      </dgm:t>
+    </dgm:pt>
+    <dgm:pt modelId="{87407087-EC72-4C8A-A952-C0B4B977650A}" type="parTrans" cxnId="{607543E5-231B-4D0F-8985-44A1BA1DEA31}">
+      <dgm:prSet/>
+      <dgm:spPr/>
+      <dgm:t>
+        <a:bodyPr/>
+        <a:lstStyle/>
+        <a:p>
+          <a:endParaRPr lang="en-US"/>
+        </a:p>
+      </dgm:t>
+    </dgm:pt>
+    <dgm:pt modelId="{55394783-437E-463F-94C8-20F7FA2DE2CC}" type="sibTrans" cxnId="{607543E5-231B-4D0F-8985-44A1BA1DEA31}">
+      <dgm:prSet/>
+      <dgm:spPr/>
+      <dgm:t>
+        <a:bodyPr/>
+        <a:lstStyle/>
+        <a:p>
+          <a:endParaRPr lang="en-US"/>
+        </a:p>
+      </dgm:t>
+    </dgm:pt>
+    <dgm:pt modelId="{77503B2C-B8F2-40EC-BF60-F8BE6E000980}">
+      <dgm:prSet/>
+      <dgm:spPr/>
+      <dgm:t>
+        <a:bodyPr/>
+        <a:lstStyle/>
+        <a:p>
+          <a:r>
+            <a:rPr lang="en-US"/>
+            <a:t>Dart 3.8.1</a:t>
+          </a:r>
+        </a:p>
+      </dgm:t>
+    </dgm:pt>
+    <dgm:pt modelId="{62EE3375-5918-4FEF-A413-A76365CD7432}" type="parTrans" cxnId="{4B11AE8F-E215-4AB6-8825-CA5C2B2FAE6A}">
+      <dgm:prSet/>
+      <dgm:spPr/>
+      <dgm:t>
+        <a:bodyPr/>
+        <a:lstStyle/>
+        <a:p>
+          <a:endParaRPr lang="en-US"/>
+        </a:p>
+      </dgm:t>
+    </dgm:pt>
+    <dgm:pt modelId="{0361C5A2-52D4-4546-A20F-C1C114F88B9D}" type="sibTrans" cxnId="{4B11AE8F-E215-4AB6-8825-CA5C2B2FAE6A}">
+      <dgm:prSet/>
+      <dgm:spPr/>
+      <dgm:t>
+        <a:bodyPr/>
+        <a:lstStyle/>
+        <a:p>
+          <a:endParaRPr lang="en-US"/>
+        </a:p>
+      </dgm:t>
+    </dgm:pt>
+    <dgm:pt modelId="{CE5D30E3-5EAB-43E8-B9D0-DBE698C11F1D}">
+      <dgm:prSet/>
+      <dgm:spPr/>
+      <dgm:t>
+        <a:bodyPr/>
+        <a:lstStyle/>
+        <a:p>
+          <a:r>
+            <a:rPr kumimoji="1" lang="en-US"/>
+            <a:t>Firebase</a:t>
+          </a:r>
+          <a:endParaRPr lang="en-US"/>
+        </a:p>
+      </dgm:t>
+    </dgm:pt>
+    <dgm:pt modelId="{C5F4FE7A-62E2-41F5-AF5F-5E7876943DAB}" type="parTrans" cxnId="{719E9A82-1BB8-48F7-8FCD-5AD106A2A9E5}">
+      <dgm:prSet/>
+      <dgm:spPr/>
+      <dgm:t>
+        <a:bodyPr/>
+        <a:lstStyle/>
+        <a:p>
+          <a:endParaRPr lang="en-US"/>
+        </a:p>
+      </dgm:t>
+    </dgm:pt>
+    <dgm:pt modelId="{1E847580-5721-46D5-99A0-E7CB24A1D08B}" type="sibTrans" cxnId="{719E9A82-1BB8-48F7-8FCD-5AD106A2A9E5}">
+      <dgm:prSet/>
+      <dgm:spPr/>
+      <dgm:t>
+        <a:bodyPr/>
+        <a:lstStyle/>
+        <a:p>
+          <a:endParaRPr lang="en-US"/>
+        </a:p>
+      </dgm:t>
+    </dgm:pt>
+    <dgm:pt modelId="{465A4504-60FC-49C3-A549-434E76EB1B97}">
+      <dgm:prSet/>
+      <dgm:spPr/>
+      <dgm:t>
+        <a:bodyPr/>
+        <a:lstStyle/>
+        <a:p>
+          <a:r>
+            <a:rPr lang="en-US"/>
+            <a:t>https://www.flutter-study.dev/</a:t>
+          </a:r>
+        </a:p>
+      </dgm:t>
+    </dgm:pt>
+    <dgm:pt modelId="{B129BEC3-4234-4046-8027-A0D67182CAC9}" type="parTrans" cxnId="{88D11C61-AE37-4AF7-A610-65398115E6A3}">
+      <dgm:prSet/>
+      <dgm:spPr/>
+      <dgm:t>
+        <a:bodyPr/>
+        <a:lstStyle/>
+        <a:p>
+          <a:endParaRPr lang="en-US"/>
+        </a:p>
+      </dgm:t>
+    </dgm:pt>
+    <dgm:pt modelId="{F8E38470-7FE4-4176-900F-3FA3859BAF1A}" type="sibTrans" cxnId="{88D11C61-AE37-4AF7-A610-65398115E6A3}">
+      <dgm:prSet/>
+      <dgm:spPr/>
+      <dgm:t>
+        <a:bodyPr/>
+        <a:lstStyle/>
+        <a:p>
+          <a:endParaRPr lang="en-US"/>
+        </a:p>
+      </dgm:t>
+    </dgm:pt>
+    <dgm:pt modelId="{A7292B11-2EBA-4AB3-BABD-42F6F5112EF0}" type="pres">
+      <dgm:prSet presAssocID="{793C96FC-41D4-4C70-BBB1-E7D8D821CE57}" presName="linear" presStyleCnt="0">
+        <dgm:presLayoutVars>
+          <dgm:animLvl val="lvl"/>
+          <dgm:resizeHandles val="exact"/>
+        </dgm:presLayoutVars>
+      </dgm:prSet>
+      <dgm:spPr/>
+    </dgm:pt>
+    <dgm:pt modelId="{1BA836C2-9340-4FE3-B905-55512830B3A1}" type="pres">
+      <dgm:prSet presAssocID="{0DDAF6AA-4A4E-4C42-98EC-C5E06967F910}" presName="parentText" presStyleLbl="node1" presStyleIdx="0" presStyleCnt="5">
+        <dgm:presLayoutVars>
+          <dgm:chMax val="0"/>
+          <dgm:bulletEnabled val="1"/>
+        </dgm:presLayoutVars>
+      </dgm:prSet>
+      <dgm:spPr/>
+    </dgm:pt>
+    <dgm:pt modelId="{D8ADD309-6C8B-475E-8867-C076FB31A63D}" type="pres">
+      <dgm:prSet presAssocID="{0748CEF7-F1E6-421B-A493-6C4E2802CC95}" presName="spacer" presStyleCnt="0"/>
+      <dgm:spPr/>
+    </dgm:pt>
+    <dgm:pt modelId="{0AAA2B5C-465B-41CF-B82B-D97505FE9DF2}" type="pres">
+      <dgm:prSet presAssocID="{B4314E99-F6B8-417B-BBF0-12632C1AB423}" presName="parentText" presStyleLbl="node1" presStyleIdx="1" presStyleCnt="5">
+        <dgm:presLayoutVars>
+          <dgm:chMax val="0"/>
+          <dgm:bulletEnabled val="1"/>
+        </dgm:presLayoutVars>
+      </dgm:prSet>
+      <dgm:spPr/>
+    </dgm:pt>
+    <dgm:pt modelId="{808A85F7-5404-4292-9568-CB9EFC0D8A3F}" type="pres">
+      <dgm:prSet presAssocID="{55394783-437E-463F-94C8-20F7FA2DE2CC}" presName="spacer" presStyleCnt="0"/>
+      <dgm:spPr/>
+    </dgm:pt>
+    <dgm:pt modelId="{162351DF-23A4-4633-B6ED-AD8240F4E8EB}" type="pres">
+      <dgm:prSet presAssocID="{77503B2C-B8F2-40EC-BF60-F8BE6E000980}" presName="parentText" presStyleLbl="node1" presStyleIdx="2" presStyleCnt="5">
+        <dgm:presLayoutVars>
+          <dgm:chMax val="0"/>
+          <dgm:bulletEnabled val="1"/>
+        </dgm:presLayoutVars>
+      </dgm:prSet>
+      <dgm:spPr/>
+    </dgm:pt>
+    <dgm:pt modelId="{828FBB6F-9BD0-47D4-B1A6-C56D2E474693}" type="pres">
+      <dgm:prSet presAssocID="{0361C5A2-52D4-4546-A20F-C1C114F88B9D}" presName="spacer" presStyleCnt="0"/>
+      <dgm:spPr/>
+    </dgm:pt>
+    <dgm:pt modelId="{FE1E9297-E8F7-4086-87B9-32105F9B6062}" type="pres">
+      <dgm:prSet presAssocID="{CE5D30E3-5EAB-43E8-B9D0-DBE698C11F1D}" presName="parentText" presStyleLbl="node1" presStyleIdx="3" presStyleCnt="5">
+        <dgm:presLayoutVars>
+          <dgm:chMax val="0"/>
+          <dgm:bulletEnabled val="1"/>
+        </dgm:presLayoutVars>
+      </dgm:prSet>
+      <dgm:spPr/>
+    </dgm:pt>
+    <dgm:pt modelId="{C3E6B56C-2495-464D-989C-9D85BD620477}" type="pres">
+      <dgm:prSet presAssocID="{1E847580-5721-46D5-99A0-E7CB24A1D08B}" presName="spacer" presStyleCnt="0"/>
+      <dgm:spPr/>
+    </dgm:pt>
+    <dgm:pt modelId="{D35679F1-EE42-41FC-88E2-48C8AAA8E3C8}" type="pres">
+      <dgm:prSet presAssocID="{465A4504-60FC-49C3-A549-434E76EB1B97}" presName="parentText" presStyleLbl="node1" presStyleIdx="4" presStyleCnt="5">
+        <dgm:presLayoutVars>
+          <dgm:chMax val="0"/>
+          <dgm:bulletEnabled val="1"/>
+        </dgm:presLayoutVars>
+      </dgm:prSet>
+      <dgm:spPr/>
+    </dgm:pt>
+  </dgm:ptLst>
+  <dgm:cxnLst>
+    <dgm:cxn modelId="{8A233A0B-E0C8-44F8-8258-CB5A2888940B}" type="presOf" srcId="{0DDAF6AA-4A4E-4C42-98EC-C5E06967F910}" destId="{1BA836C2-9340-4FE3-B905-55512830B3A1}" srcOrd="0" destOrd="0" presId="urn:microsoft.com/office/officeart/2005/8/layout/vList2"/>
+    <dgm:cxn modelId="{88D11C61-AE37-4AF7-A610-65398115E6A3}" srcId="{793C96FC-41D4-4C70-BBB1-E7D8D821CE57}" destId="{465A4504-60FC-49C3-A549-434E76EB1B97}" srcOrd="4" destOrd="0" parTransId="{B129BEC3-4234-4046-8027-A0D67182CAC9}" sibTransId="{F8E38470-7FE4-4176-900F-3FA3859BAF1A}"/>
+    <dgm:cxn modelId="{E36B8348-4DDF-487B-A485-B0B3A7536ECF}" type="presOf" srcId="{B4314E99-F6B8-417B-BBF0-12632C1AB423}" destId="{0AAA2B5C-465B-41CF-B82B-D97505FE9DF2}" srcOrd="0" destOrd="0" presId="urn:microsoft.com/office/officeart/2005/8/layout/vList2"/>
+    <dgm:cxn modelId="{B0E42553-AFA1-47ED-AD5C-08EB957F852F}" type="presOf" srcId="{465A4504-60FC-49C3-A549-434E76EB1B97}" destId="{D35679F1-EE42-41FC-88E2-48C8AAA8E3C8}" srcOrd="0" destOrd="0" presId="urn:microsoft.com/office/officeart/2005/8/layout/vList2"/>
+    <dgm:cxn modelId="{719E9A82-1BB8-48F7-8FCD-5AD106A2A9E5}" srcId="{793C96FC-41D4-4C70-BBB1-E7D8D821CE57}" destId="{CE5D30E3-5EAB-43E8-B9D0-DBE698C11F1D}" srcOrd="3" destOrd="0" parTransId="{C5F4FE7A-62E2-41F5-AF5F-5E7876943DAB}" sibTransId="{1E847580-5721-46D5-99A0-E7CB24A1D08B}"/>
+    <dgm:cxn modelId="{9FBDF58B-9C57-4A0E-AE34-66295B5FE02C}" srcId="{793C96FC-41D4-4C70-BBB1-E7D8D821CE57}" destId="{0DDAF6AA-4A4E-4C42-98EC-C5E06967F910}" srcOrd="0" destOrd="0" parTransId="{D41225EE-181F-4078-9BB7-D640CAA02A92}" sibTransId="{0748CEF7-F1E6-421B-A493-6C4E2802CC95}"/>
+    <dgm:cxn modelId="{4B11AE8F-E215-4AB6-8825-CA5C2B2FAE6A}" srcId="{793C96FC-41D4-4C70-BBB1-E7D8D821CE57}" destId="{77503B2C-B8F2-40EC-BF60-F8BE6E000980}" srcOrd="2" destOrd="0" parTransId="{62EE3375-5918-4FEF-A413-A76365CD7432}" sibTransId="{0361C5A2-52D4-4546-A20F-C1C114F88B9D}"/>
+    <dgm:cxn modelId="{ACA77EAD-938B-4B0E-9EF9-759E936D58DB}" type="presOf" srcId="{77503B2C-B8F2-40EC-BF60-F8BE6E000980}" destId="{162351DF-23A4-4633-B6ED-AD8240F4E8EB}" srcOrd="0" destOrd="0" presId="urn:microsoft.com/office/officeart/2005/8/layout/vList2"/>
+    <dgm:cxn modelId="{7A0316DC-2660-444A-A47B-07BD3650CF35}" type="presOf" srcId="{793C96FC-41D4-4C70-BBB1-E7D8D821CE57}" destId="{A7292B11-2EBA-4AB3-BABD-42F6F5112EF0}" srcOrd="0" destOrd="0" presId="urn:microsoft.com/office/officeart/2005/8/layout/vList2"/>
+    <dgm:cxn modelId="{607543E5-231B-4D0F-8985-44A1BA1DEA31}" srcId="{793C96FC-41D4-4C70-BBB1-E7D8D821CE57}" destId="{B4314E99-F6B8-417B-BBF0-12632C1AB423}" srcOrd="1" destOrd="0" parTransId="{87407087-EC72-4C8A-A952-C0B4B977650A}" sibTransId="{55394783-437E-463F-94C8-20F7FA2DE2CC}"/>
+    <dgm:cxn modelId="{28CDBFF5-888E-4CBB-AB89-1E941C7ABA58}" type="presOf" srcId="{CE5D30E3-5EAB-43E8-B9D0-DBE698C11F1D}" destId="{FE1E9297-E8F7-4086-87B9-32105F9B6062}" srcOrd="0" destOrd="0" presId="urn:microsoft.com/office/officeart/2005/8/layout/vList2"/>
+    <dgm:cxn modelId="{4507717C-057C-4DAD-A0BD-ECB01899411E}" type="presParOf" srcId="{A7292B11-2EBA-4AB3-BABD-42F6F5112EF0}" destId="{1BA836C2-9340-4FE3-B905-55512830B3A1}" srcOrd="0" destOrd="0" presId="urn:microsoft.com/office/officeart/2005/8/layout/vList2"/>
+    <dgm:cxn modelId="{3A552CB3-394A-4D23-BC3F-7877ACFA94CE}" type="presParOf" srcId="{A7292B11-2EBA-4AB3-BABD-42F6F5112EF0}" destId="{D8ADD309-6C8B-475E-8867-C076FB31A63D}" srcOrd="1" destOrd="0" presId="urn:microsoft.com/office/officeart/2005/8/layout/vList2"/>
+    <dgm:cxn modelId="{6B443D1F-932E-45CC-9626-BCCC22FF9694}" type="presParOf" srcId="{A7292B11-2EBA-4AB3-BABD-42F6F5112EF0}" destId="{0AAA2B5C-465B-41CF-B82B-D97505FE9DF2}" srcOrd="2" destOrd="0" presId="urn:microsoft.com/office/officeart/2005/8/layout/vList2"/>
+    <dgm:cxn modelId="{9CD4B9DB-BAD4-4EF6-9129-1713230F5CF8}" type="presParOf" srcId="{A7292B11-2EBA-4AB3-BABD-42F6F5112EF0}" destId="{808A85F7-5404-4292-9568-CB9EFC0D8A3F}" srcOrd="3" destOrd="0" presId="urn:microsoft.com/office/officeart/2005/8/layout/vList2"/>
+    <dgm:cxn modelId="{C4770A5E-788F-4FD1-9189-4E3004A27B2C}" type="presParOf" srcId="{A7292B11-2EBA-4AB3-BABD-42F6F5112EF0}" destId="{162351DF-23A4-4633-B6ED-AD8240F4E8EB}" srcOrd="4" destOrd="0" presId="urn:microsoft.com/office/officeart/2005/8/layout/vList2"/>
+    <dgm:cxn modelId="{8A6162F1-0B90-4CDB-A27C-E265F24747F9}" type="presParOf" srcId="{A7292B11-2EBA-4AB3-BABD-42F6F5112EF0}" destId="{828FBB6F-9BD0-47D4-B1A6-C56D2E474693}" srcOrd="5" destOrd="0" presId="urn:microsoft.com/office/officeart/2005/8/layout/vList2"/>
+    <dgm:cxn modelId="{B12FEFFF-7D2E-4EEE-9F5E-B776A6CC2597}" type="presParOf" srcId="{A7292B11-2EBA-4AB3-BABD-42F6F5112EF0}" destId="{FE1E9297-E8F7-4086-87B9-32105F9B6062}" srcOrd="6" destOrd="0" presId="urn:microsoft.com/office/officeart/2005/8/layout/vList2"/>
+    <dgm:cxn modelId="{78E33087-6178-464C-8B9A-05CDDD4D5C98}" type="presParOf" srcId="{A7292B11-2EBA-4AB3-BABD-42F6F5112EF0}" destId="{C3E6B56C-2495-464D-989C-9D85BD620477}" srcOrd="7" destOrd="0" presId="urn:microsoft.com/office/officeart/2005/8/layout/vList2"/>
+    <dgm:cxn modelId="{029A496A-88FE-43A5-BFED-2B101D9A7ADD}" type="presParOf" srcId="{A7292B11-2EBA-4AB3-BABD-42F6F5112EF0}" destId="{D35679F1-EE42-41FC-88E2-48C8AAA8E3C8}" srcOrd="8" destOrd="0" presId="urn:microsoft.com/office/officeart/2005/8/layout/vList2"/>
+  </dgm:cxnLst>
+  <dgm:bg/>
+  <dgm:whole/>
+  <dgm:extLst>
+    <a:ext uri="http://schemas.microsoft.com/office/drawing/2008/diagram">
+      <dsp:dataModelExt xmlns:dsp="http://schemas.microsoft.com/office/drawing/2008/diagram" relId="rId6" minVer="http://schemas.openxmlformats.org/drawingml/2006/diagram"/>
+    </a:ext>
+  </dgm:extLst>
+</dgm:dataModel>
+</file>
+
+<file path=ppt/diagrams/drawing1.xml><?xml version="1.0" encoding="utf-8"?>
+<dsp:drawing xmlns:dgm="http://schemas.openxmlformats.org/drawingml/2006/diagram" xmlns:dsp="http://schemas.microsoft.com/office/drawing/2008/diagram" xmlns:a="http://schemas.openxmlformats.org/drawingml/2006/main">
+  <dsp:spTree>
+    <dsp:nvGrpSpPr>
+      <dsp:cNvPr id="0" name=""/>
+      <dsp:cNvGrpSpPr/>
+    </dsp:nvGrpSpPr>
+    <dsp:grpSpPr/>
+    <dsp:sp modelId="{C1C84466-681F-4836-A79A-CB3596483352}">
+      <dsp:nvSpPr>
+        <dsp:cNvPr id="0" name=""/>
+        <dsp:cNvSpPr/>
+      </dsp:nvSpPr>
+      <dsp:spPr>
+        <a:xfrm>
+          <a:off x="0" y="62211"/>
+          <a:ext cx="6949440" cy="1359393"/>
+        </a:xfrm>
+        <a:prstGeom prst="roundRect">
+          <a:avLst/>
+        </a:prstGeom>
+        <a:solidFill>
+          <a:schemeClr val="accent2">
+            <a:hueOff val="0"/>
+            <a:satOff val="0"/>
+            <a:lumOff val="0"/>
+            <a:alphaOff val="0"/>
+          </a:schemeClr>
+        </a:solidFill>
+        <a:ln w="19050" cap="flat" cmpd="sng" algn="ctr">
+          <a:solidFill>
+            <a:schemeClr val="lt1">
+              <a:hueOff val="0"/>
+              <a:satOff val="0"/>
+              <a:lumOff val="0"/>
+              <a:alphaOff val="0"/>
+            </a:schemeClr>
+          </a:solidFill>
+          <a:prstDash val="solid"/>
+          <a:miter lim="800000"/>
+        </a:ln>
+        <a:effectLst/>
+      </dsp:spPr>
+      <dsp:style>
+        <a:lnRef idx="2">
+          <a:scrgbClr r="0" g="0" b="0"/>
+        </a:lnRef>
+        <a:fillRef idx="1">
+          <a:scrgbClr r="0" g="0" b="0"/>
+        </a:fillRef>
+        <a:effectRef idx="0">
+          <a:scrgbClr r="0" g="0" b="0"/>
+        </a:effectRef>
+        <a:fontRef idx="minor">
+          <a:schemeClr val="lt1"/>
+        </a:fontRef>
+      </dsp:style>
+      <dsp:txBody>
+        <a:bodyPr spcFirstLastPara="0" vert="horz" wrap="square" lIns="99060" tIns="99060" rIns="99060" bIns="99060" numCol="1" spcCol="1270" anchor="ctr" anchorCtr="0">
+          <a:noAutofit/>
+        </a:bodyPr>
+        <a:lstStyle/>
+        <a:p>
+          <a:pPr marL="0" lvl="0" indent="0" algn="l" defTabSz="1155700">
+            <a:lnSpc>
+              <a:spcPct val="90000"/>
+            </a:lnSpc>
+            <a:spcBef>
+              <a:spcPct val="0"/>
+            </a:spcBef>
+            <a:spcAft>
+              <a:spcPct val="35000"/>
+            </a:spcAft>
+            <a:buNone/>
+          </a:pPr>
+          <a:r>
+            <a:rPr kumimoji="1" lang="ja-JP" sz="2600" kern="1200"/>
+            <a:t>やることリストにやることを追加</a:t>
+          </a:r>
+          <a:endParaRPr lang="en-US" sz="2600" kern="1200"/>
+        </a:p>
+      </dsp:txBody>
+      <dsp:txXfrm>
+        <a:off x="66360" y="128571"/>
+        <a:ext cx="6816720" cy="1226673"/>
+      </dsp:txXfrm>
+    </dsp:sp>
+    <dsp:sp modelId="{306AE8B3-8CAD-4627-B72A-96417A7A551B}">
+      <dsp:nvSpPr>
+        <dsp:cNvPr id="0" name=""/>
+        <dsp:cNvSpPr/>
+      </dsp:nvSpPr>
+      <dsp:spPr>
+        <a:xfrm>
+          <a:off x="0" y="1496485"/>
+          <a:ext cx="6949440" cy="1359393"/>
+        </a:xfrm>
+        <a:prstGeom prst="roundRect">
+          <a:avLst/>
+        </a:prstGeom>
+        <a:solidFill>
+          <a:schemeClr val="accent2">
+            <a:hueOff val="2147871"/>
+            <a:satOff val="-6164"/>
+            <a:lumOff val="-9870"/>
+            <a:alphaOff val="0"/>
+          </a:schemeClr>
+        </a:solidFill>
+        <a:ln w="19050" cap="flat" cmpd="sng" algn="ctr">
+          <a:solidFill>
+            <a:schemeClr val="lt1">
+              <a:hueOff val="0"/>
+              <a:satOff val="0"/>
+              <a:lumOff val="0"/>
+              <a:alphaOff val="0"/>
+            </a:schemeClr>
+          </a:solidFill>
+          <a:prstDash val="solid"/>
+          <a:miter lim="800000"/>
+        </a:ln>
+        <a:effectLst/>
+      </dsp:spPr>
+      <dsp:style>
+        <a:lnRef idx="2">
+          <a:scrgbClr r="0" g="0" b="0"/>
+        </a:lnRef>
+        <a:fillRef idx="1">
+          <a:scrgbClr r="0" g="0" b="0"/>
+        </a:fillRef>
+        <a:effectRef idx="0">
+          <a:scrgbClr r="0" g="0" b="0"/>
+        </a:effectRef>
+        <a:fontRef idx="minor">
+          <a:schemeClr val="lt1"/>
+        </a:fontRef>
+      </dsp:style>
+      <dsp:txBody>
+        <a:bodyPr spcFirstLastPara="0" vert="horz" wrap="square" lIns="99060" tIns="99060" rIns="99060" bIns="99060" numCol="1" spcCol="1270" anchor="ctr" anchorCtr="0">
+          <a:noAutofit/>
+        </a:bodyPr>
+        <a:lstStyle/>
+        <a:p>
+          <a:pPr marL="0" lvl="0" indent="0" algn="l" defTabSz="1155700">
+            <a:lnSpc>
+              <a:spcPct val="90000"/>
+            </a:lnSpc>
+            <a:spcBef>
+              <a:spcPct val="0"/>
+            </a:spcBef>
+            <a:spcAft>
+              <a:spcPct val="35000"/>
+            </a:spcAft>
+            <a:buNone/>
+          </a:pPr>
+          <a:r>
+            <a:rPr kumimoji="1" lang="ja-JP" sz="2600" kern="1200"/>
+            <a:t>カテゴリーごとに表示</a:t>
+          </a:r>
+          <a:endParaRPr lang="en-US" sz="2600" kern="1200"/>
+        </a:p>
+      </dsp:txBody>
+      <dsp:txXfrm>
+        <a:off x="66360" y="1562845"/>
+        <a:ext cx="6816720" cy="1226673"/>
+      </dsp:txXfrm>
+    </dsp:sp>
+    <dsp:sp modelId="{7F77E043-F860-4515-852A-28360619C8E1}">
+      <dsp:nvSpPr>
+        <dsp:cNvPr id="0" name=""/>
+        <dsp:cNvSpPr/>
+      </dsp:nvSpPr>
+      <dsp:spPr>
+        <a:xfrm>
+          <a:off x="0" y="2930759"/>
+          <a:ext cx="6949440" cy="1359393"/>
+        </a:xfrm>
+        <a:prstGeom prst="roundRect">
+          <a:avLst/>
+        </a:prstGeom>
+        <a:solidFill>
+          <a:schemeClr val="accent2">
+            <a:hueOff val="4295743"/>
+            <a:satOff val="-12329"/>
+            <a:lumOff val="-19739"/>
+            <a:alphaOff val="0"/>
+          </a:schemeClr>
+        </a:solidFill>
+        <a:ln w="19050" cap="flat" cmpd="sng" algn="ctr">
+          <a:solidFill>
+            <a:schemeClr val="lt1">
+              <a:hueOff val="0"/>
+              <a:satOff val="0"/>
+              <a:lumOff val="0"/>
+              <a:alphaOff val="0"/>
+            </a:schemeClr>
+          </a:solidFill>
+          <a:prstDash val="solid"/>
+          <a:miter lim="800000"/>
+        </a:ln>
+        <a:effectLst/>
+      </dsp:spPr>
+      <dsp:style>
+        <a:lnRef idx="2">
+          <a:scrgbClr r="0" g="0" b="0"/>
+        </a:lnRef>
+        <a:fillRef idx="1">
+          <a:scrgbClr r="0" g="0" b="0"/>
+        </a:fillRef>
+        <a:effectRef idx="0">
+          <a:scrgbClr r="0" g="0" b="0"/>
+        </a:effectRef>
+        <a:fontRef idx="minor">
+          <a:schemeClr val="lt1"/>
+        </a:fontRef>
+      </dsp:style>
+      <dsp:txBody>
+        <a:bodyPr spcFirstLastPara="0" vert="horz" wrap="square" lIns="99060" tIns="99060" rIns="99060" bIns="99060" numCol="1" spcCol="1270" anchor="ctr" anchorCtr="0">
+          <a:noAutofit/>
+        </a:bodyPr>
+        <a:lstStyle/>
+        <a:p>
+          <a:pPr marL="0" lvl="0" indent="0" algn="l" defTabSz="1155700">
+            <a:lnSpc>
+              <a:spcPct val="90000"/>
+            </a:lnSpc>
+            <a:spcBef>
+              <a:spcPct val="0"/>
+            </a:spcBef>
+            <a:spcAft>
+              <a:spcPct val="35000"/>
+            </a:spcAft>
+            <a:buNone/>
+          </a:pPr>
+          <a:r>
+            <a:rPr kumimoji="1" lang="ja-JP" sz="2600" kern="1200"/>
+            <a:t>完了</a:t>
+          </a:r>
+          <a:r>
+            <a:rPr kumimoji="1" lang="en-US" sz="2600" kern="1200"/>
+            <a:t>/</a:t>
+          </a:r>
+          <a:r>
+            <a:rPr kumimoji="1" lang="ja-JP" sz="2600" kern="1200"/>
+            <a:t>未完了で表示</a:t>
+          </a:r>
+          <a:endParaRPr lang="en-US" sz="2600" kern="1200"/>
+        </a:p>
+      </dsp:txBody>
+      <dsp:txXfrm>
+        <a:off x="66360" y="2997119"/>
+        <a:ext cx="6816720" cy="1226673"/>
+      </dsp:txXfrm>
+    </dsp:sp>
+    <dsp:sp modelId="{E22C8364-ED1B-4F5C-9A17-3DC4AF33F486}">
+      <dsp:nvSpPr>
+        <dsp:cNvPr id="0" name=""/>
+        <dsp:cNvSpPr/>
+      </dsp:nvSpPr>
+      <dsp:spPr>
+        <a:xfrm>
+          <a:off x="0" y="4365032"/>
+          <a:ext cx="6949440" cy="1359393"/>
+        </a:xfrm>
+        <a:prstGeom prst="roundRect">
+          <a:avLst/>
+        </a:prstGeom>
+        <a:solidFill>
+          <a:schemeClr val="accent2">
+            <a:hueOff val="6443614"/>
+            <a:satOff val="-18493"/>
+            <a:lumOff val="-29609"/>
+            <a:alphaOff val="0"/>
+          </a:schemeClr>
+        </a:solidFill>
+        <a:ln w="19050" cap="flat" cmpd="sng" algn="ctr">
+          <a:solidFill>
+            <a:schemeClr val="lt1">
+              <a:hueOff val="0"/>
+              <a:satOff val="0"/>
+              <a:lumOff val="0"/>
+              <a:alphaOff val="0"/>
+            </a:schemeClr>
+          </a:solidFill>
+          <a:prstDash val="solid"/>
+          <a:miter lim="800000"/>
+        </a:ln>
+        <a:effectLst/>
+      </dsp:spPr>
+      <dsp:style>
+        <a:lnRef idx="2">
+          <a:scrgbClr r="0" g="0" b="0"/>
+        </a:lnRef>
+        <a:fillRef idx="1">
+          <a:scrgbClr r="0" g="0" b="0"/>
+        </a:fillRef>
+        <a:effectRef idx="0">
+          <a:scrgbClr r="0" g="0" b="0"/>
+        </a:effectRef>
+        <a:fontRef idx="minor">
+          <a:schemeClr val="lt1"/>
+        </a:fontRef>
+      </dsp:style>
+      <dsp:txBody>
+        <a:bodyPr spcFirstLastPara="0" vert="horz" wrap="square" lIns="99060" tIns="99060" rIns="99060" bIns="99060" numCol="1" spcCol="1270" anchor="ctr" anchorCtr="0">
+          <a:noAutofit/>
+        </a:bodyPr>
+        <a:lstStyle/>
+        <a:p>
+          <a:pPr marL="0" lvl="0" indent="0" algn="l" defTabSz="1155700">
+            <a:lnSpc>
+              <a:spcPct val="90000"/>
+            </a:lnSpc>
+            <a:spcBef>
+              <a:spcPct val="0"/>
+            </a:spcBef>
+            <a:spcAft>
+              <a:spcPct val="35000"/>
+            </a:spcAft>
+            <a:buNone/>
+          </a:pPr>
+          <a:r>
+            <a:rPr kumimoji="1" lang="ja-JP" sz="2600" kern="1200"/>
+            <a:t>ログインしたユーザーが追加したデータのみ参照</a:t>
+          </a:r>
+          <a:endParaRPr lang="en-US" sz="2600" kern="1200"/>
+        </a:p>
+      </dsp:txBody>
+      <dsp:txXfrm>
+        <a:off x="66360" y="4431392"/>
+        <a:ext cx="6816720" cy="1226673"/>
+      </dsp:txXfrm>
+    </dsp:sp>
+  </dsp:spTree>
+</dsp:drawing>
+</file>
+
+<file path=ppt/diagrams/drawing2.xml><?xml version="1.0" encoding="utf-8"?>
+<dsp:drawing xmlns:dgm="http://schemas.openxmlformats.org/drawingml/2006/diagram" xmlns:dsp="http://schemas.microsoft.com/office/drawing/2008/diagram" xmlns:a="http://schemas.openxmlformats.org/drawingml/2006/main">
+  <dsp:spTree>
+    <dsp:nvGrpSpPr>
+      <dsp:cNvPr id="0" name=""/>
+      <dsp:cNvGrpSpPr/>
+    </dsp:nvGrpSpPr>
+    <dsp:grpSpPr/>
+    <dsp:sp modelId="{506A8B3A-79FB-4B8B-9EED-AE025C309840}">
+      <dsp:nvSpPr>
+        <dsp:cNvPr id="0" name=""/>
+        <dsp:cNvSpPr/>
+      </dsp:nvSpPr>
+      <dsp:spPr>
+        <a:xfrm>
+          <a:off x="0" y="47589"/>
+          <a:ext cx="6949440" cy="1829953"/>
+        </a:xfrm>
+        <a:prstGeom prst="roundRect">
+          <a:avLst/>
+        </a:prstGeom>
+        <a:solidFill>
+          <a:schemeClr val="accent5">
+            <a:hueOff val="0"/>
+            <a:satOff val="0"/>
+            <a:lumOff val="0"/>
+            <a:alphaOff val="0"/>
+          </a:schemeClr>
+        </a:solidFill>
+        <a:ln w="19050" cap="flat" cmpd="sng" algn="ctr">
+          <a:solidFill>
+            <a:schemeClr val="lt1">
+              <a:hueOff val="0"/>
+              <a:satOff val="0"/>
+              <a:lumOff val="0"/>
+              <a:alphaOff val="0"/>
+            </a:schemeClr>
+          </a:solidFill>
+          <a:prstDash val="solid"/>
+          <a:miter lim="800000"/>
+        </a:ln>
+        <a:effectLst/>
+      </dsp:spPr>
+      <dsp:style>
+        <a:lnRef idx="2">
+          <a:scrgbClr r="0" g="0" b="0"/>
+        </a:lnRef>
+        <a:fillRef idx="1">
+          <a:scrgbClr r="0" g="0" b="0"/>
+        </a:fillRef>
+        <a:effectRef idx="0">
+          <a:scrgbClr r="0" g="0" b="0"/>
+        </a:effectRef>
+        <a:fontRef idx="minor">
+          <a:schemeClr val="lt1"/>
+        </a:fontRef>
+      </dsp:style>
+      <dsp:txBody>
+        <a:bodyPr spcFirstLastPara="0" vert="horz" wrap="square" lIns="133350" tIns="133350" rIns="133350" bIns="133350" numCol="1" spcCol="1270" anchor="ctr" anchorCtr="0">
+          <a:noAutofit/>
+        </a:bodyPr>
+        <a:lstStyle/>
+        <a:p>
+          <a:pPr marL="0" lvl="0" indent="0" algn="l" defTabSz="1555750">
+            <a:lnSpc>
+              <a:spcPct val="90000"/>
+            </a:lnSpc>
+            <a:spcBef>
+              <a:spcPct val="0"/>
+            </a:spcBef>
+            <a:spcAft>
+              <a:spcPct val="35000"/>
+            </a:spcAft>
+            <a:buNone/>
+          </a:pPr>
+          <a:r>
+            <a:rPr kumimoji="1" lang="en-US" sz="3500" kern="1200"/>
+            <a:t>Flutter</a:t>
+          </a:r>
+          <a:r>
+            <a:rPr kumimoji="1" lang="ja-JP" sz="3500" kern="1200"/>
+            <a:t>と</a:t>
+          </a:r>
+          <a:r>
+            <a:rPr kumimoji="1" lang="en-US" sz="3500" kern="1200"/>
+            <a:t>dart</a:t>
+          </a:r>
+          <a:r>
+            <a:rPr kumimoji="1" lang="ja-JP" sz="3500" kern="1200"/>
+            <a:t>よくわからん</a:t>
+          </a:r>
+          <a:endParaRPr lang="en-US" sz="3500" kern="1200"/>
+        </a:p>
+      </dsp:txBody>
+      <dsp:txXfrm>
+        <a:off x="89331" y="136920"/>
+        <a:ext cx="6770778" cy="1651291"/>
+      </dsp:txXfrm>
+    </dsp:sp>
+    <dsp:sp modelId="{EE5BAA60-5066-4542-92B3-4C62A257D989}">
+      <dsp:nvSpPr>
+        <dsp:cNvPr id="0" name=""/>
+        <dsp:cNvSpPr/>
+      </dsp:nvSpPr>
+      <dsp:spPr>
+        <a:xfrm>
+          <a:off x="0" y="1978342"/>
+          <a:ext cx="6949440" cy="1829953"/>
+        </a:xfrm>
+        <a:prstGeom prst="roundRect">
+          <a:avLst/>
+        </a:prstGeom>
+        <a:solidFill>
+          <a:schemeClr val="accent5">
+            <a:hueOff val="-6076075"/>
+            <a:satOff val="-413"/>
+            <a:lumOff val="981"/>
+            <a:alphaOff val="0"/>
+          </a:schemeClr>
+        </a:solidFill>
+        <a:ln w="19050" cap="flat" cmpd="sng" algn="ctr">
+          <a:solidFill>
+            <a:schemeClr val="lt1">
+              <a:hueOff val="0"/>
+              <a:satOff val="0"/>
+              <a:lumOff val="0"/>
+              <a:alphaOff val="0"/>
+            </a:schemeClr>
+          </a:solidFill>
+          <a:prstDash val="solid"/>
+          <a:miter lim="800000"/>
+        </a:ln>
+        <a:effectLst/>
+      </dsp:spPr>
+      <dsp:style>
+        <a:lnRef idx="2">
+          <a:scrgbClr r="0" g="0" b="0"/>
+        </a:lnRef>
+        <a:fillRef idx="1">
+          <a:scrgbClr r="0" g="0" b="0"/>
+        </a:fillRef>
+        <a:effectRef idx="0">
+          <a:scrgbClr r="0" g="0" b="0"/>
+        </a:effectRef>
+        <a:fontRef idx="minor">
+          <a:schemeClr val="lt1"/>
+        </a:fontRef>
+      </dsp:style>
+      <dsp:txBody>
+        <a:bodyPr spcFirstLastPara="0" vert="horz" wrap="square" lIns="133350" tIns="133350" rIns="133350" bIns="133350" numCol="1" spcCol="1270" anchor="ctr" anchorCtr="0">
+          <a:noAutofit/>
+        </a:bodyPr>
+        <a:lstStyle/>
+        <a:p>
+          <a:pPr marL="0" lvl="0" indent="0" algn="l" defTabSz="1555750">
+            <a:lnSpc>
+              <a:spcPct val="90000"/>
+            </a:lnSpc>
+            <a:spcBef>
+              <a:spcPct val="0"/>
+            </a:spcBef>
+            <a:spcAft>
+              <a:spcPct val="35000"/>
+            </a:spcAft>
+            <a:buNone/>
+          </a:pPr>
+          <a:r>
+            <a:rPr kumimoji="1" lang="en-US" sz="3500" kern="1200"/>
+            <a:t>Todo</a:t>
+          </a:r>
+          <a:r>
+            <a:rPr kumimoji="1" lang="ja-JP" sz="3500" kern="1200"/>
+            <a:t>アプリでもめちゃくちゃ苦労</a:t>
+          </a:r>
+          <a:endParaRPr lang="en-US" sz="3500" kern="1200"/>
+        </a:p>
+      </dsp:txBody>
+      <dsp:txXfrm>
+        <a:off x="89331" y="2067673"/>
+        <a:ext cx="6770778" cy="1651291"/>
+      </dsp:txXfrm>
+    </dsp:sp>
+    <dsp:sp modelId="{0EA75528-D961-4D19-99F7-834EFA29EF89}">
+      <dsp:nvSpPr>
+        <dsp:cNvPr id="0" name=""/>
+        <dsp:cNvSpPr/>
+      </dsp:nvSpPr>
+      <dsp:spPr>
+        <a:xfrm>
+          <a:off x="0" y="3909095"/>
+          <a:ext cx="6949440" cy="1829953"/>
+        </a:xfrm>
+        <a:prstGeom prst="roundRect">
+          <a:avLst/>
+        </a:prstGeom>
+        <a:solidFill>
+          <a:schemeClr val="accent5">
+            <a:hueOff val="-12152150"/>
+            <a:satOff val="-826"/>
+            <a:lumOff val="1961"/>
+            <a:alphaOff val="0"/>
+          </a:schemeClr>
+        </a:solidFill>
+        <a:ln w="19050" cap="flat" cmpd="sng" algn="ctr">
+          <a:solidFill>
+            <a:schemeClr val="lt1">
+              <a:hueOff val="0"/>
+              <a:satOff val="0"/>
+              <a:lumOff val="0"/>
+              <a:alphaOff val="0"/>
+            </a:schemeClr>
+          </a:solidFill>
+          <a:prstDash val="solid"/>
+          <a:miter lim="800000"/>
+        </a:ln>
+        <a:effectLst/>
+      </dsp:spPr>
+      <dsp:style>
+        <a:lnRef idx="2">
+          <a:scrgbClr r="0" g="0" b="0"/>
+        </a:lnRef>
+        <a:fillRef idx="1">
+          <a:scrgbClr r="0" g="0" b="0"/>
+        </a:fillRef>
+        <a:effectRef idx="0">
+          <a:scrgbClr r="0" g="0" b="0"/>
+        </a:effectRef>
+        <a:fontRef idx="minor">
+          <a:schemeClr val="lt1"/>
+        </a:fontRef>
+      </dsp:style>
+      <dsp:txBody>
+        <a:bodyPr spcFirstLastPara="0" vert="horz" wrap="square" lIns="133350" tIns="133350" rIns="133350" bIns="133350" numCol="1" spcCol="1270" anchor="ctr" anchorCtr="0">
+          <a:noAutofit/>
+        </a:bodyPr>
+        <a:lstStyle/>
+        <a:p>
+          <a:pPr marL="0" lvl="0" indent="0" algn="l" defTabSz="1555750">
+            <a:lnSpc>
+              <a:spcPct val="90000"/>
+            </a:lnSpc>
+            <a:spcBef>
+              <a:spcPct val="0"/>
+            </a:spcBef>
+            <a:spcAft>
+              <a:spcPct val="35000"/>
+            </a:spcAft>
+            <a:buNone/>
+          </a:pPr>
+          <a:r>
+            <a:rPr kumimoji="1" lang="ja-JP" sz="3500" kern="1200"/>
+            <a:t>デザインのいじり方が複雑に感じた</a:t>
+          </a:r>
+          <a:endParaRPr lang="en-US" sz="3500" kern="1200"/>
+        </a:p>
+      </dsp:txBody>
+      <dsp:txXfrm>
+        <a:off x="89331" y="3998426"/>
+        <a:ext cx="6770778" cy="1651291"/>
+      </dsp:txXfrm>
+    </dsp:sp>
+  </dsp:spTree>
+</dsp:drawing>
+</file>
+
+<file path=ppt/diagrams/drawing3.xml><?xml version="1.0" encoding="utf-8"?>
+<dsp:drawing xmlns:dgm="http://schemas.openxmlformats.org/drawingml/2006/diagram" xmlns:dsp="http://schemas.microsoft.com/office/drawing/2008/diagram" xmlns:a="http://schemas.openxmlformats.org/drawingml/2006/main">
+  <dsp:spTree>
+    <dsp:nvGrpSpPr>
+      <dsp:cNvPr id="0" name=""/>
+      <dsp:cNvGrpSpPr/>
+    </dsp:nvGrpSpPr>
+    <dsp:grpSpPr/>
+    <dsp:sp modelId="{1BA836C2-9340-4FE3-B905-55512830B3A1}">
+      <dsp:nvSpPr>
+        <dsp:cNvPr id="0" name=""/>
+        <dsp:cNvSpPr/>
+      </dsp:nvSpPr>
+      <dsp:spPr>
+        <a:xfrm>
+          <a:off x="0" y="29968"/>
+          <a:ext cx="6949440" cy="1064700"/>
+        </a:xfrm>
+        <a:prstGeom prst="roundRect">
+          <a:avLst/>
+        </a:prstGeom>
+        <a:solidFill>
+          <a:schemeClr val="accent5">
+            <a:hueOff val="0"/>
+            <a:satOff val="0"/>
+            <a:lumOff val="0"/>
+            <a:alphaOff val="0"/>
+          </a:schemeClr>
+        </a:solidFill>
+        <a:ln w="19050" cap="flat" cmpd="sng" algn="ctr">
+          <a:solidFill>
+            <a:schemeClr val="lt1">
+              <a:hueOff val="0"/>
+              <a:satOff val="0"/>
+              <a:lumOff val="0"/>
+              <a:alphaOff val="0"/>
+            </a:schemeClr>
+          </a:solidFill>
+          <a:prstDash val="solid"/>
+          <a:miter lim="800000"/>
+        </a:ln>
+        <a:effectLst/>
+      </dsp:spPr>
+      <dsp:style>
+        <a:lnRef idx="2">
+          <a:scrgbClr r="0" g="0" b="0"/>
+        </a:lnRef>
+        <a:fillRef idx="1">
+          <a:scrgbClr r="0" g="0" b="0"/>
+        </a:fillRef>
+        <a:effectRef idx="0">
+          <a:scrgbClr r="0" g="0" b="0"/>
+        </a:effectRef>
+        <a:fontRef idx="minor">
+          <a:schemeClr val="lt1"/>
+        </a:fontRef>
+      </dsp:style>
+      <dsp:txBody>
+        <a:bodyPr spcFirstLastPara="0" vert="horz" wrap="square" lIns="133350" tIns="133350" rIns="133350" bIns="133350" numCol="1" spcCol="1270" anchor="ctr" anchorCtr="0">
+          <a:noAutofit/>
+        </a:bodyPr>
+        <a:lstStyle/>
+        <a:p>
+          <a:pPr marL="0" lvl="0" indent="0" algn="l" defTabSz="1555750">
+            <a:lnSpc>
+              <a:spcPct val="90000"/>
+            </a:lnSpc>
+            <a:spcBef>
+              <a:spcPct val="0"/>
+            </a:spcBef>
+            <a:spcAft>
+              <a:spcPct val="35000"/>
+            </a:spcAft>
+            <a:buNone/>
+          </a:pPr>
+          <a:r>
+            <a:rPr kumimoji="1" lang="en-US" sz="3500" kern="1200"/>
+            <a:t>Visual studio code 1.101.2</a:t>
+          </a:r>
+          <a:endParaRPr lang="en-US" sz="3500" kern="1200"/>
+        </a:p>
+      </dsp:txBody>
+      <dsp:txXfrm>
+        <a:off x="51974" y="81942"/>
+        <a:ext cx="6845492" cy="960752"/>
+      </dsp:txXfrm>
+    </dsp:sp>
+    <dsp:sp modelId="{0AAA2B5C-465B-41CF-B82B-D97505FE9DF2}">
+      <dsp:nvSpPr>
+        <dsp:cNvPr id="0" name=""/>
+        <dsp:cNvSpPr/>
+      </dsp:nvSpPr>
+      <dsp:spPr>
+        <a:xfrm>
+          <a:off x="0" y="1195469"/>
+          <a:ext cx="6949440" cy="1064700"/>
+        </a:xfrm>
+        <a:prstGeom prst="roundRect">
+          <a:avLst/>
+        </a:prstGeom>
+        <a:solidFill>
+          <a:schemeClr val="accent5">
+            <a:hueOff val="-3038037"/>
+            <a:satOff val="-207"/>
+            <a:lumOff val="490"/>
+            <a:alphaOff val="0"/>
+          </a:schemeClr>
+        </a:solidFill>
+        <a:ln w="19050" cap="flat" cmpd="sng" algn="ctr">
+          <a:solidFill>
+            <a:schemeClr val="lt1">
+              <a:hueOff val="0"/>
+              <a:satOff val="0"/>
+              <a:lumOff val="0"/>
+              <a:alphaOff val="0"/>
+            </a:schemeClr>
+          </a:solidFill>
+          <a:prstDash val="solid"/>
+          <a:miter lim="800000"/>
+        </a:ln>
+        <a:effectLst/>
+      </dsp:spPr>
+      <dsp:style>
+        <a:lnRef idx="2">
+          <a:scrgbClr r="0" g="0" b="0"/>
+        </a:lnRef>
+        <a:fillRef idx="1">
+          <a:scrgbClr r="0" g="0" b="0"/>
+        </a:fillRef>
+        <a:effectRef idx="0">
+          <a:scrgbClr r="0" g="0" b="0"/>
+        </a:effectRef>
+        <a:fontRef idx="minor">
+          <a:schemeClr val="lt1"/>
+        </a:fontRef>
+      </dsp:style>
+      <dsp:txBody>
+        <a:bodyPr spcFirstLastPara="0" vert="horz" wrap="square" lIns="133350" tIns="133350" rIns="133350" bIns="133350" numCol="1" spcCol="1270" anchor="ctr" anchorCtr="0">
+          <a:noAutofit/>
+        </a:bodyPr>
+        <a:lstStyle/>
+        <a:p>
+          <a:pPr marL="0" lvl="0" indent="0" algn="l" defTabSz="1555750">
+            <a:lnSpc>
+              <a:spcPct val="90000"/>
+            </a:lnSpc>
+            <a:spcBef>
+              <a:spcPct val="0"/>
+            </a:spcBef>
+            <a:spcAft>
+              <a:spcPct val="35000"/>
+            </a:spcAft>
+            <a:buNone/>
+          </a:pPr>
+          <a:r>
+            <a:rPr lang="en-US" sz="3500" kern="1200"/>
+            <a:t>Flutter  3.24.3</a:t>
+          </a:r>
+        </a:p>
+      </dsp:txBody>
+      <dsp:txXfrm>
+        <a:off x="51974" y="1247443"/>
+        <a:ext cx="6845492" cy="960752"/>
+      </dsp:txXfrm>
+    </dsp:sp>
+    <dsp:sp modelId="{162351DF-23A4-4633-B6ED-AD8240F4E8EB}">
+      <dsp:nvSpPr>
+        <dsp:cNvPr id="0" name=""/>
+        <dsp:cNvSpPr/>
+      </dsp:nvSpPr>
+      <dsp:spPr>
+        <a:xfrm>
+          <a:off x="0" y="2360969"/>
+          <a:ext cx="6949440" cy="1064700"/>
+        </a:xfrm>
+        <a:prstGeom prst="roundRect">
+          <a:avLst/>
+        </a:prstGeom>
+        <a:solidFill>
+          <a:schemeClr val="accent5">
+            <a:hueOff val="-6076075"/>
+            <a:satOff val="-413"/>
+            <a:lumOff val="981"/>
+            <a:alphaOff val="0"/>
+          </a:schemeClr>
+        </a:solidFill>
+        <a:ln w="19050" cap="flat" cmpd="sng" algn="ctr">
+          <a:solidFill>
+            <a:schemeClr val="lt1">
+              <a:hueOff val="0"/>
+              <a:satOff val="0"/>
+              <a:lumOff val="0"/>
+              <a:alphaOff val="0"/>
+            </a:schemeClr>
+          </a:solidFill>
+          <a:prstDash val="solid"/>
+          <a:miter lim="800000"/>
+        </a:ln>
+        <a:effectLst/>
+      </dsp:spPr>
+      <dsp:style>
+        <a:lnRef idx="2">
+          <a:scrgbClr r="0" g="0" b="0"/>
+        </a:lnRef>
+        <a:fillRef idx="1">
+          <a:scrgbClr r="0" g="0" b="0"/>
+        </a:fillRef>
+        <a:effectRef idx="0">
+          <a:scrgbClr r="0" g="0" b="0"/>
+        </a:effectRef>
+        <a:fontRef idx="minor">
+          <a:schemeClr val="lt1"/>
+        </a:fontRef>
+      </dsp:style>
+      <dsp:txBody>
+        <a:bodyPr spcFirstLastPara="0" vert="horz" wrap="square" lIns="133350" tIns="133350" rIns="133350" bIns="133350" numCol="1" spcCol="1270" anchor="ctr" anchorCtr="0">
+          <a:noAutofit/>
+        </a:bodyPr>
+        <a:lstStyle/>
+        <a:p>
+          <a:pPr marL="0" lvl="0" indent="0" algn="l" defTabSz="1555750">
+            <a:lnSpc>
+              <a:spcPct val="90000"/>
+            </a:lnSpc>
+            <a:spcBef>
+              <a:spcPct val="0"/>
+            </a:spcBef>
+            <a:spcAft>
+              <a:spcPct val="35000"/>
+            </a:spcAft>
+            <a:buNone/>
+          </a:pPr>
+          <a:r>
+            <a:rPr lang="en-US" sz="3500" kern="1200"/>
+            <a:t>Dart 3.8.1</a:t>
+          </a:r>
+        </a:p>
+      </dsp:txBody>
+      <dsp:txXfrm>
+        <a:off x="51974" y="2412943"/>
+        <a:ext cx="6845492" cy="960752"/>
+      </dsp:txXfrm>
+    </dsp:sp>
+    <dsp:sp modelId="{FE1E9297-E8F7-4086-87B9-32105F9B6062}">
+      <dsp:nvSpPr>
+        <dsp:cNvPr id="0" name=""/>
+        <dsp:cNvSpPr/>
+      </dsp:nvSpPr>
+      <dsp:spPr>
+        <a:xfrm>
+          <a:off x="0" y="3526469"/>
+          <a:ext cx="6949440" cy="1064700"/>
+        </a:xfrm>
+        <a:prstGeom prst="roundRect">
+          <a:avLst/>
+        </a:prstGeom>
+        <a:solidFill>
+          <a:schemeClr val="accent5">
+            <a:hueOff val="-9114112"/>
+            <a:satOff val="-620"/>
+            <a:lumOff val="1471"/>
+            <a:alphaOff val="0"/>
+          </a:schemeClr>
+        </a:solidFill>
+        <a:ln w="19050" cap="flat" cmpd="sng" algn="ctr">
+          <a:solidFill>
+            <a:schemeClr val="lt1">
+              <a:hueOff val="0"/>
+              <a:satOff val="0"/>
+              <a:lumOff val="0"/>
+              <a:alphaOff val="0"/>
+            </a:schemeClr>
+          </a:solidFill>
+          <a:prstDash val="solid"/>
+          <a:miter lim="800000"/>
+        </a:ln>
+        <a:effectLst/>
+      </dsp:spPr>
+      <dsp:style>
+        <a:lnRef idx="2">
+          <a:scrgbClr r="0" g="0" b="0"/>
+        </a:lnRef>
+        <a:fillRef idx="1">
+          <a:scrgbClr r="0" g="0" b="0"/>
+        </a:fillRef>
+        <a:effectRef idx="0">
+          <a:scrgbClr r="0" g="0" b="0"/>
+        </a:effectRef>
+        <a:fontRef idx="minor">
+          <a:schemeClr val="lt1"/>
+        </a:fontRef>
+      </dsp:style>
+      <dsp:txBody>
+        <a:bodyPr spcFirstLastPara="0" vert="horz" wrap="square" lIns="133350" tIns="133350" rIns="133350" bIns="133350" numCol="1" spcCol="1270" anchor="ctr" anchorCtr="0">
+          <a:noAutofit/>
+        </a:bodyPr>
+        <a:lstStyle/>
+        <a:p>
+          <a:pPr marL="0" lvl="0" indent="0" algn="l" defTabSz="1555750">
+            <a:lnSpc>
+              <a:spcPct val="90000"/>
+            </a:lnSpc>
+            <a:spcBef>
+              <a:spcPct val="0"/>
+            </a:spcBef>
+            <a:spcAft>
+              <a:spcPct val="35000"/>
+            </a:spcAft>
+            <a:buNone/>
+          </a:pPr>
+          <a:r>
+            <a:rPr kumimoji="1" lang="en-US" sz="3500" kern="1200"/>
+            <a:t>Firebase</a:t>
+          </a:r>
+          <a:endParaRPr lang="en-US" sz="3500" kern="1200"/>
+        </a:p>
+      </dsp:txBody>
+      <dsp:txXfrm>
+        <a:off x="51974" y="3578443"/>
+        <a:ext cx="6845492" cy="960752"/>
+      </dsp:txXfrm>
+    </dsp:sp>
+    <dsp:sp modelId="{D35679F1-EE42-41FC-88E2-48C8AAA8E3C8}">
+      <dsp:nvSpPr>
+        <dsp:cNvPr id="0" name=""/>
+        <dsp:cNvSpPr/>
+      </dsp:nvSpPr>
+      <dsp:spPr>
+        <a:xfrm>
+          <a:off x="0" y="4691969"/>
+          <a:ext cx="6949440" cy="1064700"/>
+        </a:xfrm>
+        <a:prstGeom prst="roundRect">
+          <a:avLst/>
+        </a:prstGeom>
+        <a:solidFill>
+          <a:schemeClr val="accent5">
+            <a:hueOff val="-12152150"/>
+            <a:satOff val="-826"/>
+            <a:lumOff val="1961"/>
+            <a:alphaOff val="0"/>
+          </a:schemeClr>
+        </a:solidFill>
+        <a:ln w="19050" cap="flat" cmpd="sng" algn="ctr">
+          <a:solidFill>
+            <a:schemeClr val="lt1">
+              <a:hueOff val="0"/>
+              <a:satOff val="0"/>
+              <a:lumOff val="0"/>
+              <a:alphaOff val="0"/>
+            </a:schemeClr>
+          </a:solidFill>
+          <a:prstDash val="solid"/>
+          <a:miter lim="800000"/>
+        </a:ln>
+        <a:effectLst/>
+      </dsp:spPr>
+      <dsp:style>
+        <a:lnRef idx="2">
+          <a:scrgbClr r="0" g="0" b="0"/>
+        </a:lnRef>
+        <a:fillRef idx="1">
+          <a:scrgbClr r="0" g="0" b="0"/>
+        </a:fillRef>
+        <a:effectRef idx="0">
+          <a:scrgbClr r="0" g="0" b="0"/>
+        </a:effectRef>
+        <a:fontRef idx="minor">
+          <a:schemeClr val="lt1"/>
+        </a:fontRef>
+      </dsp:style>
+      <dsp:txBody>
+        <a:bodyPr spcFirstLastPara="0" vert="horz" wrap="square" lIns="133350" tIns="133350" rIns="133350" bIns="133350" numCol="1" spcCol="1270" anchor="ctr" anchorCtr="0">
+          <a:noAutofit/>
+        </a:bodyPr>
+        <a:lstStyle/>
+        <a:p>
+          <a:pPr marL="0" lvl="0" indent="0" algn="l" defTabSz="1555750">
+            <a:lnSpc>
+              <a:spcPct val="90000"/>
+            </a:lnSpc>
+            <a:spcBef>
+              <a:spcPct val="0"/>
+            </a:spcBef>
+            <a:spcAft>
+              <a:spcPct val="35000"/>
+            </a:spcAft>
+            <a:buNone/>
+          </a:pPr>
+          <a:r>
+            <a:rPr lang="en-US" sz="3500" kern="1200"/>
+            <a:t>https://www.flutter-study.dev/</a:t>
+          </a:r>
+        </a:p>
+      </dsp:txBody>
+      <dsp:txXfrm>
+        <a:off x="51974" y="4743943"/>
+        <a:ext cx="6845492" cy="960752"/>
+      </dsp:txXfrm>
+    </dsp:sp>
+  </dsp:spTree>
+</dsp:drawing>
+</file>
+
+<file path=ppt/diagrams/layout1.xml><?xml version="1.0" encoding="utf-8"?>
+<dgm:layoutDef xmlns:dgm="http://schemas.openxmlformats.org/drawingml/2006/diagram" xmlns:a="http://schemas.openxmlformats.org/drawingml/2006/main" uniqueId="urn:microsoft.com/office/officeart/2005/8/layout/vList2">
+  <dgm:title val=""/>
+  <dgm:desc val=""/>
+  <dgm:catLst>
+    <dgm:cat type="list" pri="3000"/>
+    <dgm:cat type="convert" pri="1000"/>
+  </dgm:catLst>
+  <dgm:sampData>
+    <dgm:dataModel>
+      <dgm:ptLst>
+        <dgm:pt modelId="0" type="doc"/>
+        <dgm:pt modelId="1">
+          <dgm:prSet phldr="1"/>
+        </dgm:pt>
+        <dgm:pt modelId="11">
+          <dgm:prSet phldr="1"/>
+        </dgm:pt>
+        <dgm:pt modelId="2">
+          <dgm:prSet phldr="1"/>
+        </dgm:pt>
+        <dgm:pt modelId="21">
+          <dgm:prSet phldr="1"/>
+        </dgm:pt>
+      </dgm:ptLst>
+      <dgm:cxnLst>
+        <dgm:cxn modelId="4" srcId="0" destId="1" srcOrd="0" destOrd="0"/>
+        <dgm:cxn modelId="5" srcId="0" destId="2" srcOrd="1" destOrd="0"/>
+        <dgm:cxn modelId="12" srcId="1" destId="11" srcOrd="0" destOrd="0"/>
+        <dgm:cxn modelId="23" srcId="2" destId="21" srcOrd="0" destOrd="0"/>
+      </dgm:cxnLst>
+      <dgm:bg/>
+      <dgm:whole/>
+    </dgm:dataModel>
+  </dgm:sampData>
+  <dgm:styleData>
+    <dgm:dataModel>
+      <dgm:ptLst>
+        <dgm:pt modelId="0" type="doc"/>
+        <dgm:pt modelId="1"/>
+        <dgm:pt modelId="2"/>
+      </dgm:ptLst>
+      <dgm:cxnLst>
+        <dgm:cxn modelId="3" srcId="0" destId="1" srcOrd="0" destOrd="0"/>
+        <dgm:cxn modelId="4" srcId="0" destId="2" srcOrd="1" destOrd="0"/>
+      </dgm:cxnLst>
+      <dgm:bg/>
+      <dgm:whole/>
+    </dgm:dataModel>
+  </dgm:styleData>
+  <dgm:clrData>
+    <dgm:dataModel>
+      <dgm:ptLst>
+        <dgm:pt modelId="0" type="doc"/>
+        <dgm:pt modelId="1"/>
+        <dgm:pt modelId="2"/>
+        <dgm:pt modelId="3"/>
+        <dgm:pt modelId="4"/>
+      </dgm:ptLst>
+      <dgm:cxnLst>
+        <dgm:cxn modelId="5" srcId="0" destId="1" srcOrd="0" destOrd="0"/>
+        <dgm:cxn modelId="6" srcId="0" destId="2" srcOrd="1" destOrd="0"/>
+        <dgm:cxn modelId="7" srcId="0" destId="3" srcOrd="2" destOrd="0"/>
+        <dgm:cxn modelId="8" srcId="0" destId="4" srcOrd="3" destOrd="0"/>
+      </dgm:cxnLst>
+      <dgm:bg/>
+      <dgm:whole/>
+    </dgm:dataModel>
+  </dgm:clrData>
+  <dgm:layoutNode name="linear">
+    <dgm:varLst>
+      <dgm:animLvl val="lvl"/>
+      <dgm:resizeHandles val="exact"/>
+    </dgm:varLst>
+    <dgm:alg type="lin">
+      <dgm:param type="linDir" val="fromT"/>
+      <dgm:param type="vertAlign" val="mid"/>
+    </dgm:alg>
+    <dgm:shape xmlns:r="http://schemas.openxmlformats.org/officeDocument/2006/relationships" r:blip="">
+      <dgm:adjLst/>
+    </dgm:shape>
+    <dgm:presOf/>
+    <dgm:constrLst>
+      <dgm:constr type="w" for="ch" forName="parentText" refType="w"/>
+      <dgm:constr type="h" for="ch" forName="parentText" refType="primFontSz" refFor="ch" refForName="parentText" fact="0.52"/>
+      <dgm:constr type="w" for="ch" forName="childText" refType="w"/>
+      <dgm:constr type="h" for="ch" forName="childText" refType="primFontSz" refFor="ch" refForName="parentText" fact="0.46"/>
+      <dgm:constr type="h" for="ch" forName="parentText" op="equ"/>
+      <dgm:constr type="primFontSz" for="ch" forName="parentText" op="equ" val="65"/>
+      <dgm:constr type="primFontSz" for="ch" forName="childText" refType="primFontSz" refFor="ch" refForName="parentText" op="equ"/>
+      <dgm:constr type="h" for="ch" forName="spacer" refType="primFontSz" refFor="ch" refForName="parentText" fact="0.08"/>
+    </dgm:constrLst>
+    <dgm:ruleLst>
+      <dgm:rule type="primFontSz" for="ch" forName="parentText" val="5" fact="NaN" max="NaN"/>
+    </dgm:ruleLst>
+    <dgm:forEach name="Name0" axis="ch" ptType="node">
+      <dgm:layoutNode name="parentText" styleLbl="node1">
+        <dgm:varLst>
+          <dgm:chMax val="0"/>
+          <dgm:bulletEnabled val="1"/>
+        </dgm:varLst>
+        <dgm:alg type="tx">
+          <dgm:param type="parTxLTRAlign" val="l"/>
+          <dgm:param type="parTxRTLAlign" val="r"/>
+        </dgm:alg>
+        <dgm:shape xmlns:r="http://schemas.openxmlformats.org/officeDocument/2006/relationships" type="roundRect" r:blip="">
+          <dgm:adjLst/>
+        </dgm:shape>
+        <dgm:presOf axis="self"/>
+        <dgm:constrLst>
+          <dgm:constr type="tMarg" refType="primFontSz" fact="0.3"/>
+          <dgm:constr type="bMarg" refType="primFontSz" fact="0.3"/>
+          <dgm:constr type="lMarg" refType="primFontSz" fact="0.3"/>
+          <dgm:constr type="rMarg" refType="primFontSz" fact="0.3"/>
+        </dgm:constrLst>
+        <dgm:ruleLst>
+          <dgm:rule type="h" val="INF" fact="NaN" max="NaN"/>
+        </dgm:ruleLst>
+      </dgm:layoutNode>
+      <dgm:choose name="Name1">
+        <dgm:if name="Name2" axis="ch" ptType="node" func="cnt" op="gte" val="1">
+          <dgm:layoutNode name="childText" styleLbl="revTx">
+            <dgm:varLst>
+              <dgm:bulletEnabled val="1"/>
+            </dgm:varLst>
+            <dgm:alg type="tx">
+              <dgm:param type="stBulletLvl" val="1"/>
+              <dgm:param type="lnSpAfChP" val="20"/>
+            </dgm:alg>
+            <dgm:shape xmlns:r="http://schemas.openxmlformats.org/officeDocument/2006/relationships" type="rect" r:blip="">
+              <dgm:adjLst/>
+            </dgm:shape>
+            <dgm:presOf axis="des" ptType="node"/>
+            <dgm:constrLst>
+              <dgm:constr type="tMarg" refType="primFontSz" fact="0.1"/>
+              <dgm:constr type="bMarg" refType="primFontSz" fact="0.1"/>
+              <dgm:constr type="lMarg" refType="w" fact="0.09"/>
+            </dgm:constrLst>
+            <dgm:ruleLst>
+              <dgm:rule type="h" val="INF" fact="NaN" max="NaN"/>
+            </dgm:ruleLst>
+          </dgm:layoutNode>
+        </dgm:if>
+        <dgm:else name="Name3">
+          <dgm:choose name="Name4">
+            <dgm:if name="Name5" axis="par ch" ptType="doc node" func="cnt" op="gte" val="2">
+              <dgm:forEach name="Name6" axis="followSib" ptType="sibTrans" cnt="1">
+                <dgm:layoutNode name="spacer">
+                  <dgm:alg type="sp"/>
+                  <dgm:shape xmlns:r="http://schemas.openxmlformats.org/officeDocument/2006/relationships" r:blip="">
+                    <dgm:adjLst/>
+                  </dgm:shape>
+                  <dgm:presOf/>
+                  <dgm:constrLst/>
+                  <dgm:ruleLst/>
+                </dgm:layoutNode>
+              </dgm:forEach>
+            </dgm:if>
+            <dgm:else name="Name7"/>
+          </dgm:choose>
+        </dgm:else>
+      </dgm:choose>
+    </dgm:forEach>
+  </dgm:layoutNode>
+</dgm:layoutDef>
+</file>
+
+<file path=ppt/diagrams/layout2.xml><?xml version="1.0" encoding="utf-8"?>
+<dgm:layoutDef xmlns:dgm="http://schemas.openxmlformats.org/drawingml/2006/diagram" xmlns:a="http://schemas.openxmlformats.org/drawingml/2006/main" uniqueId="urn:microsoft.com/office/officeart/2005/8/layout/vList2">
+  <dgm:title val=""/>
+  <dgm:desc val=""/>
+  <dgm:catLst>
+    <dgm:cat type="list" pri="3000"/>
+    <dgm:cat type="convert" pri="1000"/>
+  </dgm:catLst>
+  <dgm:sampData>
+    <dgm:dataModel>
+      <dgm:ptLst>
+        <dgm:pt modelId="0" type="doc"/>
+        <dgm:pt modelId="1">
+          <dgm:prSet phldr="1"/>
+        </dgm:pt>
+        <dgm:pt modelId="11">
+          <dgm:prSet phldr="1"/>
+        </dgm:pt>
+        <dgm:pt modelId="2">
+          <dgm:prSet phldr="1"/>
+        </dgm:pt>
+        <dgm:pt modelId="21">
+          <dgm:prSet phldr="1"/>
+        </dgm:pt>
+      </dgm:ptLst>
+      <dgm:cxnLst>
+        <dgm:cxn modelId="4" srcId="0" destId="1" srcOrd="0" destOrd="0"/>
+        <dgm:cxn modelId="5" srcId="0" destId="2" srcOrd="1" destOrd="0"/>
+        <dgm:cxn modelId="12" srcId="1" destId="11" srcOrd="0" destOrd="0"/>
+        <dgm:cxn modelId="23" srcId="2" destId="21" srcOrd="0" destOrd="0"/>
+      </dgm:cxnLst>
+      <dgm:bg/>
+      <dgm:whole/>
+    </dgm:dataModel>
+  </dgm:sampData>
+  <dgm:styleData>
+    <dgm:dataModel>
+      <dgm:ptLst>
+        <dgm:pt modelId="0" type="doc"/>
+        <dgm:pt modelId="1"/>
+        <dgm:pt modelId="2"/>
+      </dgm:ptLst>
+      <dgm:cxnLst>
+        <dgm:cxn modelId="3" srcId="0" destId="1" srcOrd="0" destOrd="0"/>
+        <dgm:cxn modelId="4" srcId="0" destId="2" srcOrd="1" destOrd="0"/>
+      </dgm:cxnLst>
+      <dgm:bg/>
+      <dgm:whole/>
+    </dgm:dataModel>
+  </dgm:styleData>
+  <dgm:clrData>
+    <dgm:dataModel>
+      <dgm:ptLst>
+        <dgm:pt modelId="0" type="doc"/>
+        <dgm:pt modelId="1"/>
+        <dgm:pt modelId="2"/>
+        <dgm:pt modelId="3"/>
+        <dgm:pt modelId="4"/>
+      </dgm:ptLst>
+      <dgm:cxnLst>
+        <dgm:cxn modelId="5" srcId="0" destId="1" srcOrd="0" destOrd="0"/>
+        <dgm:cxn modelId="6" srcId="0" destId="2" srcOrd="1" destOrd="0"/>
+        <dgm:cxn modelId="7" srcId="0" destId="3" srcOrd="2" destOrd="0"/>
+        <dgm:cxn modelId="8" srcId="0" destId="4" srcOrd="3" destOrd="0"/>
+      </dgm:cxnLst>
+      <dgm:bg/>
+      <dgm:whole/>
+    </dgm:dataModel>
+  </dgm:clrData>
+  <dgm:layoutNode name="linear">
+    <dgm:varLst>
+      <dgm:animLvl val="lvl"/>
+      <dgm:resizeHandles val="exact"/>
+    </dgm:varLst>
+    <dgm:alg type="lin">
+      <dgm:param type="linDir" val="fromT"/>
+      <dgm:param type="vertAlign" val="mid"/>
+    </dgm:alg>
+    <dgm:shape xmlns:r="http://schemas.openxmlformats.org/officeDocument/2006/relationships" r:blip="">
+      <dgm:adjLst/>
+    </dgm:shape>
+    <dgm:presOf/>
+    <dgm:constrLst>
+      <dgm:constr type="w" for="ch" forName="parentText" refType="w"/>
+      <dgm:constr type="h" for="ch" forName="parentText" refType="primFontSz" refFor="ch" refForName="parentText" fact="0.52"/>
+      <dgm:constr type="w" for="ch" forName="childText" refType="w"/>
+      <dgm:constr type="h" for="ch" forName="childText" refType="primFontSz" refFor="ch" refForName="parentText" fact="0.46"/>
+      <dgm:constr type="h" for="ch" forName="parentText" op="equ"/>
+      <dgm:constr type="primFontSz" for="ch" forName="parentText" op="equ" val="65"/>
+      <dgm:constr type="primFontSz" for="ch" forName="childText" refType="primFontSz" refFor="ch" refForName="parentText" op="equ"/>
+      <dgm:constr type="h" for="ch" forName="spacer" refType="primFontSz" refFor="ch" refForName="parentText" fact="0.08"/>
+    </dgm:constrLst>
+    <dgm:ruleLst>
+      <dgm:rule type="primFontSz" for="ch" forName="parentText" val="5" fact="NaN" max="NaN"/>
+    </dgm:ruleLst>
+    <dgm:forEach name="Name0" axis="ch" ptType="node">
+      <dgm:layoutNode name="parentText" styleLbl="node1">
+        <dgm:varLst>
+          <dgm:chMax val="0"/>
+          <dgm:bulletEnabled val="1"/>
+        </dgm:varLst>
+        <dgm:alg type="tx">
+          <dgm:param type="parTxLTRAlign" val="l"/>
+          <dgm:param type="parTxRTLAlign" val="r"/>
+        </dgm:alg>
+        <dgm:shape xmlns:r="http://schemas.openxmlformats.org/officeDocument/2006/relationships" type="roundRect" r:blip="">
+          <dgm:adjLst/>
+        </dgm:shape>
+        <dgm:presOf axis="self"/>
+        <dgm:constrLst>
+          <dgm:constr type="tMarg" refType="primFontSz" fact="0.3"/>
+          <dgm:constr type="bMarg" refType="primFontSz" fact="0.3"/>
+          <dgm:constr type="lMarg" refType="primFontSz" fact="0.3"/>
+          <dgm:constr type="rMarg" refType="primFontSz" fact="0.3"/>
+        </dgm:constrLst>
+        <dgm:ruleLst>
+          <dgm:rule type="h" val="INF" fact="NaN" max="NaN"/>
+        </dgm:ruleLst>
+      </dgm:layoutNode>
+      <dgm:choose name="Name1">
+        <dgm:if name="Name2" axis="ch" ptType="node" func="cnt" op="gte" val="1">
+          <dgm:layoutNode name="childText" styleLbl="revTx">
+            <dgm:varLst>
+              <dgm:bulletEnabled val="1"/>
+            </dgm:varLst>
+            <dgm:alg type="tx">
+              <dgm:param type="stBulletLvl" val="1"/>
+              <dgm:param type="lnSpAfChP" val="20"/>
+            </dgm:alg>
+            <dgm:shape xmlns:r="http://schemas.openxmlformats.org/officeDocument/2006/relationships" type="rect" r:blip="">
+              <dgm:adjLst/>
+            </dgm:shape>
+            <dgm:presOf axis="des" ptType="node"/>
+            <dgm:constrLst>
+              <dgm:constr type="tMarg" refType="primFontSz" fact="0.1"/>
+              <dgm:constr type="bMarg" refType="primFontSz" fact="0.1"/>
+              <dgm:constr type="lMarg" refType="w" fact="0.09"/>
+            </dgm:constrLst>
+            <dgm:ruleLst>
+              <dgm:rule type="h" val="INF" fact="NaN" max="NaN"/>
+            </dgm:ruleLst>
+          </dgm:layoutNode>
+        </dgm:if>
+        <dgm:else name="Name3">
+          <dgm:choose name="Name4">
+            <dgm:if name="Name5" axis="par ch" ptType="doc node" func="cnt" op="gte" val="2">
+              <dgm:forEach name="Name6" axis="followSib" ptType="sibTrans" cnt="1">
+                <dgm:layoutNode name="spacer">
+                  <dgm:alg type="sp"/>
+                  <dgm:shape xmlns:r="http://schemas.openxmlformats.org/officeDocument/2006/relationships" r:blip="">
+                    <dgm:adjLst/>
+                  </dgm:shape>
+                  <dgm:presOf/>
+                  <dgm:constrLst/>
+                  <dgm:ruleLst/>
+                </dgm:layoutNode>
+              </dgm:forEach>
+            </dgm:if>
+            <dgm:else name="Name7"/>
+          </dgm:choose>
+        </dgm:else>
+      </dgm:choose>
+    </dgm:forEach>
+  </dgm:layoutNode>
+</dgm:layoutDef>
+</file>
+
+<file path=ppt/diagrams/layout3.xml><?xml version="1.0" encoding="utf-8"?>
+<dgm:layoutDef xmlns:dgm="http://schemas.openxmlformats.org/drawingml/2006/diagram" xmlns:a="http://schemas.openxmlformats.org/drawingml/2006/main" uniqueId="urn:microsoft.com/office/officeart/2005/8/layout/vList2">
+  <dgm:title val=""/>
+  <dgm:desc val=""/>
+  <dgm:catLst>
+    <dgm:cat type="list" pri="3000"/>
+    <dgm:cat type="convert" pri="1000"/>
+  </dgm:catLst>
+  <dgm:sampData>
+    <dgm:dataModel>
+      <dgm:ptLst>
+        <dgm:pt modelId="0" type="doc"/>
+        <dgm:pt modelId="1">
+          <dgm:prSet phldr="1"/>
+        </dgm:pt>
+        <dgm:pt modelId="11">
+          <dgm:prSet phldr="1"/>
+        </dgm:pt>
+        <dgm:pt modelId="2">
+          <dgm:prSet phldr="1"/>
+        </dgm:pt>
+        <dgm:pt modelId="21">
+          <dgm:prSet phldr="1"/>
+        </dgm:pt>
+      </dgm:ptLst>
+      <dgm:cxnLst>
+        <dgm:cxn modelId="4" srcId="0" destId="1" srcOrd="0" destOrd="0"/>
+        <dgm:cxn modelId="5" srcId="0" destId="2" srcOrd="1" destOrd="0"/>
+        <dgm:cxn modelId="12" srcId="1" destId="11" srcOrd="0" destOrd="0"/>
+        <dgm:cxn modelId="23" srcId="2" destId="21" srcOrd="0" destOrd="0"/>
+      </dgm:cxnLst>
+      <dgm:bg/>
+      <dgm:whole/>
+    </dgm:dataModel>
+  </dgm:sampData>
+  <dgm:styleData>
+    <dgm:dataModel>
+      <dgm:ptLst>
+        <dgm:pt modelId="0" type="doc"/>
+        <dgm:pt modelId="1"/>
+        <dgm:pt modelId="2"/>
+      </dgm:ptLst>
+      <dgm:cxnLst>
+        <dgm:cxn modelId="3" srcId="0" destId="1" srcOrd="0" destOrd="0"/>
+        <dgm:cxn modelId="4" srcId="0" destId="2" srcOrd="1" destOrd="0"/>
+      </dgm:cxnLst>
+      <dgm:bg/>
+      <dgm:whole/>
+    </dgm:dataModel>
+  </dgm:styleData>
+  <dgm:clrData>
+    <dgm:dataModel>
+      <dgm:ptLst>
+        <dgm:pt modelId="0" type="doc"/>
+        <dgm:pt modelId="1"/>
+        <dgm:pt modelId="2"/>
+        <dgm:pt modelId="3"/>
+        <dgm:pt modelId="4"/>
+      </dgm:ptLst>
+      <dgm:cxnLst>
+        <dgm:cxn modelId="5" srcId="0" destId="1" srcOrd="0" destOrd="0"/>
+        <dgm:cxn modelId="6" srcId="0" destId="2" srcOrd="1" destOrd="0"/>
+        <dgm:cxn modelId="7" srcId="0" destId="3" srcOrd="2" destOrd="0"/>
+        <dgm:cxn modelId="8" srcId="0" destId="4" srcOrd="3" destOrd="0"/>
+      </dgm:cxnLst>
+      <dgm:bg/>
+      <dgm:whole/>
+    </dgm:dataModel>
+  </dgm:clrData>
+  <dgm:layoutNode name="linear">
+    <dgm:varLst>
+      <dgm:animLvl val="lvl"/>
+      <dgm:resizeHandles val="exact"/>
+    </dgm:varLst>
+    <dgm:alg type="lin">
+      <dgm:param type="linDir" val="fromT"/>
+      <dgm:param type="vertAlign" val="mid"/>
+    </dgm:alg>
+    <dgm:shape xmlns:r="http://schemas.openxmlformats.org/officeDocument/2006/relationships" r:blip="">
+      <dgm:adjLst/>
+    </dgm:shape>
+    <dgm:presOf/>
+    <dgm:constrLst>
+      <dgm:constr type="w" for="ch" forName="parentText" refType="w"/>
+      <dgm:constr type="h" for="ch" forName="parentText" refType="primFontSz" refFor="ch" refForName="parentText" fact="0.52"/>
+      <dgm:constr type="w" for="ch" forName="childText" refType="w"/>
+      <dgm:constr type="h" for="ch" forName="childText" refType="primFontSz" refFor="ch" refForName="parentText" fact="0.46"/>
+      <dgm:constr type="h" for="ch" forName="parentText" op="equ"/>
+      <dgm:constr type="primFontSz" for="ch" forName="parentText" op="equ" val="65"/>
+      <dgm:constr type="primFontSz" for="ch" forName="childText" refType="primFontSz" refFor="ch" refForName="parentText" op="equ"/>
+      <dgm:constr type="h" for="ch" forName="spacer" refType="primFontSz" refFor="ch" refForName="parentText" fact="0.08"/>
+    </dgm:constrLst>
+    <dgm:ruleLst>
+      <dgm:rule type="primFontSz" for="ch" forName="parentText" val="5" fact="NaN" max="NaN"/>
+    </dgm:ruleLst>
+    <dgm:forEach name="Name0" axis="ch" ptType="node">
+      <dgm:layoutNode name="parentText" styleLbl="node1">
+        <dgm:varLst>
+          <dgm:chMax val="0"/>
+          <dgm:bulletEnabled val="1"/>
+        </dgm:varLst>
+        <dgm:alg type="tx">
+          <dgm:param type="parTxLTRAlign" val="l"/>
+          <dgm:param type="parTxRTLAlign" val="r"/>
+        </dgm:alg>
+        <dgm:shape xmlns:r="http://schemas.openxmlformats.org/officeDocument/2006/relationships" type="roundRect" r:blip="">
+          <dgm:adjLst/>
+        </dgm:shape>
+        <dgm:presOf axis="self"/>
+        <dgm:constrLst>
+          <dgm:constr type="tMarg" refType="primFontSz" fact="0.3"/>
+          <dgm:constr type="bMarg" refType="primFontSz" fact="0.3"/>
+          <dgm:constr type="lMarg" refType="primFontSz" fact="0.3"/>
+          <dgm:constr type="rMarg" refType="primFontSz" fact="0.3"/>
+        </dgm:constrLst>
+        <dgm:ruleLst>
+          <dgm:rule type="h" val="INF" fact="NaN" max="NaN"/>
+        </dgm:ruleLst>
+      </dgm:layoutNode>
+      <dgm:choose name="Name1">
+        <dgm:if name="Name2" axis="ch" ptType="node" func="cnt" op="gte" val="1">
+          <dgm:layoutNode name="childText" styleLbl="revTx">
+            <dgm:varLst>
+              <dgm:bulletEnabled val="1"/>
+            </dgm:varLst>
+            <dgm:alg type="tx">
+              <dgm:param type="stBulletLvl" val="1"/>
+              <dgm:param type="lnSpAfChP" val="20"/>
+            </dgm:alg>
+            <dgm:shape xmlns:r="http://schemas.openxmlformats.org/officeDocument/2006/relationships" type="rect" r:blip="">
+              <dgm:adjLst/>
+            </dgm:shape>
+            <dgm:presOf axis="des" ptType="node"/>
+            <dgm:constrLst>
+              <dgm:constr type="tMarg" refType="primFontSz" fact="0.1"/>
+              <dgm:constr type="bMarg" refType="primFontSz" fact="0.1"/>
+              <dgm:constr type="lMarg" refType="w" fact="0.09"/>
+            </dgm:constrLst>
+            <dgm:ruleLst>
+              <dgm:rule type="h" val="INF" fact="NaN" max="NaN"/>
+            </dgm:ruleLst>
+          </dgm:layoutNode>
+        </dgm:if>
+        <dgm:else name="Name3">
+          <dgm:choose name="Name4">
+            <dgm:if name="Name5" axis="par ch" ptType="doc node" func="cnt" op="gte" val="2">
+              <dgm:forEach name="Name6" axis="followSib" ptType="sibTrans" cnt="1">
+                <dgm:layoutNode name="spacer">
+                  <dgm:alg type="sp"/>
+                  <dgm:shape xmlns:r="http://schemas.openxmlformats.org/officeDocument/2006/relationships" r:blip="">
+                    <dgm:adjLst/>
+                  </dgm:shape>
+                  <dgm:presOf/>
+                  <dgm:constrLst/>
+                  <dgm:ruleLst/>
+                </dgm:layoutNode>
+              </dgm:forEach>
+            </dgm:if>
+            <dgm:else name="Name7"/>
+          </dgm:choose>
+        </dgm:else>
+      </dgm:choose>
+    </dgm:forEach>
+  </dgm:layoutNode>
+</dgm:layoutDef>
+</file>
+
+<file path=ppt/diagrams/quickStyle1.xml><?xml version="1.0" encoding="utf-8"?>
+<dgm:styleDef xmlns:dgm="http://schemas.openxmlformats.org/drawingml/2006/diagram" xmlns:a="http://schemas.openxmlformats.org/drawingml/2006/main" uniqueId="urn:microsoft.com/office/officeart/2005/8/quickstyle/simple1">
+  <dgm:title val=""/>
+  <dgm:desc val=""/>
+  <dgm:catLst>
+    <dgm:cat type="simple" pri="10100"/>
+  </dgm:catLst>
+  <dgm:scene3d>
+    <a:camera prst="orthographicFront"/>
+    <a:lightRig rig="threePt" dir="t"/>
+  </dgm:scene3d>
+  <dgm:styleLbl name="node0">
+    <dgm:scene3d>
+      <a:camera prst="orthographicFront"/>
+      <a:lightRig rig="threePt" dir="t"/>
+    </dgm:scene3d>
+    <dgm:sp3d/>
+    <dgm:txPr/>
+    <dgm:style>
+      <a:lnRef idx="2">
+        <a:scrgbClr r="0" g="0" b="0"/>
+      </a:lnRef>
+      <a:fillRef idx="1">
+        <a:scrgbClr r="0" g="0" b="0"/>
+      </a:fillRef>
+      <a:effectRef idx="0">
+        <a:scrgbClr r="0" g="0" b="0"/>
+      </a:effectRef>
+      <a:fontRef idx="minor">
+        <a:schemeClr val="lt1"/>
+      </a:fontRef>
+    </dgm:style>
+  </dgm:styleLbl>
+  <dgm:styleLbl name="lnNode1">
+    <dgm:scene3d>
+      <a:camera prst="orthographicFront"/>
+      <a:lightRig rig="threePt" dir="t"/>
+    </dgm:scene3d>
+    <dgm:sp3d/>
+    <dgm:txPr/>
+    <dgm:style>
+      <a:lnRef idx="2">
+        <a:scrgbClr r="0" g="0" b="0"/>
+      </a:lnRef>
+      <a:fillRef idx="1">
+        <a:scrgbClr r="0" g="0" b="0"/>
+      </a:fillRef>
+      <a:effectRef idx="0">
+        <a:scrgbClr r="0" g="0" b="0"/>
+      </a:effectRef>
+      <a:fontRef idx="minor">
+        <a:schemeClr val="lt1"/>
+      </a:fontRef>
+    </dgm:style>
+  </dgm:styleLbl>
+  <dgm:styleLbl name="vennNode1">
+    <dgm:scene3d>
+      <a:camera prst="orthographicFront"/>
+      <a:lightRig rig="threePt" dir="t"/>
+    </dgm:scene3d>
+    <dgm:sp3d/>
+    <dgm:txPr/>
+    <dgm:style>
+      <a:lnRef idx="2">
+        <a:scrgbClr r="0" g="0" b="0"/>
+      </a:lnRef>
+      <a:fillRef idx="1">
+        <a:scrgbClr r="0" g="0" b="0"/>
+      </a:fillRef>
+      <a:effectRef idx="0">
+        <a:scrgbClr r="0" g="0" b="0"/>
+      </a:effectRef>
+      <a:fontRef idx="minor">
+        <a:schemeClr val="tx1"/>
+      </a:fontRef>
+    </dgm:style>
+  </dgm:styleLbl>
+  <dgm:styleLbl name="alignNode1">
+    <dgm:scene3d>
+      <a:camera prst="orthographicFront"/>
+      <a:lightRig rig="threePt" dir="t"/>
+    </dgm:scene3d>
+    <dgm:sp3d/>
+    <dgm:txPr/>
+    <dgm:style>
+      <a:lnRef idx="2">
+        <a:scrgbClr r="0" g="0" b="0"/>
+      </a:lnRef>
+      <a:fillRef idx="1">
+        <a:scrgbClr r="0" g="0" b="0"/>
+      </a:fillRef>
+      <a:effectRef idx="0">
+        <a:scrgbClr r="0" g="0" b="0"/>
+      </a:effectRef>
+      <a:fontRef idx="minor">
+        <a:schemeClr val="lt1"/>
+      </a:fontRef>
+    </dgm:style>
+  </dgm:styleLbl>
+  <dgm:styleLbl name="node1">
+    <dgm:scene3d>
+      <a:camera prst="orthographicFront"/>
+      <a:lightRig rig="threePt" dir="t"/>
+    </dgm:scene3d>
+    <dgm:sp3d/>
+    <dgm:txPr/>
+    <dgm:style>
+      <a:lnRef idx="2">
+        <a:scrgbClr r="0" g="0" b="0"/>
+      </a:lnRef>
+      <a:fillRef idx="1">
+        <a:scrgbClr r="0" g="0" b="0"/>
+      </a:fillRef>
+      <a:effectRef idx="0">
+        <a:scrgbClr r="0" g="0" b="0"/>
+      </a:effectRef>
+      <a:fontRef idx="minor">
+        <a:schemeClr val="lt1"/>
+      </a:fontRef>
+    </dgm:style>
+  </dgm:styleLbl>
+  <dgm:styleLbl name="node2">
+    <dgm:scene3d>
+      <a:camera prst="orthographicFront"/>
+      <a:lightRig rig="threePt" dir="t"/>
+    </dgm:scene3d>
+    <dgm:sp3d/>
+    <dgm:txPr/>
+    <dgm:style>
+      <a:lnRef idx="2">
+        <a:scrgbClr r="0" g="0" b="0"/>
+      </a:lnRef>
+      <a:fillRef idx="1">
+        <a:scrgbClr r="0" g="0" b="0"/>
+      </a:fillRef>
+      <a:effectRef idx="0">
+        <a:scrgbClr r="0" g="0" b="0"/>
+      </a:effectRef>
+      <a:fontRef idx="minor">
+        <a:schemeClr val="lt1"/>
+      </a:fontRef>
+    </dgm:style>
+  </dgm:styleLbl>
+  <dgm:styleLbl name="node3">
+    <dgm:scene3d>
+      <a:camera prst="orthographicFront"/>
+      <a:lightRig rig="threePt" dir="t"/>
+    </dgm:scene3d>
+    <dgm:sp3d/>
+    <dgm:txPr/>
+    <dgm:style>
+      <a:lnRef idx="2">
+        <a:scrgbClr r="0" g="0" b="0"/>
+      </a:lnRef>
+      <a:fillRef idx="1">
+        <a:scrgbClr r="0" g="0" b="0"/>
+      </a:fillRef>
+      <a:effectRef idx="0">
+        <a:scrgbClr r="0" g="0" b="0"/>
+      </a:effectRef>
+      <a:fontRef idx="minor">
+        <a:schemeClr val="lt1"/>
+      </a:fontRef>
+    </dgm:style>
+  </dgm:styleLbl>
+  <dgm:styleLbl name="node4">
+    <dgm:scene3d>
+      <a:camera prst="orthographicFront"/>
+      <a:lightRig rig="threePt" dir="t"/>
+    </dgm:scene3d>
+    <dgm:sp3d/>
+    <dgm:txPr/>
+    <dgm:style>
+      <a:lnRef idx="2">
+        <a:scrgbClr r="0" g="0" b="0"/>
+      </a:lnRef>
+      <a:fillRef idx="1">
+        <a:scrgbClr r="0" g="0" b="0"/>
+      </a:fillRef>
+      <a:effectRef idx="0">
+        <a:scrgbClr r="0" g="0" b="0"/>
+      </a:effectRef>
+      <a:fontRef idx="minor">
+        <a:schemeClr val="lt1"/>
+      </a:fontRef>
+    </dgm:style>
+  </dgm:styleLbl>
+  <dgm:styleLbl name="fgImgPlace1">
+    <dgm:scene3d>
+      <a:camera prst="orthographicFront"/>
+      <a:lightRig rig="threePt" dir="t"/>
+    </dgm:scene3d>
+    <dgm:sp3d/>
+    <dgm:txPr/>
+    <dgm:style>
+      <a:lnRef idx="2">
+        <a:scrgbClr r="0" g="0" b="0"/>
+      </a:lnRef>
+      <a:fillRef idx="1">
+        <a:scrgbClr r="0" g="0" b="0"/>
+      </a:fillRef>
+      <a:effectRef idx="0">
+        <a:scrgbClr r="0" g="0" b="0"/>
+      </a:effectRef>
+      <a:fontRef idx="minor"/>
+    </dgm:style>
+  </dgm:styleLbl>
+  <dgm:styleLbl name="alignImgPlace1">
+    <dgm:scene3d>
+      <a:camera prst="orthographicFront"/>
+      <a:lightRig rig="threePt" dir="t"/>
+    </dgm:scene3d>
+    <dgm:sp3d/>
+    <dgm:txPr/>
+    <dgm:style>
+      <a:lnRef idx="2">
+        <a:scrgbClr r="0" g="0" b="0"/>
+      </a:lnRef>
+      <a:fillRef idx="1">
+        <a:scrgbClr r="0" g="0" b="0"/>
+      </a:fillRef>
+      <a:effectRef idx="0">
+        <a:scrgbClr r="0" g="0" b="0"/>
+      </a:effectRef>
+      <a:fontRef idx="minor"/>
+    </dgm:style>
+  </dgm:styleLbl>
+  <dgm:styleLbl name="bgImgPlace1">
+    <dgm:scene3d>
+      <a:camera prst="orthographicFront"/>
+      <a:lightRig rig="threePt" dir="t"/>
+    </dgm:scene3d>
+    <dgm:sp3d/>
+    <dgm:txPr/>
+    <dgm:style>
+      <a:lnRef idx="2">
+        <a:scrgbClr r="0" g="0" b="0"/>
+      </a:lnRef>
+      <a:fillRef idx="1">
+        <a:scrgbClr r="0" g="0" b="0"/>
+      </a:fillRef>
+      <a:effectRef idx="0">
+        <a:scrgbClr r="0" g="0" b="0"/>
+      </a:effectRef>
+      <a:fontRef idx="minor"/>
+    </dgm:style>
+  </dgm:styleLbl>
+  <dgm:styleLbl name="sibTrans2D1">
+    <dgm:scene3d>
+      <a:camera prst="orthographicFront"/>
+      <a:lightRig rig="threePt" dir="t"/>
+    </dgm:scene3d>
+    <dgm:sp3d/>
+    <dgm:txPr/>
+    <dgm:style>
+      <a:lnRef idx="0">
+        <a:scrgbClr r="0" g="0" b="0"/>
+      </a:lnRef>
+      <a:fillRef idx="1">
+        <a:scrgbClr r="0" g="0" b="0"/>
+      </a:fillRef>
+      <a:effectRef idx="0">
+        <a:scrgbClr r="0" g="0" b="0"/>
+      </a:effectRef>
+      <a:fontRef idx="minor">
+        <a:schemeClr val="lt1"/>
+      </a:fontRef>
+    </dgm:style>
+  </dgm:styleLbl>
+  <dgm:styleLbl name="fgSibTrans2D1">
+    <dgm:scene3d>
+      <a:camera prst="orthographicFront"/>
+      <a:lightRig rig="threePt" dir="t"/>
+    </dgm:scene3d>
+    <dgm:sp3d/>
+    <dgm:txPr/>
+    <dgm:style>
+      <a:lnRef idx="0">
+        <a:scrgbClr r="0" g="0" b="0"/>
+      </a:lnRef>
+      <a:fillRef idx="1">
+        <a:scrgbClr r="0" g="0" b="0"/>
+      </a:fillRef>
+      <a:effectRef idx="0">
+        <a:scrgbClr r="0" g="0" b="0"/>
+      </a:effectRef>
+      <a:fontRef idx="minor">
+        <a:schemeClr val="lt1"/>
+      </a:fontRef>
+    </dgm:style>
+  </dgm:styleLbl>
+  <dgm:styleLbl name="bgSibTrans2D1">
+    <dgm:scene3d>
+      <a:camera prst="orthographicFront"/>
+      <a:lightRig rig="threePt" dir="t"/>
+    </dgm:scene3d>
+    <dgm:sp3d/>
+    <dgm:txPr/>
+    <dgm:style>
+      <a:lnRef idx="0">
+        <a:scrgbClr r="0" g="0" b="0"/>
+      </a:lnRef>
+      <a:fillRef idx="1">
+        <a:scrgbClr r="0" g="0" b="0"/>
+      </a:fillRef>
+      <a:effectRef idx="0">
+        <a:scrgbClr r="0" g="0" b="0"/>
+      </a:effectRef>
+      <a:fontRef idx="minor">
+        <a:schemeClr val="lt1"/>
+      </a:fontRef>
+    </dgm:style>
+  </dgm:styleLbl>
+  <dgm:styleLbl name="sibTrans1D1">
+    <dgm:scene3d>
+      <a:camera prst="orthographicFront"/>
+      <a:lightRig rig="threePt" dir="t"/>
+    </dgm:scene3d>
+    <dgm:sp3d/>
+    <dgm:txPr/>
+    <dgm:style>
+      <a:lnRef idx="1">
+        <a:scrgbClr r="0" g="0" b="0"/>
+      </a:lnRef>
+      <a:fillRef idx="0">
+        <a:scrgbClr r="0" g="0" b="0"/>
+      </a:fillRef>
+      <a:effectRef idx="0">
+        <a:scrgbClr r="0" g="0" b="0"/>
+      </a:effectRef>
+      <a:fontRef idx="minor"/>
+    </dgm:style>
+  </dgm:styleLbl>
+  <dgm:styleLbl name="callout">
+    <dgm:scene3d>
+      <a:camera prst="orthographicFront"/>
+      <a:lightRig rig="threePt" dir="t"/>
+    </dgm:scene3d>
+    <dgm:sp3d/>
+    <dgm:txPr/>
+    <dgm:style>
+      <a:lnRef idx="2">
+        <a:scrgbClr r="0" g="0" b="0"/>
+      </a:lnRef>
+      <a:fillRef idx="1">
+        <a:scrgbClr r="0" g="0" b="0"/>
+      </a:fillRef>
+      <a:effectRef idx="0">
+        <a:scrgbClr r="0" g="0" b="0"/>
+      </a:effectRef>
+      <a:fontRef idx="minor"/>
+    </dgm:style>
+  </dgm:styleLbl>
+  <dgm:styleLbl name="asst0">
+    <dgm:scene3d>
+      <a:camera prst="orthographicFront"/>
+      <a:lightRig rig="threePt" dir="t"/>
+    </dgm:scene3d>
+    <dgm:sp3d/>
+    <dgm:txPr/>
+    <dgm:style>
+      <a:lnRef idx="2">
+        <a:scrgbClr r="0" g="0" b="0"/>
+      </a:lnRef>
+      <a:fillRef idx="1">
+        <a:scrgbClr r="0" g="0" b="0"/>
+      </a:fillRef>
+      <a:effectRef idx="0">
+        <a:scrgbClr r="0" g="0" b="0"/>
+      </a:effectRef>
+      <a:fontRef idx="minor">
+        <a:schemeClr val="lt1"/>
+      </a:fontRef>
+    </dgm:style>
+  </dgm:styleLbl>
+  <dgm:styleLbl name="asst1">
+    <dgm:scene3d>
+      <a:camera prst="orthographicFront"/>
+      <a:lightRig rig="threePt" dir="t"/>
+    </dgm:scene3d>
+    <dgm:sp3d/>
+    <dgm:txPr/>
+    <dgm:style>
+      <a:lnRef idx="2">
+        <a:scrgbClr r="0" g="0" b="0"/>
+      </a:lnRef>
+      <a:fillRef idx="1">
+        <a:scrgbClr r="0" g="0" b="0"/>
+      </a:fillRef>
+      <a:effectRef idx="0">
+        <a:scrgbClr r="0" g="0" b="0"/>
+      </a:effectRef>
+      <a:fontRef idx="minor">
+        <a:schemeClr val="lt1"/>
+      </a:fontRef>
+    </dgm:style>
+  </dgm:styleLbl>
+  <dgm:styleLbl name="asst2">
+    <dgm:scene3d>
+      <a:camera prst="orthographicFront"/>
+      <a:lightRig rig="threePt" dir="t"/>
+    </dgm:scene3d>
+    <dgm:sp3d/>
+    <dgm:txPr/>
+    <dgm:style>
+      <a:lnRef idx="2">
+        <a:scrgbClr r="0" g="0" b="0"/>
+      </a:lnRef>
+      <a:fillRef idx="1">
+        <a:scrgbClr r="0" g="0" b="0"/>
+      </a:fillRef>
+      <a:effectRef idx="0">
+        <a:scrgbClr r="0" g="0" b="0"/>
+      </a:effectRef>
+      <a:fontRef idx="minor">
+        <a:schemeClr val="lt1"/>
+      </a:fontRef>
+    </dgm:style>
+  </dgm:styleLbl>
+  <dgm:styleLbl name="asst3">
+    <dgm:scene3d>
+      <a:camera prst="orthographicFront"/>
+      <a:lightRig rig="threePt" dir="t"/>
+    </dgm:scene3d>
+    <dgm:sp3d/>
+    <dgm:txPr/>
+    <dgm:style>
+      <a:lnRef idx="2">
+        <a:scrgbClr r="0" g="0" b="0"/>
+      </a:lnRef>
+      <a:fillRef idx="1">
+        <a:scrgbClr r="0" g="0" b="0"/>
+      </a:fillRef>
+      <a:effectRef idx="0">
+        <a:scrgbClr r="0" g="0" b="0"/>
+      </a:effectRef>
+      <a:fontRef idx="minor">
+        <a:schemeClr val="lt1"/>
+      </a:fontRef>
+    </dgm:style>
+  </dgm:styleLbl>
+  <dgm:styleLbl name="asst4">
+    <dgm:scene3d>
+      <a:camera prst="orthographicFront"/>
+      <a:lightRig rig="threePt" dir="t"/>
+    </dgm:scene3d>
+    <dgm:sp3d/>
+    <dgm:txPr/>
+    <dgm:style>
+      <a:lnRef idx="2">
+        <a:scrgbClr r="0" g="0" b="0"/>
+      </a:lnRef>
+      <a:fillRef idx="1">
+        <a:scrgbClr r="0" g="0" b="0"/>
+      </a:fillRef>
+      <a:effectRef idx="0">
+        <a:scrgbClr r="0" g="0" b="0"/>
+      </a:effectRef>
+      <a:fontRef idx="minor">
+        <a:schemeClr val="lt1"/>
+      </a:fontRef>
+    </dgm:style>
+  </dgm:styleLbl>
+  <dgm:styleLbl name="parChTrans2D1">
+    <dgm:scene3d>
+      <a:camera prst="orthographicFront"/>
+      <a:lightRig rig="threePt" dir="t"/>
+    </dgm:scene3d>
+    <dgm:sp3d/>
+    <dgm:txPr/>
+    <dgm:style>
+      <a:lnRef idx="2">
+        <a:scrgbClr r="0" g="0" b="0"/>
+      </a:lnRef>
+      <a:fillRef idx="1">
+        <a:scrgbClr r="0" g="0" b="0"/>
+      </a:fillRef>
+      <a:effectRef idx="0">
+        <a:scrgbClr r="0" g="0" b="0"/>
+      </a:effectRef>
+      <a:fontRef idx="minor">
+        <a:schemeClr val="lt1"/>
+      </a:fontRef>
+    </dgm:style>
+  </dgm:styleLbl>
+  <dgm:styleLbl name="parChTrans2D2">
+    <dgm:scene3d>
+      <a:camera prst="orthographicFront"/>
+      <a:lightRig rig="threePt" dir="t"/>
+    </dgm:scene3d>
+    <dgm:sp3d/>
+    <dgm:txPr/>
+    <dgm:style>
+      <a:lnRef idx="2">
+        <a:scrgbClr r="0" g="0" b="0"/>
+      </a:lnRef>
+      <a:fillRef idx="1">
+        <a:scrgbClr r="0" g="0" b="0"/>
+      </a:fillRef>
+      <a:effectRef idx="0">
+        <a:scrgbClr r="0" g="0" b="0"/>
+      </a:effectRef>
+      <a:fontRef idx="minor">
+        <a:schemeClr val="lt1"/>
+      </a:fontRef>
+    </dgm:style>
+  </dgm:styleLbl>
+  <dgm:styleLbl name="parChTrans2D3">
+    <dgm:scene3d>
+      <a:camera prst="orthographicFront"/>
+      <a:lightRig rig="threePt" dir="t"/>
+    </dgm:scene3d>
+    <dgm:sp3d/>
+    <dgm:txPr/>
+    <dgm:style>
+      <a:lnRef idx="2">
+        <a:scrgbClr r="0" g="0" b="0"/>
+      </a:lnRef>
+      <a:fillRef idx="1">
+        <a:scrgbClr r="0" g="0" b="0"/>
+      </a:fillRef>
+      <a:effectRef idx="0">
+        <a:scrgbClr r="0" g="0" b="0"/>
+      </a:effectRef>
+      <a:fontRef idx="minor">
+        <a:schemeClr val="lt1"/>
+      </a:fontRef>
+    </dgm:style>
+  </dgm:styleLbl>
+  <dgm:styleLbl name="parChTrans2D4">
+    <dgm:scene3d>
+      <a:camera prst="orthographicFront"/>
+      <a:lightRig rig="threePt" dir="t"/>
+    </dgm:scene3d>
+    <dgm:sp3d/>
+    <dgm:txPr/>
+    <dgm:style>
+      <a:lnRef idx="2">
+        <a:scrgbClr r="0" g="0" b="0"/>
+      </a:lnRef>
+      <a:fillRef idx="1">
+        <a:scrgbClr r="0" g="0" b="0"/>
+      </a:fillRef>
+      <a:effectRef idx="0">
+        <a:scrgbClr r="0" g="0" b="0"/>
+      </a:effectRef>
+      <a:fontRef idx="minor">
+        <a:schemeClr val="lt1"/>
+      </a:fontRef>
+    </dgm:style>
+  </dgm:styleLbl>
+  <dgm:styleLbl name="parChTrans1D1">
+    <dgm:scene3d>
+      <a:camera prst="orthographicFront"/>
+      <a:lightRig rig="threePt" dir="t"/>
+    </dgm:scene3d>
+    <dgm:sp3d/>
+    <dgm:txPr/>
+    <dgm:style>
+      <a:lnRef idx="2">
+        <a:scrgbClr r="0" g="0" b="0"/>
+      </a:lnRef>
+      <a:fillRef idx="0">
+        <a:scrgbClr r="0" g="0" b="0"/>
+      </a:fillRef>
+      <a:effectRef idx="0">
+        <a:scrgbClr r="0" g="0" b="0"/>
+      </a:effectRef>
+      <a:fontRef idx="minor"/>
+    </dgm:style>
+  </dgm:styleLbl>
+  <dgm:styleLbl name="parChTrans1D2">
+    <dgm:scene3d>
+      <a:camera prst="orthographicFront"/>
+      <a:lightRig rig="threePt" dir="t"/>
+    </dgm:scene3d>
+    <dgm:sp3d/>
+    <dgm:txPr/>
+    <dgm:style>
+      <a:lnRef idx="2">
+        <a:scrgbClr r="0" g="0" b="0"/>
+      </a:lnRef>
+      <a:fillRef idx="0">
+        <a:scrgbClr r="0" g="0" b="0"/>
+      </a:fillRef>
+      <a:effectRef idx="0">
+        <a:scrgbClr r="0" g="0" b="0"/>
+      </a:effectRef>
+      <a:fontRef idx="minor"/>
+    </dgm:style>
+  </dgm:styleLbl>
+  <dgm:styleLbl name="parChTrans1D3">
+    <dgm:scene3d>
+      <a:camera prst="orthographicFront"/>
+      <a:lightRig rig="threePt" dir="t"/>
+    </dgm:scene3d>
+    <dgm:sp3d/>
+    <dgm:txPr/>
+    <dgm:style>
+      <a:lnRef idx="2">
+        <a:scrgbClr r="0" g="0" b="0"/>
+      </a:lnRef>
+      <a:fillRef idx="0">
+        <a:scrgbClr r="0" g="0" b="0"/>
+      </a:fillRef>
+      <a:effectRef idx="0">
+        <a:scrgbClr r="0" g="0" b="0"/>
+      </a:effectRef>
+      <a:fontRef idx="minor"/>
+    </dgm:style>
+  </dgm:styleLbl>
+  <dgm:styleLbl name="parChTrans1D4">
+    <dgm:scene3d>
+      <a:camera prst="orthographicFront"/>
+      <a:lightRig rig="threePt" dir="t"/>
+    </dgm:scene3d>
+    <dgm:sp3d/>
+    <dgm:txPr/>
+    <dgm:style>
+      <a:lnRef idx="2">
+        <a:scrgbClr r="0" g="0" b="0"/>
+      </a:lnRef>
+      <a:fillRef idx="0">
+        <a:scrgbClr r="0" g="0" b="0"/>
+      </a:fillRef>
+      <a:effectRef idx="0">
+        <a:scrgbClr r="0" g="0" b="0"/>
+      </a:effectRef>
+      <a:fontRef idx="minor"/>
+    </dgm:style>
+  </dgm:styleLbl>
+  <dgm:styleLbl name="fgAcc1">
+    <dgm:scene3d>
+      <a:camera prst="orthographicFront"/>
+      <a:lightRig rig="threePt" dir="t"/>
+    </dgm:scene3d>
+    <dgm:sp3d/>
+    <dgm:txPr/>
+    <dgm:style>
+      <a:lnRef idx="2">
+        <a:scrgbClr r="0" g="0" b="0"/>
+      </a:lnRef>
+      <a:fillRef idx="1">
+        <a:scrgbClr r="0" g="0" b="0"/>
+      </a:fillRef>
+      <a:effectRef idx="0">
+        <a:scrgbClr r="0" g="0" b="0"/>
+      </a:effectRef>
+      <a:fontRef idx="minor"/>
+    </dgm:style>
+  </dgm:styleLbl>
+  <dgm:styleLbl name="conFgAcc1">
+    <dgm:scene3d>
+      <a:camera prst="orthographicFront"/>
+      <a:lightRig rig="threePt" dir="t"/>
+    </dgm:scene3d>
+    <dgm:sp3d/>
+    <dgm:txPr/>
+    <dgm:style>
+      <a:lnRef idx="2">
+        <a:scrgbClr r="0" g="0" b="0"/>
+      </a:lnRef>
+      <a:fillRef idx="1">
+        <a:scrgbClr r="0" g="0" b="0"/>
+      </a:fillRef>
+      <a:effectRef idx="0">
+        <a:scrgbClr r="0" g="0" b="0"/>
+      </a:effectRef>
+      <a:fontRef idx="minor"/>
+    </dgm:style>
+  </dgm:styleLbl>
+  <dgm:styleLbl name="alignAcc1">
+    <dgm:scene3d>
+      <a:camera prst="orthographicFront"/>
+      <a:lightRig rig="threePt" dir="t"/>
+    </dgm:scene3d>
+    <dgm:sp3d/>
+    <dgm:txPr/>
+    <dgm:style>
+      <a:lnRef idx="2">
+        <a:scrgbClr r="0" g="0" b="0"/>
+      </a:lnRef>
+      <a:fillRef idx="1">
+        <a:scrgbClr r="0" g="0" b="0"/>
+      </a:fillRef>
+      <a:effectRef idx="0">
+        <a:scrgbClr r="0" g="0" b="0"/>
+      </a:effectRef>
+      <a:fontRef idx="minor"/>
+    </dgm:style>
+  </dgm:styleLbl>
+  <dgm:styleLbl name="trAlignAcc1">
+    <dgm:scene3d>
+      <a:camera prst="orthographicFront"/>
+      <a:lightRig rig="threePt" dir="t"/>
+    </dgm:scene3d>
+    <dgm:sp3d/>
+    <dgm:txPr/>
+    <dgm:style>
+      <a:lnRef idx="1">
+        <a:scrgbClr r="0" g="0" b="0"/>
+      </a:lnRef>
+      <a:fillRef idx="1">
+        <a:scrgbClr r="0" g="0" b="0"/>
+      </a:fillRef>
+      <a:effectRef idx="0">
+        <a:scrgbClr r="0" g="0" b="0"/>
+      </a:effectRef>
+      <a:fontRef idx="minor"/>
+    </dgm:style>
+  </dgm:styleLbl>
+  <dgm:styleLbl name="bgAcc1">
+    <dgm:scene3d>
+      <a:camera prst="orthographicFront"/>
+      <a:lightRig rig="threePt" dir="t"/>
+    </dgm:scene3d>
+    <dgm:sp3d/>
+    <dgm:txPr/>
+    <dgm:style>
+      <a:lnRef idx="2">
+        <a:scrgbClr r="0" g="0" b="0"/>
+      </a:lnRef>
+      <a:fillRef idx="1">
+        <a:scrgbClr r="0" g="0" b="0"/>
+      </a:fillRef>
+      <a:effectRef idx="0">
+        <a:scrgbClr r="0" g="0" b="0"/>
+      </a:effectRef>
+      <a:fontRef idx="minor"/>
+    </dgm:style>
+  </dgm:styleLbl>
+  <dgm:styleLbl name="solidFgAcc1">
+    <dgm:scene3d>
+      <a:camera prst="orthographicFront"/>
+      <a:lightRig rig="threePt" dir="t"/>
+    </dgm:scene3d>
+    <dgm:sp3d/>
+    <dgm:txPr/>
+    <dgm:style>
+      <a:lnRef idx="2">
+        <a:scrgbClr r="0" g="0" b="0"/>
+      </a:lnRef>
+      <a:fillRef idx="1">
+        <a:scrgbClr r="0" g="0" b="0"/>
+      </a:fillRef>
+      <a:effectRef idx="0">
+        <a:scrgbClr r="0" g="0" b="0"/>
+      </a:effectRef>
+      <a:fontRef idx="minor"/>
+    </dgm:style>
+  </dgm:styleLbl>
+  <dgm:styleLbl name="solidAlignAcc1">
+    <dgm:scene3d>
+      <a:camera prst="orthographicFront"/>
+      <a:lightRig rig="threePt" dir="t"/>
+    </dgm:scene3d>
+    <dgm:sp3d/>
+    <dgm:txPr/>
+    <dgm:style>
+      <a:lnRef idx="2">
+        <a:scrgbClr r="0" g="0" b="0"/>
+      </a:lnRef>
+      <a:fillRef idx="1">
+        <a:scrgbClr r="0" g="0" b="0"/>
+      </a:fillRef>
+      <a:effectRef idx="0">
+        <a:scrgbClr r="0" g="0" b="0"/>
+      </a:effectRef>
+      <a:fontRef idx="minor"/>
+    </dgm:style>
+  </dgm:styleLbl>
+  <dgm:styleLbl name="solidBgAcc1">
+    <dgm:scene3d>
+      <a:camera prst="orthographicFront"/>
+      <a:lightRig rig="threePt" dir="t"/>
+    </dgm:scene3d>
+    <dgm:sp3d/>
+    <dgm:txPr/>
+    <dgm:style>
+      <a:lnRef idx="2">
+        <a:scrgbClr r="0" g="0" b="0"/>
+      </a:lnRef>
+      <a:fillRef idx="1">
+        <a:scrgbClr r="0" g="0" b="0"/>
+      </a:fillRef>
+      <a:effectRef idx="0">
+        <a:scrgbClr r="0" g="0" b="0"/>
+      </a:effectRef>
+      <a:fontRef idx="minor"/>
+    </dgm:style>
+  </dgm:styleLbl>
+  <dgm:styleLbl name="fgAccFollowNode1">
+    <dgm:scene3d>
+      <a:camera prst="orthographicFront"/>
+      <a:lightRig rig="threePt" dir="t"/>
+    </dgm:scene3d>
+    <dgm:sp3d/>
+    <dgm:txPr/>
+    <dgm:style>
+      <a:lnRef idx="2">
+        <a:scrgbClr r="0" g="0" b="0"/>
+      </a:lnRef>
+      <a:fillRef idx="1">
+        <a:scrgbClr r="0" g="0" b="0"/>
+      </a:fillRef>
+      <a:effectRef idx="0">
+        <a:scrgbClr r="0" g="0" b="0"/>
+      </a:effectRef>
+      <a:fontRef idx="minor"/>
+    </dgm:style>
+  </dgm:styleLbl>
+  <dgm:styleLbl name="alignAccFollowNode1">
+    <dgm:scene3d>
+      <a:camera prst="orthographicFront"/>
+      <a:lightRig rig="threePt" dir="t"/>
+    </dgm:scene3d>
+    <dgm:sp3d/>
+    <dgm:txPr/>
+    <dgm:style>
+      <a:lnRef idx="2">
+        <a:scrgbClr r="0" g="0" b="0"/>
+      </a:lnRef>
+      <a:fillRef idx="1">
+        <a:scrgbClr r="0" g="0" b="0"/>
+      </a:fillRef>
+      <a:effectRef idx="0">
+        <a:scrgbClr r="0" g="0" b="0"/>
+      </a:effectRef>
+      <a:fontRef idx="minor"/>
+    </dgm:style>
+  </dgm:styleLbl>
+  <dgm:styleLbl name="bgAccFollowNode1">
+    <dgm:scene3d>
+      <a:camera prst="orthographicFront"/>
+      <a:lightRig rig="threePt" dir="t"/>
+    </dgm:scene3d>
+    <dgm:sp3d/>
+    <dgm:txPr/>
+    <dgm:style>
+      <a:lnRef idx="2">
+        <a:scrgbClr r="0" g="0" b="0"/>
+      </a:lnRef>
+      <a:fillRef idx="1">
+        <a:scrgbClr r="0" g="0" b="0"/>
+      </a:fillRef>
+      <a:effectRef idx="0">
+        <a:scrgbClr r="0" g="0" b="0"/>
+      </a:effectRef>
+      <a:fontRef idx="minor"/>
+    </dgm:style>
+  </dgm:styleLbl>
+  <dgm:styleLbl name="fgAcc0">
+    <dgm:scene3d>
+      <a:camera prst="orthographicFront"/>
+      <a:lightRig rig="threePt" dir="t"/>
+    </dgm:scene3d>
+    <dgm:sp3d/>
+    <dgm:txPr/>
+    <dgm:style>
+      <a:lnRef idx="2">
+        <a:scrgbClr r="0" g="0" b="0"/>
+      </a:lnRef>
+      <a:fillRef idx="1">
+        <a:scrgbClr r="0" g="0" b="0"/>
+      </a:fillRef>
+      <a:effectRef idx="0">
+        <a:scrgbClr r="0" g="0" b="0"/>
+      </a:effectRef>
+      <a:fontRef idx="minor"/>
+    </dgm:style>
+  </dgm:styleLbl>
+  <dgm:styleLbl name="fgAcc2">
+    <dgm:scene3d>
+      <a:camera prst="orthographicFront"/>
+      <a:lightRig rig="threePt" dir="t"/>
+    </dgm:scene3d>
+    <dgm:sp3d/>
+    <dgm:txPr/>
+    <dgm:style>
+      <a:lnRef idx="2">
+        <a:scrgbClr r="0" g="0" b="0"/>
+      </a:lnRef>
+      <a:fillRef idx="1">
+        <a:scrgbClr r="0" g="0" b="0"/>
+      </a:fillRef>
+      <a:effectRef idx="0">
+        <a:scrgbClr r="0" g="0" b="0"/>
+      </a:effectRef>
+      <a:fontRef idx="minor"/>
+    </dgm:style>
+  </dgm:styleLbl>
+  <dgm:styleLbl name="fgAcc3">
+    <dgm:scene3d>
+      <a:camera prst="orthographicFront"/>
+      <a:lightRig rig="threePt" dir="t"/>
+    </dgm:scene3d>
+    <dgm:sp3d/>
+    <dgm:txPr/>
+    <dgm:style>
+      <a:lnRef idx="2">
+        <a:scrgbClr r="0" g="0" b="0"/>
+      </a:lnRef>
+      <a:fillRef idx="1">
+        <a:scrgbClr r="0" g="0" b="0"/>
+      </a:fillRef>
+      <a:effectRef idx="0">
+        <a:scrgbClr r="0" g="0" b="0"/>
+      </a:effectRef>
+      <a:fontRef idx="minor"/>
+    </dgm:style>
+  </dgm:styleLbl>
+  <dgm:styleLbl name="fgAcc4">
+    <dgm:scene3d>
+      <a:camera prst="orthographicFront"/>
+      <a:lightRig rig="threePt" dir="t"/>
+    </dgm:scene3d>
+    <dgm:sp3d/>
+    <dgm:txPr/>
+    <dgm:style>
+      <a:lnRef idx="2">
+        <a:scrgbClr r="0" g="0" b="0"/>
+      </a:lnRef>
+      <a:fillRef idx="1">
+        <a:scrgbClr r="0" g="0" b="0"/>
+      </a:fillRef>
+      <a:effectRef idx="0">
+        <a:scrgbClr r="0" g="0" b="0"/>
+      </a:effectRef>
+      <a:fontRef idx="minor"/>
+    </dgm:style>
+  </dgm:styleLbl>
+  <dgm:styleLbl name="bgShp">
+    <dgm:scene3d>
+      <a:camera prst="orthographicFront"/>
+      <a:lightRig rig="threePt" dir="t"/>
+    </dgm:scene3d>
+    <dgm:sp3d/>
+    <dgm:txPr/>
+    <dgm:style>
+      <a:lnRef idx="0">
+        <a:scrgbClr r="0" g="0" b="0"/>
+      </a:lnRef>
+      <a:fillRef idx="1">
+        <a:scrgbClr r="0" g="0" b="0"/>
+      </a:fillRef>
+      <a:effectRef idx="0">
+        <a:scrgbClr r="0" g="0" b="0"/>
+      </a:effectRef>
+      <a:fontRef idx="minor"/>
+    </dgm:style>
+  </dgm:styleLbl>
+  <dgm:styleLbl name="dkBgShp">
+    <dgm:scene3d>
+      <a:camera prst="orthographicFront"/>
+      <a:lightRig rig="threePt" dir="t"/>
+    </dgm:scene3d>
+    <dgm:sp3d/>
+    <dgm:txPr/>
+    <dgm:style>
+      <a:lnRef idx="0">
+        <a:scrgbClr r="0" g="0" b="0"/>
+      </a:lnRef>
+      <a:fillRef idx="1">
+        <a:scrgbClr r="0" g="0" b="0"/>
+      </a:fillRef>
+      <a:effectRef idx="0">
+        <a:scrgbClr r="0" g="0" b="0"/>
+      </a:effectRef>
+      <a:fontRef idx="minor"/>
+    </dgm:style>
+  </dgm:styleLbl>
+  <dgm:styleLbl name="trBgShp">
+    <dgm:scene3d>
+      <a:camera prst="orthographicFront"/>
+      <a:lightRig rig="threePt" dir="t"/>
+    </dgm:scene3d>
+    <dgm:sp3d/>
+    <dgm:txPr/>
+    <dgm:style>
+      <a:lnRef idx="0">
+        <a:scrgbClr r="0" g="0" b="0"/>
+      </a:lnRef>
+      <a:fillRef idx="1">
+        <a:scrgbClr r="0" g="0" b="0"/>
+      </a:fillRef>
+      <a:effectRef idx="0">
+        <a:scrgbClr r="0" g="0" b="0"/>
+      </a:effectRef>
+      <a:fontRef idx="minor"/>
+    </dgm:style>
+  </dgm:styleLbl>
+  <dgm:styleLbl name="fgShp">
+    <dgm:scene3d>
+      <a:camera prst="orthographicFront"/>
+      <a:lightRig rig="threePt" dir="t"/>
+    </dgm:scene3d>
+    <dgm:sp3d/>
+    <dgm:txPr/>
+    <dgm:style>
+      <a:lnRef idx="2">
+        <a:scrgbClr r="0" g="0" b="0"/>
+      </a:lnRef>
+      <a:fillRef idx="1">
+        <a:scrgbClr r="0" g="0" b="0"/>
+      </a:fillRef>
+      <a:effectRef idx="0">
+        <a:scrgbClr r="0" g="0" b="0"/>
+      </a:effectRef>
+      <a:fontRef idx="minor"/>
+    </dgm:style>
+  </dgm:styleLbl>
+  <dgm:styleLbl name="revTx">
+    <dgm:scene3d>
+      <a:camera prst="orthographicFront"/>
+      <a:lightRig rig="threePt" dir="t"/>
+    </dgm:scene3d>
+    <dgm:sp3d/>
+    <dgm:txPr/>
+    <dgm:style>
+      <a:lnRef idx="0">
+        <a:scrgbClr r="0" g="0" b="0"/>
+      </a:lnRef>
+      <a:fillRef idx="0">
+        <a:scrgbClr r="0" g="0" b="0"/>
+      </a:fillRef>
+      <a:effectRef idx="0">
+        <a:scrgbClr r="0" g="0" b="0"/>
+      </a:effectRef>
+      <a:fontRef idx="minor"/>
+    </dgm:style>
+  </dgm:styleLbl>
+</dgm:styleDef>
+</file>
+
+<file path=ppt/diagrams/quickStyle2.xml><?xml version="1.0" encoding="utf-8"?>
+<dgm:styleDef xmlns:dgm="http://schemas.openxmlformats.org/drawingml/2006/diagram" xmlns:a="http://schemas.openxmlformats.org/drawingml/2006/main" uniqueId="urn:microsoft.com/office/officeart/2005/8/quickstyle/simple1">
+  <dgm:title val=""/>
+  <dgm:desc val=""/>
+  <dgm:catLst>
+    <dgm:cat type="simple" pri="10100"/>
+  </dgm:catLst>
+  <dgm:scene3d>
+    <a:camera prst="orthographicFront"/>
+    <a:lightRig rig="threePt" dir="t"/>
+  </dgm:scene3d>
+  <dgm:styleLbl name="node0">
+    <dgm:scene3d>
+      <a:camera prst="orthographicFront"/>
+      <a:lightRig rig="threePt" dir="t"/>
+    </dgm:scene3d>
+    <dgm:sp3d/>
+    <dgm:txPr/>
+    <dgm:style>
+      <a:lnRef idx="2">
+        <a:scrgbClr r="0" g="0" b="0"/>
+      </a:lnRef>
+      <a:fillRef idx="1">
+        <a:scrgbClr r="0" g="0" b="0"/>
+      </a:fillRef>
+      <a:effectRef idx="0">
+        <a:scrgbClr r="0" g="0" b="0"/>
+      </a:effectRef>
+      <a:fontRef idx="minor">
+        <a:schemeClr val="lt1"/>
+      </a:fontRef>
+    </dgm:style>
+  </dgm:styleLbl>
+  <dgm:styleLbl name="lnNode1">
+    <dgm:scene3d>
+      <a:camera prst="orthographicFront"/>
+      <a:lightRig rig="threePt" dir="t"/>
+    </dgm:scene3d>
+    <dgm:sp3d/>
+    <dgm:txPr/>
+    <dgm:style>
+      <a:lnRef idx="2">
+        <a:scrgbClr r="0" g="0" b="0"/>
+      </a:lnRef>
+      <a:fillRef idx="1">
+        <a:scrgbClr r="0" g="0" b="0"/>
+      </a:fillRef>
+      <a:effectRef idx="0">
+        <a:scrgbClr r="0" g="0" b="0"/>
+      </a:effectRef>
+      <a:fontRef idx="minor">
+        <a:schemeClr val="lt1"/>
+      </a:fontRef>
+    </dgm:style>
+  </dgm:styleLbl>
+  <dgm:styleLbl name="vennNode1">
+    <dgm:scene3d>
+      <a:camera prst="orthographicFront"/>
+      <a:lightRig rig="threePt" dir="t"/>
+    </dgm:scene3d>
+    <dgm:sp3d/>
+    <dgm:txPr/>
+    <dgm:style>
+      <a:lnRef idx="2">
+        <a:scrgbClr r="0" g="0" b="0"/>
+      </a:lnRef>
+      <a:fillRef idx="1">
+        <a:scrgbClr r="0" g="0" b="0"/>
+      </a:fillRef>
+      <a:effectRef idx="0">
+        <a:scrgbClr r="0" g="0" b="0"/>
+      </a:effectRef>
+      <a:fontRef idx="minor">
+        <a:schemeClr val="tx1"/>
+      </a:fontRef>
+    </dgm:style>
+  </dgm:styleLbl>
+  <dgm:styleLbl name="alignNode1">
+    <dgm:scene3d>
+      <a:camera prst="orthographicFront"/>
+      <a:lightRig rig="threePt" dir="t"/>
+    </dgm:scene3d>
+    <dgm:sp3d/>
+    <dgm:txPr/>
+    <dgm:style>
+      <a:lnRef idx="2">
+        <a:scrgbClr r="0" g="0" b="0"/>
+      </a:lnRef>
+      <a:fillRef idx="1">
+        <a:scrgbClr r="0" g="0" b="0"/>
+      </a:fillRef>
+      <a:effectRef idx="0">
+        <a:scrgbClr r="0" g="0" b="0"/>
+      </a:effectRef>
+      <a:fontRef idx="minor">
+        <a:schemeClr val="lt1"/>
+      </a:fontRef>
+    </dgm:style>
+  </dgm:styleLbl>
+  <dgm:styleLbl name="node1">
+    <dgm:scene3d>
+      <a:camera prst="orthographicFront"/>
+      <a:lightRig rig="threePt" dir="t"/>
+    </dgm:scene3d>
+    <dgm:sp3d/>
+    <dgm:txPr/>
+    <dgm:style>
+      <a:lnRef idx="2">
+        <a:scrgbClr r="0" g="0" b="0"/>
+      </a:lnRef>
+      <a:fillRef idx="1">
+        <a:scrgbClr r="0" g="0" b="0"/>
+      </a:fillRef>
+      <a:effectRef idx="0">
+        <a:scrgbClr r="0" g="0" b="0"/>
+      </a:effectRef>
+      <a:fontRef idx="minor">
+        <a:schemeClr val="lt1"/>
+      </a:fontRef>
+    </dgm:style>
+  </dgm:styleLbl>
+  <dgm:styleLbl name="node2">
+    <dgm:scene3d>
+      <a:camera prst="orthographicFront"/>
+      <a:lightRig rig="threePt" dir="t"/>
+    </dgm:scene3d>
+    <dgm:sp3d/>
+    <dgm:txPr/>
+    <dgm:style>
+      <a:lnRef idx="2">
+        <a:scrgbClr r="0" g="0" b="0"/>
+      </a:lnRef>
+      <a:fillRef idx="1">
+        <a:scrgbClr r="0" g="0" b="0"/>
+      </a:fillRef>
+      <a:effectRef idx="0">
+        <a:scrgbClr r="0" g="0" b="0"/>
+      </a:effectRef>
+      <a:fontRef idx="minor">
+        <a:schemeClr val="lt1"/>
+      </a:fontRef>
+    </dgm:style>
+  </dgm:styleLbl>
+  <dgm:styleLbl name="node3">
+    <dgm:scene3d>
+      <a:camera prst="orthographicFront"/>
+      <a:lightRig rig="threePt" dir="t"/>
+    </dgm:scene3d>
+    <dgm:sp3d/>
+    <dgm:txPr/>
+    <dgm:style>
+      <a:lnRef idx="2">
+        <a:scrgbClr r="0" g="0" b="0"/>
+      </a:lnRef>
+      <a:fillRef idx="1">
+        <a:scrgbClr r="0" g="0" b="0"/>
+      </a:fillRef>
+      <a:effectRef idx="0">
+        <a:scrgbClr r="0" g="0" b="0"/>
+      </a:effectRef>
+      <a:fontRef idx="minor">
+        <a:schemeClr val="lt1"/>
+      </a:fontRef>
+    </dgm:style>
+  </dgm:styleLbl>
+  <dgm:styleLbl name="node4">
+    <dgm:scene3d>
+      <a:camera prst="orthographicFront"/>
+      <a:lightRig rig="threePt" dir="t"/>
+    </dgm:scene3d>
+    <dgm:sp3d/>
+    <dgm:txPr/>
+    <dgm:style>
+      <a:lnRef idx="2">
+        <a:scrgbClr r="0" g="0" b="0"/>
+      </a:lnRef>
+      <a:fillRef idx="1">
+        <a:scrgbClr r="0" g="0" b="0"/>
+      </a:fillRef>
+      <a:effectRef idx="0">
+        <a:scrgbClr r="0" g="0" b="0"/>
+      </a:effectRef>
+      <a:fontRef idx="minor">
+        <a:schemeClr val="lt1"/>
+      </a:fontRef>
+    </dgm:style>
+  </dgm:styleLbl>
+  <dgm:styleLbl name="fgImgPlace1">
+    <dgm:scene3d>
+      <a:camera prst="orthographicFront"/>
+      <a:lightRig rig="threePt" dir="t"/>
+    </dgm:scene3d>
+    <dgm:sp3d/>
+    <dgm:txPr/>
+    <dgm:style>
+      <a:lnRef idx="2">
+        <a:scrgbClr r="0" g="0" b="0"/>
+      </a:lnRef>
+      <a:fillRef idx="1">
+        <a:scrgbClr r="0" g="0" b="0"/>
+      </a:fillRef>
+      <a:effectRef idx="0">
+        <a:scrgbClr r="0" g="0" b="0"/>
+      </a:effectRef>
+      <a:fontRef idx="minor"/>
+    </dgm:style>
+  </dgm:styleLbl>
+  <dgm:styleLbl name="alignImgPlace1">
+    <dgm:scene3d>
+      <a:camera prst="orthographicFront"/>
+      <a:lightRig rig="threePt" dir="t"/>
+    </dgm:scene3d>
+    <dgm:sp3d/>
+    <dgm:txPr/>
+    <dgm:style>
+      <a:lnRef idx="2">
+        <a:scrgbClr r="0" g="0" b="0"/>
+      </a:lnRef>
+      <a:fillRef idx="1">
+        <a:scrgbClr r="0" g="0" b="0"/>
+      </a:fillRef>
+      <a:effectRef idx="0">
+        <a:scrgbClr r="0" g="0" b="0"/>
+      </a:effectRef>
+      <a:fontRef idx="minor"/>
+    </dgm:style>
+  </dgm:styleLbl>
+  <dgm:styleLbl name="bgImgPlace1">
+    <dgm:scene3d>
+      <a:camera prst="orthographicFront"/>
+      <a:lightRig rig="threePt" dir="t"/>
+    </dgm:scene3d>
+    <dgm:sp3d/>
+    <dgm:txPr/>
+    <dgm:style>
+      <a:lnRef idx="2">
+        <a:scrgbClr r="0" g="0" b="0"/>
+      </a:lnRef>
+      <a:fillRef idx="1">
+        <a:scrgbClr r="0" g="0" b="0"/>
+      </a:fillRef>
+      <a:effectRef idx="0">
+        <a:scrgbClr r="0" g="0" b="0"/>
+      </a:effectRef>
+      <a:fontRef idx="minor"/>
+    </dgm:style>
+  </dgm:styleLbl>
+  <dgm:styleLbl name="sibTrans2D1">
+    <dgm:scene3d>
+      <a:camera prst="orthographicFront"/>
+      <a:lightRig rig="threePt" dir="t"/>
+    </dgm:scene3d>
+    <dgm:sp3d/>
+    <dgm:txPr/>
+    <dgm:style>
+      <a:lnRef idx="0">
+        <a:scrgbClr r="0" g="0" b="0"/>
+      </a:lnRef>
+      <a:fillRef idx="1">
+        <a:scrgbClr r="0" g="0" b="0"/>
+      </a:fillRef>
+      <a:effectRef idx="0">
+        <a:scrgbClr r="0" g="0" b="0"/>
+      </a:effectRef>
+      <a:fontRef idx="minor">
+        <a:schemeClr val="lt1"/>
+      </a:fontRef>
+    </dgm:style>
+  </dgm:styleLbl>
+  <dgm:styleLbl name="fgSibTrans2D1">
+    <dgm:scene3d>
+      <a:camera prst="orthographicFront"/>
+      <a:lightRig rig="threePt" dir="t"/>
+    </dgm:scene3d>
+    <dgm:sp3d/>
+    <dgm:txPr/>
+    <dgm:style>
+      <a:lnRef idx="0">
+        <a:scrgbClr r="0" g="0" b="0"/>
+      </a:lnRef>
+      <a:fillRef idx="1">
+        <a:scrgbClr r="0" g="0" b="0"/>
+      </a:fillRef>
+      <a:effectRef idx="0">
+        <a:scrgbClr r="0" g="0" b="0"/>
+      </a:effectRef>
+      <a:fontRef idx="minor">
+        <a:schemeClr val="lt1"/>
+      </a:fontRef>
+    </dgm:style>
+  </dgm:styleLbl>
+  <dgm:styleLbl name="bgSibTrans2D1">
+    <dgm:scene3d>
+      <a:camera prst="orthographicFront"/>
+      <a:lightRig rig="threePt" dir="t"/>
+    </dgm:scene3d>
+    <dgm:sp3d/>
+    <dgm:txPr/>
+    <dgm:style>
+      <a:lnRef idx="0">
+        <a:scrgbClr r="0" g="0" b="0"/>
+      </a:lnRef>
+      <a:fillRef idx="1">
+        <a:scrgbClr r="0" g="0" b="0"/>
+      </a:fillRef>
+      <a:effectRef idx="0">
+        <a:scrgbClr r="0" g="0" b="0"/>
+      </a:effectRef>
+      <a:fontRef idx="minor">
+        <a:schemeClr val="lt1"/>
+      </a:fontRef>
+    </dgm:style>
+  </dgm:styleLbl>
+  <dgm:styleLbl name="sibTrans1D1">
+    <dgm:scene3d>
+      <a:camera prst="orthographicFront"/>
+      <a:lightRig rig="threePt" dir="t"/>
+    </dgm:scene3d>
+    <dgm:sp3d/>
+    <dgm:txPr/>
+    <dgm:style>
+      <a:lnRef idx="1">
+        <a:scrgbClr r="0" g="0" b="0"/>
+      </a:lnRef>
+      <a:fillRef idx="0">
+        <a:scrgbClr r="0" g="0" b="0"/>
+      </a:fillRef>
+      <a:effectRef idx="0">
+        <a:scrgbClr r="0" g="0" b="0"/>
+      </a:effectRef>
+      <a:fontRef idx="minor"/>
+    </dgm:style>
+  </dgm:styleLbl>
+  <dgm:styleLbl name="callout">
+    <dgm:scene3d>
+      <a:camera prst="orthographicFront"/>
+      <a:lightRig rig="threePt" dir="t"/>
+    </dgm:scene3d>
+    <dgm:sp3d/>
+    <dgm:txPr/>
+    <dgm:style>
+      <a:lnRef idx="2">
+        <a:scrgbClr r="0" g="0" b="0"/>
+      </a:lnRef>
+      <a:fillRef idx="1">
+        <a:scrgbClr r="0" g="0" b="0"/>
+      </a:fillRef>
+      <a:effectRef idx="0">
+        <a:scrgbClr r="0" g="0" b="0"/>
+      </a:effectRef>
+      <a:fontRef idx="minor"/>
+    </dgm:style>
+  </dgm:styleLbl>
+  <dgm:styleLbl name="asst0">
+    <dgm:scene3d>
+      <a:camera prst="orthographicFront"/>
+      <a:lightRig rig="threePt" dir="t"/>
+    </dgm:scene3d>
+    <dgm:sp3d/>
+    <dgm:txPr/>
+    <dgm:style>
+      <a:lnRef idx="2">
+        <a:scrgbClr r="0" g="0" b="0"/>
+      </a:lnRef>
+      <a:fillRef idx="1">
+        <a:scrgbClr r="0" g="0" b="0"/>
+      </a:fillRef>
+      <a:effectRef idx="0">
+        <a:scrgbClr r="0" g="0" b="0"/>
+      </a:effectRef>
+      <a:fontRef idx="minor">
+        <a:schemeClr val="lt1"/>
+      </a:fontRef>
+    </dgm:style>
+  </dgm:styleLbl>
+  <dgm:styleLbl name="asst1">
+    <dgm:scene3d>
+      <a:camera prst="orthographicFront"/>
+      <a:lightRig rig="threePt" dir="t"/>
+    </dgm:scene3d>
+    <dgm:sp3d/>
+    <dgm:txPr/>
+    <dgm:style>
+      <a:lnRef idx="2">
+        <a:scrgbClr r="0" g="0" b="0"/>
+      </a:lnRef>
+      <a:fillRef idx="1">
+        <a:scrgbClr r="0" g="0" b="0"/>
+      </a:fillRef>
+      <a:effectRef idx="0">
+        <a:scrgbClr r="0" g="0" b="0"/>
+      </a:effectRef>
+      <a:fontRef idx="minor">
+        <a:schemeClr val="lt1"/>
+      </a:fontRef>
+    </dgm:style>
+  </dgm:styleLbl>
+  <dgm:styleLbl name="asst2">
+    <dgm:scene3d>
+      <a:camera prst="orthographicFront"/>
+      <a:lightRig rig="threePt" dir="t"/>
+    </dgm:scene3d>
+    <dgm:sp3d/>
+    <dgm:txPr/>
+    <dgm:style>
+      <a:lnRef idx="2">
+        <a:scrgbClr r="0" g="0" b="0"/>
+      </a:lnRef>
+      <a:fillRef idx="1">
+        <a:scrgbClr r="0" g="0" b="0"/>
+      </a:fillRef>
+      <a:effectRef idx="0">
+        <a:scrgbClr r="0" g="0" b="0"/>
+      </a:effectRef>
+      <a:fontRef idx="minor">
+        <a:schemeClr val="lt1"/>
+      </a:fontRef>
+    </dgm:style>
+  </dgm:styleLbl>
+  <dgm:styleLbl name="asst3">
+    <dgm:scene3d>
+      <a:camera prst="orthographicFront"/>
+      <a:lightRig rig="threePt" dir="t"/>
+    </dgm:scene3d>
+    <dgm:sp3d/>
+    <dgm:txPr/>
+    <dgm:style>
+      <a:lnRef idx="2">
+        <a:scrgbClr r="0" g="0" b="0"/>
+      </a:lnRef>
+      <a:fillRef idx="1">
+        <a:scrgbClr r="0" g="0" b="0"/>
+      </a:fillRef>
+      <a:effectRef idx="0">
+        <a:scrgbClr r="0" g="0" b="0"/>
+      </a:effectRef>
+      <a:fontRef idx="minor">
+        <a:schemeClr val="lt1"/>
+      </a:fontRef>
+    </dgm:style>
+  </dgm:styleLbl>
+  <dgm:styleLbl name="asst4">
+    <dgm:scene3d>
+      <a:camera prst="orthographicFront"/>
+      <a:lightRig rig="threePt" dir="t"/>
+    </dgm:scene3d>
+    <dgm:sp3d/>
+    <dgm:txPr/>
+    <dgm:style>
+      <a:lnRef idx="2">
+        <a:scrgbClr r="0" g="0" b="0"/>
+      </a:lnRef>
+      <a:fillRef idx="1">
+        <a:scrgbClr r="0" g="0" b="0"/>
+      </a:fillRef>
+      <a:effectRef idx="0">
+        <a:scrgbClr r="0" g="0" b="0"/>
+      </a:effectRef>
+      <a:fontRef idx="minor">
+        <a:schemeClr val="lt1"/>
+      </a:fontRef>
+    </dgm:style>
+  </dgm:styleLbl>
+  <dgm:styleLbl name="parChTrans2D1">
+    <dgm:scene3d>
+      <a:camera prst="orthographicFront"/>
+      <a:lightRig rig="threePt" dir="t"/>
+    </dgm:scene3d>
+    <dgm:sp3d/>
+    <dgm:txPr/>
+    <dgm:style>
+      <a:lnRef idx="2">
+        <a:scrgbClr r="0" g="0" b="0"/>
+      </a:lnRef>
+      <a:fillRef idx="1">
+        <a:scrgbClr r="0" g="0" b="0"/>
+      </a:fillRef>
+      <a:effectRef idx="0">
+        <a:scrgbClr r="0" g="0" b="0"/>
+      </a:effectRef>
+      <a:fontRef idx="minor">
+        <a:schemeClr val="lt1"/>
+      </a:fontRef>
+    </dgm:style>
+  </dgm:styleLbl>
+  <dgm:styleLbl name="parChTrans2D2">
+    <dgm:scene3d>
+      <a:camera prst="orthographicFront"/>
+      <a:lightRig rig="threePt" dir="t"/>
+    </dgm:scene3d>
+    <dgm:sp3d/>
+    <dgm:txPr/>
+    <dgm:style>
+      <a:lnRef idx="2">
+        <a:scrgbClr r="0" g="0" b="0"/>
+      </a:lnRef>
+      <a:fillRef idx="1">
+        <a:scrgbClr r="0" g="0" b="0"/>
+      </a:fillRef>
+      <a:effectRef idx="0">
+        <a:scrgbClr r="0" g="0" b="0"/>
+      </a:effectRef>
+      <a:fontRef idx="minor">
+        <a:schemeClr val="lt1"/>
+      </a:fontRef>
+    </dgm:style>
+  </dgm:styleLbl>
+  <dgm:styleLbl name="parChTrans2D3">
+    <dgm:scene3d>
+      <a:camera prst="orthographicFront"/>
+      <a:lightRig rig="threePt" dir="t"/>
+    </dgm:scene3d>
+    <dgm:sp3d/>
+    <dgm:txPr/>
+    <dgm:style>
+      <a:lnRef idx="2">
+        <a:scrgbClr r="0" g="0" b="0"/>
+      </a:lnRef>
+      <a:fillRef idx="1">
+        <a:scrgbClr r="0" g="0" b="0"/>
+      </a:fillRef>
+      <a:effectRef idx="0">
+        <a:scrgbClr r="0" g="0" b="0"/>
+      </a:effectRef>
+      <a:fontRef idx="minor">
+        <a:schemeClr val="lt1"/>
+      </a:fontRef>
+    </dgm:style>
+  </dgm:styleLbl>
+  <dgm:styleLbl name="parChTrans2D4">
+    <dgm:scene3d>
+      <a:camera prst="orthographicFront"/>
+      <a:lightRig rig="threePt" dir="t"/>
+    </dgm:scene3d>
+    <dgm:sp3d/>
+    <dgm:txPr/>
+    <dgm:style>
+      <a:lnRef idx="2">
+        <a:scrgbClr r="0" g="0" b="0"/>
+      </a:lnRef>
+      <a:fillRef idx="1">
+        <a:scrgbClr r="0" g="0" b="0"/>
+      </a:fillRef>
+      <a:effectRef idx="0">
+        <a:scrgbClr r="0" g="0" b="0"/>
+      </a:effectRef>
+      <a:fontRef idx="minor">
+        <a:schemeClr val="lt1"/>
+      </a:fontRef>
+    </dgm:style>
+  </dgm:styleLbl>
+  <dgm:styleLbl name="parChTrans1D1">
+    <dgm:scene3d>
+      <a:camera prst="orthographicFront"/>
+      <a:lightRig rig="threePt" dir="t"/>
+    </dgm:scene3d>
+    <dgm:sp3d/>
+    <dgm:txPr/>
+    <dgm:style>
+      <a:lnRef idx="2">
+        <a:scrgbClr r="0" g="0" b="0"/>
+      </a:lnRef>
+      <a:fillRef idx="0">
+        <a:scrgbClr r="0" g="0" b="0"/>
+      </a:fillRef>
+      <a:effectRef idx="0">
+        <a:scrgbClr r="0" g="0" b="0"/>
+      </a:effectRef>
+      <a:fontRef idx="minor"/>
+    </dgm:style>
+  </dgm:styleLbl>
+  <dgm:styleLbl name="parChTrans1D2">
+    <dgm:scene3d>
+      <a:camera prst="orthographicFront"/>
+      <a:lightRig rig="threePt" dir="t"/>
+    </dgm:scene3d>
+    <dgm:sp3d/>
+    <dgm:txPr/>
+    <dgm:style>
+      <a:lnRef idx="2">
+        <a:scrgbClr r="0" g="0" b="0"/>
+      </a:lnRef>
+      <a:fillRef idx="0">
+        <a:scrgbClr r="0" g="0" b="0"/>
+      </a:fillRef>
+      <a:effectRef idx="0">
+        <a:scrgbClr r="0" g="0" b="0"/>
+      </a:effectRef>
+      <a:fontRef idx="minor"/>
+    </dgm:style>
+  </dgm:styleLbl>
+  <dgm:styleLbl name="parChTrans1D3">
+    <dgm:scene3d>
+      <a:camera prst="orthographicFront"/>
+      <a:lightRig rig="threePt" dir="t"/>
+    </dgm:scene3d>
+    <dgm:sp3d/>
+    <dgm:txPr/>
+    <dgm:style>
+      <a:lnRef idx="2">
+        <a:scrgbClr r="0" g="0" b="0"/>
+      </a:lnRef>
+      <a:fillRef idx="0">
+        <a:scrgbClr r="0" g="0" b="0"/>
+      </a:fillRef>
+      <a:effectRef idx="0">
+        <a:scrgbClr r="0" g="0" b="0"/>
+      </a:effectRef>
+      <a:fontRef idx="minor"/>
+    </dgm:style>
+  </dgm:styleLbl>
+  <dgm:styleLbl name="parChTrans1D4">
+    <dgm:scene3d>
+      <a:camera prst="orthographicFront"/>
+      <a:lightRig rig="threePt" dir="t"/>
+    </dgm:scene3d>
+    <dgm:sp3d/>
+    <dgm:txPr/>
+    <dgm:style>
+      <a:lnRef idx="2">
+        <a:scrgbClr r="0" g="0" b="0"/>
+      </a:lnRef>
+      <a:fillRef idx="0">
+        <a:scrgbClr r="0" g="0" b="0"/>
+      </a:fillRef>
+      <a:effectRef idx="0">
+        <a:scrgbClr r="0" g="0" b="0"/>
+      </a:effectRef>
+      <a:fontRef idx="minor"/>
+    </dgm:style>
+  </dgm:styleLbl>
+  <dgm:styleLbl name="fgAcc1">
+    <dgm:scene3d>
+      <a:camera prst="orthographicFront"/>
+      <a:lightRig rig="threePt" dir="t"/>
+    </dgm:scene3d>
+    <dgm:sp3d/>
+    <dgm:txPr/>
+    <dgm:style>
+      <a:lnRef idx="2">
+        <a:scrgbClr r="0" g="0" b="0"/>
+      </a:lnRef>
+      <a:fillRef idx="1">
+        <a:scrgbClr r="0" g="0" b="0"/>
+      </a:fillRef>
+      <a:effectRef idx="0">
+        <a:scrgbClr r="0" g="0" b="0"/>
+      </a:effectRef>
+      <a:fontRef idx="minor"/>
+    </dgm:style>
+  </dgm:styleLbl>
+  <dgm:styleLbl name="conFgAcc1">
+    <dgm:scene3d>
+      <a:camera prst="orthographicFront"/>
+      <a:lightRig rig="threePt" dir="t"/>
+    </dgm:scene3d>
+    <dgm:sp3d/>
+    <dgm:txPr/>
+    <dgm:style>
+      <a:lnRef idx="2">
+        <a:scrgbClr r="0" g="0" b="0"/>
+      </a:lnRef>
+      <a:fillRef idx="1">
+        <a:scrgbClr r="0" g="0" b="0"/>
+      </a:fillRef>
+      <a:effectRef idx="0">
+        <a:scrgbClr r="0" g="0" b="0"/>
+      </a:effectRef>
+      <a:fontRef idx="minor"/>
+    </dgm:style>
+  </dgm:styleLbl>
+  <dgm:styleLbl name="alignAcc1">
+    <dgm:scene3d>
+      <a:camera prst="orthographicFront"/>
+      <a:lightRig rig="threePt" dir="t"/>
+    </dgm:scene3d>
+    <dgm:sp3d/>
+    <dgm:txPr/>
+    <dgm:style>
+      <a:lnRef idx="2">
+        <a:scrgbClr r="0" g="0" b="0"/>
+      </a:lnRef>
+      <a:fillRef idx="1">
+        <a:scrgbClr r="0" g="0" b="0"/>
+      </a:fillRef>
+      <a:effectRef idx="0">
+        <a:scrgbClr r="0" g="0" b="0"/>
+      </a:effectRef>
+      <a:fontRef idx="minor"/>
+    </dgm:style>
+  </dgm:styleLbl>
+  <dgm:styleLbl name="trAlignAcc1">
+    <dgm:scene3d>
+      <a:camera prst="orthographicFront"/>
+      <a:lightRig rig="threePt" dir="t"/>
+    </dgm:scene3d>
+    <dgm:sp3d/>
+    <dgm:txPr/>
+    <dgm:style>
+      <a:lnRef idx="1">
+        <a:scrgbClr r="0" g="0" b="0"/>
+      </a:lnRef>
+      <a:fillRef idx="1">
+        <a:scrgbClr r="0" g="0" b="0"/>
+      </a:fillRef>
+      <a:effectRef idx="0">
+        <a:scrgbClr r="0" g="0" b="0"/>
+      </a:effectRef>
+      <a:fontRef idx="minor"/>
+    </dgm:style>
+  </dgm:styleLbl>
+  <dgm:styleLbl name="bgAcc1">
+    <dgm:scene3d>
+      <a:camera prst="orthographicFront"/>
+      <a:lightRig rig="threePt" dir="t"/>
+    </dgm:scene3d>
+    <dgm:sp3d/>
+    <dgm:txPr/>
+    <dgm:style>
+      <a:lnRef idx="2">
+        <a:scrgbClr r="0" g="0" b="0"/>
+      </a:lnRef>
+      <a:fillRef idx="1">
+        <a:scrgbClr r="0" g="0" b="0"/>
+      </a:fillRef>
+      <a:effectRef idx="0">
+        <a:scrgbClr r="0" g="0" b="0"/>
+      </a:effectRef>
+      <a:fontRef idx="minor"/>
+    </dgm:style>
+  </dgm:styleLbl>
+  <dgm:styleLbl name="solidFgAcc1">
+    <dgm:scene3d>
+      <a:camera prst="orthographicFront"/>
+      <a:lightRig rig="threePt" dir="t"/>
+    </dgm:scene3d>
+    <dgm:sp3d/>
+    <dgm:txPr/>
+    <dgm:style>
+      <a:lnRef idx="2">
+        <a:scrgbClr r="0" g="0" b="0"/>
+      </a:lnRef>
+      <a:fillRef idx="1">
+        <a:scrgbClr r="0" g="0" b="0"/>
+      </a:fillRef>
+      <a:effectRef idx="0">
+        <a:scrgbClr r="0" g="0" b="0"/>
+      </a:effectRef>
+      <a:fontRef idx="minor"/>
+    </dgm:style>
+  </dgm:styleLbl>
+  <dgm:styleLbl name="solidAlignAcc1">
+    <dgm:scene3d>
+      <a:camera prst="orthographicFront"/>
+      <a:lightRig rig="threePt" dir="t"/>
+    </dgm:scene3d>
+    <dgm:sp3d/>
+    <dgm:txPr/>
+    <dgm:style>
+      <a:lnRef idx="2">
+        <a:scrgbClr r="0" g="0" b="0"/>
+      </a:lnRef>
+      <a:fillRef idx="1">
+        <a:scrgbClr r="0" g="0" b="0"/>
+      </a:fillRef>
+      <a:effectRef idx="0">
+        <a:scrgbClr r="0" g="0" b="0"/>
+      </a:effectRef>
+      <a:fontRef idx="minor"/>
+    </dgm:style>
+  </dgm:styleLbl>
+  <dgm:styleLbl name="solidBgAcc1">
+    <dgm:scene3d>
+      <a:camera prst="orthographicFront"/>
+      <a:lightRig rig="threePt" dir="t"/>
+    </dgm:scene3d>
+    <dgm:sp3d/>
+    <dgm:txPr/>
+    <dgm:style>
+      <a:lnRef idx="2">
+        <a:scrgbClr r="0" g="0" b="0"/>
+      </a:lnRef>
+      <a:fillRef idx="1">
+        <a:scrgbClr r="0" g="0" b="0"/>
+      </a:fillRef>
+      <a:effectRef idx="0">
+        <a:scrgbClr r="0" g="0" b="0"/>
+      </a:effectRef>
+      <a:fontRef idx="minor"/>
+    </dgm:style>
+  </dgm:styleLbl>
+  <dgm:styleLbl name="fgAccFollowNode1">
+    <dgm:scene3d>
+      <a:camera prst="orthographicFront"/>
+      <a:lightRig rig="threePt" dir="t"/>
+    </dgm:scene3d>
+    <dgm:sp3d/>
+    <dgm:txPr/>
+    <dgm:style>
+      <a:lnRef idx="2">
+        <a:scrgbClr r="0" g="0" b="0"/>
+      </a:lnRef>
+      <a:fillRef idx="1">
+        <a:scrgbClr r="0" g="0" b="0"/>
+      </a:fillRef>
+      <a:effectRef idx="0">
+        <a:scrgbClr r="0" g="0" b="0"/>
+      </a:effectRef>
+      <a:fontRef idx="minor"/>
+    </dgm:style>
+  </dgm:styleLbl>
+  <dgm:styleLbl name="alignAccFollowNode1">
+    <dgm:scene3d>
+      <a:camera prst="orthographicFront"/>
+      <a:lightRig rig="threePt" dir="t"/>
+    </dgm:scene3d>
+    <dgm:sp3d/>
+    <dgm:txPr/>
+    <dgm:style>
+      <a:lnRef idx="2">
+        <a:scrgbClr r="0" g="0" b="0"/>
+      </a:lnRef>
+      <a:fillRef idx="1">
+        <a:scrgbClr r="0" g="0" b="0"/>
+      </a:fillRef>
+      <a:effectRef idx="0">
+        <a:scrgbClr r="0" g="0" b="0"/>
+      </a:effectRef>
+      <a:fontRef idx="minor"/>
+    </dgm:style>
+  </dgm:styleLbl>
+  <dgm:styleLbl name="bgAccFollowNode1">
+    <dgm:scene3d>
+      <a:camera prst="orthographicFront"/>
+      <a:lightRig rig="threePt" dir="t"/>
+    </dgm:scene3d>
+    <dgm:sp3d/>
+    <dgm:txPr/>
+    <dgm:style>
+      <a:lnRef idx="2">
+        <a:scrgbClr r="0" g="0" b="0"/>
+      </a:lnRef>
+      <a:fillRef idx="1">
+        <a:scrgbClr r="0" g="0" b="0"/>
+      </a:fillRef>
+      <a:effectRef idx="0">
+        <a:scrgbClr r="0" g="0" b="0"/>
+      </a:effectRef>
+      <a:fontRef idx="minor"/>
+    </dgm:style>
+  </dgm:styleLbl>
+  <dgm:styleLbl name="fgAcc0">
+    <dgm:scene3d>
+      <a:camera prst="orthographicFront"/>
+      <a:lightRig rig="threePt" dir="t"/>
+    </dgm:scene3d>
+    <dgm:sp3d/>
+    <dgm:txPr/>
+    <dgm:style>
+      <a:lnRef idx="2">
+        <a:scrgbClr r="0" g="0" b="0"/>
+      </a:lnRef>
+      <a:fillRef idx="1">
+        <a:scrgbClr r="0" g="0" b="0"/>
+      </a:fillRef>
+      <a:effectRef idx="0">
+        <a:scrgbClr r="0" g="0" b="0"/>
+      </a:effectRef>
+      <a:fontRef idx="minor"/>
+    </dgm:style>
+  </dgm:styleLbl>
+  <dgm:styleLbl name="fgAcc2">
+    <dgm:scene3d>
+      <a:camera prst="orthographicFront"/>
+      <a:lightRig rig="threePt" dir="t"/>
+    </dgm:scene3d>
+    <dgm:sp3d/>
+    <dgm:txPr/>
+    <dgm:style>
+      <a:lnRef idx="2">
+        <a:scrgbClr r="0" g="0" b="0"/>
+      </a:lnRef>
+      <a:fillRef idx="1">
+        <a:scrgbClr r="0" g="0" b="0"/>
+      </a:fillRef>
+      <a:effectRef idx="0">
+        <a:scrgbClr r="0" g="0" b="0"/>
+      </a:effectRef>
+      <a:fontRef idx="minor"/>
+    </dgm:style>
+  </dgm:styleLbl>
+  <dgm:styleLbl name="fgAcc3">
+    <dgm:scene3d>
+      <a:camera prst="orthographicFront"/>
+      <a:lightRig rig="threePt" dir="t"/>
+    </dgm:scene3d>
+    <dgm:sp3d/>
+    <dgm:txPr/>
+    <dgm:style>
+      <a:lnRef idx="2">
+        <a:scrgbClr r="0" g="0" b="0"/>
+      </a:lnRef>
+      <a:fillRef idx="1">
+        <a:scrgbClr r="0" g="0" b="0"/>
+      </a:fillRef>
+      <a:effectRef idx="0">
+        <a:scrgbClr r="0" g="0" b="0"/>
+      </a:effectRef>
+      <a:fontRef idx="minor"/>
+    </dgm:style>
+  </dgm:styleLbl>
+  <dgm:styleLbl name="fgAcc4">
+    <dgm:scene3d>
+      <a:camera prst="orthographicFront"/>
+      <a:lightRig rig="threePt" dir="t"/>
+    </dgm:scene3d>
+    <dgm:sp3d/>
+    <dgm:txPr/>
+    <dgm:style>
+      <a:lnRef idx="2">
+        <a:scrgbClr r="0" g="0" b="0"/>
+      </a:lnRef>
+      <a:fillRef idx="1">
+        <a:scrgbClr r="0" g="0" b="0"/>
+      </a:fillRef>
+      <a:effectRef idx="0">
+        <a:scrgbClr r="0" g="0" b="0"/>
+      </a:effectRef>
+      <a:fontRef idx="minor"/>
+    </dgm:style>
+  </dgm:styleLbl>
+  <dgm:styleLbl name="bgShp">
+    <dgm:scene3d>
+      <a:camera prst="orthographicFront"/>
+      <a:lightRig rig="threePt" dir="t"/>
+    </dgm:scene3d>
+    <dgm:sp3d/>
+    <dgm:txPr/>
+    <dgm:style>
+      <a:lnRef idx="0">
+        <a:scrgbClr r="0" g="0" b="0"/>
+      </a:lnRef>
+      <a:fillRef idx="1">
+        <a:scrgbClr r="0" g="0" b="0"/>
+      </a:fillRef>
+      <a:effectRef idx="0">
+        <a:scrgbClr r="0" g="0" b="0"/>
+      </a:effectRef>
+      <a:fontRef idx="minor"/>
+    </dgm:style>
+  </dgm:styleLbl>
+  <dgm:styleLbl name="dkBgShp">
+    <dgm:scene3d>
+      <a:camera prst="orthographicFront"/>
+      <a:lightRig rig="threePt" dir="t"/>
+    </dgm:scene3d>
+    <dgm:sp3d/>
+    <dgm:txPr/>
+    <dgm:style>
+      <a:lnRef idx="0">
+        <a:scrgbClr r="0" g="0" b="0"/>
+      </a:lnRef>
+      <a:fillRef idx="1">
+        <a:scrgbClr r="0" g="0" b="0"/>
+      </a:fillRef>
+      <a:effectRef idx="0">
+        <a:scrgbClr r="0" g="0" b="0"/>
+      </a:effectRef>
+      <a:fontRef idx="minor"/>
+    </dgm:style>
+  </dgm:styleLbl>
+  <dgm:styleLbl name="trBgShp">
+    <dgm:scene3d>
+      <a:camera prst="orthographicFront"/>
+      <a:lightRig rig="threePt" dir="t"/>
+    </dgm:scene3d>
+    <dgm:sp3d/>
+    <dgm:txPr/>
+    <dgm:style>
+      <a:lnRef idx="0">
+        <a:scrgbClr r="0" g="0" b="0"/>
+      </a:lnRef>
+      <a:fillRef idx="1">
+        <a:scrgbClr r="0" g="0" b="0"/>
+      </a:fillRef>
+      <a:effectRef idx="0">
+        <a:scrgbClr r="0" g="0" b="0"/>
+      </a:effectRef>
+      <a:fontRef idx="minor"/>
+    </dgm:style>
+  </dgm:styleLbl>
+  <dgm:styleLbl name="fgShp">
+    <dgm:scene3d>
+      <a:camera prst="orthographicFront"/>
+      <a:lightRig rig="threePt" dir="t"/>
+    </dgm:scene3d>
+    <dgm:sp3d/>
+    <dgm:txPr/>
+    <dgm:style>
+      <a:lnRef idx="2">
+        <a:scrgbClr r="0" g="0" b="0"/>
+      </a:lnRef>
+      <a:fillRef idx="1">
+        <a:scrgbClr r="0" g="0" b="0"/>
+      </a:fillRef>
+      <a:effectRef idx="0">
+        <a:scrgbClr r="0" g="0" b="0"/>
+      </a:effectRef>
+      <a:fontRef idx="minor"/>
+    </dgm:style>
+  </dgm:styleLbl>
+  <dgm:styleLbl name="revTx">
+    <dgm:scene3d>
+      <a:camera prst="orthographicFront"/>
+      <a:lightRig rig="threePt" dir="t"/>
+    </dgm:scene3d>
+    <dgm:sp3d/>
+    <dgm:txPr/>
+    <dgm:style>
+      <a:lnRef idx="0">
+        <a:scrgbClr r="0" g="0" b="0"/>
+      </a:lnRef>
+      <a:fillRef idx="0">
+        <a:scrgbClr r="0" g="0" b="0"/>
+      </a:fillRef>
+      <a:effectRef idx="0">
+        <a:scrgbClr r="0" g="0" b="0"/>
+      </a:effectRef>
+      <a:fontRef idx="minor"/>
+    </dgm:style>
+  </dgm:styleLbl>
+</dgm:styleDef>
+</file>
+
+<file path=ppt/diagrams/quickStyle3.xml><?xml version="1.0" encoding="utf-8"?>
+<dgm:styleDef xmlns:dgm="http://schemas.openxmlformats.org/drawingml/2006/diagram" xmlns:a="http://schemas.openxmlformats.org/drawingml/2006/main" uniqueId="urn:microsoft.com/office/officeart/2005/8/quickstyle/simple1">
+  <dgm:title val=""/>
+  <dgm:desc val=""/>
+  <dgm:catLst>
+    <dgm:cat type="simple" pri="10100"/>
+  </dgm:catLst>
+  <dgm:scene3d>
+    <a:camera prst="orthographicFront"/>
+    <a:lightRig rig="threePt" dir="t"/>
+  </dgm:scene3d>
+  <dgm:styleLbl name="node0">
+    <dgm:scene3d>
+      <a:camera prst="orthographicFront"/>
+      <a:lightRig rig="threePt" dir="t"/>
+    </dgm:scene3d>
+    <dgm:sp3d/>
+    <dgm:txPr/>
+    <dgm:style>
+      <a:lnRef idx="2">
+        <a:scrgbClr r="0" g="0" b="0"/>
+      </a:lnRef>
+      <a:fillRef idx="1">
+        <a:scrgbClr r="0" g="0" b="0"/>
+      </a:fillRef>
+      <a:effectRef idx="0">
+        <a:scrgbClr r="0" g="0" b="0"/>
+      </a:effectRef>
+      <a:fontRef idx="minor">
+        <a:schemeClr val="lt1"/>
+      </a:fontRef>
+    </dgm:style>
+  </dgm:styleLbl>
+  <dgm:styleLbl name="lnNode1">
+    <dgm:scene3d>
+      <a:camera prst="orthographicFront"/>
+      <a:lightRig rig="threePt" dir="t"/>
+    </dgm:scene3d>
+    <dgm:sp3d/>
+    <dgm:txPr/>
+    <dgm:style>
+      <a:lnRef idx="2">
+        <a:scrgbClr r="0" g="0" b="0"/>
+      </a:lnRef>
+      <a:fillRef idx="1">
+        <a:scrgbClr r="0" g="0" b="0"/>
+      </a:fillRef>
+      <a:effectRef idx="0">
+        <a:scrgbClr r="0" g="0" b="0"/>
+      </a:effectRef>
+      <a:fontRef idx="minor">
+        <a:schemeClr val="lt1"/>
+      </a:fontRef>
+    </dgm:style>
+  </dgm:styleLbl>
+  <dgm:styleLbl name="vennNode1">
+    <dgm:scene3d>
+      <a:camera prst="orthographicFront"/>
+      <a:lightRig rig="threePt" dir="t"/>
+    </dgm:scene3d>
+    <dgm:sp3d/>
+    <dgm:txPr/>
+    <dgm:style>
+      <a:lnRef idx="2">
+        <a:scrgbClr r="0" g="0" b="0"/>
+      </a:lnRef>
+      <a:fillRef idx="1">
+        <a:scrgbClr r="0" g="0" b="0"/>
+      </a:fillRef>
+      <a:effectRef idx="0">
+        <a:scrgbClr r="0" g="0" b="0"/>
+      </a:effectRef>
+      <a:fontRef idx="minor">
+        <a:schemeClr val="tx1"/>
+      </a:fontRef>
+    </dgm:style>
+  </dgm:styleLbl>
+  <dgm:styleLbl name="alignNode1">
+    <dgm:scene3d>
+      <a:camera prst="orthographicFront"/>
+      <a:lightRig rig="threePt" dir="t"/>
+    </dgm:scene3d>
+    <dgm:sp3d/>
+    <dgm:txPr/>
+    <dgm:style>
+      <a:lnRef idx="2">
+        <a:scrgbClr r="0" g="0" b="0"/>
+      </a:lnRef>
+      <a:fillRef idx="1">
+        <a:scrgbClr r="0" g="0" b="0"/>
+      </a:fillRef>
+      <a:effectRef idx="0">
+        <a:scrgbClr r="0" g="0" b="0"/>
+      </a:effectRef>
+      <a:fontRef idx="minor">
+        <a:schemeClr val="lt1"/>
+      </a:fontRef>
+    </dgm:style>
+  </dgm:styleLbl>
+  <dgm:styleLbl name="node1">
+    <dgm:scene3d>
+      <a:camera prst="orthographicFront"/>
+      <a:lightRig rig="threePt" dir="t"/>
+    </dgm:scene3d>
+    <dgm:sp3d/>
+    <dgm:txPr/>
+    <dgm:style>
+      <a:lnRef idx="2">
+        <a:scrgbClr r="0" g="0" b="0"/>
+      </a:lnRef>
+      <a:fillRef idx="1">
+        <a:scrgbClr r="0" g="0" b="0"/>
+      </a:fillRef>
+      <a:effectRef idx="0">
+        <a:scrgbClr r="0" g="0" b="0"/>
+      </a:effectRef>
+      <a:fontRef idx="minor">
+        <a:schemeClr val="lt1"/>
+      </a:fontRef>
+    </dgm:style>
+  </dgm:styleLbl>
+  <dgm:styleLbl name="node2">
+    <dgm:scene3d>
+      <a:camera prst="orthographicFront"/>
+      <a:lightRig rig="threePt" dir="t"/>
+    </dgm:scene3d>
+    <dgm:sp3d/>
+    <dgm:txPr/>
+    <dgm:style>
+      <a:lnRef idx="2">
+        <a:scrgbClr r="0" g="0" b="0"/>
+      </a:lnRef>
+      <a:fillRef idx="1">
+        <a:scrgbClr r="0" g="0" b="0"/>
+      </a:fillRef>
+      <a:effectRef idx="0">
+        <a:scrgbClr r="0" g="0" b="0"/>
+      </a:effectRef>
+      <a:fontRef idx="minor">
+        <a:schemeClr val="lt1"/>
+      </a:fontRef>
+    </dgm:style>
+  </dgm:styleLbl>
+  <dgm:styleLbl name="node3">
+    <dgm:scene3d>
+      <a:camera prst="orthographicFront"/>
+      <a:lightRig rig="threePt" dir="t"/>
+    </dgm:scene3d>
+    <dgm:sp3d/>
+    <dgm:txPr/>
+    <dgm:style>
+      <a:lnRef idx="2">
+        <a:scrgbClr r="0" g="0" b="0"/>
+      </a:lnRef>
+      <a:fillRef idx="1">
+        <a:scrgbClr r="0" g="0" b="0"/>
+      </a:fillRef>
+      <a:effectRef idx="0">
+        <a:scrgbClr r="0" g="0" b="0"/>
+      </a:effectRef>
+      <a:fontRef idx="minor">
+        <a:schemeClr val="lt1"/>
+      </a:fontRef>
+    </dgm:style>
+  </dgm:styleLbl>
+  <dgm:styleLbl name="node4">
+    <dgm:scene3d>
+      <a:camera prst="orthographicFront"/>
+      <a:lightRig rig="threePt" dir="t"/>
+    </dgm:scene3d>
+    <dgm:sp3d/>
+    <dgm:txPr/>
+    <dgm:style>
+      <a:lnRef idx="2">
+        <a:scrgbClr r="0" g="0" b="0"/>
+      </a:lnRef>
+      <a:fillRef idx="1">
+        <a:scrgbClr r="0" g="0" b="0"/>
+      </a:fillRef>
+      <a:effectRef idx="0">
+        <a:scrgbClr r="0" g="0" b="0"/>
+      </a:effectRef>
+      <a:fontRef idx="minor">
+        <a:schemeClr val="lt1"/>
+      </a:fontRef>
+    </dgm:style>
+  </dgm:styleLbl>
+  <dgm:styleLbl name="fgImgPlace1">
+    <dgm:scene3d>
+      <a:camera prst="orthographicFront"/>
+      <a:lightRig rig="threePt" dir="t"/>
+    </dgm:scene3d>
+    <dgm:sp3d/>
+    <dgm:txPr/>
+    <dgm:style>
+      <a:lnRef idx="2">
+        <a:scrgbClr r="0" g="0" b="0"/>
+      </a:lnRef>
+      <a:fillRef idx="1">
+        <a:scrgbClr r="0" g="0" b="0"/>
+      </a:fillRef>
+      <a:effectRef idx="0">
+        <a:scrgbClr r="0" g="0" b="0"/>
+      </a:effectRef>
+      <a:fontRef idx="minor"/>
+    </dgm:style>
+  </dgm:styleLbl>
+  <dgm:styleLbl name="alignImgPlace1">
+    <dgm:scene3d>
+      <a:camera prst="orthographicFront"/>
+      <a:lightRig rig="threePt" dir="t"/>
+    </dgm:scene3d>
+    <dgm:sp3d/>
+    <dgm:txPr/>
+    <dgm:style>
+      <a:lnRef idx="2">
+        <a:scrgbClr r="0" g="0" b="0"/>
+      </a:lnRef>
+      <a:fillRef idx="1">
+        <a:scrgbClr r="0" g="0" b="0"/>
+      </a:fillRef>
+      <a:effectRef idx="0">
+        <a:scrgbClr r="0" g="0" b="0"/>
+      </a:effectRef>
+      <a:fontRef idx="minor"/>
+    </dgm:style>
+  </dgm:styleLbl>
+  <dgm:styleLbl name="bgImgPlace1">
+    <dgm:scene3d>
+      <a:camera prst="orthographicFront"/>
+      <a:lightRig rig="threePt" dir="t"/>
+    </dgm:scene3d>
+    <dgm:sp3d/>
+    <dgm:txPr/>
+    <dgm:style>
+      <a:lnRef idx="2">
+        <a:scrgbClr r="0" g="0" b="0"/>
+      </a:lnRef>
+      <a:fillRef idx="1">
+        <a:scrgbClr r="0" g="0" b="0"/>
+      </a:fillRef>
+      <a:effectRef idx="0">
+        <a:scrgbClr r="0" g="0" b="0"/>
+      </a:effectRef>
+      <a:fontRef idx="minor"/>
+    </dgm:style>
+  </dgm:styleLbl>
+  <dgm:styleLbl name="sibTrans2D1">
+    <dgm:scene3d>
+      <a:camera prst="orthographicFront"/>
+      <a:lightRig rig="threePt" dir="t"/>
+    </dgm:scene3d>
+    <dgm:sp3d/>
+    <dgm:txPr/>
+    <dgm:style>
+      <a:lnRef idx="0">
+        <a:scrgbClr r="0" g="0" b="0"/>
+      </a:lnRef>
+      <a:fillRef idx="1">
+        <a:scrgbClr r="0" g="0" b="0"/>
+      </a:fillRef>
+      <a:effectRef idx="0">
+        <a:scrgbClr r="0" g="0" b="0"/>
+      </a:effectRef>
+      <a:fontRef idx="minor">
+        <a:schemeClr val="lt1"/>
+      </a:fontRef>
+    </dgm:style>
+  </dgm:styleLbl>
+  <dgm:styleLbl name="fgSibTrans2D1">
+    <dgm:scene3d>
+      <a:camera prst="orthographicFront"/>
+      <a:lightRig rig="threePt" dir="t"/>
+    </dgm:scene3d>
+    <dgm:sp3d/>
+    <dgm:txPr/>
+    <dgm:style>
+      <a:lnRef idx="0">
+        <a:scrgbClr r="0" g="0" b="0"/>
+      </a:lnRef>
+      <a:fillRef idx="1">
+        <a:scrgbClr r="0" g="0" b="0"/>
+      </a:fillRef>
+      <a:effectRef idx="0">
+        <a:scrgbClr r="0" g="0" b="0"/>
+      </a:effectRef>
+      <a:fontRef idx="minor">
+        <a:schemeClr val="lt1"/>
+      </a:fontRef>
+    </dgm:style>
+  </dgm:styleLbl>
+  <dgm:styleLbl name="bgSibTrans2D1">
+    <dgm:scene3d>
+      <a:camera prst="orthographicFront"/>
+      <a:lightRig rig="threePt" dir="t"/>
+    </dgm:scene3d>
+    <dgm:sp3d/>
+    <dgm:txPr/>
+    <dgm:style>
+      <a:lnRef idx="0">
+        <a:scrgbClr r="0" g="0" b="0"/>
+      </a:lnRef>
+      <a:fillRef idx="1">
+        <a:scrgbClr r="0" g="0" b="0"/>
+      </a:fillRef>
+      <a:effectRef idx="0">
+        <a:scrgbClr r="0" g="0" b="0"/>
+      </a:effectRef>
+      <a:fontRef idx="minor">
+        <a:schemeClr val="lt1"/>
+      </a:fontRef>
+    </dgm:style>
+  </dgm:styleLbl>
+  <dgm:styleLbl name="sibTrans1D1">
+    <dgm:scene3d>
+      <a:camera prst="orthographicFront"/>
+      <a:lightRig rig="threePt" dir="t"/>
+    </dgm:scene3d>
+    <dgm:sp3d/>
+    <dgm:txPr/>
+    <dgm:style>
+      <a:lnRef idx="1">
+        <a:scrgbClr r="0" g="0" b="0"/>
+      </a:lnRef>
+      <a:fillRef idx="0">
+        <a:scrgbClr r="0" g="0" b="0"/>
+      </a:fillRef>
+      <a:effectRef idx="0">
+        <a:scrgbClr r="0" g="0" b="0"/>
+      </a:effectRef>
+      <a:fontRef idx="minor"/>
+    </dgm:style>
+  </dgm:styleLbl>
+  <dgm:styleLbl name="callout">
+    <dgm:scene3d>
+      <a:camera prst="orthographicFront"/>
+      <a:lightRig rig="threePt" dir="t"/>
+    </dgm:scene3d>
+    <dgm:sp3d/>
+    <dgm:txPr/>
+    <dgm:style>
+      <a:lnRef idx="2">
+        <a:scrgbClr r="0" g="0" b="0"/>
+      </a:lnRef>
+      <a:fillRef idx="1">
+        <a:scrgbClr r="0" g="0" b="0"/>
+      </a:fillRef>
+      <a:effectRef idx="0">
+        <a:scrgbClr r="0" g="0" b="0"/>
+      </a:effectRef>
+      <a:fontRef idx="minor"/>
+    </dgm:style>
+  </dgm:styleLbl>
+  <dgm:styleLbl name="asst0">
+    <dgm:scene3d>
+      <a:camera prst="orthographicFront"/>
+      <a:lightRig rig="threePt" dir="t"/>
+    </dgm:scene3d>
+    <dgm:sp3d/>
+    <dgm:txPr/>
+    <dgm:style>
+      <a:lnRef idx="2">
+        <a:scrgbClr r="0" g="0" b="0"/>
+      </a:lnRef>
+      <a:fillRef idx="1">
+        <a:scrgbClr r="0" g="0" b="0"/>
+      </a:fillRef>
+      <a:effectRef idx="0">
+        <a:scrgbClr r="0" g="0" b="0"/>
+      </a:effectRef>
+      <a:fontRef idx="minor">
+        <a:schemeClr val="lt1"/>
+      </a:fontRef>
+    </dgm:style>
+  </dgm:styleLbl>
+  <dgm:styleLbl name="asst1">
+    <dgm:scene3d>
+      <a:camera prst="orthographicFront"/>
+      <a:lightRig rig="threePt" dir="t"/>
+    </dgm:scene3d>
+    <dgm:sp3d/>
+    <dgm:txPr/>
+    <dgm:style>
+      <a:lnRef idx="2">
+        <a:scrgbClr r="0" g="0" b="0"/>
+      </a:lnRef>
+      <a:fillRef idx="1">
+        <a:scrgbClr r="0" g="0" b="0"/>
+      </a:fillRef>
+      <a:effectRef idx="0">
+        <a:scrgbClr r="0" g="0" b="0"/>
+      </a:effectRef>
+      <a:fontRef idx="minor">
+        <a:schemeClr val="lt1"/>
+      </a:fontRef>
+    </dgm:style>
+  </dgm:styleLbl>
+  <dgm:styleLbl name="asst2">
+    <dgm:scene3d>
+      <a:camera prst="orthographicFront"/>
+      <a:lightRig rig="threePt" dir="t"/>
+    </dgm:scene3d>
+    <dgm:sp3d/>
+    <dgm:txPr/>
+    <dgm:style>
+      <a:lnRef idx="2">
+        <a:scrgbClr r="0" g="0" b="0"/>
+      </a:lnRef>
+      <a:fillRef idx="1">
+        <a:scrgbClr r="0" g="0" b="0"/>
+      </a:fillRef>
+      <a:effectRef idx="0">
+        <a:scrgbClr r="0" g="0" b="0"/>
+      </a:effectRef>
+      <a:fontRef idx="minor">
+        <a:schemeClr val="lt1"/>
+      </a:fontRef>
+    </dgm:style>
+  </dgm:styleLbl>
+  <dgm:styleLbl name="asst3">
+    <dgm:scene3d>
+      <a:camera prst="orthographicFront"/>
+      <a:lightRig rig="threePt" dir="t"/>
+    </dgm:scene3d>
+    <dgm:sp3d/>
+    <dgm:txPr/>
+    <dgm:style>
+      <a:lnRef idx="2">
+        <a:scrgbClr r="0" g="0" b="0"/>
+      </a:lnRef>
+      <a:fillRef idx="1">
+        <a:scrgbClr r="0" g="0" b="0"/>
+      </a:fillRef>
+      <a:effectRef idx="0">
+        <a:scrgbClr r="0" g="0" b="0"/>
+      </a:effectRef>
+      <a:fontRef idx="minor">
+        <a:schemeClr val="lt1"/>
+      </a:fontRef>
+    </dgm:style>
+  </dgm:styleLbl>
+  <dgm:styleLbl name="asst4">
+    <dgm:scene3d>
+      <a:camera prst="orthographicFront"/>
+      <a:lightRig rig="threePt" dir="t"/>
+    </dgm:scene3d>
+    <dgm:sp3d/>
+    <dgm:txPr/>
+    <dgm:style>
+      <a:lnRef idx="2">
+        <a:scrgbClr r="0" g="0" b="0"/>
+      </a:lnRef>
+      <a:fillRef idx="1">
+        <a:scrgbClr r="0" g="0" b="0"/>
+      </a:fillRef>
+      <a:effectRef idx="0">
+        <a:scrgbClr r="0" g="0" b="0"/>
+      </a:effectRef>
+      <a:fontRef idx="minor">
+        <a:schemeClr val="lt1"/>
+      </a:fontRef>
+    </dgm:style>
+  </dgm:styleLbl>
+  <dgm:styleLbl name="parChTrans2D1">
+    <dgm:scene3d>
+      <a:camera prst="orthographicFront"/>
+      <a:lightRig rig="threePt" dir="t"/>
+    </dgm:scene3d>
+    <dgm:sp3d/>
+    <dgm:txPr/>
+    <dgm:style>
+      <a:lnRef idx="2">
+        <a:scrgbClr r="0" g="0" b="0"/>
+      </a:lnRef>
+      <a:fillRef idx="1">
+        <a:scrgbClr r="0" g="0" b="0"/>
+      </a:fillRef>
+      <a:effectRef idx="0">
+        <a:scrgbClr r="0" g="0" b="0"/>
+      </a:effectRef>
+      <a:fontRef idx="minor">
+        <a:schemeClr val="lt1"/>
+      </a:fontRef>
+    </dgm:style>
+  </dgm:styleLbl>
+  <dgm:styleLbl name="parChTrans2D2">
+    <dgm:scene3d>
+      <a:camera prst="orthographicFront"/>
+      <a:lightRig rig="threePt" dir="t"/>
+    </dgm:scene3d>
+    <dgm:sp3d/>
+    <dgm:txPr/>
+    <dgm:style>
+      <a:lnRef idx="2">
+        <a:scrgbClr r="0" g="0" b="0"/>
+      </a:lnRef>
+      <a:fillRef idx="1">
+        <a:scrgbClr r="0" g="0" b="0"/>
+      </a:fillRef>
+      <a:effectRef idx="0">
+        <a:scrgbClr r="0" g="0" b="0"/>
+      </a:effectRef>
+      <a:fontRef idx="minor">
+        <a:schemeClr val="lt1"/>
+      </a:fontRef>
+    </dgm:style>
+  </dgm:styleLbl>
+  <dgm:styleLbl name="parChTrans2D3">
+    <dgm:scene3d>
+      <a:camera prst="orthographicFront"/>
+      <a:lightRig rig="threePt" dir="t"/>
+    </dgm:scene3d>
+    <dgm:sp3d/>
+    <dgm:txPr/>
+    <dgm:style>
+      <a:lnRef idx="2">
+        <a:scrgbClr r="0" g="0" b="0"/>
+      </a:lnRef>
+      <a:fillRef idx="1">
+        <a:scrgbClr r="0" g="0" b="0"/>
+      </a:fillRef>
+      <a:effectRef idx="0">
+        <a:scrgbClr r="0" g="0" b="0"/>
+      </a:effectRef>
+      <a:fontRef idx="minor">
+        <a:schemeClr val="lt1"/>
+      </a:fontRef>
+    </dgm:style>
+  </dgm:styleLbl>
+  <dgm:styleLbl name="parChTrans2D4">
+    <dgm:scene3d>
+      <a:camera prst="orthographicFront"/>
+      <a:lightRig rig="threePt" dir="t"/>
+    </dgm:scene3d>
+    <dgm:sp3d/>
+    <dgm:txPr/>
+    <dgm:style>
+      <a:lnRef idx="2">
+        <a:scrgbClr r="0" g="0" b="0"/>
+      </a:lnRef>
+      <a:fillRef idx="1">
+        <a:scrgbClr r="0" g="0" b="0"/>
+      </a:fillRef>
+      <a:effectRef idx="0">
+        <a:scrgbClr r="0" g="0" b="0"/>
+      </a:effectRef>
+      <a:fontRef idx="minor">
+        <a:schemeClr val="lt1"/>
+      </a:fontRef>
+    </dgm:style>
+  </dgm:styleLbl>
+  <dgm:styleLbl name="parChTrans1D1">
+    <dgm:scene3d>
+      <a:camera prst="orthographicFront"/>
+      <a:lightRig rig="threePt" dir="t"/>
+    </dgm:scene3d>
+    <dgm:sp3d/>
+    <dgm:txPr/>
+    <dgm:style>
+      <a:lnRef idx="2">
+        <a:scrgbClr r="0" g="0" b="0"/>
+      </a:lnRef>
+      <a:fillRef idx="0">
+        <a:scrgbClr r="0" g="0" b="0"/>
+      </a:fillRef>
+      <a:effectRef idx="0">
+        <a:scrgbClr r="0" g="0" b="0"/>
+      </a:effectRef>
+      <a:fontRef idx="minor"/>
+    </dgm:style>
+  </dgm:styleLbl>
+  <dgm:styleLbl name="parChTrans1D2">
+    <dgm:scene3d>
+      <a:camera prst="orthographicFront"/>
+      <a:lightRig rig="threePt" dir="t"/>
+    </dgm:scene3d>
+    <dgm:sp3d/>
+    <dgm:txPr/>
+    <dgm:style>
+      <a:lnRef idx="2">
+        <a:scrgbClr r="0" g="0" b="0"/>
+      </a:lnRef>
+      <a:fillRef idx="0">
+        <a:scrgbClr r="0" g="0" b="0"/>
+      </a:fillRef>
+      <a:effectRef idx="0">
+        <a:scrgbClr r="0" g="0" b="0"/>
+      </a:effectRef>
+      <a:fontRef idx="minor"/>
+    </dgm:style>
+  </dgm:styleLbl>
+  <dgm:styleLbl name="parChTrans1D3">
+    <dgm:scene3d>
+      <a:camera prst="orthographicFront"/>
+      <a:lightRig rig="threePt" dir="t"/>
+    </dgm:scene3d>
+    <dgm:sp3d/>
+    <dgm:txPr/>
+    <dgm:style>
+      <a:lnRef idx="2">
+        <a:scrgbClr r="0" g="0" b="0"/>
+      </a:lnRef>
+      <a:fillRef idx="0">
+        <a:scrgbClr r="0" g="0" b="0"/>
+      </a:fillRef>
+      <a:effectRef idx="0">
+        <a:scrgbClr r="0" g="0" b="0"/>
+      </a:effectRef>
+      <a:fontRef idx="minor"/>
+    </dgm:style>
+  </dgm:styleLbl>
+  <dgm:styleLbl name="parChTrans1D4">
+    <dgm:scene3d>
+      <a:camera prst="orthographicFront"/>
+      <a:lightRig rig="threePt" dir="t"/>
+    </dgm:scene3d>
+    <dgm:sp3d/>
+    <dgm:txPr/>
+    <dgm:style>
+      <a:lnRef idx="2">
+        <a:scrgbClr r="0" g="0" b="0"/>
+      </a:lnRef>
+      <a:fillRef idx="0">
+        <a:scrgbClr r="0" g="0" b="0"/>
+      </a:fillRef>
+      <a:effectRef idx="0">
+        <a:scrgbClr r="0" g="0" b="0"/>
+      </a:effectRef>
+      <a:fontRef idx="minor"/>
+    </dgm:style>
+  </dgm:styleLbl>
+  <dgm:styleLbl name="fgAcc1">
+    <dgm:scene3d>
+      <a:camera prst="orthographicFront"/>
+      <a:lightRig rig="threePt" dir="t"/>
+    </dgm:scene3d>
+    <dgm:sp3d/>
+    <dgm:txPr/>
+    <dgm:style>
+      <a:lnRef idx="2">
+        <a:scrgbClr r="0" g="0" b="0"/>
+      </a:lnRef>
+      <a:fillRef idx="1">
+        <a:scrgbClr r="0" g="0" b="0"/>
+      </a:fillRef>
+      <a:effectRef idx="0">
+        <a:scrgbClr r="0" g="0" b="0"/>
+      </a:effectRef>
+      <a:fontRef idx="minor"/>
+    </dgm:style>
+  </dgm:styleLbl>
+  <dgm:styleLbl name="conFgAcc1">
+    <dgm:scene3d>
+      <a:camera prst="orthographicFront"/>
+      <a:lightRig rig="threePt" dir="t"/>
+    </dgm:scene3d>
+    <dgm:sp3d/>
+    <dgm:txPr/>
+    <dgm:style>
+      <a:lnRef idx="2">
+        <a:scrgbClr r="0" g="0" b="0"/>
+      </a:lnRef>
+      <a:fillRef idx="1">
+        <a:scrgbClr r="0" g="0" b="0"/>
+      </a:fillRef>
+      <a:effectRef idx="0">
+        <a:scrgbClr r="0" g="0" b="0"/>
+      </a:effectRef>
+      <a:fontRef idx="minor"/>
+    </dgm:style>
+  </dgm:styleLbl>
+  <dgm:styleLbl name="alignAcc1">
+    <dgm:scene3d>
+      <a:camera prst="orthographicFront"/>
+      <a:lightRig rig="threePt" dir="t"/>
+    </dgm:scene3d>
+    <dgm:sp3d/>
+    <dgm:txPr/>
+    <dgm:style>
+      <a:lnRef idx="2">
+        <a:scrgbClr r="0" g="0" b="0"/>
+      </a:lnRef>
+      <a:fillRef idx="1">
+        <a:scrgbClr r="0" g="0" b="0"/>
+      </a:fillRef>
+      <a:effectRef idx="0">
+        <a:scrgbClr r="0" g="0" b="0"/>
+      </a:effectRef>
+      <a:fontRef idx="minor"/>
+    </dgm:style>
+  </dgm:styleLbl>
+  <dgm:styleLbl name="trAlignAcc1">
+    <dgm:scene3d>
+      <a:camera prst="orthographicFront"/>
+      <a:lightRig rig="threePt" dir="t"/>
+    </dgm:scene3d>
+    <dgm:sp3d/>
+    <dgm:txPr/>
+    <dgm:style>
+      <a:lnRef idx="1">
+        <a:scrgbClr r="0" g="0" b="0"/>
+      </a:lnRef>
+      <a:fillRef idx="1">
+        <a:scrgbClr r="0" g="0" b="0"/>
+      </a:fillRef>
+      <a:effectRef idx="0">
+        <a:scrgbClr r="0" g="0" b="0"/>
+      </a:effectRef>
+      <a:fontRef idx="minor"/>
+    </dgm:style>
+  </dgm:styleLbl>
+  <dgm:styleLbl name="bgAcc1">
+    <dgm:scene3d>
+      <a:camera prst="orthographicFront"/>
+      <a:lightRig rig="threePt" dir="t"/>
+    </dgm:scene3d>
+    <dgm:sp3d/>
+    <dgm:txPr/>
+    <dgm:style>
+      <a:lnRef idx="2">
+        <a:scrgbClr r="0" g="0" b="0"/>
+      </a:lnRef>
+      <a:fillRef idx="1">
+        <a:scrgbClr r="0" g="0" b="0"/>
+      </a:fillRef>
+      <a:effectRef idx="0">
+        <a:scrgbClr r="0" g="0" b="0"/>
+      </a:effectRef>
+      <a:fontRef idx="minor"/>
+    </dgm:style>
+  </dgm:styleLbl>
+  <dgm:styleLbl name="solidFgAcc1">
+    <dgm:scene3d>
+      <a:camera prst="orthographicFront"/>
+      <a:lightRig rig="threePt" dir="t"/>
+    </dgm:scene3d>
+    <dgm:sp3d/>
+    <dgm:txPr/>
+    <dgm:style>
+      <a:lnRef idx="2">
+        <a:scrgbClr r="0" g="0" b="0"/>
+      </a:lnRef>
+      <a:fillRef idx="1">
+        <a:scrgbClr r="0" g="0" b="0"/>
+      </a:fillRef>
+      <a:effectRef idx="0">
+        <a:scrgbClr r="0" g="0" b="0"/>
+      </a:effectRef>
+      <a:fontRef idx="minor"/>
+    </dgm:style>
+  </dgm:styleLbl>
+  <dgm:styleLbl name="solidAlignAcc1">
+    <dgm:scene3d>
+      <a:camera prst="orthographicFront"/>
+      <a:lightRig rig="threePt" dir="t"/>
+    </dgm:scene3d>
+    <dgm:sp3d/>
+    <dgm:txPr/>
+    <dgm:style>
+      <a:lnRef idx="2">
+        <a:scrgbClr r="0" g="0" b="0"/>
+      </a:lnRef>
+      <a:fillRef idx="1">
+        <a:scrgbClr r="0" g="0" b="0"/>
+      </a:fillRef>
+      <a:effectRef idx="0">
+        <a:scrgbClr r="0" g="0" b="0"/>
+      </a:effectRef>
+      <a:fontRef idx="minor"/>
+    </dgm:style>
+  </dgm:styleLbl>
+  <dgm:styleLbl name="solidBgAcc1">
+    <dgm:scene3d>
+      <a:camera prst="orthographicFront"/>
+      <a:lightRig rig="threePt" dir="t"/>
+    </dgm:scene3d>
+    <dgm:sp3d/>
+    <dgm:txPr/>
+    <dgm:style>
+      <a:lnRef idx="2">
+        <a:scrgbClr r="0" g="0" b="0"/>
+      </a:lnRef>
+      <a:fillRef idx="1">
+        <a:scrgbClr r="0" g="0" b="0"/>
+      </a:fillRef>
+      <a:effectRef idx="0">
+        <a:scrgbClr r="0" g="0" b="0"/>
+      </a:effectRef>
+      <a:fontRef idx="minor"/>
+    </dgm:style>
+  </dgm:styleLbl>
+  <dgm:styleLbl name="fgAccFollowNode1">
+    <dgm:scene3d>
+      <a:camera prst="orthographicFront"/>
+      <a:lightRig rig="threePt" dir="t"/>
+    </dgm:scene3d>
+    <dgm:sp3d/>
+    <dgm:txPr/>
+    <dgm:style>
+      <a:lnRef idx="2">
+        <a:scrgbClr r="0" g="0" b="0"/>
+      </a:lnRef>
+      <a:fillRef idx="1">
+        <a:scrgbClr r="0" g="0" b="0"/>
+      </a:fillRef>
+      <a:effectRef idx="0">
+        <a:scrgbClr r="0" g="0" b="0"/>
+      </a:effectRef>
+      <a:fontRef idx="minor"/>
+    </dgm:style>
+  </dgm:styleLbl>
+  <dgm:styleLbl name="alignAccFollowNode1">
+    <dgm:scene3d>
+      <a:camera prst="orthographicFront"/>
+      <a:lightRig rig="threePt" dir="t"/>
+    </dgm:scene3d>
+    <dgm:sp3d/>
+    <dgm:txPr/>
+    <dgm:style>
+      <a:lnRef idx="2">
+        <a:scrgbClr r="0" g="0" b="0"/>
+      </a:lnRef>
+      <a:fillRef idx="1">
+        <a:scrgbClr r="0" g="0" b="0"/>
+      </a:fillRef>
+      <a:effectRef idx="0">
+        <a:scrgbClr r="0" g="0" b="0"/>
+      </a:effectRef>
+      <a:fontRef idx="minor"/>
+    </dgm:style>
+  </dgm:styleLbl>
+  <dgm:styleLbl name="bgAccFollowNode1">
+    <dgm:scene3d>
+      <a:camera prst="orthographicFront"/>
+      <a:lightRig rig="threePt" dir="t"/>
+    </dgm:scene3d>
+    <dgm:sp3d/>
+    <dgm:txPr/>
+    <dgm:style>
+      <a:lnRef idx="2">
+        <a:scrgbClr r="0" g="0" b="0"/>
+      </a:lnRef>
+      <a:fillRef idx="1">
+        <a:scrgbClr r="0" g="0" b="0"/>
+      </a:fillRef>
+      <a:effectRef idx="0">
+        <a:scrgbClr r="0" g="0" b="0"/>
+      </a:effectRef>
+      <a:fontRef idx="minor"/>
+    </dgm:style>
+  </dgm:styleLbl>
+  <dgm:styleLbl name="fgAcc0">
+    <dgm:scene3d>
+      <a:camera prst="orthographicFront"/>
+      <a:lightRig rig="threePt" dir="t"/>
+    </dgm:scene3d>
+    <dgm:sp3d/>
+    <dgm:txPr/>
+    <dgm:style>
+      <a:lnRef idx="2">
+        <a:scrgbClr r="0" g="0" b="0"/>
+      </a:lnRef>
+      <a:fillRef idx="1">
+        <a:scrgbClr r="0" g="0" b="0"/>
+      </a:fillRef>
+      <a:effectRef idx="0">
+        <a:scrgbClr r="0" g="0" b="0"/>
+      </a:effectRef>
+      <a:fontRef idx="minor"/>
+    </dgm:style>
+  </dgm:styleLbl>
+  <dgm:styleLbl name="fgAcc2">
+    <dgm:scene3d>
+      <a:camera prst="orthographicFront"/>
+      <a:lightRig rig="threePt" dir="t"/>
+    </dgm:scene3d>
+    <dgm:sp3d/>
+    <dgm:txPr/>
+    <dgm:style>
+      <a:lnRef idx="2">
+        <a:scrgbClr r="0" g="0" b="0"/>
+      </a:lnRef>
+      <a:fillRef idx="1">
+        <a:scrgbClr r="0" g="0" b="0"/>
+      </a:fillRef>
+      <a:effectRef idx="0">
+        <a:scrgbClr r="0" g="0" b="0"/>
+      </a:effectRef>
+      <a:fontRef idx="minor"/>
+    </dgm:style>
+  </dgm:styleLbl>
+  <dgm:styleLbl name="fgAcc3">
+    <dgm:scene3d>
+      <a:camera prst="orthographicFront"/>
+      <a:lightRig rig="threePt" dir="t"/>
+    </dgm:scene3d>
+    <dgm:sp3d/>
+    <dgm:txPr/>
+    <dgm:style>
+      <a:lnRef idx="2">
+        <a:scrgbClr r="0" g="0" b="0"/>
+      </a:lnRef>
+      <a:fillRef idx="1">
+        <a:scrgbClr r="0" g="0" b="0"/>
+      </a:fillRef>
+      <a:effectRef idx="0">
+        <a:scrgbClr r="0" g="0" b="0"/>
+      </a:effectRef>
+      <a:fontRef idx="minor"/>
+    </dgm:style>
+  </dgm:styleLbl>
+  <dgm:styleLbl name="fgAcc4">
+    <dgm:scene3d>
+      <a:camera prst="orthographicFront"/>
+      <a:lightRig rig="threePt" dir="t"/>
+    </dgm:scene3d>
+    <dgm:sp3d/>
+    <dgm:txPr/>
+    <dgm:style>
+      <a:lnRef idx="2">
+        <a:scrgbClr r="0" g="0" b="0"/>
+      </a:lnRef>
+      <a:fillRef idx="1">
+        <a:scrgbClr r="0" g="0" b="0"/>
+      </a:fillRef>
+      <a:effectRef idx="0">
+        <a:scrgbClr r="0" g="0" b="0"/>
+      </a:effectRef>
+      <a:fontRef idx="minor"/>
+    </dgm:style>
+  </dgm:styleLbl>
+  <dgm:styleLbl name="bgShp">
+    <dgm:scene3d>
+      <a:camera prst="orthographicFront"/>
+      <a:lightRig rig="threePt" dir="t"/>
+    </dgm:scene3d>
+    <dgm:sp3d/>
+    <dgm:txPr/>
+    <dgm:style>
+      <a:lnRef idx="0">
+        <a:scrgbClr r="0" g="0" b="0"/>
+      </a:lnRef>
+      <a:fillRef idx="1">
+        <a:scrgbClr r="0" g="0" b="0"/>
+      </a:fillRef>
+      <a:effectRef idx="0">
+        <a:scrgbClr r="0" g="0" b="0"/>
+      </a:effectRef>
+      <a:fontRef idx="minor"/>
+    </dgm:style>
+  </dgm:styleLbl>
+  <dgm:styleLbl name="dkBgShp">
+    <dgm:scene3d>
+      <a:camera prst="orthographicFront"/>
+      <a:lightRig rig="threePt" dir="t"/>
+    </dgm:scene3d>
+    <dgm:sp3d/>
+    <dgm:txPr/>
+    <dgm:style>
+      <a:lnRef idx="0">
+        <a:scrgbClr r="0" g="0" b="0"/>
+      </a:lnRef>
+      <a:fillRef idx="1">
+        <a:scrgbClr r="0" g="0" b="0"/>
+      </a:fillRef>
+      <a:effectRef idx="0">
+        <a:scrgbClr r="0" g="0" b="0"/>
+      </a:effectRef>
+      <a:fontRef idx="minor"/>
+    </dgm:style>
+  </dgm:styleLbl>
+  <dgm:styleLbl name="trBgShp">
+    <dgm:scene3d>
+      <a:camera prst="orthographicFront"/>
+      <a:lightRig rig="threePt" dir="t"/>
+    </dgm:scene3d>
+    <dgm:sp3d/>
+    <dgm:txPr/>
+    <dgm:style>
+      <a:lnRef idx="0">
+        <a:scrgbClr r="0" g="0" b="0"/>
+      </a:lnRef>
+      <a:fillRef idx="1">
+        <a:scrgbClr r="0" g="0" b="0"/>
+      </a:fillRef>
+      <a:effectRef idx="0">
+        <a:scrgbClr r="0" g="0" b="0"/>
+      </a:effectRef>
+      <a:fontRef idx="minor"/>
+    </dgm:style>
+  </dgm:styleLbl>
+  <dgm:styleLbl name="fgShp">
+    <dgm:scene3d>
+      <a:camera prst="orthographicFront"/>
+      <a:lightRig rig="threePt" dir="t"/>
+    </dgm:scene3d>
+    <dgm:sp3d/>
+    <dgm:txPr/>
+    <dgm:style>
+      <a:lnRef idx="2">
+        <a:scrgbClr r="0" g="0" b="0"/>
+      </a:lnRef>
+      <a:fillRef idx="1">
+        <a:scrgbClr r="0" g="0" b="0"/>
+      </a:fillRef>
+      <a:effectRef idx="0">
+        <a:scrgbClr r="0" g="0" b="0"/>
+      </a:effectRef>
+      <a:fontRef idx="minor"/>
+    </dgm:style>
+  </dgm:styleLbl>
+  <dgm:styleLbl name="revTx">
+    <dgm:scene3d>
+      <a:camera prst="orthographicFront"/>
+      <a:lightRig rig="threePt" dir="t"/>
+    </dgm:scene3d>
+    <dgm:sp3d/>
+    <dgm:txPr/>
+    <dgm:style>
+      <a:lnRef idx="0">
+        <a:scrgbClr r="0" g="0" b="0"/>
+      </a:lnRef>
+      <a:fillRef idx="0">
+        <a:scrgbClr r="0" g="0" b="0"/>
+      </a:fillRef>
+      <a:effectRef idx="0">
+        <a:scrgbClr r="0" g="0" b="0"/>
+      </a:effectRef>
+      <a:fontRef idx="minor"/>
+    </dgm:style>
+  </dgm:styleLbl>
+</dgm:styleDef>
 </file>
 
 <file path=ppt/slideLayouts/slideLayout1.xml><?xml version="1.0" encoding="utf-8"?>
@@ -3605,6 +11324,14 @@
 <file path=ppt/slides/slide1.xml><?xml version="1.0" encoding="utf-8"?>
 <p:sld xmlns:a="http://schemas.openxmlformats.org/drawingml/2006/main" xmlns:r="http://schemas.openxmlformats.org/officeDocument/2006/relationships" xmlns:p="http://schemas.openxmlformats.org/presentationml/2006/main">
   <p:cSld>
+    <p:bg>
+      <p:bgPr>
+        <a:solidFill>
+          <a:schemeClr val="bg1"/>
+        </a:solidFill>
+        <a:effectLst/>
+      </p:bgPr>
+    </p:bg>
     <p:spTree>
       <p:nvGrpSpPr>
         <p:cNvPr id="1" name=""/>
@@ -3619,6 +11346,82 @@
           <a:chExt cx="0" cy="0"/>
         </a:xfrm>
       </p:grpSpPr>
+      <p:sp useBgFill="1">
+        <p:nvSpPr>
+          <p:cNvPr id="10" name="Rectangle 9">
+            <a:extLst>
+              <a:ext uri="{FF2B5EF4-FFF2-40B4-BE49-F238E27FC236}">
+                <a16:creationId xmlns:a16="http://schemas.microsoft.com/office/drawing/2014/main" id="{6DA9942F-A18C-9E9D-BF08-9291C54E1CC4}"/>
+              </a:ext>
+              <a:ext uri="{C183D7F6-B498-43B3-948B-1728B52AA6E4}">
+                <adec:decorative xmlns:adec="http://schemas.microsoft.com/office/drawing/2017/decorative" val="1"/>
+              </a:ext>
+            </a:extLst>
+          </p:cNvPr>
+          <p:cNvSpPr>
+            <a:spLocks noGrp="1" noRot="1" noChangeAspect="1" noMove="1" noResize="1" noEditPoints="1" noAdjustHandles="1" noChangeArrowheads="1" noChangeShapeType="1" noTextEdit="1"/>
+          </p:cNvSpPr>
+          <p:nvPr>
+            <p:extLst>
+              <p:ext uri="{386F3935-93C4-4BCD-93E2-E3B085C9AB24}">
+                <p16:designElem xmlns:p16="http://schemas.microsoft.com/office/powerpoint/2015/main" val="1"/>
+              </p:ext>
+            </p:extLst>
+          </p:nvPr>
+        </p:nvSpPr>
+        <p:spPr>
+          <a:xfrm>
+            <a:off x="0" y="0"/>
+            <a:ext cx="12192000" cy="6858000"/>
+          </a:xfrm>
+          <a:prstGeom prst="rect">
+            <a:avLst/>
+          </a:prstGeom>
+          <a:ln w="12700" cap="flat" cmpd="sng" algn="ctr">
+            <a:noFill/>
+            <a:prstDash val="solid"/>
+            <a:miter lim="800000"/>
+          </a:ln>
+          <a:effectLst/>
+          <a:extLst>
+            <a:ext uri="{91240B29-F687-4F45-9708-019B960494DF}">
+              <a14:hiddenLine xmlns:a14="http://schemas.microsoft.com/office/drawing/2010/main" w="12700" cap="flat" cmpd="sng" algn="ctr">
+                <a:solidFill>
+                  <a:schemeClr val="accent1">
+                    <a:shade val="15000"/>
+                  </a:schemeClr>
+                </a:solidFill>
+                <a:prstDash val="solid"/>
+                <a:miter lim="800000"/>
+              </a14:hiddenLine>
+            </a:ext>
+          </a:extLst>
+        </p:spPr>
+        <p:style>
+          <a:lnRef idx="2">
+            <a:schemeClr val="accent1">
+              <a:shade val="15000"/>
+            </a:schemeClr>
+          </a:lnRef>
+          <a:fillRef idx="1">
+            <a:schemeClr val="accent1"/>
+          </a:fillRef>
+          <a:effectRef idx="0">
+            <a:schemeClr val="accent1"/>
+          </a:effectRef>
+          <a:fontRef idx="minor">
+            <a:schemeClr val="lt1"/>
+          </a:fontRef>
+        </p:style>
+        <p:txBody>
+          <a:bodyPr rtlCol="0" anchor="ctr"/>
+          <a:lstStyle/>
+          <a:p>
+            <a:pPr algn="ctr"/>
+            <a:endParaRPr lang="en-US"/>
+          </a:p>
+        </p:txBody>
+      </p:sp>
       <p:sp>
         <p:nvSpPr>
           <p:cNvPr id="2" name="タイトル 1">
@@ -3635,9 +11438,16 @@
             <p:ph type="ctrTitle"/>
           </p:nvPr>
         </p:nvSpPr>
-        <p:spPr/>
+        <p:spPr>
+          <a:xfrm>
+            <a:off x="2809809" y="353681"/>
+            <a:ext cx="6572382" cy="974310"/>
+          </a:xfrm>
+        </p:spPr>
         <p:txBody>
-          <a:bodyPr/>
+          <a:bodyPr>
+            <a:normAutofit/>
+          </a:bodyPr>
           <a:lstStyle/>
           <a:p>
             <a:r>
@@ -3668,19 +11478,65 @@
             <p:ph type="subTitle" idx="1"/>
           </p:nvPr>
         </p:nvSpPr>
-        <p:spPr/>
+        <p:spPr>
+          <a:xfrm>
+            <a:off x="2809809" y="5853241"/>
+            <a:ext cx="6572382" cy="558089"/>
+          </a:xfrm>
+        </p:spPr>
         <p:txBody>
-          <a:bodyPr/>
+          <a:bodyPr anchor="t">
+            <a:normAutofit/>
+          </a:bodyPr>
           <a:lstStyle/>
           <a:p>
             <a:r>
-              <a:rPr lang="ja-JP" altLang="en-US" dirty="0"/>
+              <a:rPr lang="ja-JP" altLang="en-US" sz="2000"/>
               <a:t>高度情報工学科　谷維案</a:t>
             </a:r>
-            <a:endParaRPr lang="en-US" altLang="ja-JP" dirty="0"/>
+            <a:endParaRPr lang="en-US" altLang="ja-JP" sz="2000"/>
           </a:p>
         </p:txBody>
       </p:sp>
+      <p:pic>
+        <p:nvPicPr>
+          <p:cNvPr id="7" name="Graphic 6" descr="携帯電話">
+            <a:extLst>
+              <a:ext uri="{FF2B5EF4-FFF2-40B4-BE49-F238E27FC236}">
+                <a16:creationId xmlns:a16="http://schemas.microsoft.com/office/drawing/2014/main" id="{6BBB11B2-B14B-C15D-23A5-3987EC3C7107}"/>
+              </a:ext>
+            </a:extLst>
+          </p:cNvPr>
+          <p:cNvPicPr>
+            <a:picLocks noChangeAspect="1"/>
+          </p:cNvPicPr>
+          <p:nvPr/>
+        </p:nvPicPr>
+        <p:blipFill>
+          <a:blip r:embed="rId2">
+            <a:extLst>
+              <a:ext uri="{28A0092B-C50C-407E-A947-70E740481C1C}">
+                <a14:useLocalDpi xmlns:a14="http://schemas.microsoft.com/office/drawing/2010/main" val="0"/>
+              </a:ext>
+              <a:ext uri="{96DAC541-7B7A-43D3-8B79-37D633B846F1}">
+                <asvg:svgBlip xmlns:asvg="http://schemas.microsoft.com/office/drawing/2016/SVG/main" r:embed="rId3"/>
+              </a:ext>
+            </a:extLst>
+          </a:blip>
+          <a:stretch>
+            <a:fillRect/>
+          </a:stretch>
+        </p:blipFill>
+        <p:spPr>
+          <a:xfrm>
+            <a:off x="3930769" y="1429352"/>
+            <a:ext cx="4330461" cy="4330461"/>
+          </a:xfrm>
+          <a:prstGeom prst="rect">
+            <a:avLst/>
+          </a:prstGeom>
+        </p:spPr>
+      </p:pic>
     </p:spTree>
     <p:extLst>
       <p:ext uri="{BB962C8B-B14F-4D97-AF65-F5344CB8AC3E}">
@@ -3697,6 +11553,14 @@
 <file path=ppt/slides/slide2.xml><?xml version="1.0" encoding="utf-8"?>
 <p:sld xmlns:a="http://schemas.openxmlformats.org/drawingml/2006/main" xmlns:r="http://schemas.openxmlformats.org/officeDocument/2006/relationships" xmlns:p="http://schemas.openxmlformats.org/presentationml/2006/main">
   <p:cSld>
+    <p:bg>
+      <p:bgPr>
+        <a:solidFill>
+          <a:schemeClr val="bg1"/>
+        </a:solidFill>
+        <a:effectLst/>
+      </p:bgPr>
+    </p:bg>
     <p:spTree>
       <p:nvGrpSpPr>
         <p:cNvPr id="1" name=""/>
@@ -3713,6 +11577,85 @@
       </p:grpSpPr>
       <p:sp>
         <p:nvSpPr>
+          <p:cNvPr id="9" name="Rectangle 8">
+            <a:extLst>
+              <a:ext uri="{FF2B5EF4-FFF2-40B4-BE49-F238E27FC236}">
+                <a16:creationId xmlns:a16="http://schemas.microsoft.com/office/drawing/2014/main" id="{600DC1B0-7E1A-BD02-3F93-19E6B1B75075}"/>
+              </a:ext>
+              <a:ext uri="{C183D7F6-B498-43B3-948B-1728B52AA6E4}">
+                <adec:decorative xmlns:adec="http://schemas.microsoft.com/office/drawing/2017/decorative" val="1"/>
+              </a:ext>
+            </a:extLst>
+          </p:cNvPr>
+          <p:cNvSpPr>
+            <a:spLocks noGrp="1" noRot="1" noChangeAspect="1" noMove="1" noResize="1" noEditPoints="1" noAdjustHandles="1" noChangeArrowheads="1" noChangeShapeType="1" noTextEdit="1"/>
+          </p:cNvSpPr>
+          <p:nvPr>
+            <p:extLst>
+              <p:ext uri="{386F3935-93C4-4BCD-93E2-E3B085C9AB24}">
+                <p16:designElem xmlns:p16="http://schemas.microsoft.com/office/powerpoint/2015/main" val="1"/>
+              </p:ext>
+            </p:extLst>
+          </p:nvPr>
+        </p:nvSpPr>
+        <p:spPr>
+          <a:xfrm>
+            <a:off x="0" y="0"/>
+            <a:ext cx="12192000" cy="6858000"/>
+          </a:xfrm>
+          <a:prstGeom prst="rect">
+            <a:avLst/>
+          </a:prstGeom>
+          <a:solidFill>
+            <a:schemeClr val="bg1"/>
+          </a:solidFill>
+          <a:ln w="12700" cap="flat" cmpd="sng" algn="ctr">
+            <a:noFill/>
+            <a:prstDash val="solid"/>
+            <a:miter lim="800000"/>
+          </a:ln>
+          <a:effectLst/>
+          <a:extLst>
+            <a:ext uri="{91240B29-F687-4F45-9708-019B960494DF}">
+              <a14:hiddenLine xmlns:a14="http://schemas.microsoft.com/office/drawing/2010/main" w="12700" cap="flat" cmpd="sng" algn="ctr">
+                <a:solidFill>
+                  <a:schemeClr val="accent1">
+                    <a:shade val="15000"/>
+                  </a:schemeClr>
+                </a:solidFill>
+                <a:prstDash val="solid"/>
+                <a:miter lim="800000"/>
+              </a14:hiddenLine>
+            </a:ext>
+          </a:extLst>
+        </p:spPr>
+        <p:style>
+          <a:lnRef idx="2">
+            <a:schemeClr val="accent1">
+              <a:shade val="15000"/>
+            </a:schemeClr>
+          </a:lnRef>
+          <a:fillRef idx="1">
+            <a:schemeClr val="accent1"/>
+          </a:fillRef>
+          <a:effectRef idx="0">
+            <a:schemeClr val="accent1"/>
+          </a:effectRef>
+          <a:fontRef idx="minor">
+            <a:schemeClr val="lt1"/>
+          </a:fontRef>
+        </p:style>
+        <p:txBody>
+          <a:bodyPr rtlCol="0" anchor="ctr"/>
+          <a:lstStyle/>
+          <a:p>
+            <a:pPr algn="ctr"/>
+            <a:endParaRPr lang="en-US"/>
+          </a:p>
+        </p:txBody>
+      </p:sp>
+      <p:sp>
+        <p:nvSpPr>
           <p:cNvPr id="2" name="タイトル 1">
             <a:extLst>
               <a:ext uri="{FF2B5EF4-FFF2-40B4-BE49-F238E27FC236}">
@@ -3727,76 +11670,56 @@
             <p:ph type="title"/>
           </p:nvPr>
         </p:nvSpPr>
-        <p:spPr/>
+        <p:spPr>
+          <a:xfrm>
+            <a:off x="612649" y="548638"/>
+            <a:ext cx="3493008" cy="5788152"/>
+          </a:xfrm>
+        </p:spPr>
         <p:txBody>
-          <a:bodyPr/>
+          <a:bodyPr anchor="ctr">
+            <a:normAutofit/>
+          </a:bodyPr>
           <a:lstStyle/>
           <a:p>
             <a:r>
-              <a:rPr kumimoji="1" lang="ja-JP" altLang="en-US" dirty="0"/>
+              <a:rPr kumimoji="1" lang="ja-JP" altLang="en-US" sz="4000"/>
               <a:t>アプリ概要</a:t>
             </a:r>
           </a:p>
         </p:txBody>
       </p:sp>
-      <p:sp>
-        <p:nvSpPr>
-          <p:cNvPr id="3" name="コンテンツ プレースホルダー 2">
+      <p:graphicFrame>
+        <p:nvGraphicFramePr>
+          <p:cNvPr id="5" name="コンテンツ プレースホルダー 2">
             <a:extLst>
               <a:ext uri="{FF2B5EF4-FFF2-40B4-BE49-F238E27FC236}">
-                <a16:creationId xmlns:a16="http://schemas.microsoft.com/office/drawing/2014/main" id="{1DD9A0B5-A4D3-7B42-B009-808FA8A2DA69}"/>
+                <a16:creationId xmlns:a16="http://schemas.microsoft.com/office/drawing/2014/main" id="{95A80E81-606A-B046-6629-59DC3044C22B}"/>
               </a:ext>
             </a:extLst>
           </p:cNvPr>
-          <p:cNvSpPr>
-            <a:spLocks noGrp="1"/>
-          </p:cNvSpPr>
+          <p:cNvGraphicFramePr>
+            <a:graphicFrameLocks noGrp="1"/>
+          </p:cNvGraphicFramePr>
           <p:nvPr>
             <p:ph idx="1"/>
+            <p:extLst>
+              <p:ext uri="{D42A27DB-BD31-4B8C-83A1-F6EECF244321}">
+                <p14:modId xmlns:p14="http://schemas.microsoft.com/office/powerpoint/2010/main" val="1505792306"/>
+              </p:ext>
+            </p:extLst>
           </p:nvPr>
-        </p:nvSpPr>
-        <p:spPr/>
-        <p:txBody>
-          <a:bodyPr/>
-          <a:lstStyle/>
-          <a:p>
-            <a:r>
-              <a:rPr kumimoji="1" lang="ja-JP" altLang="en-US" dirty="0"/>
-              <a:t>やることリストにやることを追加</a:t>
-            </a:r>
-            <a:endParaRPr kumimoji="1" lang="en-US" altLang="ja-JP" dirty="0"/>
-          </a:p>
-          <a:p>
-            <a:r>
-              <a:rPr lang="ja-JP" altLang="en-US" dirty="0"/>
-              <a:t>カテゴリーごとに表示</a:t>
-            </a:r>
-            <a:endParaRPr lang="en-US" altLang="ja-JP" dirty="0"/>
-          </a:p>
-          <a:p>
-            <a:r>
-              <a:rPr kumimoji="1" lang="ja-JP" altLang="en-US" dirty="0"/>
-              <a:t>完了</a:t>
-            </a:r>
-            <a:r>
-              <a:rPr kumimoji="1" lang="en-US" altLang="ja-JP" dirty="0"/>
-              <a:t>/</a:t>
-            </a:r>
-            <a:r>
-              <a:rPr kumimoji="1" lang="ja-JP" altLang="en-US" dirty="0"/>
-              <a:t>未完了で表示</a:t>
-            </a:r>
-            <a:endParaRPr kumimoji="1" lang="en-US" altLang="ja-JP" dirty="0"/>
-          </a:p>
-          <a:p>
-            <a:r>
-              <a:rPr lang="ja-JP" altLang="en-US" dirty="0"/>
-              <a:t>ログインしたユーザーが追加したデータのみ参照</a:t>
-            </a:r>
-            <a:endParaRPr kumimoji="1" lang="ja-JP" altLang="en-US" dirty="0"/>
-          </a:p>
-        </p:txBody>
-      </p:sp>
+        </p:nvGraphicFramePr>
+        <p:xfrm>
+          <a:off x="4608246" y="548640"/>
+          <a:ext cx="6949440" cy="5786638"/>
+        </p:xfrm>
+        <a:graphic>
+          <a:graphicData uri="http://schemas.openxmlformats.org/drawingml/2006/diagram">
+            <dgm:relIds xmlns:dgm="http://schemas.openxmlformats.org/drawingml/2006/diagram" xmlns:r="http://schemas.openxmlformats.org/officeDocument/2006/relationships" r:dm="rId2" r:lo="rId3" r:qs="rId4" r:cs="rId5"/>
+          </a:graphicData>
+        </a:graphic>
+      </p:graphicFrame>
     </p:spTree>
     <p:extLst>
       <p:ext uri="{BB962C8B-B14F-4D97-AF65-F5344CB8AC3E}">
@@ -4248,6 +12171,14 @@
 <file path=ppt/slides/slide5.xml><?xml version="1.0" encoding="utf-8"?>
 <p:sld xmlns:a="http://schemas.openxmlformats.org/drawingml/2006/main" xmlns:r="http://schemas.openxmlformats.org/officeDocument/2006/relationships" xmlns:p="http://schemas.openxmlformats.org/presentationml/2006/main">
   <p:cSld>
+    <p:bg>
+      <p:bgPr>
+        <a:solidFill>
+          <a:schemeClr val="bg1"/>
+        </a:solidFill>
+        <a:effectLst/>
+      </p:bgPr>
+    </p:bg>
     <p:spTree>
       <p:nvGrpSpPr>
         <p:cNvPr id="1" name=""/>
@@ -4264,6 +12195,85 @@
       </p:grpSpPr>
       <p:sp>
         <p:nvSpPr>
+          <p:cNvPr id="9" name="Rectangle 8">
+            <a:extLst>
+              <a:ext uri="{FF2B5EF4-FFF2-40B4-BE49-F238E27FC236}">
+                <a16:creationId xmlns:a16="http://schemas.microsoft.com/office/drawing/2014/main" id="{600DC1B0-7E1A-BD02-3F93-19E6B1B75075}"/>
+              </a:ext>
+              <a:ext uri="{C183D7F6-B498-43B3-948B-1728B52AA6E4}">
+                <adec:decorative xmlns:adec="http://schemas.microsoft.com/office/drawing/2017/decorative" val="1"/>
+              </a:ext>
+            </a:extLst>
+          </p:cNvPr>
+          <p:cNvSpPr>
+            <a:spLocks noGrp="1" noRot="1" noChangeAspect="1" noMove="1" noResize="1" noEditPoints="1" noAdjustHandles="1" noChangeArrowheads="1" noChangeShapeType="1" noTextEdit="1"/>
+          </p:cNvSpPr>
+          <p:nvPr>
+            <p:extLst>
+              <p:ext uri="{386F3935-93C4-4BCD-93E2-E3B085C9AB24}">
+                <p16:designElem xmlns:p16="http://schemas.microsoft.com/office/powerpoint/2015/main" val="1"/>
+              </p:ext>
+            </p:extLst>
+          </p:nvPr>
+        </p:nvSpPr>
+        <p:spPr>
+          <a:xfrm>
+            <a:off x="0" y="0"/>
+            <a:ext cx="12192000" cy="6858000"/>
+          </a:xfrm>
+          <a:prstGeom prst="rect">
+            <a:avLst/>
+          </a:prstGeom>
+          <a:solidFill>
+            <a:schemeClr val="bg1"/>
+          </a:solidFill>
+          <a:ln w="12700" cap="flat" cmpd="sng" algn="ctr">
+            <a:noFill/>
+            <a:prstDash val="solid"/>
+            <a:miter lim="800000"/>
+          </a:ln>
+          <a:effectLst/>
+          <a:extLst>
+            <a:ext uri="{91240B29-F687-4F45-9708-019B960494DF}">
+              <a14:hiddenLine xmlns:a14="http://schemas.microsoft.com/office/drawing/2010/main" w="12700" cap="flat" cmpd="sng" algn="ctr">
+                <a:solidFill>
+                  <a:schemeClr val="accent1">
+                    <a:shade val="15000"/>
+                  </a:schemeClr>
+                </a:solidFill>
+                <a:prstDash val="solid"/>
+                <a:miter lim="800000"/>
+              </a14:hiddenLine>
+            </a:ext>
+          </a:extLst>
+        </p:spPr>
+        <p:style>
+          <a:lnRef idx="2">
+            <a:schemeClr val="accent1">
+              <a:shade val="15000"/>
+            </a:schemeClr>
+          </a:lnRef>
+          <a:fillRef idx="1">
+            <a:schemeClr val="accent1"/>
+          </a:fillRef>
+          <a:effectRef idx="0">
+            <a:schemeClr val="accent1"/>
+          </a:effectRef>
+          <a:fontRef idx="minor">
+            <a:schemeClr val="lt1"/>
+          </a:fontRef>
+        </p:style>
+        <p:txBody>
+          <a:bodyPr rtlCol="0" anchor="ctr"/>
+          <a:lstStyle/>
+          <a:p>
+            <a:pPr algn="ctr"/>
+            <a:endParaRPr lang="en-US"/>
+          </a:p>
+        </p:txBody>
+      </p:sp>
+      <p:sp>
+        <p:nvSpPr>
           <p:cNvPr id="2" name="タイトル 1">
             <a:extLst>
               <a:ext uri="{FF2B5EF4-FFF2-40B4-BE49-F238E27FC236}">
@@ -4278,76 +12288,56 @@
             <p:ph type="title"/>
           </p:nvPr>
         </p:nvSpPr>
-        <p:spPr/>
+        <p:spPr>
+          <a:xfrm>
+            <a:off x="612649" y="548638"/>
+            <a:ext cx="3493008" cy="5788152"/>
+          </a:xfrm>
+        </p:spPr>
         <p:txBody>
-          <a:bodyPr/>
+          <a:bodyPr anchor="ctr">
+            <a:normAutofit/>
+          </a:bodyPr>
           <a:lstStyle/>
           <a:p>
             <a:r>
-              <a:rPr kumimoji="1" lang="ja-JP" altLang="en-US" dirty="0"/>
+              <a:rPr kumimoji="1" lang="ja-JP" altLang="en-US" sz="4000"/>
               <a:t>感想</a:t>
             </a:r>
           </a:p>
         </p:txBody>
       </p:sp>
-      <p:sp>
-        <p:nvSpPr>
-          <p:cNvPr id="3" name="コンテンツ プレースホルダー 2">
+      <p:graphicFrame>
+        <p:nvGraphicFramePr>
+          <p:cNvPr id="5" name="コンテンツ プレースホルダー 2">
             <a:extLst>
               <a:ext uri="{FF2B5EF4-FFF2-40B4-BE49-F238E27FC236}">
-                <a16:creationId xmlns:a16="http://schemas.microsoft.com/office/drawing/2014/main" id="{8FA4FBBF-9924-E283-5835-F41718F94467}"/>
+                <a16:creationId xmlns:a16="http://schemas.microsoft.com/office/drawing/2014/main" id="{6EBDD0E3-623F-D927-ACDB-6F4447626774}"/>
               </a:ext>
             </a:extLst>
           </p:cNvPr>
-          <p:cNvSpPr>
-            <a:spLocks noGrp="1"/>
-          </p:cNvSpPr>
+          <p:cNvGraphicFramePr>
+            <a:graphicFrameLocks noGrp="1"/>
+          </p:cNvGraphicFramePr>
           <p:nvPr>
             <p:ph idx="1"/>
+            <p:extLst>
+              <p:ext uri="{D42A27DB-BD31-4B8C-83A1-F6EECF244321}">
+                <p14:modId xmlns:p14="http://schemas.microsoft.com/office/powerpoint/2010/main" val="3733610993"/>
+              </p:ext>
+            </p:extLst>
           </p:nvPr>
-        </p:nvSpPr>
-        <p:spPr/>
-        <p:txBody>
-          <a:bodyPr/>
-          <a:lstStyle/>
-          <a:p>
-            <a:r>
-              <a:rPr kumimoji="1" lang="en-US" altLang="ja-JP" dirty="0"/>
-              <a:t>Flutter</a:t>
-            </a:r>
-            <a:r>
-              <a:rPr kumimoji="1" lang="ja-JP" altLang="en-US" dirty="0"/>
-              <a:t>と</a:t>
-            </a:r>
-            <a:r>
-              <a:rPr kumimoji="1" lang="en-US" altLang="ja-JP" dirty="0"/>
-              <a:t>dart</a:t>
-            </a:r>
-            <a:r>
-              <a:rPr kumimoji="1" lang="ja-JP" altLang="en-US" dirty="0"/>
-              <a:t>よくわからん</a:t>
-            </a:r>
-            <a:endParaRPr kumimoji="1" lang="en-US" altLang="ja-JP" dirty="0"/>
-          </a:p>
-          <a:p>
-            <a:r>
-              <a:rPr lang="en-US" altLang="ja-JP" dirty="0"/>
-              <a:t>Todo</a:t>
-            </a:r>
-            <a:r>
-              <a:rPr lang="ja-JP" altLang="en-US" dirty="0"/>
-              <a:t>アプリでもめちゃくちゃ苦労</a:t>
-            </a:r>
-            <a:endParaRPr lang="en-US" altLang="ja-JP" dirty="0"/>
-          </a:p>
-          <a:p>
-            <a:r>
-              <a:rPr kumimoji="1" lang="ja-JP" altLang="en-US" dirty="0"/>
-              <a:t>デザインのいじり方が複雑に感じた</a:t>
-            </a:r>
-          </a:p>
-        </p:txBody>
-      </p:sp>
+        </p:nvGraphicFramePr>
+        <p:xfrm>
+          <a:off x="4608246" y="548640"/>
+          <a:ext cx="6949440" cy="5786638"/>
+        </p:xfrm>
+        <a:graphic>
+          <a:graphicData uri="http://schemas.openxmlformats.org/drawingml/2006/diagram">
+            <dgm:relIds xmlns:dgm="http://schemas.openxmlformats.org/drawingml/2006/diagram" xmlns:r="http://schemas.openxmlformats.org/officeDocument/2006/relationships" r:dm="rId2" r:lo="rId3" r:qs="rId4" r:cs="rId5"/>
+          </a:graphicData>
+        </a:graphic>
+      </p:graphicFrame>
     </p:spTree>
     <p:extLst>
       <p:ext uri="{BB962C8B-B14F-4D97-AF65-F5344CB8AC3E}">
@@ -4364,6 +12354,14 @@
 <file path=ppt/slides/slide6.xml><?xml version="1.0" encoding="utf-8"?>
 <p:sld xmlns:a="http://schemas.openxmlformats.org/drawingml/2006/main" xmlns:r="http://schemas.openxmlformats.org/officeDocument/2006/relationships" xmlns:p="http://schemas.openxmlformats.org/presentationml/2006/main">
   <p:cSld>
+    <p:bg>
+      <p:bgPr>
+        <a:solidFill>
+          <a:schemeClr val="bg1"/>
+        </a:solidFill>
+        <a:effectLst/>
+      </p:bgPr>
+    </p:bg>
     <p:spTree>
       <p:nvGrpSpPr>
         <p:cNvPr id="1" name=""/>
@@ -4380,6 +12378,85 @@
       </p:grpSpPr>
       <p:sp>
         <p:nvSpPr>
+          <p:cNvPr id="9" name="Rectangle 8">
+            <a:extLst>
+              <a:ext uri="{FF2B5EF4-FFF2-40B4-BE49-F238E27FC236}">
+                <a16:creationId xmlns:a16="http://schemas.microsoft.com/office/drawing/2014/main" id="{600DC1B0-7E1A-BD02-3F93-19E6B1B75075}"/>
+              </a:ext>
+              <a:ext uri="{C183D7F6-B498-43B3-948B-1728B52AA6E4}">
+                <adec:decorative xmlns:adec="http://schemas.microsoft.com/office/drawing/2017/decorative" val="1"/>
+              </a:ext>
+            </a:extLst>
+          </p:cNvPr>
+          <p:cNvSpPr>
+            <a:spLocks noGrp="1" noRot="1" noChangeAspect="1" noMove="1" noResize="1" noEditPoints="1" noAdjustHandles="1" noChangeArrowheads="1" noChangeShapeType="1" noTextEdit="1"/>
+          </p:cNvSpPr>
+          <p:nvPr>
+            <p:extLst>
+              <p:ext uri="{386F3935-93C4-4BCD-93E2-E3B085C9AB24}">
+                <p16:designElem xmlns:p16="http://schemas.microsoft.com/office/powerpoint/2015/main" val="1"/>
+              </p:ext>
+            </p:extLst>
+          </p:nvPr>
+        </p:nvSpPr>
+        <p:spPr>
+          <a:xfrm>
+            <a:off x="0" y="0"/>
+            <a:ext cx="12192000" cy="6858000"/>
+          </a:xfrm>
+          <a:prstGeom prst="rect">
+            <a:avLst/>
+          </a:prstGeom>
+          <a:solidFill>
+            <a:schemeClr val="bg1"/>
+          </a:solidFill>
+          <a:ln w="12700" cap="flat" cmpd="sng" algn="ctr">
+            <a:noFill/>
+            <a:prstDash val="solid"/>
+            <a:miter lim="800000"/>
+          </a:ln>
+          <a:effectLst/>
+          <a:extLst>
+            <a:ext uri="{91240B29-F687-4F45-9708-019B960494DF}">
+              <a14:hiddenLine xmlns:a14="http://schemas.microsoft.com/office/drawing/2010/main" w="12700" cap="flat" cmpd="sng" algn="ctr">
+                <a:solidFill>
+                  <a:schemeClr val="accent1">
+                    <a:shade val="15000"/>
+                  </a:schemeClr>
+                </a:solidFill>
+                <a:prstDash val="solid"/>
+                <a:miter lim="800000"/>
+              </a14:hiddenLine>
+            </a:ext>
+          </a:extLst>
+        </p:spPr>
+        <p:style>
+          <a:lnRef idx="2">
+            <a:schemeClr val="accent1">
+              <a:shade val="15000"/>
+            </a:schemeClr>
+          </a:lnRef>
+          <a:fillRef idx="1">
+            <a:schemeClr val="accent1"/>
+          </a:fillRef>
+          <a:effectRef idx="0">
+            <a:schemeClr val="accent1"/>
+          </a:effectRef>
+          <a:fontRef idx="minor">
+            <a:schemeClr val="lt1"/>
+          </a:fontRef>
+        </p:style>
+        <p:txBody>
+          <a:bodyPr rtlCol="0" anchor="ctr"/>
+          <a:lstStyle/>
+          <a:p>
+            <a:pPr algn="ctr"/>
+            <a:endParaRPr lang="en-US"/>
+          </a:p>
+        </p:txBody>
+      </p:sp>
+      <p:sp>
+        <p:nvSpPr>
           <p:cNvPr id="2" name="タイトル 1">
             <a:extLst>
               <a:ext uri="{FF2B5EF4-FFF2-40B4-BE49-F238E27FC236}">
@@ -4394,87 +12471,69 @@
             <p:ph type="title"/>
           </p:nvPr>
         </p:nvSpPr>
-        <p:spPr/>
+        <p:spPr>
+          <a:xfrm>
+            <a:off x="612649" y="548638"/>
+            <a:ext cx="3493008" cy="5788152"/>
+          </a:xfrm>
+        </p:spPr>
         <p:txBody>
-          <a:bodyPr/>
+          <a:bodyPr anchor="ctr">
+            <a:normAutofit/>
+          </a:bodyPr>
           <a:lstStyle/>
           <a:p>
             <a:r>
-              <a:rPr kumimoji="1" lang="ja-JP" altLang="en-US" dirty="0"/>
+              <a:rPr kumimoji="1" lang="ja-JP" altLang="en-US" sz="4000"/>
               <a:t>開発環境</a:t>
             </a:r>
             <a:r>
-              <a:rPr kumimoji="1" lang="en-US" altLang="ja-JP" dirty="0"/>
+              <a:rPr kumimoji="1" lang="en-US" altLang="ja-JP" sz="4000"/>
               <a:t>&amp;</a:t>
             </a:r>
             <a:r>
-              <a:rPr kumimoji="1" lang="ja-JP" altLang="en-US" dirty="0"/>
+              <a:rPr kumimoji="1" lang="ja-JP" altLang="en-US" sz="4000"/>
               <a:t>参考</a:t>
             </a:r>
             <a:r>
-              <a:rPr kumimoji="1" lang="en-US" altLang="ja-JP" dirty="0"/>
+              <a:rPr kumimoji="1" lang="en-US" altLang="ja-JP" sz="4000"/>
               <a:t>URL</a:t>
             </a:r>
-            <a:endParaRPr kumimoji="1" lang="ja-JP" altLang="en-US" dirty="0"/>
+            <a:endParaRPr kumimoji="1" lang="ja-JP" altLang="en-US" sz="4000"/>
           </a:p>
         </p:txBody>
       </p:sp>
-      <p:sp>
-        <p:nvSpPr>
-          <p:cNvPr id="3" name="コンテンツ プレースホルダー 2">
+      <p:graphicFrame>
+        <p:nvGraphicFramePr>
+          <p:cNvPr id="5" name="コンテンツ プレースホルダー 2">
             <a:extLst>
               <a:ext uri="{FF2B5EF4-FFF2-40B4-BE49-F238E27FC236}">
-                <a16:creationId xmlns:a16="http://schemas.microsoft.com/office/drawing/2014/main" id="{2F62E329-1E28-D9C5-4BC2-2EEFE32AC4F1}"/>
+                <a16:creationId xmlns:a16="http://schemas.microsoft.com/office/drawing/2014/main" id="{2EE0412F-EC3C-4B1D-0C40-719B383F7A39}"/>
               </a:ext>
             </a:extLst>
           </p:cNvPr>
-          <p:cNvSpPr>
-            <a:spLocks noGrp="1"/>
-          </p:cNvSpPr>
+          <p:cNvGraphicFramePr>
+            <a:graphicFrameLocks noGrp="1"/>
+          </p:cNvGraphicFramePr>
           <p:nvPr>
             <p:ph idx="1"/>
+            <p:extLst>
+              <p:ext uri="{D42A27DB-BD31-4B8C-83A1-F6EECF244321}">
+                <p14:modId xmlns:p14="http://schemas.microsoft.com/office/powerpoint/2010/main" val="2675829171"/>
+              </p:ext>
+            </p:extLst>
           </p:nvPr>
-        </p:nvSpPr>
-        <p:spPr/>
-        <p:txBody>
-          <a:bodyPr/>
-          <a:lstStyle/>
-          <a:p>
-            <a:r>
-              <a:rPr kumimoji="1" lang="en-US" altLang="ja-JP" dirty="0"/>
-              <a:t>Visual studio code 1.101.2</a:t>
-            </a:r>
-          </a:p>
-          <a:p>
-            <a:r>
-              <a:rPr lang="en-US" altLang="ja-JP" dirty="0"/>
-              <a:t>Flutter  3.24.3</a:t>
-            </a:r>
-          </a:p>
-          <a:p>
-            <a:r>
-              <a:rPr lang="en-US" altLang="ja-JP" dirty="0"/>
-              <a:t>Dart 3.8.1</a:t>
-            </a:r>
-          </a:p>
-          <a:p>
-            <a:r>
-              <a:rPr kumimoji="1" lang="en-US" altLang="ja-JP" dirty="0"/>
-              <a:t>Firebase</a:t>
-            </a:r>
-          </a:p>
-          <a:p>
-            <a:r>
-              <a:rPr lang="en-US" altLang="ja-JP" dirty="0"/>
-              <a:t>https://www.flutter-study.dev/</a:t>
-            </a:r>
-            <a:endParaRPr kumimoji="1" lang="en-US" altLang="ja-JP" dirty="0"/>
-          </a:p>
-          <a:p>
-            <a:endParaRPr kumimoji="1" lang="ja-JP" altLang="en-US" dirty="0"/>
-          </a:p>
-        </p:txBody>
-      </p:sp>
+        </p:nvGraphicFramePr>
+        <p:xfrm>
+          <a:off x="4608246" y="548640"/>
+          <a:ext cx="6949440" cy="5786638"/>
+        </p:xfrm>
+        <a:graphic>
+          <a:graphicData uri="http://schemas.openxmlformats.org/drawingml/2006/diagram">
+            <dgm:relIds xmlns:dgm="http://schemas.openxmlformats.org/drawingml/2006/diagram" xmlns:r="http://schemas.openxmlformats.org/officeDocument/2006/relationships" r:dm="rId2" r:lo="rId3" r:qs="rId4" r:cs="rId5"/>
+          </a:graphicData>
+        </a:graphic>
+      </p:graphicFrame>
     </p:spTree>
     <p:extLst>
       <p:ext uri="{BB962C8B-B14F-4D97-AF65-F5344CB8AC3E}">

--- a/Todoアプリ_谷維案.pptx
+++ b/Todoアプリ_谷維案.pptx
@@ -863,7 +863,7 @@
           <a:p>
             <a:fld id="{C31ABA05-A337-4D84-A9B5-16C4340BA0E3}" type="datetimeFigureOut">
               <a:rPr kumimoji="1" lang="ja-JP" altLang="en-US" smtClean="0"/>
-              <a:t>2025/7/7</a:t>
+              <a:t>2025/7/9</a:t>
             </a:fld>
             <a:endParaRPr kumimoji="1" lang="ja-JP" altLang="en-US"/>
           </a:p>
@@ -1114,7 +1114,7 @@
           <a:p>
             <a:fld id="{C31ABA05-A337-4D84-A9B5-16C4340BA0E3}" type="datetimeFigureOut">
               <a:rPr kumimoji="1" lang="ja-JP" altLang="en-US" smtClean="0"/>
-              <a:t>2025/7/7</a:t>
+              <a:t>2025/7/9</a:t>
             </a:fld>
             <a:endParaRPr kumimoji="1" lang="ja-JP" altLang="en-US"/>
           </a:p>
@@ -1428,7 +1428,7 @@
           <a:p>
             <a:fld id="{C31ABA05-A337-4D84-A9B5-16C4340BA0E3}" type="datetimeFigureOut">
               <a:rPr kumimoji="1" lang="ja-JP" altLang="en-US" smtClean="0"/>
-              <a:t>2025/7/7</a:t>
+              <a:t>2025/7/9</a:t>
             </a:fld>
             <a:endParaRPr kumimoji="1" lang="ja-JP" altLang="en-US"/>
           </a:p>
@@ -1761,7 +1761,7 @@
           <a:p>
             <a:fld id="{C31ABA05-A337-4D84-A9B5-16C4340BA0E3}" type="datetimeFigureOut">
               <a:rPr kumimoji="1" lang="ja-JP" altLang="en-US" smtClean="0"/>
-              <a:t>2025/7/7</a:t>
+              <a:t>2025/7/9</a:t>
             </a:fld>
             <a:endParaRPr kumimoji="1" lang="ja-JP" altLang="en-US"/>
           </a:p>
@@ -2075,7 +2075,7 @@
           <a:p>
             <a:fld id="{C31ABA05-A337-4D84-A9B5-16C4340BA0E3}" type="datetimeFigureOut">
               <a:rPr kumimoji="1" lang="ja-JP" altLang="en-US" smtClean="0"/>
-              <a:t>2025/7/7</a:t>
+              <a:t>2025/7/9</a:t>
             </a:fld>
             <a:endParaRPr kumimoji="1" lang="ja-JP" altLang="en-US"/>
           </a:p>
@@ -2468,7 +2468,7 @@
           <a:p>
             <a:fld id="{C31ABA05-A337-4D84-A9B5-16C4340BA0E3}" type="datetimeFigureOut">
               <a:rPr kumimoji="1" lang="ja-JP" altLang="en-US" smtClean="0"/>
-              <a:t>2025/7/7</a:t>
+              <a:t>2025/7/9</a:t>
             </a:fld>
             <a:endParaRPr kumimoji="1" lang="ja-JP" altLang="en-US"/>
           </a:p>
@@ -2670,7 +2670,7 @@
           <a:p>
             <a:fld id="{C31ABA05-A337-4D84-A9B5-16C4340BA0E3}" type="datetimeFigureOut">
               <a:rPr kumimoji="1" lang="ja-JP" altLang="en-US" smtClean="0"/>
-              <a:t>2025/7/7</a:t>
+              <a:t>2025/7/9</a:t>
             </a:fld>
             <a:endParaRPr kumimoji="1" lang="ja-JP" altLang="en-US"/>
           </a:p>
@@ -2882,7 +2882,7 @@
           <a:p>
             <a:fld id="{C31ABA05-A337-4D84-A9B5-16C4340BA0E3}" type="datetimeFigureOut">
               <a:rPr kumimoji="1" lang="ja-JP" altLang="en-US" smtClean="0"/>
-              <a:t>2025/7/7</a:t>
+              <a:t>2025/7/9</a:t>
             </a:fld>
             <a:endParaRPr kumimoji="1" lang="ja-JP" altLang="en-US"/>
           </a:p>
@@ -3084,7 +3084,7 @@
           <a:p>
             <a:fld id="{C31ABA05-A337-4D84-A9B5-16C4340BA0E3}" type="datetimeFigureOut">
               <a:rPr kumimoji="1" lang="ja-JP" altLang="en-US" smtClean="0"/>
-              <a:t>2025/7/7</a:t>
+              <a:t>2025/7/9</a:t>
             </a:fld>
             <a:endParaRPr kumimoji="1" lang="ja-JP" altLang="en-US"/>
           </a:p>
@@ -3331,7 +3331,7 @@
           <a:p>
             <a:fld id="{C31ABA05-A337-4D84-A9B5-16C4340BA0E3}" type="datetimeFigureOut">
               <a:rPr kumimoji="1" lang="ja-JP" altLang="en-US" smtClean="0"/>
-              <a:t>2025/7/7</a:t>
+              <a:t>2025/7/9</a:t>
             </a:fld>
             <a:endParaRPr kumimoji="1" lang="ja-JP" altLang="en-US"/>
           </a:p>
@@ -3627,7 +3627,7 @@
           <a:p>
             <a:fld id="{C31ABA05-A337-4D84-A9B5-16C4340BA0E3}" type="datetimeFigureOut">
               <a:rPr kumimoji="1" lang="ja-JP" altLang="en-US" smtClean="0"/>
-              <a:t>2025/7/7</a:t>
+              <a:t>2025/7/9</a:t>
             </a:fld>
             <a:endParaRPr kumimoji="1" lang="ja-JP" altLang="en-US"/>
           </a:p>
@@ -4065,7 +4065,7 @@
           <a:p>
             <a:fld id="{C31ABA05-A337-4D84-A9B5-16C4340BA0E3}" type="datetimeFigureOut">
               <a:rPr kumimoji="1" lang="ja-JP" altLang="en-US" smtClean="0"/>
-              <a:t>2025/7/7</a:t>
+              <a:t>2025/7/9</a:t>
             </a:fld>
             <a:endParaRPr kumimoji="1" lang="ja-JP" altLang="en-US"/>
           </a:p>
@@ -4188,7 +4188,7 @@
           <a:p>
             <a:fld id="{C31ABA05-A337-4D84-A9B5-16C4340BA0E3}" type="datetimeFigureOut">
               <a:rPr kumimoji="1" lang="ja-JP" altLang="en-US" smtClean="0"/>
-              <a:t>2025/7/7</a:t>
+              <a:t>2025/7/9</a:t>
             </a:fld>
             <a:endParaRPr kumimoji="1" lang="ja-JP" altLang="en-US"/>
           </a:p>
@@ -4283,7 +4283,7 @@
           <a:p>
             <a:fld id="{C31ABA05-A337-4D84-A9B5-16C4340BA0E3}" type="datetimeFigureOut">
               <a:rPr kumimoji="1" lang="ja-JP" altLang="en-US" smtClean="0"/>
-              <a:t>2025/7/7</a:t>
+              <a:t>2025/7/9</a:t>
             </a:fld>
             <a:endParaRPr kumimoji="1" lang="ja-JP" altLang="en-US"/>
           </a:p>
@@ -4570,7 +4570,7 @@
           <a:p>
             <a:fld id="{C31ABA05-A337-4D84-A9B5-16C4340BA0E3}" type="datetimeFigureOut">
               <a:rPr kumimoji="1" lang="ja-JP" altLang="en-US" smtClean="0"/>
-              <a:t>2025/7/7</a:t>
+              <a:t>2025/7/9</a:t>
             </a:fld>
             <a:endParaRPr kumimoji="1" lang="ja-JP" altLang="en-US"/>
           </a:p>
@@ -4875,7 +4875,7 @@
           <a:p>
             <a:fld id="{C31ABA05-A337-4D84-A9B5-16C4340BA0E3}" type="datetimeFigureOut">
               <a:rPr kumimoji="1" lang="ja-JP" altLang="en-US" smtClean="0"/>
-              <a:t>2025/7/7</a:t>
+              <a:t>2025/7/9</a:t>
             </a:fld>
             <a:endParaRPr kumimoji="1" lang="ja-JP" altLang="en-US"/>
           </a:p>
@@ -5609,7 +5609,7 @@
           <a:p>
             <a:fld id="{C31ABA05-A337-4D84-A9B5-16C4340BA0E3}" type="datetimeFigureOut">
               <a:rPr kumimoji="1" lang="ja-JP" altLang="en-US" smtClean="0"/>
-              <a:t>2025/7/7</a:t>
+              <a:t>2025/7/9</a:t>
             </a:fld>
             <a:endParaRPr kumimoji="1" lang="ja-JP" altLang="en-US"/>
           </a:p>
@@ -6149,17 +6149,22 @@
             <p:ph type="ctrTitle"/>
           </p:nvPr>
         </p:nvSpPr>
-        <p:spPr/>
+        <p:spPr>
+          <a:xfrm>
+            <a:off x="4125999" y="2880550"/>
+            <a:ext cx="3831458" cy="1096899"/>
+          </a:xfrm>
+        </p:spPr>
         <p:txBody>
           <a:bodyPr/>
           <a:lstStyle/>
           <a:p>
             <a:r>
-              <a:rPr kumimoji="1" lang="en-US" altLang="ja-JP" dirty="0" err="1"/>
+              <a:rPr kumimoji="1" lang="en-US" altLang="ja-JP" b="1" dirty="0" err="1"/>
               <a:t>ToDo</a:t>
             </a:r>
             <a:r>
-              <a:rPr kumimoji="1" lang="ja-JP" altLang="en-US" dirty="0"/>
+              <a:rPr kumimoji="1" lang="ja-JP" altLang="en-US" b="1" dirty="0"/>
               <a:t>アプリ</a:t>
             </a:r>
           </a:p>
@@ -6181,7 +6186,12 @@
             <p:ph type="subTitle" idx="1"/>
           </p:nvPr>
         </p:nvSpPr>
-        <p:spPr/>
+        <p:spPr>
+          <a:xfrm>
+            <a:off x="4125999" y="3977449"/>
+            <a:ext cx="3722288" cy="369332"/>
+          </a:xfrm>
+        </p:spPr>
         <p:txBody>
           <a:bodyPr/>
           <a:lstStyle/>
@@ -6215,8 +6225,8 @@
         </p:nvSpPr>
         <p:spPr>
           <a:xfrm>
-            <a:off x="5987143" y="6455229"/>
-            <a:ext cx="877163" cy="369332"/>
+            <a:off x="4733709" y="5356595"/>
+            <a:ext cx="2724582" cy="369332"/>
           </a:xfrm>
           <a:prstGeom prst="rect">
             <a:avLst/>
@@ -6224,14 +6234,14 @@
           <a:noFill/>
         </p:spPr>
         <p:txBody>
-          <a:bodyPr wrap="none" rtlCol="0">
+          <a:bodyPr wrap="square" rtlCol="0">
             <a:spAutoFit/>
           </a:bodyPr>
           <a:lstStyle/>
           <a:p>
             <a:r>
               <a:rPr kumimoji="1" lang="ja-JP" altLang="en-US" dirty="0"/>
-              <a:t>谷維案</a:t>
+              <a:t>高度情報工学科　谷維案</a:t>
             </a:r>
           </a:p>
         </p:txBody>
@@ -6288,10 +6298,10 @@
           <a:lstStyle/>
           <a:p>
             <a:r>
-              <a:rPr lang="ja-JP" altLang="en-US" dirty="0"/>
+              <a:rPr lang="ja-JP" altLang="en-US" b="1" dirty="0"/>
               <a:t>背景</a:t>
             </a:r>
-            <a:endParaRPr kumimoji="1" lang="ja-JP" altLang="en-US" dirty="0"/>
+            <a:endParaRPr kumimoji="1" lang="ja-JP" altLang="en-US" b="1" dirty="0"/>
           </a:p>
         </p:txBody>
       </p:sp>
@@ -6311,23 +6321,37 @@
             <p:ph idx="1"/>
           </p:nvPr>
         </p:nvSpPr>
-        <p:spPr/>
-        <p:txBody>
-          <a:bodyPr/>
-          <a:lstStyle/>
-          <a:p>
-            <a:r>
-              <a:rPr kumimoji="1" lang="ja-JP" altLang="en-US" dirty="0"/>
+        <p:spPr>
+          <a:xfrm>
+            <a:off x="677334" y="2160589"/>
+            <a:ext cx="11514666" cy="4697411"/>
+          </a:xfrm>
+        </p:spPr>
+        <p:txBody>
+          <a:bodyPr>
+            <a:normAutofit/>
+          </a:bodyPr>
+          <a:lstStyle/>
+          <a:p>
+            <a:r>
+              <a:rPr kumimoji="1" lang="ja-JP" altLang="en-US" sz="4000" dirty="0"/>
               <a:t>使ったことのない言語でのアプリ開発</a:t>
             </a:r>
-            <a:endParaRPr kumimoji="1" lang="en-US" altLang="ja-JP" dirty="0"/>
-          </a:p>
-          <a:p>
-            <a:r>
-              <a:rPr lang="ja-JP" altLang="en-US" dirty="0"/>
+            <a:endParaRPr kumimoji="1" lang="en-US" altLang="ja-JP" sz="4000" dirty="0"/>
+          </a:p>
+          <a:p>
+            <a:r>
+              <a:rPr lang="ja-JP" altLang="en-US" sz="4000" dirty="0"/>
               <a:t>学びながらでも無理なく作れる</a:t>
             </a:r>
-            <a:endParaRPr kumimoji="1" lang="ja-JP" altLang="en-US" dirty="0"/>
+            <a:endParaRPr lang="en-US" altLang="ja-JP" sz="4000" dirty="0"/>
+          </a:p>
+          <a:p>
+            <a:r>
+              <a:rPr lang="ja-JP" altLang="en-US" sz="4000" dirty="0"/>
+              <a:t>拡張しやすい</a:t>
+            </a:r>
+            <a:endParaRPr kumimoji="1" lang="ja-JP" altLang="en-US" sz="4000" dirty="0"/>
           </a:p>
         </p:txBody>
       </p:sp>
@@ -6359,8 +6383,8 @@
         </p:blipFill>
         <p:spPr>
           <a:xfrm>
-            <a:off x="2393066" y="2160589"/>
-            <a:ext cx="5165203" cy="4697411"/>
+            <a:off x="4869904" y="4238172"/>
+            <a:ext cx="2880724" cy="2619828"/>
           </a:xfrm>
           <a:prstGeom prst="rect">
             <a:avLst/>
@@ -6419,7 +6443,7 @@
           <a:lstStyle/>
           <a:p>
             <a:r>
-              <a:rPr kumimoji="1" lang="ja-JP" altLang="en-US" dirty="0"/>
+              <a:rPr kumimoji="1" lang="ja-JP" altLang="en-US" b="1" dirty="0"/>
               <a:t>コンセプト</a:t>
             </a:r>
           </a:p>
@@ -6441,23 +6465,40 @@
             <p:ph idx="1"/>
           </p:nvPr>
         </p:nvSpPr>
-        <p:spPr/>
-        <p:txBody>
-          <a:bodyPr/>
-          <a:lstStyle/>
-          <a:p>
-            <a:r>
-              <a:rPr lang="ja-JP" altLang="en-US" dirty="0"/>
-              <a:t>誰でも簡単</a:t>
-            </a:r>
-            <a:endParaRPr lang="en-US" altLang="ja-JP" dirty="0"/>
-          </a:p>
-          <a:p>
-            <a:r>
-              <a:rPr kumimoji="1" lang="ja-JP" altLang="en-US" dirty="0"/>
-              <a:t>シンプル</a:t>
-            </a:r>
-            <a:endParaRPr kumimoji="1" lang="en-US" altLang="ja-JP" dirty="0"/>
+        <p:spPr>
+          <a:xfrm>
+            <a:off x="677333" y="2160589"/>
+            <a:ext cx="11514667" cy="4697411"/>
+          </a:xfrm>
+        </p:spPr>
+        <p:txBody>
+          <a:bodyPr>
+            <a:normAutofit/>
+          </a:bodyPr>
+          <a:lstStyle/>
+          <a:p>
+            <a:r>
+              <a:rPr kumimoji="1" lang="ja-JP" altLang="en-US" sz="4000" dirty="0"/>
+              <a:t>必要最小限</a:t>
+            </a:r>
+            <a:endParaRPr kumimoji="1" lang="en-US" altLang="ja-JP" sz="4000" dirty="0"/>
+          </a:p>
+          <a:p>
+            <a:r>
+              <a:rPr lang="ja-JP" altLang="en-US" sz="4000" dirty="0"/>
+              <a:t>余計な操作なし</a:t>
+            </a:r>
+            <a:endParaRPr lang="en-US" altLang="ja-JP" sz="4000" dirty="0"/>
+          </a:p>
+          <a:p>
+            <a:r>
+              <a:rPr kumimoji="1" lang="ja-JP" altLang="en-US" sz="4000" dirty="0"/>
+              <a:t>習慣化</a:t>
+            </a:r>
+            <a:endParaRPr kumimoji="1" lang="en-US" altLang="ja-JP" sz="4000" dirty="0"/>
+          </a:p>
+          <a:p>
+            <a:endParaRPr kumimoji="1" lang="en-US" altLang="ja-JP" sz="4000" dirty="0"/>
           </a:p>
         </p:txBody>
       </p:sp>
@@ -6513,7 +6554,7 @@
           <a:lstStyle/>
           <a:p>
             <a:r>
-              <a:rPr kumimoji="1" lang="ja-JP" altLang="en-US" dirty="0"/>
+              <a:rPr kumimoji="1" lang="ja-JP" altLang="en-US" b="1" dirty="0"/>
               <a:t>機能一覧</a:t>
             </a:r>
           </a:p>
@@ -6537,43 +6578,45 @@
         </p:nvSpPr>
         <p:spPr/>
         <p:txBody>
-          <a:bodyPr/>
-          <a:lstStyle/>
-          <a:p>
-            <a:r>
-              <a:rPr kumimoji="1" lang="ja-JP" altLang="en-US" dirty="0"/>
-              <a:t>タスクの追加・削除</a:t>
-            </a:r>
-            <a:endParaRPr kumimoji="1" lang="en-US" altLang="ja-JP" dirty="0"/>
-          </a:p>
-          <a:p>
-            <a:r>
-              <a:rPr lang="ja-JP" altLang="en-US" dirty="0"/>
+          <a:bodyPr>
+            <a:normAutofit/>
+          </a:bodyPr>
+          <a:lstStyle/>
+          <a:p>
+            <a:r>
+              <a:rPr kumimoji="1" lang="ja-JP" altLang="en-US" sz="4000" dirty="0"/>
+              <a:t>タスクの追加・編集・削除</a:t>
+            </a:r>
+            <a:endParaRPr kumimoji="1" lang="en-US" altLang="ja-JP" sz="4000" dirty="0"/>
+          </a:p>
+          <a:p>
+            <a:r>
+              <a:rPr lang="ja-JP" altLang="en-US" sz="4000" dirty="0"/>
               <a:t>完了・未完了の切り替え</a:t>
             </a:r>
-            <a:endParaRPr lang="en-US" altLang="ja-JP" dirty="0"/>
-          </a:p>
-          <a:p>
-            <a:r>
-              <a:rPr kumimoji="1" lang="ja-JP" altLang="en-US" dirty="0"/>
+            <a:endParaRPr lang="en-US" altLang="ja-JP" sz="4000" dirty="0"/>
+          </a:p>
+          <a:p>
+            <a:r>
+              <a:rPr kumimoji="1" lang="ja-JP" altLang="en-US" sz="4000" dirty="0"/>
               <a:t>タグに</a:t>
             </a:r>
             <a:r>
-              <a:rPr lang="ja-JP" altLang="en-US" dirty="0"/>
+              <a:rPr lang="ja-JP" altLang="en-US" sz="4000" dirty="0"/>
               <a:t>よる切り替え</a:t>
             </a:r>
-            <a:endParaRPr lang="en-US" altLang="ja-JP" dirty="0"/>
-          </a:p>
-          <a:p>
-            <a:r>
-              <a:rPr kumimoji="1" lang="en-US" altLang="ja-JP" dirty="0"/>
+            <a:endParaRPr lang="en-US" altLang="ja-JP" sz="4000" dirty="0"/>
+          </a:p>
+          <a:p>
+            <a:r>
+              <a:rPr kumimoji="1" lang="en-US" altLang="ja-JP" sz="4000" dirty="0"/>
               <a:t>Firebase</a:t>
             </a:r>
             <a:r>
-              <a:rPr kumimoji="1" lang="ja-JP" altLang="en-US" dirty="0"/>
+              <a:rPr kumimoji="1" lang="ja-JP" altLang="en-US" sz="4000" dirty="0"/>
               <a:t>でリアルタイム同期</a:t>
             </a:r>
-            <a:endParaRPr kumimoji="1" lang="en-US" altLang="ja-JP" dirty="0"/>
+            <a:endParaRPr kumimoji="1" lang="en-US" altLang="ja-JP" sz="4000" dirty="0"/>
           </a:p>
         </p:txBody>
       </p:sp>
@@ -6623,13 +6666,20 @@
             <p:ph type="title"/>
           </p:nvPr>
         </p:nvSpPr>
-        <p:spPr/>
-        <p:txBody>
-          <a:bodyPr/>
-          <a:lstStyle/>
-          <a:p>
-            <a:r>
-              <a:rPr kumimoji="1" lang="ja-JP" altLang="en-US" dirty="0"/>
+        <p:spPr>
+          <a:xfrm>
+            <a:off x="3539067" y="2759528"/>
+            <a:ext cx="5113865" cy="1338944"/>
+          </a:xfrm>
+        </p:spPr>
+        <p:txBody>
+          <a:bodyPr>
+            <a:noAutofit/>
+          </a:bodyPr>
+          <a:lstStyle/>
+          <a:p>
+            <a:r>
+              <a:rPr kumimoji="1" lang="ja-JP" altLang="en-US" sz="9600" b="1" dirty="0"/>
               <a:t>実機説明</a:t>
             </a:r>
           </a:p>
@@ -6687,9 +6737,14 @@
           <a:lstStyle/>
           <a:p>
             <a:r>
-              <a:rPr kumimoji="1" lang="ja-JP" altLang="en-US" dirty="0"/>
-              <a:t>開発環境</a:t>
-            </a:r>
+              <a:rPr kumimoji="1" lang="ja-JP" altLang="en-US" b="1" dirty="0"/>
+              <a:t>開発環境＆参考</a:t>
+            </a:r>
+            <a:r>
+              <a:rPr kumimoji="1" lang="en-US" altLang="ja-JP" b="1" dirty="0"/>
+              <a:t>URL</a:t>
+            </a:r>
+            <a:endParaRPr kumimoji="1" lang="ja-JP" altLang="en-US" b="1" dirty="0"/>
           </a:p>
         </p:txBody>
       </p:sp>
@@ -6709,34 +6764,68 @@
             <p:ph idx="1"/>
           </p:nvPr>
         </p:nvSpPr>
-        <p:spPr/>
-        <p:txBody>
-          <a:bodyPr/>
-          <a:lstStyle/>
-          <a:p>
-            <a:r>
-              <a:rPr lang="en-US" altLang="ja-JP" dirty="0"/>
+        <p:spPr>
+          <a:xfrm>
+            <a:off x="677334" y="2160589"/>
+            <a:ext cx="11514666" cy="4697411"/>
+          </a:xfrm>
+        </p:spPr>
+        <p:txBody>
+          <a:bodyPr>
+            <a:normAutofit/>
+          </a:bodyPr>
+          <a:lstStyle/>
+          <a:p>
+            <a:r>
+              <a:rPr lang="en-US" altLang="ja-JP" sz="4000" dirty="0"/>
               <a:t>Flutter 3.24.3</a:t>
             </a:r>
-            <a:endParaRPr kumimoji="1" lang="en-US" altLang="ja-JP" dirty="0"/>
-          </a:p>
-          <a:p>
-            <a:r>
-              <a:rPr lang="en-US" altLang="ja-JP" dirty="0"/>
+            <a:endParaRPr kumimoji="1" lang="en-US" altLang="ja-JP" sz="4000" dirty="0"/>
+          </a:p>
+          <a:p>
+            <a:r>
+              <a:rPr lang="en-US" altLang="ja-JP" sz="4000" dirty="0"/>
               <a:t>Dart 3.8.1</a:t>
             </a:r>
           </a:p>
           <a:p>
             <a:r>
-              <a:rPr kumimoji="1" lang="en-US" altLang="ja-JP" dirty="0"/>
+              <a:rPr kumimoji="1" lang="en-US" altLang="ja-JP" sz="4000" dirty="0"/>
               <a:t>Visual studio code 1.101.2</a:t>
             </a:r>
           </a:p>
           <a:p>
             <a:r>
-              <a:rPr lang="en-US" altLang="ja-JP" dirty="0"/>
+              <a:rPr lang="en-US" altLang="ja-JP" sz="4000" dirty="0"/>
               <a:t>Firebase</a:t>
             </a:r>
+          </a:p>
+          <a:p>
+            <a:pPr marL="0" indent="0">
+              <a:buNone/>
+            </a:pPr>
+            <a:r>
+              <a:rPr lang="ja-JP" altLang="en-US" sz="4000" dirty="0"/>
+              <a:t>（</a:t>
+            </a:r>
+            <a:r>
+              <a:rPr lang="en-US" altLang="ja-JP" sz="4000" dirty="0"/>
+              <a:t>Flutter</a:t>
+            </a:r>
+            <a:r>
+              <a:rPr lang="ja-JP" altLang="en-US" sz="4000" dirty="0"/>
+              <a:t>で始めるアプリ開発）</a:t>
+            </a:r>
+            <a:endParaRPr lang="en-US" altLang="ja-JP" sz="4000" dirty="0"/>
+          </a:p>
+          <a:p>
+            <a:r>
+              <a:rPr lang="en-US" altLang="ja-JP" sz="4000" dirty="0">
+                <a:hlinkClick r:id="rId2"/>
+              </a:rPr>
+              <a:t>https://www.flutter-study.dev/</a:t>
+            </a:r>
+            <a:endParaRPr lang="en-US" altLang="ja-JP" sz="4000" dirty="0"/>
           </a:p>
         </p:txBody>
       </p:sp>
@@ -6775,7 +6864,7 @@
           <p:cNvPr id="2" name="タイトル 1">
             <a:extLst>
               <a:ext uri="{FF2B5EF4-FFF2-40B4-BE49-F238E27FC236}">
-                <a16:creationId xmlns:a16="http://schemas.microsoft.com/office/drawing/2014/main" id="{4527C880-B52E-3084-1906-B9F50E0C47CC}"/>
+                <a16:creationId xmlns:a16="http://schemas.microsoft.com/office/drawing/2014/main" id="{78D61F02-4BF7-A197-2F04-93A2A50BAA3F}"/>
               </a:ext>
             </a:extLst>
           </p:cNvPr>
@@ -6792,10 +6881,9 @@
           <a:lstStyle/>
           <a:p>
             <a:r>
-              <a:rPr lang="ja-JP" altLang="en-US" dirty="0"/>
+              <a:rPr kumimoji="1" lang="ja-JP" altLang="en-US" b="1" dirty="0"/>
               <a:t>感想</a:t>
             </a:r>
-            <a:endParaRPr kumimoji="1" lang="ja-JP" altLang="en-US" dirty="0"/>
           </a:p>
         </p:txBody>
       </p:sp>
@@ -6804,7 +6892,7 @@
           <p:cNvPr id="3" name="コンテンツ プレースホルダー 2">
             <a:extLst>
               <a:ext uri="{FF2B5EF4-FFF2-40B4-BE49-F238E27FC236}">
-                <a16:creationId xmlns:a16="http://schemas.microsoft.com/office/drawing/2014/main" id="{3655DDCF-0878-6880-D511-2CFE477846A5}"/>
+                <a16:creationId xmlns:a16="http://schemas.microsoft.com/office/drawing/2014/main" id="{8DCB10A6-A099-6739-8408-C20426A471A9}"/>
               </a:ext>
             </a:extLst>
           </p:cNvPr>
@@ -6817,27 +6905,43 @@
         </p:nvSpPr>
         <p:spPr/>
         <p:txBody>
-          <a:bodyPr/>
-          <a:lstStyle/>
-          <a:p>
-            <a:pPr marL="0" indent="0">
-              <a:buNone/>
-            </a:pPr>
-            <a:r>
-              <a:rPr kumimoji="1" lang="en-US" altLang="ja-JP" dirty="0"/>
+          <a:bodyPr>
+            <a:normAutofit/>
+          </a:bodyPr>
+          <a:lstStyle/>
+          <a:p>
+            <a:r>
+              <a:rPr lang="en-US" altLang="ja-JP" sz="4000" dirty="0"/>
               <a:t>flutter</a:t>
             </a:r>
             <a:r>
-              <a:rPr kumimoji="1" lang="ja-JP" altLang="en-US" dirty="0"/>
+              <a:rPr lang="ja-JP" altLang="en-US" sz="4000" dirty="0"/>
               <a:t>むずい</a:t>
             </a:r>
+          </a:p>
+          <a:p>
+            <a:r>
+              <a:rPr lang="ja-JP" altLang="en-US" sz="4000" dirty="0"/>
+              <a:t>デザインがよくわからん</a:t>
+            </a:r>
+            <a:endParaRPr lang="en-US" altLang="ja-JP" sz="4000" dirty="0"/>
+          </a:p>
+          <a:p>
+            <a:r>
+              <a:rPr kumimoji="1" lang="ja-JP" altLang="en-US" sz="4000" dirty="0"/>
+              <a:t>拡張すると干渉しまくり</a:t>
+            </a:r>
+            <a:endParaRPr kumimoji="1" lang="en-US" altLang="ja-JP" sz="4000" dirty="0"/>
+          </a:p>
+          <a:p>
+            <a:endParaRPr kumimoji="1" lang="ja-JP" altLang="en-US" sz="4000" dirty="0"/>
           </a:p>
         </p:txBody>
       </p:sp>
     </p:spTree>
     <p:extLst>
       <p:ext uri="{BB962C8B-B14F-4D97-AF65-F5344CB8AC3E}">
-        <p14:creationId xmlns:p14="http://schemas.microsoft.com/office/powerpoint/2010/main" val="534870688"/>
+        <p14:creationId xmlns:p14="http://schemas.microsoft.com/office/powerpoint/2010/main" val="3192159244"/>
       </p:ext>
     </p:extLst>
   </p:cSld>

--- a/Todoアプリ_谷維案.pptx
+++ b/Todoアプリ_谷維案.pptx
@@ -863,7 +863,7 @@
           <a:p>
             <a:fld id="{C31ABA05-A337-4D84-A9B5-16C4340BA0E3}" type="datetimeFigureOut">
               <a:rPr kumimoji="1" lang="ja-JP" altLang="en-US" smtClean="0"/>
-              <a:t>2025/7/9</a:t>
+              <a:t>2025/7/16</a:t>
             </a:fld>
             <a:endParaRPr kumimoji="1" lang="ja-JP" altLang="en-US"/>
           </a:p>
@@ -1114,7 +1114,7 @@
           <a:p>
             <a:fld id="{C31ABA05-A337-4D84-A9B5-16C4340BA0E3}" type="datetimeFigureOut">
               <a:rPr kumimoji="1" lang="ja-JP" altLang="en-US" smtClean="0"/>
-              <a:t>2025/7/9</a:t>
+              <a:t>2025/7/16</a:t>
             </a:fld>
             <a:endParaRPr kumimoji="1" lang="ja-JP" altLang="en-US"/>
           </a:p>
@@ -1428,7 +1428,7 @@
           <a:p>
             <a:fld id="{C31ABA05-A337-4D84-A9B5-16C4340BA0E3}" type="datetimeFigureOut">
               <a:rPr kumimoji="1" lang="ja-JP" altLang="en-US" smtClean="0"/>
-              <a:t>2025/7/9</a:t>
+              <a:t>2025/7/16</a:t>
             </a:fld>
             <a:endParaRPr kumimoji="1" lang="ja-JP" altLang="en-US"/>
           </a:p>
@@ -1761,7 +1761,7 @@
           <a:p>
             <a:fld id="{C31ABA05-A337-4D84-A9B5-16C4340BA0E3}" type="datetimeFigureOut">
               <a:rPr kumimoji="1" lang="ja-JP" altLang="en-US" smtClean="0"/>
-              <a:t>2025/7/9</a:t>
+              <a:t>2025/7/16</a:t>
             </a:fld>
             <a:endParaRPr kumimoji="1" lang="ja-JP" altLang="en-US"/>
           </a:p>
@@ -2075,7 +2075,7 @@
           <a:p>
             <a:fld id="{C31ABA05-A337-4D84-A9B5-16C4340BA0E3}" type="datetimeFigureOut">
               <a:rPr kumimoji="1" lang="ja-JP" altLang="en-US" smtClean="0"/>
-              <a:t>2025/7/9</a:t>
+              <a:t>2025/7/16</a:t>
             </a:fld>
             <a:endParaRPr kumimoji="1" lang="ja-JP" altLang="en-US"/>
           </a:p>
@@ -2468,7 +2468,7 @@
           <a:p>
             <a:fld id="{C31ABA05-A337-4D84-A9B5-16C4340BA0E3}" type="datetimeFigureOut">
               <a:rPr kumimoji="1" lang="ja-JP" altLang="en-US" smtClean="0"/>
-              <a:t>2025/7/9</a:t>
+              <a:t>2025/7/16</a:t>
             </a:fld>
             <a:endParaRPr kumimoji="1" lang="ja-JP" altLang="en-US"/>
           </a:p>
@@ -2670,7 +2670,7 @@
           <a:p>
             <a:fld id="{C31ABA05-A337-4D84-A9B5-16C4340BA0E3}" type="datetimeFigureOut">
               <a:rPr kumimoji="1" lang="ja-JP" altLang="en-US" smtClean="0"/>
-              <a:t>2025/7/9</a:t>
+              <a:t>2025/7/16</a:t>
             </a:fld>
             <a:endParaRPr kumimoji="1" lang="ja-JP" altLang="en-US"/>
           </a:p>
@@ -2882,7 +2882,7 @@
           <a:p>
             <a:fld id="{C31ABA05-A337-4D84-A9B5-16C4340BA0E3}" type="datetimeFigureOut">
               <a:rPr kumimoji="1" lang="ja-JP" altLang="en-US" smtClean="0"/>
-              <a:t>2025/7/9</a:t>
+              <a:t>2025/7/16</a:t>
             </a:fld>
             <a:endParaRPr kumimoji="1" lang="ja-JP" altLang="en-US"/>
           </a:p>
@@ -3084,7 +3084,7 @@
           <a:p>
             <a:fld id="{C31ABA05-A337-4D84-A9B5-16C4340BA0E3}" type="datetimeFigureOut">
               <a:rPr kumimoji="1" lang="ja-JP" altLang="en-US" smtClean="0"/>
-              <a:t>2025/7/9</a:t>
+              <a:t>2025/7/16</a:t>
             </a:fld>
             <a:endParaRPr kumimoji="1" lang="ja-JP" altLang="en-US"/>
           </a:p>
@@ -3331,7 +3331,7 @@
           <a:p>
             <a:fld id="{C31ABA05-A337-4D84-A9B5-16C4340BA0E3}" type="datetimeFigureOut">
               <a:rPr kumimoji="1" lang="ja-JP" altLang="en-US" smtClean="0"/>
-              <a:t>2025/7/9</a:t>
+              <a:t>2025/7/16</a:t>
             </a:fld>
             <a:endParaRPr kumimoji="1" lang="ja-JP" altLang="en-US"/>
           </a:p>
@@ -3627,7 +3627,7 @@
           <a:p>
             <a:fld id="{C31ABA05-A337-4D84-A9B5-16C4340BA0E3}" type="datetimeFigureOut">
               <a:rPr kumimoji="1" lang="ja-JP" altLang="en-US" smtClean="0"/>
-              <a:t>2025/7/9</a:t>
+              <a:t>2025/7/16</a:t>
             </a:fld>
             <a:endParaRPr kumimoji="1" lang="ja-JP" altLang="en-US"/>
           </a:p>
@@ -4065,7 +4065,7 @@
           <a:p>
             <a:fld id="{C31ABA05-A337-4D84-A9B5-16C4340BA0E3}" type="datetimeFigureOut">
               <a:rPr kumimoji="1" lang="ja-JP" altLang="en-US" smtClean="0"/>
-              <a:t>2025/7/9</a:t>
+              <a:t>2025/7/16</a:t>
             </a:fld>
             <a:endParaRPr kumimoji="1" lang="ja-JP" altLang="en-US"/>
           </a:p>
@@ -4188,7 +4188,7 @@
           <a:p>
             <a:fld id="{C31ABA05-A337-4D84-A9B5-16C4340BA0E3}" type="datetimeFigureOut">
               <a:rPr kumimoji="1" lang="ja-JP" altLang="en-US" smtClean="0"/>
-              <a:t>2025/7/9</a:t>
+              <a:t>2025/7/16</a:t>
             </a:fld>
             <a:endParaRPr kumimoji="1" lang="ja-JP" altLang="en-US"/>
           </a:p>
@@ -4283,7 +4283,7 @@
           <a:p>
             <a:fld id="{C31ABA05-A337-4D84-A9B5-16C4340BA0E3}" type="datetimeFigureOut">
               <a:rPr kumimoji="1" lang="ja-JP" altLang="en-US" smtClean="0"/>
-              <a:t>2025/7/9</a:t>
+              <a:t>2025/7/16</a:t>
             </a:fld>
             <a:endParaRPr kumimoji="1" lang="ja-JP" altLang="en-US"/>
           </a:p>
@@ -4570,7 +4570,7 @@
           <a:p>
             <a:fld id="{C31ABA05-A337-4D84-A9B5-16C4340BA0E3}" type="datetimeFigureOut">
               <a:rPr kumimoji="1" lang="ja-JP" altLang="en-US" smtClean="0"/>
-              <a:t>2025/7/9</a:t>
+              <a:t>2025/7/16</a:t>
             </a:fld>
             <a:endParaRPr kumimoji="1" lang="ja-JP" altLang="en-US"/>
           </a:p>
@@ -4875,7 +4875,7 @@
           <a:p>
             <a:fld id="{C31ABA05-A337-4D84-A9B5-16C4340BA0E3}" type="datetimeFigureOut">
               <a:rPr kumimoji="1" lang="ja-JP" altLang="en-US" smtClean="0"/>
-              <a:t>2025/7/9</a:t>
+              <a:t>2025/7/16</a:t>
             </a:fld>
             <a:endParaRPr kumimoji="1" lang="ja-JP" altLang="en-US"/>
           </a:p>
@@ -5609,7 +5609,7 @@
           <a:p>
             <a:fld id="{C31ABA05-A337-4D84-A9B5-16C4340BA0E3}" type="datetimeFigureOut">
               <a:rPr kumimoji="1" lang="ja-JP" altLang="en-US" smtClean="0"/>
-              <a:t>2025/7/9</a:t>
+              <a:t>2025/7/16</a:t>
             </a:fld>
             <a:endParaRPr kumimoji="1" lang="ja-JP" altLang="en-US"/>
           </a:p>
@@ -6502,6 +6502,42 @@
           </a:p>
         </p:txBody>
       </p:sp>
+      <p:pic>
+        <p:nvPicPr>
+          <p:cNvPr id="5" name="図 4">
+            <a:extLst>
+              <a:ext uri="{FF2B5EF4-FFF2-40B4-BE49-F238E27FC236}">
+                <a16:creationId xmlns:a16="http://schemas.microsoft.com/office/drawing/2014/main" id="{F17FAA04-654B-9D69-2DC2-EB2CF6F1CEC6}"/>
+              </a:ext>
+            </a:extLst>
+          </p:cNvPr>
+          <p:cNvPicPr>
+            <a:picLocks noChangeAspect="1"/>
+          </p:cNvPicPr>
+          <p:nvPr/>
+        </p:nvPicPr>
+        <p:blipFill>
+          <a:blip r:embed="rId2">
+            <a:extLst>
+              <a:ext uri="{28A0092B-C50C-407E-A947-70E740481C1C}">
+                <a14:useLocalDpi xmlns:a14="http://schemas.microsoft.com/office/drawing/2010/main" val="0"/>
+              </a:ext>
+            </a:extLst>
+          </a:blip>
+          <a:stretch>
+            <a:fillRect/>
+          </a:stretch>
+        </p:blipFill>
+        <p:spPr>
+          <a:xfrm>
+            <a:off x="5061857" y="1143000"/>
+            <a:ext cx="4942114" cy="4942114"/>
+          </a:xfrm>
+          <a:prstGeom prst="rect">
+            <a:avLst/>
+          </a:prstGeom>
+        </p:spPr>
+      </p:pic>
     </p:spTree>
     <p:extLst>
       <p:ext uri="{BB962C8B-B14F-4D97-AF65-F5344CB8AC3E}">
